--- a/images/Presentation4.pptx
+++ b/images/Presentation4.pptx
@@ -106,6 +106,11 @@
       </a:defRPr>
     </a:lvl9pPr>
   </p:defaultTextStyle>
+  <p:extLst>
+    <p:ext uri="{EFAFB233-063F-42B5-8137-9DF3F51BA10A}">
+      <p15:sldGuideLst xmlns:p15="http://schemas.microsoft.com/office/powerpoint/2012/main"/>
+    </p:ext>
+  </p:extLst>
 </p:presentation>
 </file>
 
@@ -285,7 +290,7 @@
           <a:lstStyle/>
           <a:p>
             <a:fld id="{3DDC073C-D3D1-DD4B-95FB-06FFFD5F9F5A}" type="datetimeFigureOut">
-              <a:t>19/02/2024</a:t>
+              <a:t>18/03/2024</a:t>
             </a:fld>
             <a:endParaRPr lang="en-VN"/>
           </a:p>
@@ -483,7 +488,7 @@
           <a:lstStyle/>
           <a:p>
             <a:fld id="{3DDC073C-D3D1-DD4B-95FB-06FFFD5F9F5A}" type="datetimeFigureOut">
-              <a:t>19/02/2024</a:t>
+              <a:t>18/03/2024</a:t>
             </a:fld>
             <a:endParaRPr lang="en-VN"/>
           </a:p>
@@ -691,7 +696,7 @@
           <a:lstStyle/>
           <a:p>
             <a:fld id="{3DDC073C-D3D1-DD4B-95FB-06FFFD5F9F5A}" type="datetimeFigureOut">
-              <a:t>19/02/2024</a:t>
+              <a:t>18/03/2024</a:t>
             </a:fld>
             <a:endParaRPr lang="en-VN"/>
           </a:p>
@@ -889,7 +894,7 @@
           <a:lstStyle/>
           <a:p>
             <a:fld id="{3DDC073C-D3D1-DD4B-95FB-06FFFD5F9F5A}" type="datetimeFigureOut">
-              <a:t>19/02/2024</a:t>
+              <a:t>18/03/2024</a:t>
             </a:fld>
             <a:endParaRPr lang="en-VN"/>
           </a:p>
@@ -1163,7 +1168,7 @@
           <a:lstStyle/>
           <a:p>
             <a:fld id="{3DDC073C-D3D1-DD4B-95FB-06FFFD5F9F5A}" type="datetimeFigureOut">
-              <a:t>19/02/2024</a:t>
+              <a:t>18/03/2024</a:t>
             </a:fld>
             <a:endParaRPr lang="en-VN"/>
           </a:p>
@@ -1429,7 +1434,7 @@
           <a:lstStyle/>
           <a:p>
             <a:fld id="{3DDC073C-D3D1-DD4B-95FB-06FFFD5F9F5A}" type="datetimeFigureOut">
-              <a:t>19/02/2024</a:t>
+              <a:t>18/03/2024</a:t>
             </a:fld>
             <a:endParaRPr lang="en-VN"/>
           </a:p>
@@ -1842,7 +1847,7 @@
           <a:lstStyle/>
           <a:p>
             <a:fld id="{3DDC073C-D3D1-DD4B-95FB-06FFFD5F9F5A}" type="datetimeFigureOut">
-              <a:t>19/02/2024</a:t>
+              <a:t>18/03/2024</a:t>
             </a:fld>
             <a:endParaRPr lang="en-VN"/>
           </a:p>
@@ -1982,7 +1987,7 @@
           <a:lstStyle/>
           <a:p>
             <a:fld id="{3DDC073C-D3D1-DD4B-95FB-06FFFD5F9F5A}" type="datetimeFigureOut">
-              <a:t>19/02/2024</a:t>
+              <a:t>18/03/2024</a:t>
             </a:fld>
             <a:endParaRPr lang="en-VN"/>
           </a:p>
@@ -2093,7 +2098,7 @@
           <a:lstStyle/>
           <a:p>
             <a:fld id="{3DDC073C-D3D1-DD4B-95FB-06FFFD5F9F5A}" type="datetimeFigureOut">
-              <a:t>19/02/2024</a:t>
+              <a:t>18/03/2024</a:t>
             </a:fld>
             <a:endParaRPr lang="en-VN"/>
           </a:p>
@@ -2404,7 +2409,7 @@
           <a:lstStyle/>
           <a:p>
             <a:fld id="{3DDC073C-D3D1-DD4B-95FB-06FFFD5F9F5A}" type="datetimeFigureOut">
-              <a:t>19/02/2024</a:t>
+              <a:t>18/03/2024</a:t>
             </a:fld>
             <a:endParaRPr lang="en-VN"/>
           </a:p>
@@ -2691,7 +2696,7 @@
           <a:lstStyle/>
           <a:p>
             <a:fld id="{3DDC073C-D3D1-DD4B-95FB-06FFFD5F9F5A}" type="datetimeFigureOut">
-              <a:t>19/02/2024</a:t>
+              <a:t>18/03/2024</a:t>
             </a:fld>
             <a:endParaRPr lang="en-VN"/>
           </a:p>
@@ -2932,7 +2937,7 @@
           </a:lstStyle>
           <a:p>
             <a:fld id="{3DDC073C-D3D1-DD4B-95FB-06FFFD5F9F5A}" type="datetimeFigureOut">
-              <a:t>19/02/2024</a:t>
+              <a:t>18/03/2024</a:t>
             </a:fld>
             <a:endParaRPr lang="en-VN"/>
           </a:p>
@@ -3442,7 +3447,7 @@
         </p:nvSpPr>
         <p:spPr>
           <a:xfrm>
-            <a:off x="5406079" y="1483954"/>
+            <a:off x="5308107" y="1647240"/>
             <a:ext cx="589936" cy="503604"/>
           </a:xfrm>
           <a:prstGeom prst="rect">
@@ -3502,7 +3507,7 @@
             </p:nvSpPr>
             <p:spPr>
               <a:xfrm>
-                <a:off x="765509" y="1551090"/>
+                <a:off x="667537" y="1714376"/>
                 <a:ext cx="496591" cy="369332"/>
               </a:xfrm>
               <a:prstGeom prst="rect">
@@ -3560,7 +3565,7 @@
             </p:nvSpPr>
             <p:spPr>
               <a:xfrm>
-                <a:off x="765509" y="1551090"/>
+                <a:off x="667537" y="1714376"/>
                 <a:ext cx="496591" cy="369332"/>
               </a:xfrm>
               <a:prstGeom prst="rect">
@@ -3569,7 +3574,7 @@
               <a:blipFill>
                 <a:blip r:embed="rId2"/>
                 <a:stretch>
-                  <a:fillRect b="-12903"/>
+                  <a:fillRect r="-2500" b="-12903"/>
                 </a:stretch>
               </a:blipFill>
               <a:ln w="28575">
@@ -3609,7 +3614,7 @@
         </p:nvCxnSpPr>
         <p:spPr>
           <a:xfrm>
-            <a:off x="1262100" y="1735756"/>
+            <a:off x="1164128" y="1899042"/>
             <a:ext cx="4143979" cy="0"/>
           </a:xfrm>
           <a:prstGeom prst="line">
@@ -3646,7 +3651,7 @@
         </p:nvSpPr>
         <p:spPr>
           <a:xfrm rot="17810042">
-            <a:off x="5529098" y="1725356"/>
+            <a:off x="5431126" y="1888642"/>
             <a:ext cx="343896" cy="313646"/>
           </a:xfrm>
           <a:prstGeom prst="arc">
@@ -3703,7 +3708,7 @@
               <p14:nvPr/>
             </p14:nvContentPartPr>
             <p14:xfrm>
-              <a:off x="2934338" y="2421604"/>
+              <a:off x="2836366" y="2584890"/>
               <a:ext cx="360" cy="360"/>
             </p14:xfrm>
           </p:contentPart>
@@ -3729,7 +3734,7 @@
             </p:blipFill>
             <p:spPr>
               <a:xfrm>
-                <a:off x="2919938" y="2407204"/>
+                <a:off x="2821966" y="2570490"/>
                 <a:ext cx="28440" cy="28440"/>
               </a:xfrm>
               <a:prstGeom prst="rect">
@@ -3755,7 +3760,7 @@
         </p:nvCxnSpPr>
         <p:spPr>
           <a:xfrm flipV="1">
-            <a:off x="5665251" y="1620838"/>
+            <a:off x="5567279" y="1784124"/>
             <a:ext cx="150970" cy="222614"/>
           </a:xfrm>
           <a:prstGeom prst="straightConnector1">
@@ -3799,7 +3804,7 @@
             </p:nvSpPr>
             <p:spPr>
               <a:xfrm>
-                <a:off x="765509" y="2516487"/>
+                <a:off x="667537" y="2679773"/>
                 <a:ext cx="496591" cy="369332"/>
               </a:xfrm>
               <a:prstGeom prst="rect">
@@ -3857,7 +3862,7 @@
             </p:nvSpPr>
             <p:spPr>
               <a:xfrm>
-                <a:off x="765509" y="2516487"/>
+                <a:off x="667537" y="2679773"/>
                 <a:ext cx="496591" cy="369332"/>
               </a:xfrm>
               <a:prstGeom prst="rect">
@@ -3866,7 +3871,7 @@
               <a:blipFill>
                 <a:blip r:embed="rId5"/>
                 <a:stretch>
-                  <a:fillRect b="-13333"/>
+                  <a:fillRect r="-2500" b="-13333"/>
                 </a:stretch>
               </a:blipFill>
               <a:ln w="28575">
@@ -3905,7 +3910,7 @@
         </p:nvCxnSpPr>
         <p:spPr>
           <a:xfrm>
-            <a:off x="1262100" y="2701153"/>
+            <a:off x="1164128" y="2864439"/>
             <a:ext cx="2339961" cy="0"/>
           </a:xfrm>
           <a:prstGeom prst="line">
@@ -3942,7 +3947,7 @@
         </p:nvCxnSpPr>
         <p:spPr>
           <a:xfrm flipV="1">
-            <a:off x="1488511" y="2516487"/>
+            <a:off x="1216367" y="2679773"/>
             <a:ext cx="250723" cy="369332"/>
           </a:xfrm>
           <a:prstGeom prst="line">
@@ -3981,7 +3986,7 @@
             </p:nvSpPr>
             <p:spPr>
               <a:xfrm>
-                <a:off x="765509" y="3481884"/>
+                <a:off x="667537" y="3645170"/>
                 <a:ext cx="496591" cy="369332"/>
               </a:xfrm>
               <a:prstGeom prst="rect">
@@ -4039,7 +4044,7 @@
             </p:nvSpPr>
             <p:spPr>
               <a:xfrm>
-                <a:off x="765509" y="3481884"/>
+                <a:off x="667537" y="3645170"/>
                 <a:ext cx="496591" cy="369332"/>
               </a:xfrm>
               <a:prstGeom prst="rect">
@@ -4048,7 +4053,7 @@
               <a:blipFill>
                 <a:blip r:embed="rId5"/>
                 <a:stretch>
-                  <a:fillRect b="-13333"/>
+                  <a:fillRect r="-2500" b="-13333"/>
                 </a:stretch>
               </a:blipFill>
               <a:ln w="28575">
@@ -4088,7 +4093,7 @@
         </p:nvCxnSpPr>
         <p:spPr>
           <a:xfrm>
-            <a:off x="1262100" y="3666550"/>
+            <a:off x="1164128" y="3829836"/>
             <a:ext cx="5142902" cy="14252"/>
           </a:xfrm>
           <a:prstGeom prst="line">
@@ -4125,7 +4130,7 @@
         </p:nvCxnSpPr>
         <p:spPr>
           <a:xfrm flipV="1">
-            <a:off x="1488511" y="3481884"/>
+            <a:off x="1216367" y="3645170"/>
             <a:ext cx="250723" cy="369332"/>
           </a:xfrm>
           <a:prstGeom prst="line">
@@ -4164,7 +4169,7 @@
             </p:nvSpPr>
             <p:spPr>
               <a:xfrm>
-                <a:off x="2167175" y="1361172"/>
+                <a:off x="2286919" y="1524458"/>
                 <a:ext cx="720000" cy="720000"/>
               </a:xfrm>
               <a:prstGeom prst="rect">
@@ -4255,7 +4260,7 @@
             </p:nvSpPr>
             <p:spPr>
               <a:xfrm>
-                <a:off x="2167175" y="1361172"/>
+                <a:off x="2286919" y="1524458"/>
                 <a:ext cx="720000" cy="720000"/>
               </a:xfrm>
               <a:prstGeom prst="rect">
@@ -4302,7 +4307,7 @@
             </p:nvSpPr>
             <p:spPr>
               <a:xfrm>
-                <a:off x="2161670" y="2341153"/>
+                <a:off x="1667675" y="3441556"/>
                 <a:ext cx="720000" cy="720000"/>
               </a:xfrm>
               <a:prstGeom prst="rect">
@@ -4459,7 +4464,7 @@
             </p:nvSpPr>
             <p:spPr>
               <a:xfrm>
-                <a:off x="2161670" y="2341153"/>
+                <a:off x="1667675" y="3441556"/>
                 <a:ext cx="720000" cy="720000"/>
               </a:xfrm>
               <a:prstGeom prst="rect">
@@ -4506,7 +4511,7 @@
             </p:nvSpPr>
             <p:spPr>
               <a:xfrm>
-                <a:off x="2161670" y="3306549"/>
+                <a:off x="1671141" y="2506899"/>
                 <a:ext cx="720000" cy="720000"/>
               </a:xfrm>
               <a:prstGeom prst="rect">
@@ -4640,7 +4645,7 @@
             </p:nvSpPr>
             <p:spPr>
               <a:xfrm>
-                <a:off x="2161670" y="3306549"/>
+                <a:off x="1671141" y="2506899"/>
                 <a:ext cx="720000" cy="720000"/>
               </a:xfrm>
               <a:prstGeom prst="rect">
@@ -4687,8 +4692,8 @@
         </p:nvCxnSpPr>
         <p:spPr>
           <a:xfrm>
-            <a:off x="3607467" y="1732145"/>
-            <a:ext cx="0" cy="1934404"/>
+            <a:off x="3509495" y="968430"/>
+            <a:ext cx="0" cy="2861405"/>
           </a:xfrm>
           <a:prstGeom prst="line">
             <a:avLst/>
@@ -4726,7 +4731,7 @@
         </p:nvCxnSpPr>
         <p:spPr>
           <a:xfrm>
-            <a:off x="3403076" y="2516487"/>
+            <a:off x="3305104" y="2679773"/>
             <a:ext cx="409734" cy="353199"/>
           </a:xfrm>
           <a:prstGeom prst="line">
@@ -4765,7 +4770,7 @@
         </p:nvCxnSpPr>
         <p:spPr>
           <a:xfrm flipH="1">
-            <a:off x="3402125" y="2532621"/>
+            <a:off x="3304153" y="2695907"/>
             <a:ext cx="410685" cy="337065"/>
           </a:xfrm>
           <a:prstGeom prst="line">
@@ -4804,7 +4809,7 @@
         </p:nvCxnSpPr>
         <p:spPr>
           <a:xfrm>
-            <a:off x="3403076" y="3479674"/>
+            <a:off x="3305104" y="3642960"/>
             <a:ext cx="409734" cy="353199"/>
           </a:xfrm>
           <a:prstGeom prst="line">
@@ -4843,7 +4848,7 @@
         </p:nvCxnSpPr>
         <p:spPr>
           <a:xfrm flipH="1">
-            <a:off x="3402125" y="3495808"/>
+            <a:off x="3304153" y="3659094"/>
             <a:ext cx="410685" cy="337065"/>
           </a:xfrm>
           <a:prstGeom prst="line">
@@ -4880,7 +4885,7 @@
         </p:nvSpPr>
         <p:spPr>
           <a:xfrm>
-            <a:off x="3513382" y="1635490"/>
+            <a:off x="3415410" y="1798776"/>
             <a:ext cx="177359" cy="177359"/>
           </a:xfrm>
           <a:prstGeom prst="ellipse">
@@ -4928,7 +4933,7 @@
             </p:nvSpPr>
             <p:spPr>
               <a:xfrm>
-                <a:off x="5423003" y="3296273"/>
+                <a:off x="5325031" y="3459559"/>
                 <a:ext cx="720000" cy="720000"/>
               </a:xfrm>
               <a:prstGeom prst="rect">
@@ -4978,8 +4983,9 @@
                         </a:rPr>
                         <m:t> </m:t>
                       </m:r>
-                      <m:sSub>
-                        <m:sSubPr>
+                      <m:acc>
+                        <m:accPr>
+                          <m:chr m:val="̂"/>
                           <m:ctrlPr>
                             <a:rPr lang="vi-VN" sz="2400" b="1" i="1">
                               <a:solidFill>
@@ -4989,7 +4995,7 @@
                               <a:cs typeface="Times New Roman" panose="02020603050405020304" pitchFamily="18" charset="0"/>
                             </a:rPr>
                           </m:ctrlPr>
-                        </m:sSubPr>
+                        </m:accPr>
                         <m:e>
                           <m:r>
                             <a:rPr lang="vi-VN" sz="2400" b="1" i="1">
@@ -4999,38 +5005,10 @@
                               <a:latin typeface="Cambria Math" panose="02040503050406030204" pitchFamily="18" charset="0"/>
                               <a:cs typeface="Times New Roman" panose="02020603050405020304" pitchFamily="18" charset="0"/>
                             </a:rPr>
-                            <m:t>𝑼</m:t>
+                            <m:t>𝑯</m:t>
                           </m:r>
                         </m:e>
-                        <m:sub>
-                          <m:acc>
-                            <m:accPr>
-                              <m:chr m:val="̂"/>
-                              <m:ctrlPr>
-                                <a:rPr lang="vi-VN" sz="2400" b="1" i="1">
-                                  <a:solidFill>
-                                    <a:schemeClr val="tx1"/>
-                                  </a:solidFill>
-                                  <a:latin typeface="Cambria Math" panose="02040503050406030204" pitchFamily="18" charset="0"/>
-                                  <a:cs typeface="Times New Roman" panose="02020603050405020304" pitchFamily="18" charset="0"/>
-                                </a:rPr>
-                              </m:ctrlPr>
-                            </m:accPr>
-                            <m:e>
-                              <m:r>
-                                <a:rPr lang="vi-VN" sz="2400" b="1" i="1">
-                                  <a:solidFill>
-                                    <a:schemeClr val="tx1"/>
-                                  </a:solidFill>
-                                  <a:latin typeface="Cambria Math" panose="02040503050406030204" pitchFamily="18" charset="0"/>
-                                  <a:cs typeface="Times New Roman" panose="02020603050405020304" pitchFamily="18" charset="0"/>
-                                </a:rPr>
-                                <m:t>𝝈</m:t>
-                              </m:r>
-                            </m:e>
-                          </m:acc>
-                        </m:sub>
-                      </m:sSub>
+                      </m:acc>
                     </m:oMath>
                   </m:oMathPara>
                 </a14:m>
@@ -5062,7 +5040,7 @@
             </p:nvSpPr>
             <p:spPr>
               <a:xfrm>
-                <a:off x="5423003" y="3296273"/>
+                <a:off x="5325031" y="3459559"/>
                 <a:ext cx="720000" cy="720000"/>
               </a:xfrm>
               <a:prstGeom prst="rect">
@@ -5071,7 +5049,7 @@
               <a:blipFill>
                 <a:blip r:embed="rId9"/>
                 <a:stretch>
-                  <a:fillRect l="-8772"/>
+                  <a:fillRect/>
                 </a:stretch>
               </a:blipFill>
               <a:ln w="28575">
@@ -5107,7 +5085,7 @@
         </p:nvSpPr>
         <p:spPr>
           <a:xfrm>
-            <a:off x="6405002" y="3429000"/>
+            <a:off x="6307030" y="3592286"/>
             <a:ext cx="589936" cy="503604"/>
           </a:xfrm>
           <a:prstGeom prst="rect">
@@ -5165,7 +5143,7 @@
         </p:nvSpPr>
         <p:spPr>
           <a:xfrm rot="17810042">
-            <a:off x="6528021" y="3670402"/>
+            <a:off x="6430049" y="3833688"/>
             <a:ext cx="343896" cy="313646"/>
           </a:xfrm>
           <a:prstGeom prst="arc">
@@ -5223,7 +5201,7 @@
         </p:nvCxnSpPr>
         <p:spPr>
           <a:xfrm flipV="1">
-            <a:off x="6664174" y="3565884"/>
+            <a:off x="6566202" y="3729170"/>
             <a:ext cx="150970" cy="222614"/>
           </a:xfrm>
           <a:prstGeom prst="straightConnector1">
@@ -5267,7 +5245,7 @@
             </p:nvSpPr>
             <p:spPr>
               <a:xfrm>
-                <a:off x="4312611" y="1361172"/>
+                <a:off x="4214639" y="1524458"/>
                 <a:ext cx="720000" cy="720000"/>
               </a:xfrm>
               <a:prstGeom prst="rect">
@@ -5358,7 +5336,7 @@
             </p:nvSpPr>
             <p:spPr>
               <a:xfrm>
-                <a:off x="4312611" y="1361172"/>
+                <a:off x="4214639" y="1524458"/>
                 <a:ext cx="720000" cy="720000"/>
               </a:xfrm>
               <a:prstGeom prst="rect">
@@ -5405,8 +5383,8 @@
         </p:nvCxnSpPr>
         <p:spPr>
           <a:xfrm>
-            <a:off x="3199360" y="1361171"/>
-            <a:ext cx="0" cy="2877341"/>
+            <a:off x="3101388" y="789018"/>
+            <a:ext cx="0" cy="3612780"/>
           </a:xfrm>
           <a:prstGeom prst="line">
             <a:avLst/>
@@ -5446,8 +5424,8 @@
         </p:nvCxnSpPr>
         <p:spPr>
           <a:xfrm>
-            <a:off x="4040249" y="1361171"/>
-            <a:ext cx="0" cy="2877341"/>
+            <a:off x="3942277" y="789018"/>
+            <a:ext cx="0" cy="3612780"/>
           </a:xfrm>
           <a:prstGeom prst="line">
             <a:avLst/>
@@ -5487,7 +5465,7 @@
             </p:nvSpPr>
             <p:spPr>
               <a:xfrm>
-                <a:off x="2934338" y="4270398"/>
+                <a:off x="2836366" y="4433684"/>
                 <a:ext cx="496591" cy="369332"/>
               </a:xfrm>
               <a:prstGeom prst="rect">
@@ -5576,7 +5554,7 @@
             </p:nvSpPr>
             <p:spPr>
               <a:xfrm>
-                <a:off x="2934338" y="4270398"/>
+                <a:off x="2836366" y="4433684"/>
                 <a:ext cx="496591" cy="369332"/>
               </a:xfrm>
               <a:prstGeom prst="rect">
@@ -5585,7 +5563,7 @@
               <a:blipFill>
                 <a:blip r:embed="rId11"/>
                 <a:stretch>
-                  <a:fillRect l="-2439" r="-21951" b="-13333"/>
+                  <a:fillRect l="-5000" r="-25000" b="-12903"/>
                 </a:stretch>
               </a:blipFill>
               <a:ln w="28575">
@@ -5623,7 +5601,7 @@
             </p:nvSpPr>
             <p:spPr>
               <a:xfrm>
-                <a:off x="3785332" y="4270756"/>
+                <a:off x="3687360" y="4434042"/>
                 <a:ext cx="496591" cy="369332"/>
               </a:xfrm>
               <a:prstGeom prst="rect">
@@ -5712,7 +5690,7 @@
             </p:nvSpPr>
             <p:spPr>
               <a:xfrm>
-                <a:off x="3785332" y="4270756"/>
+                <a:off x="3687360" y="4434042"/>
                 <a:ext cx="496591" cy="369332"/>
               </a:xfrm>
               <a:prstGeom prst="rect">
@@ -5721,7 +5699,7 @@
               <a:blipFill>
                 <a:blip r:embed="rId12"/>
                 <a:stretch>
-                  <a:fillRect l="-5128" r="-28205" b="-13333"/>
+                  <a:fillRect l="-5000" r="-25000" b="-12903"/>
                 </a:stretch>
               </a:blipFill>
               <a:ln w="28575">
@@ -5759,8 +5737,8 @@
         </p:nvCxnSpPr>
         <p:spPr>
           <a:xfrm>
-            <a:off x="5218573" y="1361171"/>
-            <a:ext cx="0" cy="2877341"/>
+            <a:off x="5120601" y="789018"/>
+            <a:ext cx="0" cy="3612780"/>
           </a:xfrm>
           <a:prstGeom prst="line">
             <a:avLst/>
@@ -5800,7 +5778,7 @@
             </p:nvSpPr>
             <p:spPr>
               <a:xfrm>
-                <a:off x="4963656" y="4270756"/>
+                <a:off x="4865684" y="4434042"/>
                 <a:ext cx="496591" cy="369332"/>
               </a:xfrm>
               <a:prstGeom prst="rect">
@@ -5889,7 +5867,7 @@
             </p:nvSpPr>
             <p:spPr>
               <a:xfrm>
-                <a:off x="4963656" y="4270756"/>
+                <a:off x="4865684" y="4434042"/>
                 <a:ext cx="496591" cy="369332"/>
               </a:xfrm>
               <a:prstGeom prst="rect">
@@ -5898,7 +5876,7 @@
               <a:blipFill>
                 <a:blip r:embed="rId13"/>
                 <a:stretch>
-                  <a:fillRect l="-2439" r="-24390" b="-13333"/>
+                  <a:fillRect l="-5000" r="-25000" b="-12903"/>
                 </a:stretch>
               </a:blipFill>
               <a:ln w="28575">
@@ -5936,7 +5914,7 @@
             </p:nvSpPr>
             <p:spPr>
               <a:xfrm>
-                <a:off x="6567949" y="4417880"/>
+                <a:off x="6469977" y="4417882"/>
                 <a:ext cx="3038168" cy="424732"/>
               </a:xfrm>
               <a:prstGeom prst="rect">
@@ -5972,13 +5950,26 @@
                           </m:ctrlPr>
                         </m:dPr>
                         <m:e>
-                          <m:r>
-                            <a:rPr lang="vi-VN" i="1">
-                              <a:latin typeface="Cambria Math" panose="02040503050406030204" pitchFamily="18" charset="0"/>
-                              <a:cs typeface="Times New Roman" panose="02020603050405020304" pitchFamily="18" charset="0"/>
-                            </a:rPr>
-                            <m:t>𝐻</m:t>
-                          </m:r>
+                          <m:acc>
+                            <m:accPr>
+                              <m:chr m:val="̂"/>
+                              <m:ctrlPr>
+                                <a:rPr lang="vi-VN" b="0" i="1">
+                                  <a:latin typeface="Cambria Math" panose="02040503050406030204" pitchFamily="18" charset="0"/>
+                                  <a:cs typeface="Times New Roman" panose="02020603050405020304" pitchFamily="18" charset="0"/>
+                                </a:rPr>
+                              </m:ctrlPr>
+                            </m:accPr>
+                            <m:e>
+                              <m:r>
+                                <a:rPr lang="vi-VN" b="0" i="1">
+                                  <a:latin typeface="Cambria Math" panose="02040503050406030204" pitchFamily="18" charset="0"/>
+                                  <a:cs typeface="Times New Roman" panose="02020603050405020304" pitchFamily="18" charset="0"/>
+                                </a:rPr>
+                                <m:t>𝐻</m:t>
+                              </m:r>
+                            </m:e>
+                          </m:acc>
                         </m:e>
                       </m:d>
                       <m:r>
@@ -6072,13 +6063,6 @@
                           </m:r>
                         </m:e>
                       </m:d>
-                      <m:r>
-                        <a:rPr lang="vi-VN" b="1" i="1">
-                          <a:latin typeface="Cambria Math" panose="02040503050406030204" pitchFamily="18" charset="0"/>
-                          <a:cs typeface="Times New Roman" panose="02020603050405020304" pitchFamily="18" charset="0"/>
-                        </a:rPr>
-                        <m:t>|</m:t>
-                      </m:r>
                       <m:acc>
                         <m:accPr>
                           <m:chr m:val="̂"/>
@@ -6099,13 +6083,6 @@
                           </m:r>
                         </m:e>
                       </m:acc>
-                      <m:r>
-                        <a:rPr lang="vi-VN" b="1" i="1">
-                          <a:latin typeface="Cambria Math" panose="02040503050406030204" pitchFamily="18" charset="0"/>
-                          <a:cs typeface="Times New Roman" panose="02020603050405020304" pitchFamily="18" charset="0"/>
-                        </a:rPr>
-                        <m:t>|</m:t>
-                      </m:r>
                       <m:sSub>
                         <m:sSubPr>
                           <m:ctrlPr>
@@ -6215,7 +6192,7 @@
             </p:nvSpPr>
             <p:spPr>
               <a:xfrm>
-                <a:off x="6567949" y="4417880"/>
+                <a:off x="6469977" y="4417882"/>
                 <a:ext cx="3038168" cy="424732"/>
               </a:xfrm>
               <a:prstGeom prst="rect">
@@ -6257,15 +6234,15 @@
           </p:cNvPr>
           <p:cNvCxnSpPr>
             <a:cxnSpLocks/>
-            <a:stCxn id="108" idx="2"/>
+            <a:stCxn id="8" idx="2"/>
             <a:endCxn id="68" idx="0"/>
           </p:cNvCxnSpPr>
           <p:nvPr/>
         </p:nvCxnSpPr>
         <p:spPr>
-          <a:xfrm>
-            <a:off x="8076199" y="3919788"/>
-            <a:ext cx="10834" cy="498092"/>
+          <a:xfrm flipH="1">
+            <a:off x="7989061" y="4083074"/>
+            <a:ext cx="6822" cy="334808"/>
           </a:xfrm>
           <a:prstGeom prst="straightConnector1">
             <a:avLst/>
@@ -6301,21 +6278,19 @@
           </p:cNvPr>
           <p:cNvCxnSpPr>
             <a:cxnSpLocks/>
-            <a:stCxn id="68" idx="2"/>
-            <a:endCxn id="33" idx="0"/>
+            <a:stCxn id="5" idx="2"/>
+            <a:endCxn id="33" idx="2"/>
           </p:cNvCxnSpPr>
           <p:nvPr/>
         </p:nvCxnSpPr>
         <p:spPr>
           <a:xfrm rot="5400000" flipH="1">
-            <a:off x="4053622" y="809202"/>
-            <a:ext cx="2501459" cy="5565363"/>
+            <a:off x="4313208" y="1876023"/>
+            <a:ext cx="1390319" cy="5961386"/>
           </a:xfrm>
-          <a:prstGeom prst="bentConnector5">
+          <a:prstGeom prst="bentConnector3">
             <a:avLst>
-              <a:gd name="adj1" fmla="val -9139"/>
-              <a:gd name="adj2" fmla="val 60413"/>
-              <a:gd name="adj3" fmla="val 104029"/>
+              <a:gd name="adj1" fmla="val -16442"/>
             </a:avLst>
           </a:prstGeom>
           <a:ln w="19050">
@@ -6354,8 +6329,8 @@
             </p:nvSpPr>
             <p:spPr>
               <a:xfrm>
-                <a:off x="4619036" y="5117369"/>
-                <a:ext cx="2753957" cy="369332"/>
+                <a:off x="4521064" y="5280655"/>
+                <a:ext cx="1429221" cy="369332"/>
               </a:xfrm>
               <a:prstGeom prst="rect">
                 <a:avLst/>
@@ -6371,7 +6346,6 @@
               </a:bodyPr>
               <a:lstStyle/>
               <a:p>
-                <a:pPr/>
                 <a:r>
                   <a:rPr lang="vi-VN">
                     <a:latin typeface="Times New Roman" panose="02020603050405020304" pitchFamily="18" charset="0"/>
@@ -6422,8 +6396,8 @@
             </p:nvSpPr>
             <p:spPr>
               <a:xfrm>
-                <a:off x="4619036" y="5117369"/>
-                <a:ext cx="2753957" cy="369332"/>
+                <a:off x="4521064" y="5280655"/>
+                <a:ext cx="1429221" cy="369332"/>
               </a:xfrm>
               <a:prstGeom prst="rect">
                 <a:avLst/>
@@ -6431,7 +6405,7 @@
               <a:blipFill>
                 <a:blip r:embed="rId15"/>
                 <a:stretch>
-                  <a:fillRect l="-1835" t="-6452" b="-19355"/>
+                  <a:fillRect l="-4425" t="-6667" b="-23333"/>
                 </a:stretch>
               </a:blipFill>
               <a:ln w="28575">
@@ -6465,13 +6439,12 @@
           <p:cNvCxnSpPr>
             <a:cxnSpLocks/>
             <a:stCxn id="50" idx="3"/>
-            <a:endCxn id="108" idx="1"/>
           </p:cNvCxnSpPr>
           <p:nvPr/>
         </p:nvCxnSpPr>
         <p:spPr>
           <a:xfrm flipV="1">
-            <a:off x="6994938" y="3673676"/>
+            <a:off x="6896966" y="3836962"/>
             <a:ext cx="411904" cy="7126"/>
           </a:xfrm>
           <a:prstGeom prst="straightConnector1">
@@ -6513,7 +6486,7 @@
             </p:nvSpPr>
             <p:spPr>
               <a:xfrm>
-                <a:off x="1399177" y="2174298"/>
+                <a:off x="1127033" y="2337584"/>
                 <a:ext cx="521769" cy="369332"/>
               </a:xfrm>
               <a:prstGeom prst="rect">
@@ -6572,7 +6545,7 @@
             </p:nvSpPr>
             <p:spPr>
               <a:xfrm>
-                <a:off x="1399177" y="2174298"/>
+                <a:off x="1127033" y="2337584"/>
                 <a:ext cx="521769" cy="369332"/>
               </a:xfrm>
               <a:prstGeom prst="rect">
@@ -6619,7 +6592,7 @@
             </p:nvSpPr>
             <p:spPr>
               <a:xfrm>
-                <a:off x="1373291" y="3153122"/>
+                <a:off x="1101147" y="3316408"/>
                 <a:ext cx="521769" cy="369332"/>
               </a:xfrm>
               <a:prstGeom prst="rect">
@@ -6678,14 +6651,14 @@
             </p:nvSpPr>
             <p:spPr>
               <a:xfrm>
-                <a:off x="1373291" y="3153122"/>
+                <a:off x="1101147" y="3316408"/>
                 <a:ext cx="521769" cy="369332"/>
               </a:xfrm>
               <a:prstGeom prst="rect">
                 <a:avLst/>
               </a:prstGeom>
               <a:blipFill>
-                <a:blip r:embed="rId16"/>
+                <a:blip r:embed="rId17"/>
                 <a:stretch>
                   <a:fillRect/>
                 </a:stretch>
@@ -6727,7 +6700,7 @@
         </p:nvCxnSpPr>
         <p:spPr>
           <a:xfrm>
-            <a:off x="5996015" y="1735756"/>
+            <a:off x="5898043" y="1899042"/>
             <a:ext cx="1415593" cy="1400616"/>
           </a:xfrm>
           <a:prstGeom prst="bentConnector3">
@@ -6769,7 +6742,7 @@
         </p:nvSpPr>
         <p:spPr>
           <a:xfrm>
-            <a:off x="7411608" y="2994474"/>
+            <a:off x="7313636" y="3157760"/>
             <a:ext cx="1333948" cy="283796"/>
           </a:xfrm>
           <a:prstGeom prst="rect">
@@ -6820,7 +6793,7 @@
         </p:nvSpPr>
         <p:spPr>
           <a:xfrm>
-            <a:off x="7176696" y="2557882"/>
+            <a:off x="7078724" y="2721168"/>
             <a:ext cx="1784119" cy="1592826"/>
           </a:xfrm>
           <a:prstGeom prst="rect">
@@ -6871,7 +6844,7 @@
         </p:nvSpPr>
         <p:spPr>
           <a:xfrm>
-            <a:off x="7155592" y="2607660"/>
+            <a:off x="7057620" y="2770946"/>
             <a:ext cx="1784120" cy="307777"/>
           </a:xfrm>
           <a:prstGeom prst="rect">
@@ -6915,7 +6888,7 @@
         </p:nvCxnSpPr>
         <p:spPr>
           <a:xfrm flipV="1">
-            <a:off x="8745556" y="3131538"/>
+            <a:off x="8647584" y="3294824"/>
             <a:ext cx="575438" cy="4834"/>
           </a:xfrm>
           <a:prstGeom prst="straightConnector1">
@@ -6957,7 +6930,7 @@
             </p:nvSpPr>
             <p:spPr>
               <a:xfrm>
-                <a:off x="9320994" y="2946872"/>
+                <a:off x="9223022" y="3110158"/>
                 <a:ext cx="779997" cy="369332"/>
               </a:xfrm>
               <a:prstGeom prst="rect">
@@ -7070,14 +7043,14 @@
             </p:nvSpPr>
             <p:spPr>
               <a:xfrm>
-                <a:off x="9320994" y="2946872"/>
+                <a:off x="9223022" y="3110158"/>
                 <a:ext cx="779997" cy="369332"/>
               </a:xfrm>
               <a:prstGeom prst="rect">
                 <a:avLst/>
               </a:prstGeom>
               <a:blipFill>
-                <a:blip r:embed="rId17"/>
+                <a:blip r:embed="rId18"/>
                 <a:stretch>
                   <a:fillRect b="-12903"/>
                 </a:stretch>
@@ -7112,15 +7085,15 @@
           </p:cNvPr>
           <p:cNvCxnSpPr>
             <a:cxnSpLocks/>
-            <a:stCxn id="108" idx="3"/>
-            <a:endCxn id="106" idx="1"/>
+            <a:stCxn id="68" idx="2"/>
+            <a:endCxn id="5" idx="0"/>
           </p:cNvCxnSpPr>
           <p:nvPr/>
         </p:nvCxnSpPr>
         <p:spPr>
-          <a:xfrm flipV="1">
-            <a:off x="8745555" y="3673675"/>
-            <a:ext cx="575438" cy="1"/>
+          <a:xfrm>
+            <a:off x="7989061" y="4842614"/>
+            <a:ext cx="0" cy="217036"/>
           </a:xfrm>
           <a:prstGeom prst="straightConnector1">
             <a:avLst/>
@@ -7161,7 +7134,7 @@
             </p:nvSpPr>
             <p:spPr>
               <a:xfrm>
-                <a:off x="9320993" y="3489009"/>
+                <a:off x="9469288" y="5121095"/>
                 <a:ext cx="432607" cy="369332"/>
               </a:xfrm>
               <a:prstGeom prst="rect">
@@ -7220,14 +7193,14 @@
             </p:nvSpPr>
             <p:spPr>
               <a:xfrm>
-                <a:off x="9320993" y="3489009"/>
+                <a:off x="9469288" y="5121095"/>
                 <a:ext cx="432607" cy="369332"/>
               </a:xfrm>
               <a:prstGeom prst="rect">
                 <a:avLst/>
               </a:prstGeom>
               <a:blipFill>
-                <a:blip r:embed="rId18"/>
+                <a:blip r:embed="rId19"/>
                 <a:stretch>
                   <a:fillRect/>
                 </a:stretch>
@@ -7251,53 +7224,6 @@
           </p:sp>
         </mc:Fallback>
       </mc:AlternateContent>
-      <p:sp>
-        <p:nvSpPr>
-          <p:cNvPr id="108" name="Decision 107">
-            <a:extLst>
-              <a:ext uri="{FF2B5EF4-FFF2-40B4-BE49-F238E27FC236}">
-                <a16:creationId xmlns:a16="http://schemas.microsoft.com/office/drawing/2014/main" id="{F4CC1EBA-1284-98C7-AFE8-542D65B49DC4}"/>
-              </a:ext>
-            </a:extLst>
-          </p:cNvPr>
-          <p:cNvSpPr/>
-          <p:nvPr/>
-        </p:nvSpPr>
-        <p:spPr>
-          <a:xfrm>
-            <a:off x="7406842" y="3427563"/>
-            <a:ext cx="1338713" cy="492225"/>
-          </a:xfrm>
-          <a:prstGeom prst="flowChartDecision">
-            <a:avLst/>
-          </a:prstGeom>
-          <a:noFill/>
-        </p:spPr>
-        <p:style>
-          <a:lnRef idx="2">
-            <a:schemeClr val="accent1">
-              <a:shade val="15000"/>
-            </a:schemeClr>
-          </a:lnRef>
-          <a:fillRef idx="1">
-            <a:schemeClr val="accent1"/>
-          </a:fillRef>
-          <a:effectRef idx="0">
-            <a:schemeClr val="accent1"/>
-          </a:effectRef>
-          <a:fontRef idx="minor">
-            <a:schemeClr val="lt1"/>
-          </a:fontRef>
-        </p:style>
-        <p:txBody>
-          <a:bodyPr rtlCol="0" anchor="ctr"/>
-          <a:lstStyle/>
-          <a:p>
-            <a:pPr algn="ctr"/>
-            <a:endParaRPr lang="en-VN"/>
-          </a:p>
-        </p:txBody>
-      </p:sp>
       <mc:AlternateContent xmlns:mc="http://schemas.openxmlformats.org/markup-compatibility/2006">
         <mc:Choice xmlns:a14="http://schemas.microsoft.com/office/drawing/2010/main" Requires="a14">
           <p:sp>
@@ -7314,8 +7240,8 @@
             </p:nvSpPr>
             <p:spPr>
               <a:xfrm>
-                <a:off x="7609257" y="3532674"/>
-                <a:ext cx="1363801" cy="276999"/>
+                <a:off x="7469368" y="5167262"/>
+                <a:ext cx="1039383" cy="276999"/>
               </a:xfrm>
               <a:prstGeom prst="rect">
                 <a:avLst/>
@@ -7386,14 +7312,14 @@
             </p:nvSpPr>
             <p:spPr>
               <a:xfrm>
-                <a:off x="7609257" y="3532674"/>
-                <a:ext cx="1363801" cy="276999"/>
+                <a:off x="7469368" y="5167262"/>
+                <a:ext cx="1039383" cy="276999"/>
               </a:xfrm>
               <a:prstGeom prst="rect">
                 <a:avLst/>
               </a:prstGeom>
               <a:blipFill>
-                <a:blip r:embed="rId19"/>
+                <a:blip r:embed="rId20"/>
                 <a:stretch>
                   <a:fillRect t="-4545" b="-13636"/>
                 </a:stretch>
@@ -7430,7 +7356,7 @@
             </p:nvSpPr>
             <p:spPr>
               <a:xfrm>
-                <a:off x="7427608" y="3034549"/>
+                <a:off x="7329636" y="3197835"/>
                 <a:ext cx="1306512" cy="186333"/>
               </a:xfrm>
               <a:prstGeom prst="rect">
@@ -7444,6 +7370,7 @@
               </a:bodyPr>
               <a:lstStyle/>
               <a:p>
+                <a:pPr/>
                 <a14:m>
                   <m:oMathPara xmlns:m="http://schemas.openxmlformats.org/officeDocument/2006/math">
                     <m:oMathParaPr>
@@ -7462,13 +7389,10 @@
                         <m:deg/>
                         <m:e>
                           <m:r>
-                            <m:rPr>
-                              <m:sty m:val="p"/>
-                            </m:rPr>
                             <a:rPr lang="vi-VN" sz="1000" i="1">
                               <a:latin typeface="Cambria Math" panose="02040503050406030204" pitchFamily="18" charset="0"/>
                             </a:rPr>
-                            <m:t>P</m:t>
+                            <m:t>𝑃</m:t>
                           </m:r>
                           <m:d>
                             <m:dPr>
@@ -7489,13 +7413,10 @@
                                 </m:sSubPr>
                                 <m:e>
                                   <m:r>
-                                    <m:rPr>
-                                      <m:sty m:val="p"/>
-                                    </m:rPr>
                                     <a:rPr lang="vi-VN" sz="1000" i="1">
                                       <a:latin typeface="Cambria Math" panose="02040503050406030204" pitchFamily="18" charset="0"/>
                                     </a:rPr>
-                                    <m:t>q</m:t>
+                                    <m:t>𝑞</m:t>
                                   </m:r>
                                 </m:e>
                                 <m:sub>
@@ -7540,13 +7461,10 @@
                                 </m:sSubPr>
                                 <m:e>
                                   <m:r>
-                                    <m:rPr>
-                                      <m:sty m:val="p"/>
-                                    </m:rPr>
                                     <a:rPr lang="vi-VN" sz="1000" i="1">
                                       <a:latin typeface="Cambria Math" panose="02040503050406030204" pitchFamily="18" charset="0"/>
                                     </a:rPr>
-                                    <m:t>q</m:t>
+                                    <m:t>𝑞</m:t>
                                   </m:r>
                                 </m:e>
                                 <m:sub>
@@ -7571,7 +7489,7 @@
                     </m:oMath>
                   </m:oMathPara>
                 </a14:m>
-                <a:endParaRPr lang="en-VN" sz="1000"/>
+                <a:endParaRPr lang="en-VN" sz="1000" i="1"/>
               </a:p>
             </p:txBody>
           </p:sp>
@@ -7593,14 +7511,14 @@
             </p:nvSpPr>
             <p:spPr>
               <a:xfrm>
-                <a:off x="7427608" y="3034549"/>
+                <a:off x="7329636" y="3197835"/>
                 <a:ext cx="1306512" cy="186333"/>
               </a:xfrm>
               <a:prstGeom prst="rect">
                 <a:avLst/>
               </a:prstGeom>
               <a:blipFill>
-                <a:blip r:embed="rId20"/>
+                <a:blip r:embed="rId21"/>
                 <a:stretch>
                   <a:fillRect b="-20000"/>
                 </a:stretch>
@@ -7621,6 +7539,811 @@
           </p:sp>
         </mc:Fallback>
       </mc:AlternateContent>
+      <p:sp>
+        <p:nvSpPr>
+          <p:cNvPr id="5" name="Decision 4">
+            <a:extLst>
+              <a:ext uri="{FF2B5EF4-FFF2-40B4-BE49-F238E27FC236}">
+                <a16:creationId xmlns:a16="http://schemas.microsoft.com/office/drawing/2014/main" id="{471CDB69-1A06-D3CF-94CF-9B1C3F01236B}"/>
+              </a:ext>
+            </a:extLst>
+          </p:cNvPr>
+          <p:cNvSpPr/>
+          <p:nvPr/>
+        </p:nvSpPr>
+        <p:spPr>
+          <a:xfrm>
+            <a:off x="7319704" y="5059650"/>
+            <a:ext cx="1338713" cy="492225"/>
+          </a:xfrm>
+          <a:prstGeom prst="flowChartDecision">
+            <a:avLst/>
+          </a:prstGeom>
+          <a:noFill/>
+        </p:spPr>
+        <p:style>
+          <a:lnRef idx="2">
+            <a:schemeClr val="accent1">
+              <a:shade val="15000"/>
+            </a:schemeClr>
+          </a:lnRef>
+          <a:fillRef idx="1">
+            <a:schemeClr val="accent1"/>
+          </a:fillRef>
+          <a:effectRef idx="0">
+            <a:schemeClr val="accent1"/>
+          </a:effectRef>
+          <a:fontRef idx="minor">
+            <a:schemeClr val="lt1"/>
+          </a:fontRef>
+        </p:style>
+        <p:txBody>
+          <a:bodyPr rtlCol="0" anchor="ctr"/>
+          <a:lstStyle/>
+          <a:p>
+            <a:pPr algn="ctr"/>
+            <a:endParaRPr lang="en-VN"/>
+          </a:p>
+        </p:txBody>
+      </p:sp>
+      <mc:AlternateContent xmlns:mc="http://schemas.openxmlformats.org/markup-compatibility/2006">
+        <mc:Choice xmlns:a14="http://schemas.microsoft.com/office/drawing/2010/main" Requires="a14">
+          <p:sp>
+            <p:nvSpPr>
+              <p:cNvPr id="8" name="Rectangle 7">
+                <a:extLst>
+                  <a:ext uri="{FF2B5EF4-FFF2-40B4-BE49-F238E27FC236}">
+                    <a16:creationId xmlns:a16="http://schemas.microsoft.com/office/drawing/2014/main" id="{084638ED-1B64-3E93-A547-F935622C62D2}"/>
+                  </a:ext>
+                </a:extLst>
+              </p:cNvPr>
+              <p:cNvSpPr/>
+              <p:nvPr/>
+            </p:nvSpPr>
+            <p:spPr>
+              <a:xfrm>
+                <a:off x="7320971" y="3592286"/>
+                <a:ext cx="1349823" cy="490788"/>
+              </a:xfrm>
+              <a:prstGeom prst="rect">
+                <a:avLst/>
+              </a:prstGeom>
+              <a:noFill/>
+              <a:ln>
+                <a:solidFill>
+                  <a:schemeClr val="tx1"/>
+                </a:solidFill>
+              </a:ln>
+            </p:spPr>
+            <p:style>
+              <a:lnRef idx="2">
+                <a:schemeClr val="accent1">
+                  <a:shade val="15000"/>
+                </a:schemeClr>
+              </a:lnRef>
+              <a:fillRef idx="1">
+                <a:schemeClr val="accent1"/>
+              </a:fillRef>
+              <a:effectRef idx="0">
+                <a:schemeClr val="accent1"/>
+              </a:effectRef>
+              <a:fontRef idx="minor">
+                <a:schemeClr val="lt1"/>
+              </a:fontRef>
+            </p:style>
+            <p:txBody>
+              <a:bodyPr rtlCol="0" anchor="ctr"/>
+              <a:lstStyle/>
+              <a:p>
+                <a:pPr algn="ctr"/>
+                <a:r>
+                  <a:rPr lang="en-VN" sz="1600">
+                    <a:solidFill>
+                      <a:schemeClr val="tx1"/>
+                    </a:solidFill>
+                  </a:rPr>
+                  <a:t>Compute </a:t>
+                </a:r>
+                <a14:m>
+                  <m:oMath xmlns:m="http://schemas.openxmlformats.org/officeDocument/2006/math">
+                    <m:r>
+                      <a:rPr lang="vi-VN" sz="1600" b="0" i="1">
+                        <a:solidFill>
+                          <a:schemeClr val="tx1"/>
+                        </a:solidFill>
+                        <a:latin typeface="Cambria Math" panose="02040503050406030204" pitchFamily="18" charset="0"/>
+                      </a:rPr>
+                      <m:t>⟨</m:t>
+                    </m:r>
+                    <m:acc>
+                      <m:accPr>
+                        <m:chr m:val="̂"/>
+                        <m:ctrlPr>
+                          <a:rPr lang="vi-VN" sz="1600" b="0" i="1">
+                            <a:solidFill>
+                              <a:schemeClr val="tx1"/>
+                            </a:solidFill>
+                            <a:latin typeface="Cambria Math" panose="02040503050406030204" pitchFamily="18" charset="0"/>
+                          </a:rPr>
+                        </m:ctrlPr>
+                      </m:accPr>
+                      <m:e>
+                        <m:r>
+                          <a:rPr lang="vi-VN" sz="1600" i="1">
+                            <a:solidFill>
+                              <a:schemeClr val="tx1"/>
+                            </a:solidFill>
+                            <a:latin typeface="Cambria Math" panose="02040503050406030204" pitchFamily="18" charset="0"/>
+                          </a:rPr>
+                          <m:t>𝐻</m:t>
+                        </m:r>
+                      </m:e>
+                    </m:acc>
+                    <m:r>
+                      <a:rPr lang="vi-VN" sz="1600" b="0" i="1">
+                        <a:solidFill>
+                          <a:schemeClr val="tx1"/>
+                        </a:solidFill>
+                        <a:latin typeface="Cambria Math" panose="02040503050406030204" pitchFamily="18" charset="0"/>
+                      </a:rPr>
+                      <m:t>⟩</m:t>
+                    </m:r>
+                  </m:oMath>
+                </a14:m>
+                <a:endParaRPr lang="en-VN" sz="1600" i="1">
+                  <a:solidFill>
+                    <a:schemeClr val="tx1"/>
+                  </a:solidFill>
+                </a:endParaRPr>
+              </a:p>
+            </p:txBody>
+          </p:sp>
+        </mc:Choice>
+        <mc:Fallback>
+          <p:sp>
+            <p:nvSpPr>
+              <p:cNvPr id="8" name="Rectangle 7">
+                <a:extLst>
+                  <a:ext uri="{FF2B5EF4-FFF2-40B4-BE49-F238E27FC236}">
+                    <a16:creationId xmlns:a16="http://schemas.microsoft.com/office/drawing/2014/main" id="{084638ED-1B64-3E93-A547-F935622C62D2}"/>
+                  </a:ext>
+                </a:extLst>
+              </p:cNvPr>
+              <p:cNvSpPr>
+                <a:spLocks noRot="1" noChangeAspect="1" noMove="1" noResize="1" noEditPoints="1" noAdjustHandles="1" noChangeArrowheads="1" noChangeShapeType="1" noTextEdit="1"/>
+              </p:cNvSpPr>
+              <p:nvPr/>
+            </p:nvSpPr>
+            <p:spPr>
+              <a:xfrm>
+                <a:off x="7320971" y="3592286"/>
+                <a:ext cx="1349823" cy="490788"/>
+              </a:xfrm>
+              <a:prstGeom prst="rect">
+                <a:avLst/>
+              </a:prstGeom>
+              <a:blipFill>
+                <a:blip r:embed="rId22"/>
+                <a:stretch>
+                  <a:fillRect/>
+                </a:stretch>
+              </a:blipFill>
+              <a:ln>
+                <a:solidFill>
+                  <a:schemeClr val="tx1"/>
+                </a:solidFill>
+              </a:ln>
+            </p:spPr>
+            <p:txBody>
+              <a:bodyPr/>
+              <a:lstStyle/>
+              <a:p>
+                <a:r>
+                  <a:rPr lang="en-VN">
+                    <a:noFill/>
+                  </a:rPr>
+                  <a:t> </a:t>
+                </a:r>
+              </a:p>
+            </p:txBody>
+          </p:sp>
+        </mc:Fallback>
+      </mc:AlternateContent>
+      <p:cxnSp>
+        <p:nvCxnSpPr>
+          <p:cNvPr id="20" name="Straight Arrow Connector 19">
+            <a:extLst>
+              <a:ext uri="{FF2B5EF4-FFF2-40B4-BE49-F238E27FC236}">
+                <a16:creationId xmlns:a16="http://schemas.microsoft.com/office/drawing/2014/main" id="{93B42CB2-B419-1EE7-8EF6-397D6E6DA985}"/>
+              </a:ext>
+            </a:extLst>
+          </p:cNvPr>
+          <p:cNvCxnSpPr>
+            <a:cxnSpLocks/>
+            <a:stCxn id="5" idx="3"/>
+            <a:endCxn id="106" idx="1"/>
+          </p:cNvCxnSpPr>
+          <p:nvPr/>
+        </p:nvCxnSpPr>
+        <p:spPr>
+          <a:xfrm flipV="1">
+            <a:off x="8658417" y="5305761"/>
+            <a:ext cx="810871" cy="2"/>
+          </a:xfrm>
+          <a:prstGeom prst="straightConnector1">
+            <a:avLst/>
+          </a:prstGeom>
+          <a:ln w="19050">
+            <a:prstDash val="dash"/>
+            <a:tailEnd type="triangle"/>
+          </a:ln>
+        </p:spPr>
+        <p:style>
+          <a:lnRef idx="1">
+            <a:schemeClr val="dk1"/>
+          </a:lnRef>
+          <a:fillRef idx="0">
+            <a:schemeClr val="dk1"/>
+          </a:fillRef>
+          <a:effectRef idx="0">
+            <a:schemeClr val="dk1"/>
+          </a:effectRef>
+          <a:fontRef idx="minor">
+            <a:schemeClr val="tx1"/>
+          </a:fontRef>
+        </p:style>
+      </p:cxnSp>
+      <p:sp>
+        <p:nvSpPr>
+          <p:cNvPr id="24" name="Hộp Văn bản 7">
+            <a:extLst>
+              <a:ext uri="{FF2B5EF4-FFF2-40B4-BE49-F238E27FC236}">
+                <a16:creationId xmlns:a16="http://schemas.microsoft.com/office/drawing/2014/main" id="{CDAB40E9-A9B9-578D-168E-496A1AC6DD4E}"/>
+              </a:ext>
+            </a:extLst>
+          </p:cNvPr>
+          <p:cNvSpPr txBox="1"/>
+          <p:nvPr/>
+        </p:nvSpPr>
+        <p:spPr>
+          <a:xfrm>
+            <a:off x="8740806" y="4997984"/>
+            <a:ext cx="687949" cy="307777"/>
+          </a:xfrm>
+          <a:prstGeom prst="rect">
+            <a:avLst/>
+          </a:prstGeom>
+          <a:noFill/>
+          <a:ln w="28575">
+            <a:noFill/>
+          </a:ln>
+        </p:spPr>
+        <p:txBody>
+          <a:bodyPr wrap="square" rtlCol="0">
+            <a:spAutoFit/>
+          </a:bodyPr>
+          <a:lstStyle/>
+          <a:p>
+            <a:r>
+              <a:rPr lang="vi-VN" sz="1400">
+                <a:latin typeface="Times New Roman" panose="02020603050405020304" pitchFamily="18" charset="0"/>
+                <a:cs typeface="Times New Roman" panose="02020603050405020304" pitchFamily="18" charset="0"/>
+              </a:rPr>
+              <a:t>True</a:t>
+            </a:r>
+            <a:endParaRPr lang="vi-VN" sz="1400" i="1">
+              <a:latin typeface="Times New Roman" panose="02020603050405020304" pitchFamily="18" charset="0"/>
+              <a:cs typeface="Times New Roman" panose="02020603050405020304" pitchFamily="18" charset="0"/>
+            </a:endParaRPr>
+          </a:p>
+        </p:txBody>
+      </p:sp>
+      <p:sp>
+        <p:nvSpPr>
+          <p:cNvPr id="25" name="Hộp Văn bản 7">
+            <a:extLst>
+              <a:ext uri="{FF2B5EF4-FFF2-40B4-BE49-F238E27FC236}">
+                <a16:creationId xmlns:a16="http://schemas.microsoft.com/office/drawing/2014/main" id="{1B7FC3F9-B885-36B7-BE6E-D4682A375871}"/>
+              </a:ext>
+            </a:extLst>
+          </p:cNvPr>
+          <p:cNvSpPr txBox="1"/>
+          <p:nvPr/>
+        </p:nvSpPr>
+        <p:spPr>
+          <a:xfrm>
+            <a:off x="8057131" y="5619082"/>
+            <a:ext cx="687949" cy="307777"/>
+          </a:xfrm>
+          <a:prstGeom prst="rect">
+            <a:avLst/>
+          </a:prstGeom>
+          <a:noFill/>
+          <a:ln w="28575">
+            <a:noFill/>
+          </a:ln>
+        </p:spPr>
+        <p:txBody>
+          <a:bodyPr wrap="square" rtlCol="0">
+            <a:spAutoFit/>
+          </a:bodyPr>
+          <a:lstStyle/>
+          <a:p>
+            <a:r>
+              <a:rPr lang="vi-VN" sz="1400">
+                <a:latin typeface="Times New Roman" panose="02020603050405020304" pitchFamily="18" charset="0"/>
+                <a:cs typeface="Times New Roman" panose="02020603050405020304" pitchFamily="18" charset="0"/>
+              </a:rPr>
+              <a:t>False</a:t>
+            </a:r>
+            <a:endParaRPr lang="vi-VN" sz="1400" i="1">
+              <a:latin typeface="Times New Roman" panose="02020603050405020304" pitchFamily="18" charset="0"/>
+              <a:cs typeface="Times New Roman" panose="02020603050405020304" pitchFamily="18" charset="0"/>
+            </a:endParaRPr>
+          </a:p>
+        </p:txBody>
+      </p:sp>
+      <mc:AlternateContent xmlns:mc="http://schemas.openxmlformats.org/markup-compatibility/2006">
+        <mc:Choice xmlns:a14="http://schemas.microsoft.com/office/drawing/2010/main" Requires="a14">
+          <p:sp>
+            <p:nvSpPr>
+              <p:cNvPr id="36" name="Hộp Văn bản 7">
+                <a:extLst>
+                  <a:ext uri="{FF2B5EF4-FFF2-40B4-BE49-F238E27FC236}">
+                    <a16:creationId xmlns:a16="http://schemas.microsoft.com/office/drawing/2014/main" id="{E9D3F9A9-CBC9-3EF2-BA94-700C178F02EB}"/>
+                  </a:ext>
+                </a:extLst>
+              </p:cNvPr>
+              <p:cNvSpPr txBox="1"/>
+              <p:nvPr/>
+            </p:nvSpPr>
+            <p:spPr>
+              <a:xfrm>
+                <a:off x="667537" y="789018"/>
+                <a:ext cx="496591" cy="369332"/>
+              </a:xfrm>
+              <a:prstGeom prst="rect">
+                <a:avLst/>
+              </a:prstGeom>
+              <a:noFill/>
+              <a:ln w="28575">
+                <a:noFill/>
+              </a:ln>
+            </p:spPr>
+            <p:txBody>
+              <a:bodyPr wrap="square" rtlCol="0">
+                <a:spAutoFit/>
+              </a:bodyPr>
+              <a:lstStyle/>
+              <a:p>
+                <a:pPr/>
+                <a14:m>
+                  <m:oMathPara xmlns:m="http://schemas.openxmlformats.org/officeDocument/2006/math">
+                    <m:oMathParaPr>
+                      <m:jc m:val="centerGroup"/>
+                    </m:oMathParaPr>
+                    <m:oMath xmlns:m="http://schemas.openxmlformats.org/officeDocument/2006/math">
+                      <m:r>
+                        <a:rPr lang="en-US" b="0" i="1" smtClean="0">
+                          <a:latin typeface="Cambria Math" panose="02040503050406030204" pitchFamily="18" charset="0"/>
+                        </a:rPr>
+                        <m:t>|</m:t>
+                      </m:r>
+                      <m:r>
+                        <a:rPr lang="en-US" i="1">
+                          <a:latin typeface="Cambria Math" panose="02040503050406030204" pitchFamily="18" charset="0"/>
+                        </a:rPr>
+                        <m:t>𝑘</m:t>
+                      </m:r>
+                      <m:r>
+                        <a:rPr lang="en-US" b="0" i="1" smtClean="0">
+                          <a:latin typeface="Cambria Math" panose="02040503050406030204" pitchFamily="18" charset="0"/>
+                        </a:rPr>
+                        <m:t>⟩</m:t>
+                      </m:r>
+                    </m:oMath>
+                  </m:oMathPara>
+                </a14:m>
+                <a:endParaRPr lang="vi-VN">
+                  <a:latin typeface="Times New Roman" panose="02020603050405020304" pitchFamily="18" charset="0"/>
+                  <a:cs typeface="Times New Roman" panose="02020603050405020304" pitchFamily="18" charset="0"/>
+                </a:endParaRPr>
+              </a:p>
+            </p:txBody>
+          </p:sp>
+        </mc:Choice>
+        <mc:Fallback>
+          <p:sp>
+            <p:nvSpPr>
+              <p:cNvPr id="36" name="Hộp Văn bản 7">
+                <a:extLst>
+                  <a:ext uri="{FF2B5EF4-FFF2-40B4-BE49-F238E27FC236}">
+                    <a16:creationId xmlns:a16="http://schemas.microsoft.com/office/drawing/2014/main" id="{E9D3F9A9-CBC9-3EF2-BA94-700C178F02EB}"/>
+                  </a:ext>
+                </a:extLst>
+              </p:cNvPr>
+              <p:cNvSpPr txBox="1">
+                <a:spLocks noRot="1" noChangeAspect="1" noMove="1" noResize="1" noEditPoints="1" noAdjustHandles="1" noChangeArrowheads="1" noChangeShapeType="1" noTextEdit="1"/>
+              </p:cNvSpPr>
+              <p:nvPr/>
+            </p:nvSpPr>
+            <p:spPr>
+              <a:xfrm>
+                <a:off x="667537" y="789018"/>
+                <a:ext cx="496591" cy="369332"/>
+              </a:xfrm>
+              <a:prstGeom prst="rect">
+                <a:avLst/>
+              </a:prstGeom>
+              <a:blipFill>
+                <a:blip r:embed="rId23"/>
+                <a:stretch>
+                  <a:fillRect l="-2500" r="-2500" b="-12903"/>
+                </a:stretch>
+              </a:blipFill>
+              <a:ln w="28575">
+                <a:noFill/>
+              </a:ln>
+            </p:spPr>
+            <p:txBody>
+              <a:bodyPr/>
+              <a:lstStyle/>
+              <a:p>
+                <a:r>
+                  <a:rPr lang="en-VN">
+                    <a:noFill/>
+                  </a:rPr>
+                  <a:t> </a:t>
+                </a:r>
+              </a:p>
+            </p:txBody>
+          </p:sp>
+        </mc:Fallback>
+      </mc:AlternateContent>
+      <p:cxnSp>
+        <p:nvCxnSpPr>
+          <p:cNvPr id="37" name="Đường nối Thẳng 9">
+            <a:extLst>
+              <a:ext uri="{FF2B5EF4-FFF2-40B4-BE49-F238E27FC236}">
+                <a16:creationId xmlns:a16="http://schemas.microsoft.com/office/drawing/2014/main" id="{18B31CB7-DF75-70EA-F711-4C404759DCC1}"/>
+              </a:ext>
+            </a:extLst>
+          </p:cNvPr>
+          <p:cNvCxnSpPr>
+            <a:cxnSpLocks/>
+            <a:stCxn id="36" idx="3"/>
+            <a:endCxn id="69" idx="2"/>
+          </p:cNvCxnSpPr>
+          <p:nvPr/>
+        </p:nvCxnSpPr>
+        <p:spPr>
+          <a:xfrm flipV="1">
+            <a:off x="1164128" y="968430"/>
+            <a:ext cx="3372700" cy="5254"/>
+          </a:xfrm>
+          <a:prstGeom prst="line">
+            <a:avLst/>
+          </a:prstGeom>
+          <a:ln w="38100"/>
+        </p:spPr>
+        <p:style>
+          <a:lnRef idx="1">
+            <a:schemeClr val="dk1"/>
+          </a:lnRef>
+          <a:fillRef idx="0">
+            <a:schemeClr val="dk1"/>
+          </a:fillRef>
+          <a:effectRef idx="0">
+            <a:schemeClr val="dk1"/>
+          </a:effectRef>
+          <a:fontRef idx="minor">
+            <a:schemeClr val="tx1"/>
+          </a:fontRef>
+        </p:style>
+      </p:cxnSp>
+      <p:cxnSp>
+        <p:nvCxnSpPr>
+          <p:cNvPr id="48" name="Đường nối Thẳng 9">
+            <a:extLst>
+              <a:ext uri="{FF2B5EF4-FFF2-40B4-BE49-F238E27FC236}">
+                <a16:creationId xmlns:a16="http://schemas.microsoft.com/office/drawing/2014/main" id="{28ED3F25-E4E1-8643-C1F4-CE8CD404A0F3}"/>
+              </a:ext>
+            </a:extLst>
+          </p:cNvPr>
+          <p:cNvCxnSpPr>
+            <a:cxnSpLocks/>
+            <a:endCxn id="34" idx="0"/>
+          </p:cNvCxnSpPr>
+          <p:nvPr/>
+        </p:nvCxnSpPr>
+        <p:spPr>
+          <a:xfrm>
+            <a:off x="2019590" y="973684"/>
+            <a:ext cx="11551" cy="1533215"/>
+          </a:xfrm>
+          <a:prstGeom prst="line">
+            <a:avLst/>
+          </a:prstGeom>
+          <a:ln w="38100"/>
+        </p:spPr>
+        <p:style>
+          <a:lnRef idx="1">
+            <a:schemeClr val="dk1"/>
+          </a:lnRef>
+          <a:fillRef idx="0">
+            <a:schemeClr val="dk1"/>
+          </a:fillRef>
+          <a:effectRef idx="0">
+            <a:schemeClr val="dk1"/>
+          </a:effectRef>
+          <a:fontRef idx="minor">
+            <a:schemeClr val="tx1"/>
+          </a:fontRef>
+        </p:style>
+      </p:cxnSp>
+      <p:sp>
+        <p:nvSpPr>
+          <p:cNvPr id="49" name="Oval 48">
+            <a:extLst>
+              <a:ext uri="{FF2B5EF4-FFF2-40B4-BE49-F238E27FC236}">
+                <a16:creationId xmlns:a16="http://schemas.microsoft.com/office/drawing/2014/main" id="{477E9156-CF3B-9C61-EB4B-8D99791CD267}"/>
+              </a:ext>
+            </a:extLst>
+          </p:cNvPr>
+          <p:cNvSpPr/>
+          <p:nvPr/>
+        </p:nvSpPr>
+        <p:spPr>
+          <a:xfrm>
+            <a:off x="1948970" y="889360"/>
+            <a:ext cx="177359" cy="177359"/>
+          </a:xfrm>
+          <a:prstGeom prst="ellipse">
+            <a:avLst/>
+          </a:prstGeom>
+        </p:spPr>
+        <p:style>
+          <a:lnRef idx="2">
+            <a:schemeClr val="dk1">
+              <a:shade val="15000"/>
+            </a:schemeClr>
+          </a:lnRef>
+          <a:fillRef idx="1">
+            <a:schemeClr val="dk1"/>
+          </a:fillRef>
+          <a:effectRef idx="0">
+            <a:schemeClr val="dk1"/>
+          </a:effectRef>
+          <a:fontRef idx="minor">
+            <a:schemeClr val="lt1"/>
+          </a:fontRef>
+        </p:style>
+        <p:txBody>
+          <a:bodyPr rtlCol="0" anchor="ctr"/>
+          <a:lstStyle/>
+          <a:p>
+            <a:pPr algn="ctr"/>
+            <a:endParaRPr lang="en-VN"/>
+          </a:p>
+        </p:txBody>
+      </p:sp>
+      <p:cxnSp>
+        <p:nvCxnSpPr>
+          <p:cNvPr id="56" name="Đường nối Thẳng 9">
+            <a:extLst>
+              <a:ext uri="{FF2B5EF4-FFF2-40B4-BE49-F238E27FC236}">
+                <a16:creationId xmlns:a16="http://schemas.microsoft.com/office/drawing/2014/main" id="{86182796-1196-AF06-72DE-5A9EC1A5BC26}"/>
+              </a:ext>
+            </a:extLst>
+          </p:cNvPr>
+          <p:cNvCxnSpPr>
+            <a:cxnSpLocks/>
+            <a:endCxn id="32" idx="0"/>
+          </p:cNvCxnSpPr>
+          <p:nvPr/>
+        </p:nvCxnSpPr>
+        <p:spPr>
+          <a:xfrm>
+            <a:off x="2646919" y="973684"/>
+            <a:ext cx="0" cy="550774"/>
+          </a:xfrm>
+          <a:prstGeom prst="line">
+            <a:avLst/>
+          </a:prstGeom>
+          <a:ln w="38100"/>
+        </p:spPr>
+        <p:style>
+          <a:lnRef idx="1">
+            <a:schemeClr val="dk1"/>
+          </a:lnRef>
+          <a:fillRef idx="0">
+            <a:schemeClr val="dk1"/>
+          </a:fillRef>
+          <a:effectRef idx="0">
+            <a:schemeClr val="dk1"/>
+          </a:effectRef>
+          <a:fontRef idx="minor">
+            <a:schemeClr val="tx1"/>
+          </a:fontRef>
+        </p:style>
+      </p:cxnSp>
+      <p:sp>
+        <p:nvSpPr>
+          <p:cNvPr id="63" name="Oval 62">
+            <a:extLst>
+              <a:ext uri="{FF2B5EF4-FFF2-40B4-BE49-F238E27FC236}">
+                <a16:creationId xmlns:a16="http://schemas.microsoft.com/office/drawing/2014/main" id="{0A5C936F-43E2-A5C6-EA7F-07061F318011}"/>
+              </a:ext>
+            </a:extLst>
+          </p:cNvPr>
+          <p:cNvSpPr/>
+          <p:nvPr/>
+        </p:nvSpPr>
+        <p:spPr>
+          <a:xfrm>
+            <a:off x="2570114" y="879751"/>
+            <a:ext cx="177359" cy="177359"/>
+          </a:xfrm>
+          <a:prstGeom prst="ellipse">
+            <a:avLst/>
+          </a:prstGeom>
+        </p:spPr>
+        <p:style>
+          <a:lnRef idx="2">
+            <a:schemeClr val="dk1">
+              <a:shade val="15000"/>
+            </a:schemeClr>
+          </a:lnRef>
+          <a:fillRef idx="1">
+            <a:schemeClr val="dk1"/>
+          </a:fillRef>
+          <a:effectRef idx="0">
+            <a:schemeClr val="dk1"/>
+          </a:effectRef>
+          <a:fontRef idx="minor">
+            <a:schemeClr val="lt1"/>
+          </a:fontRef>
+        </p:style>
+        <p:txBody>
+          <a:bodyPr rtlCol="0" anchor="ctr"/>
+          <a:lstStyle/>
+          <a:p>
+            <a:pPr algn="ctr"/>
+            <a:endParaRPr lang="en-VN"/>
+          </a:p>
+        </p:txBody>
+      </p:sp>
+      <p:cxnSp>
+        <p:nvCxnSpPr>
+          <p:cNvPr id="67" name="Đường nối Thẳng 9">
+            <a:extLst>
+              <a:ext uri="{FF2B5EF4-FFF2-40B4-BE49-F238E27FC236}">
+                <a16:creationId xmlns:a16="http://schemas.microsoft.com/office/drawing/2014/main" id="{CF210967-F975-FF16-8840-AD160EC61D99}"/>
+              </a:ext>
+            </a:extLst>
+          </p:cNvPr>
+          <p:cNvCxnSpPr>
+            <a:cxnSpLocks/>
+          </p:cNvCxnSpPr>
+          <p:nvPr/>
+        </p:nvCxnSpPr>
+        <p:spPr>
+          <a:xfrm>
+            <a:off x="4613633" y="973683"/>
+            <a:ext cx="0" cy="550774"/>
+          </a:xfrm>
+          <a:prstGeom prst="line">
+            <a:avLst/>
+          </a:prstGeom>
+          <a:ln w="38100"/>
+        </p:spPr>
+        <p:style>
+          <a:lnRef idx="1">
+            <a:schemeClr val="dk1"/>
+          </a:lnRef>
+          <a:fillRef idx="0">
+            <a:schemeClr val="dk1"/>
+          </a:fillRef>
+          <a:effectRef idx="0">
+            <a:schemeClr val="dk1"/>
+          </a:effectRef>
+          <a:fontRef idx="minor">
+            <a:schemeClr val="tx1"/>
+          </a:fontRef>
+        </p:style>
+      </p:cxnSp>
+      <p:sp>
+        <p:nvSpPr>
+          <p:cNvPr id="69" name="Oval 68">
+            <a:extLst>
+              <a:ext uri="{FF2B5EF4-FFF2-40B4-BE49-F238E27FC236}">
+                <a16:creationId xmlns:a16="http://schemas.microsoft.com/office/drawing/2014/main" id="{3B36FD76-F881-4786-E01D-5840032FCDEC}"/>
+              </a:ext>
+            </a:extLst>
+          </p:cNvPr>
+          <p:cNvSpPr/>
+          <p:nvPr/>
+        </p:nvSpPr>
+        <p:spPr>
+          <a:xfrm>
+            <a:off x="4536828" y="879750"/>
+            <a:ext cx="177359" cy="177359"/>
+          </a:xfrm>
+          <a:prstGeom prst="ellipse">
+            <a:avLst/>
+          </a:prstGeom>
+        </p:spPr>
+        <p:style>
+          <a:lnRef idx="2">
+            <a:schemeClr val="dk1">
+              <a:shade val="15000"/>
+            </a:schemeClr>
+          </a:lnRef>
+          <a:fillRef idx="1">
+            <a:schemeClr val="dk1"/>
+          </a:fillRef>
+          <a:effectRef idx="0">
+            <a:schemeClr val="dk1"/>
+          </a:effectRef>
+          <a:fontRef idx="minor">
+            <a:schemeClr val="lt1"/>
+          </a:fontRef>
+        </p:style>
+        <p:txBody>
+          <a:bodyPr rtlCol="0" anchor="ctr"/>
+          <a:lstStyle/>
+          <a:p>
+            <a:pPr algn="ctr"/>
+            <a:endParaRPr lang="en-VN"/>
+          </a:p>
+        </p:txBody>
+      </p:sp>
+      <p:sp>
+        <p:nvSpPr>
+          <p:cNvPr id="83" name="Oval 82">
+            <a:extLst>
+              <a:ext uri="{FF2B5EF4-FFF2-40B4-BE49-F238E27FC236}">
+                <a16:creationId xmlns:a16="http://schemas.microsoft.com/office/drawing/2014/main" id="{07DF6B16-4A67-C893-6B0F-8749579B294E}"/>
+              </a:ext>
+            </a:extLst>
+          </p:cNvPr>
+          <p:cNvSpPr/>
+          <p:nvPr/>
+        </p:nvSpPr>
+        <p:spPr>
+          <a:xfrm>
+            <a:off x="3427943" y="884641"/>
+            <a:ext cx="177359" cy="177359"/>
+          </a:xfrm>
+          <a:prstGeom prst="ellipse">
+            <a:avLst/>
+          </a:prstGeom>
+        </p:spPr>
+        <p:style>
+          <a:lnRef idx="2">
+            <a:schemeClr val="dk1">
+              <a:shade val="15000"/>
+            </a:schemeClr>
+          </a:lnRef>
+          <a:fillRef idx="1">
+            <a:schemeClr val="dk1"/>
+          </a:fillRef>
+          <a:effectRef idx="0">
+            <a:schemeClr val="dk1"/>
+          </a:effectRef>
+          <a:fontRef idx="minor">
+            <a:schemeClr val="lt1"/>
+          </a:fontRef>
+        </p:style>
+        <p:txBody>
+          <a:bodyPr rtlCol="0" anchor="ctr"/>
+          <a:lstStyle/>
+          <a:p>
+            <a:pPr algn="ctr"/>
+            <a:endParaRPr lang="en-VN"/>
+          </a:p>
+        </p:txBody>
+      </p:sp>
     </p:spTree>
     <p:extLst>
       <p:ext uri="{BB962C8B-B14F-4D97-AF65-F5344CB8AC3E}">

--- a/images/Presentation4.pptx
+++ b/images/Presentation4.pptx
@@ -6,8 +6,9 @@
   </p:sldMasterIdLst>
   <p:sldIdLst>
     <p:sldId id="256" r:id="rId2"/>
-    <p:sldId id="257" r:id="rId3"/>
-    <p:sldId id="258" r:id="rId4"/>
+    <p:sldId id="259" r:id="rId3"/>
+    <p:sldId id="257" r:id="rId4"/>
+    <p:sldId id="258" r:id="rId5"/>
   </p:sldIdLst>
   <p:sldSz cx="12192000" cy="6858000"/>
   <p:notesSz cx="6858000" cy="9144000"/>
@@ -114,34 +115,6 @@
 </p:presentation>
 </file>
 
-<file path=ppt/ink/ink1.xml><?xml version="1.0" encoding="utf-8"?>
-<inkml:ink xmlns:inkml="http://www.w3.org/2003/InkML">
-  <inkml:definitions>
-    <inkml:context xml:id="ctx0">
-      <inkml:inkSource xml:id="inkSrc0">
-        <inkml:traceFormat>
-          <inkml:channel name="X" type="integer" max="1366" units="cm"/>
-          <inkml:channel name="Y" type="integer" max="768" units="cm"/>
-          <inkml:channel name="T" type="integer" max="2.14748E9" units="dev"/>
-        </inkml:traceFormat>
-        <inkml:channelProperties>
-          <inkml:channelProperty channel="X" name="resolution" value="39.7093" units="1/cm"/>
-          <inkml:channelProperty channel="Y" name="resolution" value="39.58763" units="1/cm"/>
-          <inkml:channelProperty channel="T" name="resolution" value="1" units="1/dev"/>
-        </inkml:channelProperties>
-      </inkml:inkSource>
-      <inkml:timestamp xml:id="ts0" timeString="2024-02-19T02:50:32.756"/>
-    </inkml:context>
-    <inkml:brush xml:id="br0">
-      <inkml:brushProperty name="width" value="0.07938" units="cm"/>
-      <inkml:brushProperty name="height" value="0.07938" units="cm"/>
-      <inkml:brushProperty name="color" value="#FF0000"/>
-    </inkml:brush>
-  </inkml:definitions>
-  <inkml:trace contextRef="#ctx0" brushRef="#br0">8905 9054 0</inkml:trace>
-</inkml:ink>
-</file>
-
 <file path=ppt/slideLayouts/slideLayout1.xml><?xml version="1.0" encoding="utf-8"?>
 <p:sldLayout xmlns:a="http://schemas.openxmlformats.org/drawingml/2006/main" xmlns:r="http://schemas.openxmlformats.org/officeDocument/2006/relationships" xmlns:p="http://schemas.openxmlformats.org/presentationml/2006/main" type="title" preserve="1">
   <p:cSld name="Title Slide">
@@ -290,7 +263,7 @@
           <a:lstStyle/>
           <a:p>
             <a:fld id="{3DDC073C-D3D1-DD4B-95FB-06FFFD5F9F5A}" type="datetimeFigureOut">
-              <a:t>18/03/2024</a:t>
+              <a:t>15/4/24</a:t>
             </a:fld>
             <a:endParaRPr lang="en-VN"/>
           </a:p>
@@ -488,7 +461,7 @@
           <a:lstStyle/>
           <a:p>
             <a:fld id="{3DDC073C-D3D1-DD4B-95FB-06FFFD5F9F5A}" type="datetimeFigureOut">
-              <a:t>18/03/2024</a:t>
+              <a:t>15/4/24</a:t>
             </a:fld>
             <a:endParaRPr lang="en-VN"/>
           </a:p>
@@ -696,7 +669,7 @@
           <a:lstStyle/>
           <a:p>
             <a:fld id="{3DDC073C-D3D1-DD4B-95FB-06FFFD5F9F5A}" type="datetimeFigureOut">
-              <a:t>18/03/2024</a:t>
+              <a:t>15/4/24</a:t>
             </a:fld>
             <a:endParaRPr lang="en-VN"/>
           </a:p>
@@ -894,7 +867,7 @@
           <a:lstStyle/>
           <a:p>
             <a:fld id="{3DDC073C-D3D1-DD4B-95FB-06FFFD5F9F5A}" type="datetimeFigureOut">
-              <a:t>18/03/2024</a:t>
+              <a:t>15/4/24</a:t>
             </a:fld>
             <a:endParaRPr lang="en-VN"/>
           </a:p>
@@ -1168,7 +1141,7 @@
           <a:lstStyle/>
           <a:p>
             <a:fld id="{3DDC073C-D3D1-DD4B-95FB-06FFFD5F9F5A}" type="datetimeFigureOut">
-              <a:t>18/03/2024</a:t>
+              <a:t>15/4/24</a:t>
             </a:fld>
             <a:endParaRPr lang="en-VN"/>
           </a:p>
@@ -1434,7 +1407,7 @@
           <a:lstStyle/>
           <a:p>
             <a:fld id="{3DDC073C-D3D1-DD4B-95FB-06FFFD5F9F5A}" type="datetimeFigureOut">
-              <a:t>18/03/2024</a:t>
+              <a:t>15/4/24</a:t>
             </a:fld>
             <a:endParaRPr lang="en-VN"/>
           </a:p>
@@ -1847,7 +1820,7 @@
           <a:lstStyle/>
           <a:p>
             <a:fld id="{3DDC073C-D3D1-DD4B-95FB-06FFFD5F9F5A}" type="datetimeFigureOut">
-              <a:t>18/03/2024</a:t>
+              <a:t>15/4/24</a:t>
             </a:fld>
             <a:endParaRPr lang="en-VN"/>
           </a:p>
@@ -1987,7 +1960,7 @@
           <a:lstStyle/>
           <a:p>
             <a:fld id="{3DDC073C-D3D1-DD4B-95FB-06FFFD5F9F5A}" type="datetimeFigureOut">
-              <a:t>18/03/2024</a:t>
+              <a:t>15/4/24</a:t>
             </a:fld>
             <a:endParaRPr lang="en-VN"/>
           </a:p>
@@ -2098,7 +2071,7 @@
           <a:lstStyle/>
           <a:p>
             <a:fld id="{3DDC073C-D3D1-DD4B-95FB-06FFFD5F9F5A}" type="datetimeFigureOut">
-              <a:t>18/03/2024</a:t>
+              <a:t>15/4/24</a:t>
             </a:fld>
             <a:endParaRPr lang="en-VN"/>
           </a:p>
@@ -2409,7 +2382,7 @@
           <a:lstStyle/>
           <a:p>
             <a:fld id="{3DDC073C-D3D1-DD4B-95FB-06FFFD5F9F5A}" type="datetimeFigureOut">
-              <a:t>18/03/2024</a:t>
+              <a:t>15/4/24</a:t>
             </a:fld>
             <a:endParaRPr lang="en-VN"/>
           </a:p>
@@ -2696,7 +2669,7 @@
           <a:lstStyle/>
           <a:p>
             <a:fld id="{3DDC073C-D3D1-DD4B-95FB-06FFFD5F9F5A}" type="datetimeFigureOut">
-              <a:t>18/03/2024</a:t>
+              <a:t>15/4/24</a:t>
             </a:fld>
             <a:endParaRPr lang="en-VN"/>
           </a:p>
@@ -2937,7 +2910,7 @@
           </a:lstStyle>
           <a:p>
             <a:fld id="{3DDC073C-D3D1-DD4B-95FB-06FFFD5F9F5A}" type="datetimeFigureOut">
-              <a:t>18/03/2024</a:t>
+              <a:t>15/4/24</a:t>
             </a:fld>
             <a:endParaRPr lang="en-VN"/>
           </a:p>
@@ -3435,10 +3408,10 @@
       </p:grpSpPr>
       <p:sp>
         <p:nvSpPr>
-          <p:cNvPr id="4" name="Hình chữ nhật 21">
-            <a:extLst>
-              <a:ext uri="{FF2B5EF4-FFF2-40B4-BE49-F238E27FC236}">
-                <a16:creationId xmlns:a16="http://schemas.microsoft.com/office/drawing/2014/main" id="{318234A2-6D39-A3D8-F5EB-E89EB9E2F943}"/>
+          <p:cNvPr id="6" name="Rectangle 5">
+            <a:extLst>
+              <a:ext uri="{FF2B5EF4-FFF2-40B4-BE49-F238E27FC236}">
+                <a16:creationId xmlns:a16="http://schemas.microsoft.com/office/drawing/2014/main" id="{E7DF9F2A-64BB-1584-7E09-7DFE3AE94CBB}"/>
               </a:ext>
             </a:extLst>
           </p:cNvPr>
@@ -3447,8 +3420,1467 @@
         </p:nvSpPr>
         <p:spPr>
           <a:xfrm>
-            <a:off x="5308107" y="1647240"/>
-            <a:ext cx="589936" cy="503604"/>
+            <a:off x="5022060" y="3208034"/>
+            <a:ext cx="1202532" cy="441932"/>
+          </a:xfrm>
+          <a:prstGeom prst="rect">
+            <a:avLst/>
+          </a:prstGeom>
+          <a:solidFill>
+            <a:schemeClr val="bg1"/>
+          </a:solidFill>
+          <a:ln>
+            <a:solidFill>
+              <a:schemeClr val="tx1"/>
+            </a:solidFill>
+          </a:ln>
+        </p:spPr>
+        <p:style>
+          <a:lnRef idx="2">
+            <a:schemeClr val="accent1">
+              <a:shade val="15000"/>
+            </a:schemeClr>
+          </a:lnRef>
+          <a:fillRef idx="1">
+            <a:schemeClr val="accent1"/>
+          </a:fillRef>
+          <a:effectRef idx="0">
+            <a:schemeClr val="accent1"/>
+          </a:effectRef>
+          <a:fontRef idx="minor">
+            <a:schemeClr val="lt1"/>
+          </a:fontRef>
+        </p:style>
+        <p:txBody>
+          <a:bodyPr rtlCol="0" anchor="ctr"/>
+          <a:lstStyle/>
+          <a:p>
+            <a:pPr algn="ctr"/>
+            <a:r>
+              <a:rPr lang="en-VN" sz="1400">
+                <a:solidFill>
+                  <a:schemeClr val="tx1"/>
+                </a:solidFill>
+              </a:rPr>
+              <a:t>Classical computer</a:t>
+            </a:r>
+          </a:p>
+        </p:txBody>
+      </p:sp>
+      <p:sp>
+        <p:nvSpPr>
+          <p:cNvPr id="7" name="Rectangle 6">
+            <a:extLst>
+              <a:ext uri="{FF2B5EF4-FFF2-40B4-BE49-F238E27FC236}">
+                <a16:creationId xmlns:a16="http://schemas.microsoft.com/office/drawing/2014/main" id="{B01E9C64-6CE5-0EE6-DF08-8CCEB1687A0B}"/>
+              </a:ext>
+            </a:extLst>
+          </p:cNvPr>
+          <p:cNvSpPr/>
+          <p:nvPr/>
+        </p:nvSpPr>
+        <p:spPr>
+          <a:xfrm>
+            <a:off x="2444554" y="1690050"/>
+            <a:ext cx="2274570" cy="1422893"/>
+          </a:xfrm>
+          <a:prstGeom prst="rect">
+            <a:avLst/>
+          </a:prstGeom>
+          <a:solidFill>
+            <a:schemeClr val="bg1"/>
+          </a:solidFill>
+          <a:ln>
+            <a:solidFill>
+              <a:srgbClr val="FF0000"/>
+            </a:solidFill>
+          </a:ln>
+        </p:spPr>
+        <p:style>
+          <a:lnRef idx="2">
+            <a:schemeClr val="accent1">
+              <a:shade val="15000"/>
+            </a:schemeClr>
+          </a:lnRef>
+          <a:fillRef idx="1">
+            <a:schemeClr val="accent1"/>
+          </a:fillRef>
+          <a:effectRef idx="0">
+            <a:schemeClr val="accent1"/>
+          </a:effectRef>
+          <a:fontRef idx="minor">
+            <a:schemeClr val="lt1"/>
+          </a:fontRef>
+        </p:style>
+        <p:txBody>
+          <a:bodyPr rtlCol="0" anchor="ctr"/>
+          <a:lstStyle/>
+          <a:p>
+            <a:pPr algn="ctr"/>
+            <a:endParaRPr lang="en-VN">
+              <a:solidFill>
+                <a:schemeClr val="tx1"/>
+              </a:solidFill>
+            </a:endParaRPr>
+          </a:p>
+        </p:txBody>
+      </p:sp>
+      <p:sp>
+        <p:nvSpPr>
+          <p:cNvPr id="9" name="TextBox 8">
+            <a:extLst>
+              <a:ext uri="{FF2B5EF4-FFF2-40B4-BE49-F238E27FC236}">
+                <a16:creationId xmlns:a16="http://schemas.microsoft.com/office/drawing/2014/main" id="{D5B9EC42-5204-E68E-52A4-99F8E7AA1549}"/>
+              </a:ext>
+            </a:extLst>
+          </p:cNvPr>
+          <p:cNvSpPr txBox="1"/>
+          <p:nvPr/>
+        </p:nvSpPr>
+        <p:spPr>
+          <a:xfrm>
+            <a:off x="2444554" y="1702868"/>
+            <a:ext cx="1958340" cy="307777"/>
+          </a:xfrm>
+          <a:prstGeom prst="rect">
+            <a:avLst/>
+          </a:prstGeom>
+          <a:noFill/>
+        </p:spPr>
+        <p:txBody>
+          <a:bodyPr wrap="square">
+            <a:spAutoFit/>
+          </a:bodyPr>
+          <a:lstStyle/>
+          <a:p>
+            <a:r>
+              <a:rPr lang="en-VN" sz="1400">
+                <a:solidFill>
+                  <a:schemeClr val="tx1"/>
+                </a:solidFill>
+              </a:rPr>
+              <a:t>Quantum computer</a:t>
+            </a:r>
+          </a:p>
+        </p:txBody>
+      </p:sp>
+      <p:sp>
+        <p:nvSpPr>
+          <p:cNvPr id="11" name="Rectangle 10">
+            <a:extLst>
+              <a:ext uri="{FF2B5EF4-FFF2-40B4-BE49-F238E27FC236}">
+                <a16:creationId xmlns:a16="http://schemas.microsoft.com/office/drawing/2014/main" id="{09AFA0ED-A405-D08C-8212-C7AA2553514D}"/>
+              </a:ext>
+            </a:extLst>
+          </p:cNvPr>
+          <p:cNvSpPr/>
+          <p:nvPr/>
+        </p:nvSpPr>
+        <p:spPr>
+          <a:xfrm>
+            <a:off x="2543137" y="2119545"/>
+            <a:ext cx="2057400" cy="933228"/>
+          </a:xfrm>
+          <a:prstGeom prst="rect">
+            <a:avLst/>
+          </a:prstGeom>
+          <a:solidFill>
+            <a:schemeClr val="bg1"/>
+          </a:solidFill>
+          <a:ln>
+            <a:solidFill>
+              <a:schemeClr val="tx1"/>
+            </a:solidFill>
+            <a:prstDash val="sysDot"/>
+          </a:ln>
+        </p:spPr>
+        <p:style>
+          <a:lnRef idx="2">
+            <a:schemeClr val="accent1">
+              <a:shade val="15000"/>
+            </a:schemeClr>
+          </a:lnRef>
+          <a:fillRef idx="1">
+            <a:schemeClr val="accent1"/>
+          </a:fillRef>
+          <a:effectRef idx="0">
+            <a:schemeClr val="accent1"/>
+          </a:effectRef>
+          <a:fontRef idx="minor">
+            <a:schemeClr val="lt1"/>
+          </a:fontRef>
+        </p:style>
+        <p:txBody>
+          <a:bodyPr rtlCol="0" anchor="ctr"/>
+          <a:lstStyle/>
+          <a:p>
+            <a:pPr algn="ctr"/>
+            <a:endParaRPr lang="en-VN" sz="1400">
+              <a:solidFill>
+                <a:schemeClr val="tx1"/>
+              </a:solidFill>
+            </a:endParaRPr>
+          </a:p>
+        </p:txBody>
+      </p:sp>
+      <p:sp>
+        <p:nvSpPr>
+          <p:cNvPr id="10" name="Rectangle 9">
+            <a:extLst>
+              <a:ext uri="{FF2B5EF4-FFF2-40B4-BE49-F238E27FC236}">
+                <a16:creationId xmlns:a16="http://schemas.microsoft.com/office/drawing/2014/main" id="{6EF6A512-50EA-6C7F-0910-AE22E84FC4C5}"/>
+              </a:ext>
+            </a:extLst>
+          </p:cNvPr>
+          <p:cNvSpPr/>
+          <p:nvPr/>
+        </p:nvSpPr>
+        <p:spPr>
+          <a:xfrm>
+            <a:off x="2638488" y="2466721"/>
+            <a:ext cx="1859757" cy="491728"/>
+          </a:xfrm>
+          <a:prstGeom prst="rect">
+            <a:avLst/>
+          </a:prstGeom>
+          <a:solidFill>
+            <a:schemeClr val="bg1"/>
+          </a:solidFill>
+          <a:ln>
+            <a:solidFill>
+              <a:schemeClr val="tx1"/>
+            </a:solidFill>
+          </a:ln>
+        </p:spPr>
+        <p:style>
+          <a:lnRef idx="2">
+            <a:schemeClr val="accent1">
+              <a:shade val="15000"/>
+            </a:schemeClr>
+          </a:lnRef>
+          <a:fillRef idx="1">
+            <a:schemeClr val="accent1"/>
+          </a:fillRef>
+          <a:effectRef idx="0">
+            <a:schemeClr val="accent1"/>
+          </a:effectRef>
+          <a:fontRef idx="minor">
+            <a:schemeClr val="lt1"/>
+          </a:fontRef>
+        </p:style>
+        <p:txBody>
+          <a:bodyPr rtlCol="0" anchor="ctr"/>
+          <a:lstStyle/>
+          <a:p>
+            <a:r>
+              <a:rPr lang="en-VN" sz="1400">
+                <a:solidFill>
+                  <a:schemeClr val="tx1"/>
+                </a:solidFill>
+              </a:rPr>
+              <a:t>Quantum algorithms</a:t>
+            </a:r>
+          </a:p>
+          <a:p>
+            <a:r>
+              <a:rPr lang="en-VN" sz="1400">
+                <a:solidFill>
+                  <a:schemeClr val="tx1"/>
+                </a:solidFill>
+              </a:rPr>
+              <a:t>(VQE, QOAO)</a:t>
+            </a:r>
+          </a:p>
+        </p:txBody>
+      </p:sp>
+      <p:sp>
+        <p:nvSpPr>
+          <p:cNvPr id="13" name="TextBox 12">
+            <a:extLst>
+              <a:ext uri="{FF2B5EF4-FFF2-40B4-BE49-F238E27FC236}">
+                <a16:creationId xmlns:a16="http://schemas.microsoft.com/office/drawing/2014/main" id="{D2FDE4C5-CBC5-0C3B-702C-41F88C6E40D0}"/>
+              </a:ext>
+            </a:extLst>
+          </p:cNvPr>
+          <p:cNvSpPr txBox="1"/>
+          <p:nvPr/>
+        </p:nvSpPr>
+        <p:spPr>
+          <a:xfrm>
+            <a:off x="2532948" y="2142939"/>
+            <a:ext cx="2057400" cy="307777"/>
+          </a:xfrm>
+          <a:prstGeom prst="rect">
+            <a:avLst/>
+          </a:prstGeom>
+          <a:noFill/>
+        </p:spPr>
+        <p:txBody>
+          <a:bodyPr wrap="square" rtlCol="0">
+            <a:spAutoFit/>
+          </a:bodyPr>
+          <a:lstStyle/>
+          <a:p>
+            <a:r>
+              <a:rPr lang="en-VN" sz="1400"/>
+              <a:t>QPO circuit</a:t>
+            </a:r>
+          </a:p>
+        </p:txBody>
+      </p:sp>
+      <mc:AlternateContent xmlns:mc="http://schemas.openxmlformats.org/markup-compatibility/2006">
+        <mc:Choice xmlns:a14="http://schemas.microsoft.com/office/drawing/2010/main" Requires="a14">
+          <p:sp>
+            <p:nvSpPr>
+              <p:cNvPr id="30" name="TextBox 29">
+                <a:extLst>
+                  <a:ext uri="{FF2B5EF4-FFF2-40B4-BE49-F238E27FC236}">
+                    <a16:creationId xmlns:a16="http://schemas.microsoft.com/office/drawing/2014/main" id="{8E36CFB4-950F-863A-9A22-40C8A33C10C4}"/>
+                  </a:ext>
+                </a:extLst>
+              </p:cNvPr>
+              <p:cNvSpPr txBox="1"/>
+              <p:nvPr/>
+            </p:nvSpPr>
+            <p:spPr>
+              <a:xfrm>
+                <a:off x="6504742" y="2700392"/>
+                <a:ext cx="1706002" cy="307777"/>
+              </a:xfrm>
+              <a:prstGeom prst="rect">
+                <a:avLst/>
+              </a:prstGeom>
+              <a:noFill/>
+            </p:spPr>
+            <p:txBody>
+              <a:bodyPr wrap="square" rtlCol="0">
+                <a:spAutoFit/>
+              </a:bodyPr>
+              <a:lstStyle/>
+              <a:p>
+                <a:r>
+                  <a:rPr lang="en-US" sz="1400"/>
+                  <a:t>O</a:t>
+                </a:r>
+                <a:r>
+                  <a:rPr lang="en-VN" sz="1400"/>
+                  <a:t>bjective value </a:t>
+                </a:r>
+                <a14:m>
+                  <m:oMath xmlns:m="http://schemas.openxmlformats.org/officeDocument/2006/math">
+                    <m:r>
+                      <a:rPr lang="en-VN" sz="1400" i="1">
+                        <a:latin typeface="Cambria Math" panose="02040503050406030204" pitchFamily="18" charset="0"/>
+                        <a:ea typeface="Cambria Math" panose="02040503050406030204" pitchFamily="18" charset="0"/>
+                      </a:rPr>
+                      <m:t>ℒ</m:t>
+                    </m:r>
+                    <m:d>
+                      <m:dPr>
+                        <m:ctrlPr>
+                          <a:rPr lang="vi-VN" sz="1400" b="0" i="1">
+                            <a:latin typeface="Cambria Math" panose="02040503050406030204" pitchFamily="18" charset="0"/>
+                            <a:ea typeface="Cambria Math" panose="02040503050406030204" pitchFamily="18" charset="0"/>
+                          </a:rPr>
+                        </m:ctrlPr>
+                      </m:dPr>
+                      <m:e>
+                        <m:r>
+                          <a:rPr lang="vi-VN" sz="1400" i="1">
+                            <a:latin typeface="Cambria Math" panose="02040503050406030204" pitchFamily="18" charset="0"/>
+                            <a:ea typeface="Cambria Math" panose="02040503050406030204" pitchFamily="18" charset="0"/>
+                          </a:rPr>
+                          <m:t>𝑥</m:t>
+                        </m:r>
+                      </m:e>
+                    </m:d>
+                  </m:oMath>
+                </a14:m>
+                <a:r>
+                  <a:rPr lang="en-VN" sz="1400"/>
+                  <a:t> </a:t>
+                </a:r>
+              </a:p>
+            </p:txBody>
+          </p:sp>
+        </mc:Choice>
+        <mc:Fallback>
+          <p:sp>
+            <p:nvSpPr>
+              <p:cNvPr id="30" name="TextBox 29">
+                <a:extLst>
+                  <a:ext uri="{FF2B5EF4-FFF2-40B4-BE49-F238E27FC236}">
+                    <a16:creationId xmlns:a16="http://schemas.microsoft.com/office/drawing/2014/main" id="{8E36CFB4-950F-863A-9A22-40C8A33C10C4}"/>
+                  </a:ext>
+                </a:extLst>
+              </p:cNvPr>
+              <p:cNvSpPr txBox="1">
+                <a:spLocks noRot="1" noChangeAspect="1" noMove="1" noResize="1" noEditPoints="1" noAdjustHandles="1" noChangeArrowheads="1" noChangeShapeType="1" noTextEdit="1"/>
+              </p:cNvSpPr>
+              <p:nvPr/>
+            </p:nvSpPr>
+            <p:spPr>
+              <a:xfrm>
+                <a:off x="6504742" y="2700392"/>
+                <a:ext cx="1706002" cy="307777"/>
+              </a:xfrm>
+              <a:prstGeom prst="rect">
+                <a:avLst/>
+              </a:prstGeom>
+              <a:blipFill>
+                <a:blip r:embed="rId2"/>
+                <a:stretch>
+                  <a:fillRect l="-1481" t="-4000" b="-20000"/>
+                </a:stretch>
+              </a:blipFill>
+            </p:spPr>
+            <p:txBody>
+              <a:bodyPr/>
+              <a:lstStyle/>
+              <a:p>
+                <a:r>
+                  <a:rPr lang="en-VN">
+                    <a:noFill/>
+                  </a:rPr>
+                  <a:t> </a:t>
+                </a:r>
+              </a:p>
+            </p:txBody>
+          </p:sp>
+        </mc:Fallback>
+      </mc:AlternateContent>
+      <p:cxnSp>
+        <p:nvCxnSpPr>
+          <p:cNvPr id="33" name="Straight Arrow Connector 32">
+            <a:extLst>
+              <a:ext uri="{FF2B5EF4-FFF2-40B4-BE49-F238E27FC236}">
+                <a16:creationId xmlns:a16="http://schemas.microsoft.com/office/drawing/2014/main" id="{E40891DC-144A-ABC4-587A-05D3F2564B36}"/>
+              </a:ext>
+            </a:extLst>
+          </p:cNvPr>
+          <p:cNvCxnSpPr>
+            <a:cxnSpLocks/>
+          </p:cNvCxnSpPr>
+          <p:nvPr/>
+        </p:nvCxnSpPr>
+        <p:spPr>
+          <a:xfrm flipV="1">
+            <a:off x="4498245" y="2847137"/>
+            <a:ext cx="2006497" cy="2104"/>
+          </a:xfrm>
+          <a:prstGeom prst="straightConnector1">
+            <a:avLst/>
+          </a:prstGeom>
+          <a:ln>
+            <a:solidFill>
+              <a:schemeClr val="tx1"/>
+            </a:solidFill>
+            <a:prstDash val="lgDash"/>
+            <a:tailEnd type="triangle"/>
+          </a:ln>
+        </p:spPr>
+        <p:style>
+          <a:lnRef idx="1">
+            <a:schemeClr val="accent1"/>
+          </a:lnRef>
+          <a:fillRef idx="0">
+            <a:schemeClr val="accent1"/>
+          </a:fillRef>
+          <a:effectRef idx="0">
+            <a:schemeClr val="accent1"/>
+          </a:effectRef>
+          <a:fontRef idx="minor">
+            <a:schemeClr val="tx1"/>
+          </a:fontRef>
+        </p:style>
+      </p:cxnSp>
+      <mc:AlternateContent xmlns:mc="http://schemas.openxmlformats.org/markup-compatibility/2006">
+        <mc:Choice xmlns:a14="http://schemas.microsoft.com/office/drawing/2010/main" Requires="a14">
+          <p:sp>
+            <p:nvSpPr>
+              <p:cNvPr id="36" name="TextBox 35">
+                <a:extLst>
+                  <a:ext uri="{FF2B5EF4-FFF2-40B4-BE49-F238E27FC236}">
+                    <a16:creationId xmlns:a16="http://schemas.microsoft.com/office/drawing/2014/main" id="{8F93BAEF-E684-D02C-AB03-5AD8D24453B0}"/>
+                  </a:ext>
+                </a:extLst>
+              </p:cNvPr>
+              <p:cNvSpPr txBox="1"/>
+              <p:nvPr/>
+            </p:nvSpPr>
+            <p:spPr>
+              <a:xfrm>
+                <a:off x="6504742" y="1733176"/>
+                <a:ext cx="1799848" cy="307777"/>
+              </a:xfrm>
+              <a:prstGeom prst="rect">
+                <a:avLst/>
+              </a:prstGeom>
+              <a:noFill/>
+            </p:spPr>
+            <p:txBody>
+              <a:bodyPr wrap="square" rtlCol="0">
+                <a:spAutoFit/>
+              </a:bodyPr>
+              <a:lstStyle/>
+              <a:p>
+                <a:r>
+                  <a:rPr lang="en-US" sz="1400"/>
+                  <a:t>Return</a:t>
+                </a:r>
+                <a:r>
+                  <a:rPr lang="en-VN" sz="1400"/>
+                  <a:t> value </a:t>
+                </a:r>
+                <a14:m>
+                  <m:oMath xmlns:m="http://schemas.openxmlformats.org/officeDocument/2006/math">
+                    <m:r>
+                      <a:rPr lang="vi-VN" sz="1400" b="0" i="1">
+                        <a:latin typeface="Cambria Math" panose="02040503050406030204" pitchFamily="18" charset="0"/>
+                      </a:rPr>
+                      <m:t>⟨</m:t>
+                    </m:r>
+                    <m:acc>
+                      <m:accPr>
+                        <m:chr m:val="̂"/>
+                        <m:ctrlPr>
+                          <a:rPr lang="vi-VN" sz="1400" b="0" i="1">
+                            <a:latin typeface="Cambria Math" panose="02040503050406030204" pitchFamily="18" charset="0"/>
+                          </a:rPr>
+                        </m:ctrlPr>
+                      </m:accPr>
+                      <m:e>
+                        <m:r>
+                          <a:rPr lang="vi-VN" sz="1400" b="0" i="1">
+                            <a:latin typeface="Cambria Math" panose="02040503050406030204" pitchFamily="18" charset="0"/>
+                          </a:rPr>
+                          <m:t>𝜇</m:t>
+                        </m:r>
+                      </m:e>
+                    </m:acc>
+                    <m:r>
+                      <a:rPr lang="vi-VN" sz="1400" b="0" i="1">
+                        <a:latin typeface="Cambria Math" panose="02040503050406030204" pitchFamily="18" charset="0"/>
+                      </a:rPr>
+                      <m:t>|</m:t>
+                    </m:r>
+                    <m:acc>
+                      <m:accPr>
+                        <m:chr m:val="̂"/>
+                        <m:ctrlPr>
+                          <a:rPr lang="vi-VN" sz="1400" b="0" i="1">
+                            <a:latin typeface="Cambria Math" panose="02040503050406030204" pitchFamily="18" charset="0"/>
+                          </a:rPr>
+                        </m:ctrlPr>
+                      </m:accPr>
+                      <m:e>
+                        <m:r>
+                          <a:rPr lang="vi-VN" sz="1400" i="1">
+                            <a:latin typeface="Cambria Math" panose="02040503050406030204" pitchFamily="18" charset="0"/>
+                          </a:rPr>
+                          <m:t>𝑥</m:t>
+                        </m:r>
+                      </m:e>
+                    </m:acc>
+                    <m:r>
+                      <a:rPr lang="vi-VN" sz="1400" b="0" i="1">
+                        <a:latin typeface="Cambria Math" panose="02040503050406030204" pitchFamily="18" charset="0"/>
+                      </a:rPr>
+                      <m:t>⟩</m:t>
+                    </m:r>
+                  </m:oMath>
+                </a14:m>
+                <a:r>
+                  <a:rPr lang="en-VN" sz="1400"/>
+                  <a:t> </a:t>
+                </a:r>
+              </a:p>
+            </p:txBody>
+          </p:sp>
+        </mc:Choice>
+        <mc:Fallback>
+          <p:sp>
+            <p:nvSpPr>
+              <p:cNvPr id="36" name="TextBox 35">
+                <a:extLst>
+                  <a:ext uri="{FF2B5EF4-FFF2-40B4-BE49-F238E27FC236}">
+                    <a16:creationId xmlns:a16="http://schemas.microsoft.com/office/drawing/2014/main" id="{8F93BAEF-E684-D02C-AB03-5AD8D24453B0}"/>
+                  </a:ext>
+                </a:extLst>
+              </p:cNvPr>
+              <p:cNvSpPr txBox="1">
+                <a:spLocks noRot="1" noChangeAspect="1" noMove="1" noResize="1" noEditPoints="1" noAdjustHandles="1" noChangeArrowheads="1" noChangeShapeType="1" noTextEdit="1"/>
+              </p:cNvSpPr>
+              <p:nvPr/>
+            </p:nvSpPr>
+            <p:spPr>
+              <a:xfrm>
+                <a:off x="6504742" y="1733176"/>
+                <a:ext cx="1799848" cy="307777"/>
+              </a:xfrm>
+              <a:prstGeom prst="rect">
+                <a:avLst/>
+              </a:prstGeom>
+              <a:blipFill>
+                <a:blip r:embed="rId3"/>
+                <a:stretch>
+                  <a:fillRect l="-1408" t="-4000" b="-20000"/>
+                </a:stretch>
+              </a:blipFill>
+            </p:spPr>
+            <p:txBody>
+              <a:bodyPr/>
+              <a:lstStyle/>
+              <a:p>
+                <a:r>
+                  <a:rPr lang="en-VN">
+                    <a:noFill/>
+                  </a:rPr>
+                  <a:t> </a:t>
+                </a:r>
+              </a:p>
+            </p:txBody>
+          </p:sp>
+        </mc:Fallback>
+      </mc:AlternateContent>
+      <p:sp>
+        <p:nvSpPr>
+          <p:cNvPr id="46" name="Rectangle 45">
+            <a:extLst>
+              <a:ext uri="{FF2B5EF4-FFF2-40B4-BE49-F238E27FC236}">
+                <a16:creationId xmlns:a16="http://schemas.microsoft.com/office/drawing/2014/main" id="{3CF399E9-74D3-9868-76D0-0A224A320A1F}"/>
+              </a:ext>
+            </a:extLst>
+          </p:cNvPr>
+          <p:cNvSpPr/>
+          <p:nvPr/>
+        </p:nvSpPr>
+        <p:spPr>
+          <a:xfrm>
+            <a:off x="5022060" y="2228939"/>
+            <a:ext cx="1202532" cy="252326"/>
+          </a:xfrm>
+          <a:prstGeom prst="rect">
+            <a:avLst/>
+          </a:prstGeom>
+          <a:solidFill>
+            <a:schemeClr val="bg1"/>
+          </a:solidFill>
+          <a:ln>
+            <a:solidFill>
+              <a:schemeClr val="tx1"/>
+            </a:solidFill>
+          </a:ln>
+        </p:spPr>
+        <p:style>
+          <a:lnRef idx="2">
+            <a:schemeClr val="accent1">
+              <a:shade val="15000"/>
+            </a:schemeClr>
+          </a:lnRef>
+          <a:fillRef idx="1">
+            <a:schemeClr val="accent1"/>
+          </a:fillRef>
+          <a:effectRef idx="0">
+            <a:schemeClr val="accent1"/>
+          </a:effectRef>
+          <a:fontRef idx="minor">
+            <a:schemeClr val="lt1"/>
+          </a:fontRef>
+        </p:style>
+        <p:txBody>
+          <a:bodyPr rtlCol="0" anchor="ctr"/>
+          <a:lstStyle/>
+          <a:p>
+            <a:pPr algn="ctr"/>
+            <a:r>
+              <a:rPr lang="en-VN" sz="1400">
+                <a:solidFill>
+                  <a:schemeClr val="tx1"/>
+                </a:solidFill>
+              </a:rPr>
+              <a:t>Switch mode</a:t>
+            </a:r>
+          </a:p>
+        </p:txBody>
+      </p:sp>
+      <p:cxnSp>
+        <p:nvCxnSpPr>
+          <p:cNvPr id="47" name="Straight Arrow Connector 46">
+            <a:extLst>
+              <a:ext uri="{FF2B5EF4-FFF2-40B4-BE49-F238E27FC236}">
+                <a16:creationId xmlns:a16="http://schemas.microsoft.com/office/drawing/2014/main" id="{B3267E90-0C3D-4E84-F66E-BB08B8F50532}"/>
+              </a:ext>
+            </a:extLst>
+          </p:cNvPr>
+          <p:cNvCxnSpPr>
+            <a:cxnSpLocks/>
+          </p:cNvCxnSpPr>
+          <p:nvPr/>
+        </p:nvCxnSpPr>
+        <p:spPr>
+          <a:xfrm>
+            <a:off x="4615792" y="2355102"/>
+            <a:ext cx="406268" cy="0"/>
+          </a:xfrm>
+          <a:prstGeom prst="straightConnector1">
+            <a:avLst/>
+          </a:prstGeom>
+          <a:ln>
+            <a:solidFill>
+              <a:schemeClr val="tx1"/>
+            </a:solidFill>
+            <a:prstDash val="lgDash"/>
+            <a:tailEnd type="triangle"/>
+          </a:ln>
+        </p:spPr>
+        <p:style>
+          <a:lnRef idx="1">
+            <a:schemeClr val="accent1"/>
+          </a:lnRef>
+          <a:fillRef idx="0">
+            <a:schemeClr val="accent1"/>
+          </a:fillRef>
+          <a:effectRef idx="0">
+            <a:schemeClr val="accent1"/>
+          </a:effectRef>
+          <a:fontRef idx="minor">
+            <a:schemeClr val="tx1"/>
+          </a:fontRef>
+        </p:style>
+      </p:cxnSp>
+      <p:cxnSp>
+        <p:nvCxnSpPr>
+          <p:cNvPr id="50" name="Curved Connector 49">
+            <a:extLst>
+              <a:ext uri="{FF2B5EF4-FFF2-40B4-BE49-F238E27FC236}">
+                <a16:creationId xmlns:a16="http://schemas.microsoft.com/office/drawing/2014/main" id="{436B129B-AB05-6FC1-6A23-3CB1609FEE85}"/>
+              </a:ext>
+            </a:extLst>
+          </p:cNvPr>
+          <p:cNvCxnSpPr>
+            <a:cxnSpLocks/>
+            <a:stCxn id="46" idx="3"/>
+            <a:endCxn id="30" idx="0"/>
+          </p:cNvCxnSpPr>
+          <p:nvPr/>
+        </p:nvCxnSpPr>
+        <p:spPr>
+          <a:xfrm>
+            <a:off x="6224592" y="2355102"/>
+            <a:ext cx="1133151" cy="345290"/>
+          </a:xfrm>
+          <a:prstGeom prst="curvedConnector2">
+            <a:avLst/>
+          </a:prstGeom>
+          <a:ln>
+            <a:solidFill>
+              <a:schemeClr val="tx1"/>
+            </a:solidFill>
+            <a:prstDash val="lgDash"/>
+            <a:tailEnd type="triangle"/>
+          </a:ln>
+        </p:spPr>
+        <p:style>
+          <a:lnRef idx="1">
+            <a:schemeClr val="accent1"/>
+          </a:lnRef>
+          <a:fillRef idx="0">
+            <a:schemeClr val="accent1"/>
+          </a:fillRef>
+          <a:effectRef idx="0">
+            <a:schemeClr val="accent1"/>
+          </a:effectRef>
+          <a:fontRef idx="minor">
+            <a:schemeClr val="tx1"/>
+          </a:fontRef>
+        </p:style>
+      </p:cxnSp>
+      <p:cxnSp>
+        <p:nvCxnSpPr>
+          <p:cNvPr id="51" name="Curved Connector 50">
+            <a:extLst>
+              <a:ext uri="{FF2B5EF4-FFF2-40B4-BE49-F238E27FC236}">
+                <a16:creationId xmlns:a16="http://schemas.microsoft.com/office/drawing/2014/main" id="{7F02FC0B-B2D9-7B08-D7C4-01EBCEB000AF}"/>
+              </a:ext>
+            </a:extLst>
+          </p:cNvPr>
+          <p:cNvCxnSpPr>
+            <a:cxnSpLocks/>
+            <a:stCxn id="46" idx="3"/>
+            <a:endCxn id="36" idx="2"/>
+          </p:cNvCxnSpPr>
+          <p:nvPr/>
+        </p:nvCxnSpPr>
+        <p:spPr>
+          <a:xfrm flipV="1">
+            <a:off x="6224592" y="2040953"/>
+            <a:ext cx="1180074" cy="314149"/>
+          </a:xfrm>
+          <a:prstGeom prst="curvedConnector2">
+            <a:avLst/>
+          </a:prstGeom>
+          <a:ln>
+            <a:solidFill>
+              <a:schemeClr val="tx1"/>
+            </a:solidFill>
+            <a:prstDash val="lgDash"/>
+            <a:tailEnd type="triangle"/>
+          </a:ln>
+        </p:spPr>
+        <p:style>
+          <a:lnRef idx="1">
+            <a:schemeClr val="accent1"/>
+          </a:lnRef>
+          <a:fillRef idx="0">
+            <a:schemeClr val="accent1"/>
+          </a:fillRef>
+          <a:effectRef idx="0">
+            <a:schemeClr val="accent1"/>
+          </a:effectRef>
+          <a:fontRef idx="minor">
+            <a:schemeClr val="tx1"/>
+          </a:fontRef>
+        </p:style>
+      </p:cxnSp>
+      <mc:AlternateContent xmlns:mc="http://schemas.openxmlformats.org/markup-compatibility/2006">
+        <mc:Choice xmlns:a14="http://schemas.microsoft.com/office/drawing/2010/main" Requires="a14">
+          <p:sp>
+            <p:nvSpPr>
+              <p:cNvPr id="54" name="TextBox 53">
+                <a:extLst>
+                  <a:ext uri="{FF2B5EF4-FFF2-40B4-BE49-F238E27FC236}">
+                    <a16:creationId xmlns:a16="http://schemas.microsoft.com/office/drawing/2014/main" id="{02076E6C-DA9D-2475-8643-35A1FAF8C26C}"/>
+                  </a:ext>
+                </a:extLst>
+              </p:cNvPr>
+              <p:cNvSpPr txBox="1"/>
+              <p:nvPr/>
+            </p:nvSpPr>
+            <p:spPr>
+              <a:xfrm rot="20935643">
+                <a:off x="5873583" y="2039667"/>
+                <a:ext cx="1931670" cy="276999"/>
+              </a:xfrm>
+              <a:prstGeom prst="rect">
+                <a:avLst/>
+              </a:prstGeom>
+              <a:noFill/>
+              <a:ln>
+                <a:noFill/>
+                <a:prstDash val="dash"/>
+              </a:ln>
+            </p:spPr>
+            <p:txBody>
+              <a:bodyPr wrap="square" rtlCol="0">
+                <a:spAutoFit/>
+              </a:bodyPr>
+              <a:lstStyle/>
+              <a:p>
+                <a14:m>
+                  <m:oMathPara xmlns:m="http://schemas.openxmlformats.org/officeDocument/2006/math">
+                    <m:oMathParaPr>
+                      <m:jc m:val="centerGroup"/>
+                    </m:oMathParaPr>
+                    <m:oMath xmlns:m="http://schemas.openxmlformats.org/officeDocument/2006/math">
+                      <m:r>
+                        <m:rPr>
+                          <m:sty m:val="p"/>
+                        </m:rPr>
+                        <a:rPr lang="en-US" sz="1200" i="1">
+                          <a:latin typeface="Cambria Math" panose="02040503050406030204" pitchFamily="18" charset="0"/>
+                        </a:rPr>
+                        <m:t>k</m:t>
+                      </m:r>
+                      <m:r>
+                        <a:rPr lang="vi-VN" sz="1200" b="0" i="1">
+                          <a:latin typeface="Cambria Math" panose="02040503050406030204" pitchFamily="18" charset="0"/>
+                        </a:rPr>
+                        <m:t>=1</m:t>
+                      </m:r>
+                    </m:oMath>
+                  </m:oMathPara>
+                </a14:m>
+                <a:endParaRPr lang="en-VN" sz="1200"/>
+              </a:p>
+            </p:txBody>
+          </p:sp>
+        </mc:Choice>
+        <mc:Fallback>
+          <p:sp>
+            <p:nvSpPr>
+              <p:cNvPr id="54" name="TextBox 53">
+                <a:extLst>
+                  <a:ext uri="{FF2B5EF4-FFF2-40B4-BE49-F238E27FC236}">
+                    <a16:creationId xmlns:a16="http://schemas.microsoft.com/office/drawing/2014/main" id="{02076E6C-DA9D-2475-8643-35A1FAF8C26C}"/>
+                  </a:ext>
+                </a:extLst>
+              </p:cNvPr>
+              <p:cNvSpPr txBox="1">
+                <a:spLocks noRot="1" noChangeAspect="1" noMove="1" noResize="1" noEditPoints="1" noAdjustHandles="1" noChangeArrowheads="1" noChangeShapeType="1" noTextEdit="1"/>
+              </p:cNvSpPr>
+              <p:nvPr/>
+            </p:nvSpPr>
+            <p:spPr>
+              <a:xfrm rot="20935643">
+                <a:off x="5873583" y="2039667"/>
+                <a:ext cx="1931670" cy="276999"/>
+              </a:xfrm>
+              <a:prstGeom prst="rect">
+                <a:avLst/>
+              </a:prstGeom>
+              <a:blipFill>
+                <a:blip r:embed="rId4"/>
+                <a:stretch>
+                  <a:fillRect/>
+                </a:stretch>
+              </a:blipFill>
+              <a:ln>
+                <a:noFill/>
+                <a:prstDash val="dash"/>
+              </a:ln>
+            </p:spPr>
+            <p:txBody>
+              <a:bodyPr/>
+              <a:lstStyle/>
+              <a:p>
+                <a:r>
+                  <a:rPr lang="en-VN">
+                    <a:noFill/>
+                  </a:rPr>
+                  <a:t> </a:t>
+                </a:r>
+              </a:p>
+            </p:txBody>
+          </p:sp>
+        </mc:Fallback>
+      </mc:AlternateContent>
+      <mc:AlternateContent xmlns:mc="http://schemas.openxmlformats.org/markup-compatibility/2006">
+        <mc:Choice xmlns:a14="http://schemas.microsoft.com/office/drawing/2010/main" Requires="a14">
+          <p:sp>
+            <p:nvSpPr>
+              <p:cNvPr id="55" name="TextBox 54">
+                <a:extLst>
+                  <a:ext uri="{FF2B5EF4-FFF2-40B4-BE49-F238E27FC236}">
+                    <a16:creationId xmlns:a16="http://schemas.microsoft.com/office/drawing/2014/main" id="{4E0F16A7-6CF5-39A7-86D7-B30B48226A35}"/>
+                  </a:ext>
+                </a:extLst>
+              </p:cNvPr>
+              <p:cNvSpPr txBox="1"/>
+              <p:nvPr/>
+            </p:nvSpPr>
+            <p:spPr>
+              <a:xfrm rot="532699">
+                <a:off x="5874765" y="2404386"/>
+                <a:ext cx="1931670" cy="276999"/>
+              </a:xfrm>
+              <a:prstGeom prst="rect">
+                <a:avLst/>
+              </a:prstGeom>
+              <a:noFill/>
+              <a:ln>
+                <a:noFill/>
+                <a:prstDash val="dash"/>
+              </a:ln>
+            </p:spPr>
+            <p:txBody>
+              <a:bodyPr wrap="square" rtlCol="0">
+                <a:spAutoFit/>
+              </a:bodyPr>
+              <a:lstStyle/>
+              <a:p>
+                <a14:m>
+                  <m:oMathPara xmlns:m="http://schemas.openxmlformats.org/officeDocument/2006/math">
+                    <m:oMathParaPr>
+                      <m:jc m:val="centerGroup"/>
+                    </m:oMathParaPr>
+                    <m:oMath xmlns:m="http://schemas.openxmlformats.org/officeDocument/2006/math">
+                      <m:r>
+                        <m:rPr>
+                          <m:sty m:val="p"/>
+                        </m:rPr>
+                        <a:rPr lang="en-US" sz="1200" i="1">
+                          <a:latin typeface="Cambria Math" panose="02040503050406030204" pitchFamily="18" charset="0"/>
+                        </a:rPr>
+                        <m:t>k</m:t>
+                      </m:r>
+                      <m:r>
+                        <a:rPr lang="vi-VN" sz="1200" b="0" i="1">
+                          <a:latin typeface="Cambria Math" panose="02040503050406030204" pitchFamily="18" charset="0"/>
+                        </a:rPr>
+                        <m:t>=0</m:t>
+                      </m:r>
+                    </m:oMath>
+                  </m:oMathPara>
+                </a14:m>
+                <a:endParaRPr lang="en-VN" sz="1200"/>
+              </a:p>
+            </p:txBody>
+          </p:sp>
+        </mc:Choice>
+        <mc:Fallback>
+          <p:sp>
+            <p:nvSpPr>
+              <p:cNvPr id="55" name="TextBox 54">
+                <a:extLst>
+                  <a:ext uri="{FF2B5EF4-FFF2-40B4-BE49-F238E27FC236}">
+                    <a16:creationId xmlns:a16="http://schemas.microsoft.com/office/drawing/2014/main" id="{4E0F16A7-6CF5-39A7-86D7-B30B48226A35}"/>
+                  </a:ext>
+                </a:extLst>
+              </p:cNvPr>
+              <p:cNvSpPr txBox="1">
+                <a:spLocks noRot="1" noChangeAspect="1" noMove="1" noResize="1" noEditPoints="1" noAdjustHandles="1" noChangeArrowheads="1" noChangeShapeType="1" noTextEdit="1"/>
+              </p:cNvSpPr>
+              <p:nvPr/>
+            </p:nvSpPr>
+            <p:spPr>
+              <a:xfrm rot="532699">
+                <a:off x="5874765" y="2404386"/>
+                <a:ext cx="1931670" cy="276999"/>
+              </a:xfrm>
+              <a:prstGeom prst="rect">
+                <a:avLst/>
+              </a:prstGeom>
+              <a:blipFill>
+                <a:blip r:embed="rId5"/>
+                <a:stretch>
+                  <a:fillRect/>
+                </a:stretch>
+              </a:blipFill>
+              <a:ln>
+                <a:noFill/>
+                <a:prstDash val="dash"/>
+              </a:ln>
+            </p:spPr>
+            <p:txBody>
+              <a:bodyPr/>
+              <a:lstStyle/>
+              <a:p>
+                <a:r>
+                  <a:rPr lang="en-VN">
+                    <a:noFill/>
+                  </a:rPr>
+                  <a:t> </a:t>
+                </a:r>
+              </a:p>
+            </p:txBody>
+          </p:sp>
+        </mc:Fallback>
+      </mc:AlternateContent>
+      <p:sp>
+        <p:nvSpPr>
+          <p:cNvPr id="56" name="Rectangle 55">
+            <a:extLst>
+              <a:ext uri="{FF2B5EF4-FFF2-40B4-BE49-F238E27FC236}">
+                <a16:creationId xmlns:a16="http://schemas.microsoft.com/office/drawing/2014/main" id="{9EA83142-CE32-A9E6-C17C-0EF7BC9ADA3B}"/>
+              </a:ext>
+            </a:extLst>
+          </p:cNvPr>
+          <p:cNvSpPr/>
+          <p:nvPr/>
+        </p:nvSpPr>
+        <p:spPr>
+          <a:xfrm>
+            <a:off x="6333871" y="1690050"/>
+            <a:ext cx="2008613" cy="1392115"/>
+          </a:xfrm>
+          <a:prstGeom prst="rect">
+            <a:avLst/>
+          </a:prstGeom>
+          <a:noFill/>
+          <a:ln>
+            <a:solidFill>
+              <a:srgbClr val="FF0000"/>
+            </a:solidFill>
+            <a:prstDash val="solid"/>
+          </a:ln>
+        </p:spPr>
+        <p:style>
+          <a:lnRef idx="2">
+            <a:schemeClr val="accent1">
+              <a:shade val="15000"/>
+            </a:schemeClr>
+          </a:lnRef>
+          <a:fillRef idx="1">
+            <a:schemeClr val="accent1"/>
+          </a:fillRef>
+          <a:effectRef idx="0">
+            <a:schemeClr val="accent1"/>
+          </a:effectRef>
+          <a:fontRef idx="minor">
+            <a:schemeClr val="lt1"/>
+          </a:fontRef>
+        </p:style>
+        <p:txBody>
+          <a:bodyPr rtlCol="0" anchor="ctr"/>
+          <a:lstStyle/>
+          <a:p>
+            <a:pPr algn="ctr"/>
+            <a:endParaRPr lang="en-VN"/>
+          </a:p>
+        </p:txBody>
+      </p:sp>
+      <p:sp>
+        <p:nvSpPr>
+          <p:cNvPr id="79" name="TextBox 78">
+            <a:extLst>
+              <a:ext uri="{FF2B5EF4-FFF2-40B4-BE49-F238E27FC236}">
+                <a16:creationId xmlns:a16="http://schemas.microsoft.com/office/drawing/2014/main" id="{08D32315-2786-EE3F-47F1-47FDCF2DF561}"/>
+              </a:ext>
+            </a:extLst>
+          </p:cNvPr>
+          <p:cNvSpPr txBox="1"/>
+          <p:nvPr/>
+        </p:nvSpPr>
+        <p:spPr>
+          <a:xfrm>
+            <a:off x="6355035" y="3149228"/>
+            <a:ext cx="2385481" cy="276999"/>
+          </a:xfrm>
+          <a:prstGeom prst="rect">
+            <a:avLst/>
+          </a:prstGeom>
+          <a:noFill/>
+        </p:spPr>
+        <p:txBody>
+          <a:bodyPr wrap="square" rtlCol="0">
+            <a:spAutoFit/>
+          </a:bodyPr>
+          <a:lstStyle/>
+          <a:p>
+            <a:r>
+              <a:rPr lang="en-VN" sz="1200"/>
+              <a:t>Send results for post-processing</a:t>
+            </a:r>
+          </a:p>
+        </p:txBody>
+      </p:sp>
+      <p:cxnSp>
+        <p:nvCxnSpPr>
+          <p:cNvPr id="81" name="Elbow Connector 80">
+            <a:extLst>
+              <a:ext uri="{FF2B5EF4-FFF2-40B4-BE49-F238E27FC236}">
+                <a16:creationId xmlns:a16="http://schemas.microsoft.com/office/drawing/2014/main" id="{278AC974-2B88-1EBC-2B80-315045B4B5DA}"/>
+              </a:ext>
+            </a:extLst>
+          </p:cNvPr>
+          <p:cNvCxnSpPr>
+            <a:cxnSpLocks/>
+            <a:stCxn id="56" idx="3"/>
+            <a:endCxn id="6" idx="3"/>
+          </p:cNvCxnSpPr>
+          <p:nvPr/>
+        </p:nvCxnSpPr>
+        <p:spPr>
+          <a:xfrm flipH="1">
+            <a:off x="6224592" y="2386108"/>
+            <a:ext cx="2117892" cy="1042892"/>
+          </a:xfrm>
+          <a:prstGeom prst="bentConnector3">
+            <a:avLst>
+              <a:gd name="adj1" fmla="val -10794"/>
+            </a:avLst>
+          </a:prstGeom>
+          <a:ln>
+            <a:solidFill>
+              <a:schemeClr val="tx1"/>
+            </a:solidFill>
+            <a:prstDash val="lgDash"/>
+            <a:tailEnd type="triangle"/>
+          </a:ln>
+        </p:spPr>
+        <p:style>
+          <a:lnRef idx="1">
+            <a:schemeClr val="accent1"/>
+          </a:lnRef>
+          <a:fillRef idx="0">
+            <a:schemeClr val="accent1"/>
+          </a:fillRef>
+          <a:effectRef idx="0">
+            <a:schemeClr val="accent1"/>
+          </a:effectRef>
+          <a:fontRef idx="minor">
+            <a:schemeClr val="tx1"/>
+          </a:fontRef>
+        </p:style>
+      </p:cxnSp>
+      <p:sp>
+        <p:nvSpPr>
+          <p:cNvPr id="98" name="TextBox 97">
+            <a:extLst>
+              <a:ext uri="{FF2B5EF4-FFF2-40B4-BE49-F238E27FC236}">
+                <a16:creationId xmlns:a16="http://schemas.microsoft.com/office/drawing/2014/main" id="{834B4867-55F0-1DD8-E28C-E331175A6150}"/>
+              </a:ext>
+            </a:extLst>
+          </p:cNvPr>
+          <p:cNvSpPr txBox="1"/>
+          <p:nvPr/>
+        </p:nvSpPr>
+        <p:spPr>
+          <a:xfrm>
+            <a:off x="3479202" y="3431712"/>
+            <a:ext cx="1111613" cy="307777"/>
+          </a:xfrm>
+          <a:prstGeom prst="rect">
+            <a:avLst/>
+          </a:prstGeom>
+          <a:noFill/>
+        </p:spPr>
+        <p:txBody>
+          <a:bodyPr wrap="square" rtlCol="0">
+            <a:spAutoFit/>
+          </a:bodyPr>
+          <a:lstStyle/>
+          <a:p>
+            <a:r>
+              <a:rPr lang="en-VN" sz="1400"/>
+              <a:t>(a)</a:t>
+            </a:r>
+          </a:p>
+        </p:txBody>
+      </p:sp>
+      <p:sp>
+        <p:nvSpPr>
+          <p:cNvPr id="99" name="TextBox 98">
+            <a:extLst>
+              <a:ext uri="{FF2B5EF4-FFF2-40B4-BE49-F238E27FC236}">
+                <a16:creationId xmlns:a16="http://schemas.microsoft.com/office/drawing/2014/main" id="{865AE07B-7205-F1BC-2921-2B5DB5874ADF}"/>
+              </a:ext>
+            </a:extLst>
+          </p:cNvPr>
+          <p:cNvSpPr txBox="1"/>
+          <p:nvPr/>
+        </p:nvSpPr>
+        <p:spPr>
+          <a:xfrm>
+            <a:off x="7192977" y="3430819"/>
+            <a:ext cx="1111613" cy="307777"/>
+          </a:xfrm>
+          <a:prstGeom prst="rect">
+            <a:avLst/>
+          </a:prstGeom>
+          <a:noFill/>
+        </p:spPr>
+        <p:txBody>
+          <a:bodyPr wrap="square" rtlCol="0">
+            <a:spAutoFit/>
+          </a:bodyPr>
+          <a:lstStyle/>
+          <a:p>
+            <a:r>
+              <a:rPr lang="en-VN" sz="1400"/>
+              <a:t>(b)</a:t>
+            </a:r>
+          </a:p>
+        </p:txBody>
+      </p:sp>
+      <p:sp>
+        <p:nvSpPr>
+          <p:cNvPr id="130" name="TextBox 129">
+            <a:extLst>
+              <a:ext uri="{FF2B5EF4-FFF2-40B4-BE49-F238E27FC236}">
+                <a16:creationId xmlns:a16="http://schemas.microsoft.com/office/drawing/2014/main" id="{739C48A2-13FB-F681-EFD0-8C581B0395C9}"/>
+              </a:ext>
+            </a:extLst>
+          </p:cNvPr>
+          <p:cNvSpPr txBox="1"/>
+          <p:nvPr/>
+        </p:nvSpPr>
+        <p:spPr>
+          <a:xfrm>
+            <a:off x="3936206" y="3279264"/>
+            <a:ext cx="753540" cy="307777"/>
+          </a:xfrm>
+          <a:prstGeom prst="rect">
+            <a:avLst/>
+          </a:prstGeom>
+          <a:noFill/>
+        </p:spPr>
+        <p:txBody>
+          <a:bodyPr wrap="square" rtlCol="0">
+            <a:spAutoFit/>
+          </a:bodyPr>
+          <a:lstStyle/>
+          <a:p>
+            <a:r>
+              <a:rPr lang="en-VN" sz="1400"/>
+              <a:t>Porfolio</a:t>
+            </a:r>
+          </a:p>
+        </p:txBody>
+      </p:sp>
+      <p:cxnSp>
+        <p:nvCxnSpPr>
+          <p:cNvPr id="131" name="Straight Arrow Connector 130">
+            <a:extLst>
+              <a:ext uri="{FF2B5EF4-FFF2-40B4-BE49-F238E27FC236}">
+                <a16:creationId xmlns:a16="http://schemas.microsoft.com/office/drawing/2014/main" id="{3771A7B9-4556-2083-AB4D-925800658D28}"/>
+              </a:ext>
+            </a:extLst>
+          </p:cNvPr>
+          <p:cNvCxnSpPr>
+            <a:cxnSpLocks/>
+            <a:stCxn id="6" idx="1"/>
+            <a:endCxn id="130" idx="3"/>
+          </p:cNvCxnSpPr>
+          <p:nvPr/>
+        </p:nvCxnSpPr>
+        <p:spPr>
+          <a:xfrm flipH="1">
+            <a:off x="4689746" y="3429000"/>
+            <a:ext cx="332314" cy="4153"/>
+          </a:xfrm>
+          <a:prstGeom prst="straightConnector1">
+            <a:avLst/>
+          </a:prstGeom>
+          <a:ln>
+            <a:solidFill>
+              <a:schemeClr val="tx1"/>
+            </a:solidFill>
+            <a:prstDash val="lgDash"/>
+            <a:tailEnd type="triangle"/>
+          </a:ln>
+        </p:spPr>
+        <p:style>
+          <a:lnRef idx="1">
+            <a:schemeClr val="accent1"/>
+          </a:lnRef>
+          <a:fillRef idx="0">
+            <a:schemeClr val="accent1"/>
+          </a:fillRef>
+          <a:effectRef idx="0">
+            <a:schemeClr val="accent1"/>
+          </a:effectRef>
+          <a:fontRef idx="minor">
+            <a:schemeClr val="tx1"/>
+          </a:fontRef>
+        </p:style>
+      </p:cxnSp>
+      <p:cxnSp>
+        <p:nvCxnSpPr>
+          <p:cNvPr id="137" name="Elbow Connector 136">
+            <a:extLst>
+              <a:ext uri="{FF2B5EF4-FFF2-40B4-BE49-F238E27FC236}">
+                <a16:creationId xmlns:a16="http://schemas.microsoft.com/office/drawing/2014/main" id="{A664E130-D7BD-A906-FEFB-0188B03CB09D}"/>
+              </a:ext>
+            </a:extLst>
+          </p:cNvPr>
+          <p:cNvCxnSpPr>
+            <a:cxnSpLocks/>
+            <a:endCxn id="6" idx="0"/>
+          </p:cNvCxnSpPr>
+          <p:nvPr/>
+        </p:nvCxnSpPr>
+        <p:spPr>
+          <a:xfrm>
+            <a:off x="4718940" y="2766102"/>
+            <a:ext cx="904386" cy="441932"/>
+          </a:xfrm>
+          <a:prstGeom prst="bentConnector2">
+            <a:avLst/>
+          </a:prstGeom>
+          <a:ln>
+            <a:headEnd type="triangle"/>
+            <a:tailEnd type="triangle"/>
+          </a:ln>
+        </p:spPr>
+        <p:style>
+          <a:lnRef idx="1">
+            <a:schemeClr val="dk1"/>
+          </a:lnRef>
+          <a:fillRef idx="0">
+            <a:schemeClr val="dk1"/>
+          </a:fillRef>
+          <a:effectRef idx="0">
+            <a:schemeClr val="dk1"/>
+          </a:effectRef>
+          <a:fontRef idx="minor">
+            <a:schemeClr val="tx1"/>
+          </a:fontRef>
+        </p:style>
+      </p:cxnSp>
+      <p:sp>
+        <p:nvSpPr>
+          <p:cNvPr id="140" name="TextBox 139">
+            <a:extLst>
+              <a:ext uri="{FF2B5EF4-FFF2-40B4-BE49-F238E27FC236}">
+                <a16:creationId xmlns:a16="http://schemas.microsoft.com/office/drawing/2014/main" id="{316C9A9A-6BB3-FED2-95BB-96464CE97529}"/>
+              </a:ext>
+            </a:extLst>
+          </p:cNvPr>
+          <p:cNvSpPr txBox="1"/>
+          <p:nvPr/>
+        </p:nvSpPr>
+        <p:spPr>
+          <a:xfrm>
+            <a:off x="4841998" y="2500802"/>
+            <a:ext cx="902190" cy="276999"/>
+          </a:xfrm>
+          <a:prstGeom prst="rect">
+            <a:avLst/>
+          </a:prstGeom>
+          <a:noFill/>
+        </p:spPr>
+        <p:txBody>
+          <a:bodyPr wrap="square" rtlCol="0">
+            <a:spAutoFit/>
+          </a:bodyPr>
+          <a:lstStyle/>
+          <a:p>
+            <a:r>
+              <a:rPr lang="en-US" sz="1200"/>
+              <a:t>Collaborate</a:t>
+            </a:r>
+            <a:endParaRPr lang="en-VN" sz="1200"/>
+          </a:p>
+        </p:txBody>
+      </p:sp>
+    </p:spTree>
+    <p:extLst>
+      <p:ext uri="{BB962C8B-B14F-4D97-AF65-F5344CB8AC3E}">
+        <p14:creationId xmlns:p14="http://schemas.microsoft.com/office/powerpoint/2010/main" val="3888217259"/>
+      </p:ext>
+    </p:extLst>
+  </p:cSld>
+  <p:clrMapOvr>
+    <a:masterClrMapping/>
+  </p:clrMapOvr>
+</p:sld>
+</file>
+
+<file path=ppt/slides/slide3.xml><?xml version="1.0" encoding="utf-8"?>
+<p:sld xmlns:a="http://schemas.openxmlformats.org/drawingml/2006/main" xmlns:r="http://schemas.openxmlformats.org/officeDocument/2006/relationships" xmlns:p="http://schemas.openxmlformats.org/presentationml/2006/main">
+  <p:cSld>
+    <p:spTree>
+      <p:nvGrpSpPr>
+        <p:cNvPr id="1" name=""/>
+        <p:cNvGrpSpPr/>
+        <p:nvPr/>
+      </p:nvGrpSpPr>
+      <p:grpSpPr>
+        <a:xfrm>
+          <a:off x="0" y="0"/>
+          <a:ext cx="0" cy="0"/>
+          <a:chOff x="0" y="0"/>
+          <a:chExt cx="0" cy="0"/>
+        </a:xfrm>
+      </p:grpSpPr>
+      <p:sp>
+        <p:nvSpPr>
+          <p:cNvPr id="4" name="Hình chữ nhật 21">
+            <a:extLst>
+              <a:ext uri="{FF2B5EF4-FFF2-40B4-BE49-F238E27FC236}">
+                <a16:creationId xmlns:a16="http://schemas.microsoft.com/office/drawing/2014/main" id="{318234A2-6D39-A3D8-F5EB-E89EB9E2F943}"/>
+              </a:ext>
+            </a:extLst>
+          </p:cNvPr>
+          <p:cNvSpPr/>
+          <p:nvPr/>
+        </p:nvSpPr>
+        <p:spPr>
+          <a:xfrm>
+            <a:off x="4430545" y="2491127"/>
+            <a:ext cx="432000" cy="432000"/>
           </a:xfrm>
           <a:prstGeom prst="rect">
             <a:avLst/>
@@ -3507,8 +4939,8 @@
             </p:nvSpPr>
             <p:spPr>
               <a:xfrm>
-                <a:off x="667537" y="1714376"/>
-                <a:ext cx="496591" cy="369332"/>
+                <a:off x="786766" y="2576159"/>
+                <a:ext cx="334497" cy="307777"/>
               </a:xfrm>
               <a:prstGeom prst="rect">
                 <a:avLst/>
@@ -3532,15 +4964,27 @@
                     </m:oMathParaPr>
                     <m:oMath xmlns:m="http://schemas.openxmlformats.org/officeDocument/2006/math">
                       <m:r>
-                        <a:rPr lang="en-US" b="0" i="1" smtClean="0">
+                        <a:rPr lang="en-US" sz="1400" b="0" i="1" smtClean="0">
                           <a:latin typeface="Cambria Math" panose="02040503050406030204" pitchFamily="18" charset="0"/>
                         </a:rPr>
-                        <m:t>|0⟩</m:t>
+                        <m:t>|</m:t>
+                      </m:r>
+                      <m:r>
+                        <a:rPr lang="vi-VN" sz="1400" b="0" i="1" smtClean="0">
+                          <a:latin typeface="Cambria Math" panose="02040503050406030204" pitchFamily="18" charset="0"/>
+                        </a:rPr>
+                        <m:t>0</m:t>
+                      </m:r>
+                      <m:r>
+                        <a:rPr lang="en-US" sz="1400" b="0" i="1" smtClean="0">
+                          <a:latin typeface="Cambria Math" panose="02040503050406030204" pitchFamily="18" charset="0"/>
+                        </a:rPr>
+                        <m:t>⟩</m:t>
                       </m:r>
                     </m:oMath>
                   </m:oMathPara>
                 </a14:m>
-                <a:endParaRPr lang="vi-VN">
+                <a:endParaRPr lang="vi-VN" sz="1400">
                   <a:latin typeface="Times New Roman" panose="02020603050405020304" pitchFamily="18" charset="0"/>
                   <a:cs typeface="Times New Roman" panose="02020603050405020304" pitchFamily="18" charset="0"/>
                 </a:endParaRPr>
@@ -3565,8 +5009,8 @@
             </p:nvSpPr>
             <p:spPr>
               <a:xfrm>
-                <a:off x="667537" y="1714376"/>
-                <a:ext cx="496591" cy="369332"/>
+                <a:off x="786766" y="2576159"/>
+                <a:ext cx="334497" cy="307777"/>
               </a:xfrm>
               <a:prstGeom prst="rect">
                 <a:avLst/>
@@ -3574,7 +5018,7 @@
               <a:blipFill>
                 <a:blip r:embed="rId2"/>
                 <a:stretch>
-                  <a:fillRect r="-2500" b="-12903"/>
+                  <a:fillRect r="-17857" b="-12000"/>
                 </a:stretch>
               </a:blipFill>
               <a:ln w="28575">
@@ -3613,14 +5057,14 @@
           <p:nvPr/>
         </p:nvCxnSpPr>
         <p:spPr>
-          <a:xfrm>
-            <a:off x="1164128" y="1899042"/>
-            <a:ext cx="4143979" cy="0"/>
+          <a:xfrm flipV="1">
+            <a:off x="1121263" y="2707127"/>
+            <a:ext cx="3309282" cy="22921"/>
           </a:xfrm>
           <a:prstGeom prst="line">
             <a:avLst/>
           </a:prstGeom>
-          <a:ln w="38100"/>
+          <a:ln w="19050"/>
         </p:spPr>
         <p:style>
           <a:lnRef idx="1">
@@ -3651,7 +5095,7 @@
         </p:nvSpPr>
         <p:spPr>
           <a:xfrm rot="17810042">
-            <a:off x="5431126" y="1888642"/>
+            <a:off x="4466230" y="2681253"/>
             <a:ext cx="343896" cy="313646"/>
           </a:xfrm>
           <a:prstGeom prst="arc">
@@ -3693,57 +5137,6 @@
           </a:p>
         </p:txBody>
       </p:sp>
-      <mc:AlternateContent xmlns:mc="http://schemas.openxmlformats.org/markup-compatibility/2006">
-        <mc:Choice xmlns:p14="http://schemas.microsoft.com/office/powerpoint/2010/main" Requires="p14">
-          <p:contentPart p14:bwMode="auto" r:id="rId3">
-            <p14:nvContentPartPr>
-              <p14:cNvPr id="14" name="Viết tay 46">
-                <a:extLst>
-                  <a:ext uri="{FF2B5EF4-FFF2-40B4-BE49-F238E27FC236}">
-                    <a16:creationId xmlns:a16="http://schemas.microsoft.com/office/drawing/2014/main" id="{A45CBB8A-585D-23F4-C45A-59DAFCAE9A5C}"/>
-                  </a:ext>
-                </a:extLst>
-              </p14:cNvPr>
-              <p14:cNvContentPartPr/>
-              <p14:nvPr/>
-            </p14:nvContentPartPr>
-            <p14:xfrm>
-              <a:off x="2836366" y="2584890"/>
-              <a:ext cx="360" cy="360"/>
-            </p14:xfrm>
-          </p:contentPart>
-        </mc:Choice>
-        <mc:Fallback>
-          <p:pic>
-            <p:nvPicPr>
-              <p:cNvPr id="14" name="Viết tay 46">
-                <a:extLst>
-                  <a:ext uri="{FF2B5EF4-FFF2-40B4-BE49-F238E27FC236}">
-                    <a16:creationId xmlns:a16="http://schemas.microsoft.com/office/drawing/2014/main" id="{A45CBB8A-585D-23F4-C45A-59DAFCAE9A5C}"/>
-                  </a:ext>
-                </a:extLst>
-              </p:cNvPr>
-              <p:cNvPicPr/>
-              <p:nvPr/>
-            </p:nvPicPr>
-            <p:blipFill>
-              <a:blip r:embed="rId4"/>
-              <a:stretch>
-                <a:fillRect/>
-              </a:stretch>
-            </p:blipFill>
-            <p:spPr>
-              <a:xfrm>
-                <a:off x="2821966" y="2570490"/>
-                <a:ext cx="28440" cy="28440"/>
-              </a:xfrm>
-              <a:prstGeom prst="rect">
-                <a:avLst/>
-              </a:prstGeom>
-            </p:spPr>
-          </p:pic>
-        </mc:Fallback>
-      </mc:AlternateContent>
       <p:cxnSp>
         <p:nvCxnSpPr>
           <p:cNvPr id="18" name="Đường kết nối Mũi tên Thẳng 28">
@@ -3760,7 +5153,7 @@
         </p:nvCxnSpPr>
         <p:spPr>
           <a:xfrm flipV="1">
-            <a:off x="5567279" y="1784124"/>
+            <a:off x="4602383" y="2576735"/>
             <a:ext cx="150970" cy="222614"/>
           </a:xfrm>
           <a:prstGeom prst="straightConnector1">
@@ -3804,8 +5197,8 @@
             </p:nvSpPr>
             <p:spPr>
               <a:xfrm>
-                <a:off x="667537" y="2679773"/>
-                <a:ext cx="496591" cy="369332"/>
+                <a:off x="544782" y="3360135"/>
+                <a:ext cx="585519" cy="326180"/>
               </a:xfrm>
               <a:prstGeom prst="rect">
                 <a:avLst/>
@@ -3828,16 +5221,54 @@
                       <m:jc m:val="centerGroup"/>
                     </m:oMathParaPr>
                     <m:oMath xmlns:m="http://schemas.openxmlformats.org/officeDocument/2006/math">
-                      <m:r>
-                        <a:rPr lang="en-US" b="0" i="1" smtClean="0">
-                          <a:latin typeface="Cambria Math" panose="02040503050406030204" pitchFamily="18" charset="0"/>
-                        </a:rPr>
-                        <m:t>|0⟩</m:t>
-                      </m:r>
+                      <m:sSup>
+                        <m:sSupPr>
+                          <m:ctrlPr>
+                            <a:rPr lang="vi-VN" sz="1400" b="0" i="1" smtClean="0">
+                              <a:latin typeface="Cambria Math" panose="02040503050406030204" pitchFamily="18" charset="0"/>
+                            </a:rPr>
+                          </m:ctrlPr>
+                        </m:sSupPr>
+                        <m:e>
+                          <m:d>
+                            <m:dPr>
+                              <m:begChr m:val="|"/>
+                              <m:endChr m:val="⟩"/>
+                              <m:ctrlPr>
+                                <a:rPr lang="en-US" sz="1400" b="0" i="1" smtClean="0">
+                                  <a:latin typeface="Cambria Math" panose="02040503050406030204" pitchFamily="18" charset="0"/>
+                                </a:rPr>
+                              </m:ctrlPr>
+                            </m:dPr>
+                            <m:e>
+                              <m:r>
+                                <a:rPr lang="en-US" sz="1400" b="0" i="1" smtClean="0">
+                                  <a:latin typeface="Cambria Math" panose="02040503050406030204" pitchFamily="18" charset="0"/>
+                                </a:rPr>
+                                <m:t>0</m:t>
+                              </m:r>
+                            </m:e>
+                          </m:d>
+                        </m:e>
+                        <m:sup>
+                          <m:r>
+                            <a:rPr lang="vi-VN" sz="1400" b="0" i="1" smtClean="0">
+                              <a:latin typeface="Cambria Math" panose="02040503050406030204" pitchFamily="18" charset="0"/>
+                            </a:rPr>
+                            <m:t>⊗</m:t>
+                          </m:r>
+                          <m:r>
+                            <a:rPr lang="vi-VN" sz="1400" i="1">
+                              <a:latin typeface="Cambria Math" panose="02040503050406030204" pitchFamily="18" charset="0"/>
+                            </a:rPr>
+                            <m:t>𝑛</m:t>
+                          </m:r>
+                        </m:sup>
+                      </m:sSup>
                     </m:oMath>
                   </m:oMathPara>
                 </a14:m>
-                <a:endParaRPr lang="vi-VN">
+                <a:endParaRPr lang="vi-VN" sz="1400">
                   <a:latin typeface="Times New Roman" panose="02020603050405020304" pitchFamily="18" charset="0"/>
                   <a:cs typeface="Times New Roman" panose="02020603050405020304" pitchFamily="18" charset="0"/>
                 </a:endParaRPr>
@@ -3862,16 +5293,16 @@
             </p:nvSpPr>
             <p:spPr>
               <a:xfrm>
-                <a:off x="667537" y="2679773"/>
-                <a:ext cx="496591" cy="369332"/>
+                <a:off x="544782" y="3360135"/>
+                <a:ext cx="585519" cy="326180"/>
               </a:xfrm>
               <a:prstGeom prst="rect">
                 <a:avLst/>
               </a:prstGeom>
               <a:blipFill>
-                <a:blip r:embed="rId5"/>
+                <a:blip r:embed="rId3"/>
                 <a:stretch>
-                  <a:fillRect r="-2500" b="-13333"/>
+                  <a:fillRect/>
                 </a:stretch>
               </a:blipFill>
               <a:ln w="28575">
@@ -3909,14 +5340,14 @@
           <p:nvPr/>
         </p:nvCxnSpPr>
         <p:spPr>
-          <a:xfrm>
-            <a:off x="1164128" y="2864439"/>
-            <a:ext cx="2339961" cy="0"/>
+          <a:xfrm flipV="1">
+            <a:off x="1130301" y="3497133"/>
+            <a:ext cx="1984365" cy="26092"/>
           </a:xfrm>
           <a:prstGeom prst="line">
             <a:avLst/>
           </a:prstGeom>
-          <a:ln w="38100"/>
+          <a:ln w="19050"/>
         </p:spPr>
         <p:style>
           <a:lnRef idx="1">
@@ -3942,13 +5373,15 @@
               </a:ext>
             </a:extLst>
           </p:cNvPr>
-          <p:cNvCxnSpPr/>
+          <p:cNvCxnSpPr>
+            <a:cxnSpLocks/>
+          </p:cNvCxnSpPr>
           <p:nvPr/>
         </p:nvCxnSpPr>
         <p:spPr>
           <a:xfrm flipV="1">
-            <a:off x="1216367" y="2679773"/>
-            <a:ext cx="250723" cy="369332"/>
+            <a:off x="1301715" y="3444659"/>
+            <a:ext cx="112219" cy="165306"/>
           </a:xfrm>
           <a:prstGeom prst="line">
             <a:avLst/>
@@ -3986,8 +5419,8 @@
             </p:nvSpPr>
             <p:spPr>
               <a:xfrm>
-                <a:off x="667537" y="3645170"/>
-                <a:ext cx="496591" cy="369332"/>
+                <a:off x="544782" y="4154911"/>
+                <a:ext cx="601853" cy="326180"/>
               </a:xfrm>
               <a:prstGeom prst="rect">
                 <a:avLst/>
@@ -4010,16 +5443,54 @@
                       <m:jc m:val="centerGroup"/>
                     </m:oMathParaPr>
                     <m:oMath xmlns:m="http://schemas.openxmlformats.org/officeDocument/2006/math">
-                      <m:r>
-                        <a:rPr lang="en-US" b="0" i="1" smtClean="0">
-                          <a:latin typeface="Cambria Math" panose="02040503050406030204" pitchFamily="18" charset="0"/>
-                        </a:rPr>
-                        <m:t>|0⟩</m:t>
-                      </m:r>
+                      <m:sSup>
+                        <m:sSupPr>
+                          <m:ctrlPr>
+                            <a:rPr lang="vi-VN" sz="1400" b="0" i="1" smtClean="0">
+                              <a:latin typeface="Cambria Math" panose="02040503050406030204" pitchFamily="18" charset="0"/>
+                            </a:rPr>
+                          </m:ctrlPr>
+                        </m:sSupPr>
+                        <m:e>
+                          <m:d>
+                            <m:dPr>
+                              <m:begChr m:val="|"/>
+                              <m:endChr m:val="⟩"/>
+                              <m:ctrlPr>
+                                <a:rPr lang="en-US" sz="1400" b="0" i="1" smtClean="0">
+                                  <a:latin typeface="Cambria Math" panose="02040503050406030204" pitchFamily="18" charset="0"/>
+                                </a:rPr>
+                              </m:ctrlPr>
+                            </m:dPr>
+                            <m:e>
+                              <m:r>
+                                <a:rPr lang="en-US" sz="1400" b="0" i="1" smtClean="0">
+                                  <a:latin typeface="Cambria Math" panose="02040503050406030204" pitchFamily="18" charset="0"/>
+                                </a:rPr>
+                                <m:t>0</m:t>
+                              </m:r>
+                            </m:e>
+                          </m:d>
+                        </m:e>
+                        <m:sup>
+                          <m:r>
+                            <a:rPr lang="vi-VN" sz="1400" b="0" i="1" smtClean="0">
+                              <a:latin typeface="Cambria Math" panose="02040503050406030204" pitchFamily="18" charset="0"/>
+                            </a:rPr>
+                            <m:t>⊗</m:t>
+                          </m:r>
+                          <m:r>
+                            <a:rPr lang="vi-VN" sz="1400" i="1">
+                              <a:latin typeface="Cambria Math" panose="02040503050406030204" pitchFamily="18" charset="0"/>
+                            </a:rPr>
+                            <m:t>𝑛</m:t>
+                          </m:r>
+                        </m:sup>
+                      </m:sSup>
                     </m:oMath>
                   </m:oMathPara>
                 </a14:m>
-                <a:endParaRPr lang="vi-VN">
+                <a:endParaRPr lang="vi-VN" sz="1400" i="1">
                   <a:latin typeface="Times New Roman" panose="02020603050405020304" pitchFamily="18" charset="0"/>
                   <a:cs typeface="Times New Roman" panose="02020603050405020304" pitchFamily="18" charset="0"/>
                 </a:endParaRPr>
@@ -4044,16 +5515,16 @@
             </p:nvSpPr>
             <p:spPr>
               <a:xfrm>
-                <a:off x="667537" y="3645170"/>
-                <a:ext cx="496591" cy="369332"/>
+                <a:off x="544782" y="4154911"/>
+                <a:ext cx="601853" cy="326180"/>
               </a:xfrm>
               <a:prstGeom prst="rect">
                 <a:avLst/>
               </a:prstGeom>
               <a:blipFill>
-                <a:blip r:embed="rId5"/>
+                <a:blip r:embed="rId4"/>
                 <a:stretch>
-                  <a:fillRect r="-2500" b="-13333"/>
+                  <a:fillRect/>
                 </a:stretch>
               </a:blipFill>
               <a:ln w="28575">
@@ -4093,50 +5564,13 @@
         </p:nvCxnSpPr>
         <p:spPr>
           <a:xfrm>
-            <a:off x="1164128" y="3829836"/>
-            <a:ext cx="5142902" cy="14252"/>
+            <a:off x="1146635" y="4318001"/>
+            <a:ext cx="3292130" cy="7601"/>
           </a:xfrm>
           <a:prstGeom prst="line">
             <a:avLst/>
           </a:prstGeom>
-          <a:ln w="38100"/>
-        </p:spPr>
-        <p:style>
-          <a:lnRef idx="1">
-            <a:schemeClr val="dk1"/>
-          </a:lnRef>
-          <a:fillRef idx="0">
-            <a:schemeClr val="dk1"/>
-          </a:fillRef>
-          <a:effectRef idx="0">
-            <a:schemeClr val="dk1"/>
-          </a:effectRef>
-          <a:fontRef idx="minor">
-            <a:schemeClr val="tx1"/>
-          </a:fontRef>
-        </p:style>
-      </p:cxnSp>
-      <p:cxnSp>
-        <p:nvCxnSpPr>
-          <p:cNvPr id="31" name="Đường nối Thẳng 12">
-            <a:extLst>
-              <a:ext uri="{FF2B5EF4-FFF2-40B4-BE49-F238E27FC236}">
-                <a16:creationId xmlns:a16="http://schemas.microsoft.com/office/drawing/2014/main" id="{6A936319-E995-17C3-822C-30138E72552B}"/>
-              </a:ext>
-            </a:extLst>
-          </p:cNvPr>
-          <p:cNvCxnSpPr/>
-          <p:nvPr/>
-        </p:nvCxnSpPr>
-        <p:spPr>
-          <a:xfrm flipV="1">
-            <a:off x="1216367" y="3645170"/>
-            <a:ext cx="250723" cy="369332"/>
-          </a:xfrm>
-          <a:prstGeom prst="line">
-            <a:avLst/>
-          </a:prstGeom>
-          <a:ln w="28575"/>
+          <a:ln w="19050"/>
         </p:spPr>
         <p:style>
           <a:lnRef idx="1">
@@ -4169,17 +5603,19 @@
             </p:nvSpPr>
             <p:spPr>
               <a:xfrm>
-                <a:off x="2286919" y="1524458"/>
-                <a:ext cx="720000" cy="720000"/>
+                <a:off x="2013655" y="2501959"/>
+                <a:ext cx="432000" cy="432000"/>
               </a:xfrm>
               <a:prstGeom prst="rect">
                 <a:avLst/>
               </a:prstGeom>
               <a:solidFill>
-                <a:srgbClr val="BB8BFF"/>
+                <a:schemeClr val="bg1"/>
               </a:solidFill>
-              <a:ln w="28575">
-                <a:noFill/>
+              <a:ln w="19050">
+                <a:solidFill>
+                  <a:schemeClr val="tx1"/>
+                </a:solidFill>
               </a:ln>
             </p:spPr>
             <p:style>
@@ -4210,7 +5646,7 @@
                     </m:oMathParaPr>
                     <m:oMath xmlns:m="http://schemas.openxmlformats.org/officeDocument/2006/math">
                       <m:r>
-                        <a:rPr lang="vi-VN" sz="2400" b="1" i="1">
+                        <a:rPr lang="vi-VN" sz="1400" b="1" i="1">
                           <a:solidFill>
                             <a:schemeClr val="tx1"/>
                           </a:solidFill>
@@ -4220,7 +5656,7 @@
                         <m:t> </m:t>
                       </m:r>
                       <m:r>
-                        <a:rPr lang="vi-VN" sz="2400" b="1" i="1">
+                        <a:rPr lang="vi-VN" sz="1400" b="1" i="1">
                           <a:solidFill>
                             <a:schemeClr val="tx1"/>
                           </a:solidFill>
@@ -4232,7 +5668,7 @@
                     </m:oMath>
                   </m:oMathPara>
                 </a14:m>
-                <a:endParaRPr lang="vi-VN" sz="2400" b="1" i="1">
+                <a:endParaRPr lang="vi-VN" sz="1400" b="1" i="1">
                   <a:solidFill>
                     <a:schemeClr val="tx1"/>
                   </a:solidFill>
@@ -4260,20 +5696,22 @@
             </p:nvSpPr>
             <p:spPr>
               <a:xfrm>
-                <a:off x="2286919" y="1524458"/>
-                <a:ext cx="720000" cy="720000"/>
+                <a:off x="2013655" y="2501959"/>
+                <a:ext cx="432000" cy="432000"/>
               </a:xfrm>
               <a:prstGeom prst="rect">
                 <a:avLst/>
               </a:prstGeom>
               <a:blipFill>
-                <a:blip r:embed="rId6"/>
+                <a:blip r:embed="rId5"/>
                 <a:stretch>
                   <a:fillRect/>
                 </a:stretch>
               </a:blipFill>
-              <a:ln w="28575">
-                <a:noFill/>
+              <a:ln w="19050">
+                <a:solidFill>
+                  <a:schemeClr val="tx1"/>
+                </a:solidFill>
               </a:ln>
             </p:spPr>
             <p:txBody>
@@ -4307,17 +5745,19 @@
             </p:nvSpPr>
             <p:spPr>
               <a:xfrm>
-                <a:off x="1667675" y="3441556"/>
-                <a:ext cx="720000" cy="720000"/>
+                <a:off x="1605225" y="4099017"/>
+                <a:ext cx="432000" cy="432000"/>
               </a:xfrm>
               <a:prstGeom prst="rect">
                 <a:avLst/>
               </a:prstGeom>
               <a:solidFill>
-                <a:srgbClr val="BB8BFF"/>
+                <a:schemeClr val="bg1"/>
               </a:solidFill>
-              <a:ln w="28575">
-                <a:noFill/>
+              <a:ln w="19050">
+                <a:solidFill>
+                  <a:schemeClr val="tx1"/>
+                </a:solidFill>
               </a:ln>
             </p:spPr>
             <p:style>
@@ -4344,7 +5784,7 @@
                 <a14:m>
                   <m:oMath xmlns:m="http://schemas.openxmlformats.org/officeDocument/2006/math">
                     <m:r>
-                      <a:rPr lang="vi-VN" sz="1400" b="1" i="1">
+                      <a:rPr lang="vi-VN" sz="1200" b="1" i="1">
                         <a:solidFill>
                           <a:schemeClr val="tx1"/>
                         </a:solidFill>
@@ -4356,7 +5796,7 @@
                     <m:sSub>
                       <m:sSubPr>
                         <m:ctrlPr>
-                          <a:rPr lang="vi-VN" sz="1400" b="1" i="1">
+                          <a:rPr lang="vi-VN" sz="1200" b="1" i="1">
                             <a:solidFill>
                               <a:schemeClr val="tx1"/>
                             </a:solidFill>
@@ -4367,7 +5807,7 @@
                       </m:sSubPr>
                       <m:e>
                         <m:r>
-                          <a:rPr lang="vi-VN" sz="1400" b="1" i="1">
+                          <a:rPr lang="vi-VN" sz="1200" b="1" i="1">
                             <a:solidFill>
                               <a:schemeClr val="tx1"/>
                             </a:solidFill>
@@ -4382,7 +5822,7 @@
                           <m:accPr>
                             <m:chr m:val="̂"/>
                             <m:ctrlPr>
-                              <a:rPr lang="vi-VN" sz="1400" b="1" i="1">
+                              <a:rPr lang="vi-VN" sz="1200" b="1" i="1">
                                 <a:solidFill>
                                   <a:schemeClr val="tx1"/>
                                 </a:solidFill>
@@ -4393,7 +5833,7 @@
                           </m:accPr>
                           <m:e>
                             <m:r>
-                              <a:rPr lang="vi-VN" sz="1400" b="1" i="1">
+                              <a:rPr lang="vi-VN" sz="1200" b="1" i="1">
                                 <a:solidFill>
                                   <a:schemeClr val="tx1"/>
                                 </a:solidFill>
@@ -4409,7 +5849,7 @@
                     <m:d>
                       <m:dPr>
                         <m:ctrlPr>
-                          <a:rPr lang="vi-VN" sz="1400" b="1" i="1">
+                          <a:rPr lang="vi-VN" sz="1200" b="1" i="1">
                             <a:solidFill>
                               <a:schemeClr val="tx1"/>
                             </a:solidFill>
@@ -4420,7 +5860,7 @@
                       </m:dPr>
                       <m:e>
                         <m:r>
-                          <a:rPr lang="vi-VN" sz="1400" b="1" i="1">
+                          <a:rPr lang="vi-VN" sz="1200" b="1" i="1">
                             <a:solidFill>
                               <a:schemeClr val="tx1"/>
                             </a:solidFill>
@@ -4434,7 +5874,7 @@
                   </m:oMath>
                 </a14:m>
                 <a:r>
-                  <a:rPr lang="vi-VN" sz="1400" b="1" i="1">
+                  <a:rPr lang="vi-VN" sz="1200" b="1" i="1">
                     <a:solidFill>
                       <a:schemeClr val="tx1"/>
                     </a:solidFill>
@@ -4464,20 +5904,22 @@
             </p:nvSpPr>
             <p:spPr>
               <a:xfrm>
-                <a:off x="1667675" y="3441556"/>
-                <a:ext cx="720000" cy="720000"/>
+                <a:off x="1605225" y="4099017"/>
+                <a:ext cx="432000" cy="432000"/>
               </a:xfrm>
               <a:prstGeom prst="rect">
                 <a:avLst/>
               </a:prstGeom>
               <a:blipFill>
-                <a:blip r:embed="rId7"/>
+                <a:blip r:embed="rId6"/>
                 <a:stretch>
-                  <a:fillRect/>
+                  <a:fillRect l="-13514"/>
                 </a:stretch>
               </a:blipFill>
-              <a:ln w="28575">
-                <a:noFill/>
+              <a:ln w="19050">
+                <a:solidFill>
+                  <a:schemeClr val="tx1"/>
+                </a:solidFill>
               </a:ln>
             </p:spPr>
             <p:txBody>
@@ -4511,17 +5953,19 @@
             </p:nvSpPr>
             <p:spPr>
               <a:xfrm>
-                <a:off x="1671141" y="2506899"/>
-                <a:ext cx="720000" cy="720000"/>
+                <a:off x="1615890" y="3265552"/>
+                <a:ext cx="432000" cy="432000"/>
               </a:xfrm>
               <a:prstGeom prst="rect">
                 <a:avLst/>
               </a:prstGeom>
               <a:solidFill>
-                <a:srgbClr val="BB8BFF"/>
+                <a:schemeClr val="bg1"/>
               </a:solidFill>
-              <a:ln w="28575">
-                <a:noFill/>
+              <a:ln w="19050">
+                <a:solidFill>
+                  <a:schemeClr val="tx1"/>
+                </a:solidFill>
               </a:ln>
             </p:spPr>
             <p:style>
@@ -4552,7 +5996,7 @@
                     </m:oMathParaPr>
                     <m:oMath xmlns:m="http://schemas.openxmlformats.org/officeDocument/2006/math">
                       <m:r>
-                        <a:rPr lang="vi-VN" sz="2400" b="1" i="1">
+                        <a:rPr lang="vi-VN" sz="1400" b="1" i="1">
                           <a:solidFill>
                             <a:schemeClr val="tx1"/>
                           </a:solidFill>
@@ -4564,7 +6008,7 @@
                       <m:sSub>
                         <m:sSubPr>
                           <m:ctrlPr>
-                            <a:rPr lang="vi-VN" sz="2400" b="1" i="1">
+                            <a:rPr lang="vi-VN" sz="1400" b="1" i="1">
                               <a:solidFill>
                                 <a:schemeClr val="tx1"/>
                               </a:solidFill>
@@ -4575,7 +6019,7 @@
                         </m:sSubPr>
                         <m:e>
                           <m:r>
-                            <a:rPr lang="vi-VN" sz="2400" b="1" i="1">
+                            <a:rPr lang="vi-VN" sz="1400" b="1" i="1">
                               <a:solidFill>
                                 <a:schemeClr val="tx1"/>
                               </a:solidFill>
@@ -4590,7 +6034,7 @@
                             <m:accPr>
                               <m:chr m:val="̂"/>
                               <m:ctrlPr>
-                                <a:rPr lang="vi-VN" sz="2400" b="1" i="1">
+                                <a:rPr lang="vi-VN" sz="1400" b="1" i="1">
                                   <a:solidFill>
                                     <a:schemeClr val="tx1"/>
                                   </a:solidFill>
@@ -4601,7 +6045,7 @@
                             </m:accPr>
                             <m:e>
                               <m:r>
-                                <a:rPr lang="vi-VN" sz="2400" b="1" i="1">
+                                <a:rPr lang="vi-VN" sz="1400" b="1" i="1">
                                   <a:solidFill>
                                     <a:schemeClr val="tx1"/>
                                   </a:solidFill>
@@ -4617,7 +6061,7 @@
                     </m:oMath>
                   </m:oMathPara>
                 </a14:m>
-                <a:endParaRPr lang="vi-VN" sz="2400" b="1" i="1">
+                <a:endParaRPr lang="vi-VN" sz="1400" b="1" i="1">
                   <a:solidFill>
                     <a:schemeClr val="tx1"/>
                   </a:solidFill>
@@ -4645,20 +6089,22 @@
             </p:nvSpPr>
             <p:spPr>
               <a:xfrm>
-                <a:off x="1671141" y="2506899"/>
-                <a:ext cx="720000" cy="720000"/>
+                <a:off x="1615890" y="3265552"/>
+                <a:ext cx="432000" cy="432000"/>
               </a:xfrm>
               <a:prstGeom prst="rect">
                 <a:avLst/>
               </a:prstGeom>
               <a:blipFill>
-                <a:blip r:embed="rId8"/>
+                <a:blip r:embed="rId7"/>
                 <a:stretch>
-                  <a:fillRect l="-6897"/>
+                  <a:fillRect l="-2703"/>
                 </a:stretch>
               </a:blipFill>
-              <a:ln w="28575">
-                <a:noFill/>
+              <a:ln w="19050">
+                <a:solidFill>
+                  <a:schemeClr val="tx1"/>
+                </a:solidFill>
               </a:ln>
             </p:spPr>
             <p:txBody>
@@ -4687,18 +6133,19 @@
           </p:cNvPr>
           <p:cNvCxnSpPr>
             <a:cxnSpLocks/>
+            <a:stCxn id="83" idx="4"/>
           </p:cNvCxnSpPr>
           <p:nvPr/>
         </p:nvCxnSpPr>
         <p:spPr>
           <a:xfrm>
-            <a:off x="3509495" y="968430"/>
-            <a:ext cx="0" cy="2861405"/>
+            <a:off x="2909629" y="2368226"/>
+            <a:ext cx="16680" cy="2238502"/>
           </a:xfrm>
           <a:prstGeom prst="line">
             <a:avLst/>
           </a:prstGeom>
-          <a:ln w="38100"/>
+          <a:ln w="19050"/>
         </p:spPr>
         <p:style>
           <a:lnRef idx="1">
@@ -4731,13 +6178,13 @@
         </p:nvCxnSpPr>
         <p:spPr>
           <a:xfrm>
-            <a:off x="3305104" y="2679773"/>
+            <a:off x="2714790" y="3316834"/>
             <a:ext cx="409734" cy="353199"/>
           </a:xfrm>
           <a:prstGeom prst="line">
             <a:avLst/>
           </a:prstGeom>
-          <a:ln w="38100"/>
+          <a:ln w="19050"/>
         </p:spPr>
         <p:style>
           <a:lnRef idx="1">
@@ -4770,13 +6217,13 @@
         </p:nvCxnSpPr>
         <p:spPr>
           <a:xfrm flipH="1">
-            <a:off x="3304153" y="2695907"/>
+            <a:off x="2713839" y="3332968"/>
             <a:ext cx="410685" cy="337065"/>
           </a:xfrm>
           <a:prstGeom prst="line">
             <a:avLst/>
           </a:prstGeom>
-          <a:ln w="38100"/>
+          <a:ln w="19050"/>
         </p:spPr>
         <p:style>
           <a:lnRef idx="1">
@@ -4809,13 +6256,13 @@
         </p:nvCxnSpPr>
         <p:spPr>
           <a:xfrm>
-            <a:off x="3305104" y="3642960"/>
+            <a:off x="2714790" y="4160276"/>
             <a:ext cx="409734" cy="353199"/>
           </a:xfrm>
           <a:prstGeom prst="line">
             <a:avLst/>
           </a:prstGeom>
-          <a:ln w="38100"/>
+          <a:ln w="19050"/>
         </p:spPr>
         <p:style>
           <a:lnRef idx="1">
@@ -4848,13 +6295,13 @@
         </p:nvCxnSpPr>
         <p:spPr>
           <a:xfrm flipH="1">
-            <a:off x="3304153" y="3659094"/>
+            <a:off x="2713839" y="4176410"/>
             <a:ext cx="410685" cy="337065"/>
           </a:xfrm>
           <a:prstGeom prst="line">
             <a:avLst/>
           </a:prstGeom>
-          <a:ln w="38100"/>
+          <a:ln w="19050"/>
         </p:spPr>
         <p:style>
           <a:lnRef idx="1">
@@ -4885,8 +6332,8 @@
         </p:nvSpPr>
         <p:spPr>
           <a:xfrm>
-            <a:off x="3415410" y="1798776"/>
-            <a:ext cx="177359" cy="177359"/>
+            <a:off x="2825096" y="2642663"/>
+            <a:ext cx="144000" cy="144000"/>
           </a:xfrm>
           <a:prstGeom prst="ellipse">
             <a:avLst/>
@@ -4933,17 +6380,19 @@
             </p:nvSpPr>
             <p:spPr>
               <a:xfrm>
-                <a:off x="5325031" y="3459559"/>
-                <a:ext cx="720000" cy="720000"/>
+                <a:off x="3958555" y="4099017"/>
+                <a:ext cx="432000" cy="432000"/>
               </a:xfrm>
               <a:prstGeom prst="rect">
                 <a:avLst/>
               </a:prstGeom>
               <a:solidFill>
-                <a:srgbClr val="BB8BFF"/>
+                <a:schemeClr val="bg1"/>
               </a:solidFill>
-              <a:ln w="28575">
-                <a:noFill/>
+              <a:ln w="19050">
+                <a:solidFill>
+                  <a:schemeClr val="tx1"/>
+                </a:solidFill>
               </a:ln>
             </p:spPr>
             <p:style>
@@ -4974,7 +6423,7 @@
                     </m:oMathParaPr>
                     <m:oMath xmlns:m="http://schemas.openxmlformats.org/officeDocument/2006/math">
                       <m:r>
-                        <a:rPr lang="vi-VN" sz="2400" b="1" i="1">
+                        <a:rPr lang="vi-VN" sz="1400" b="1" i="1">
                           <a:solidFill>
                             <a:schemeClr val="tx1"/>
                           </a:solidFill>
@@ -4987,7 +6436,7 @@
                         <m:accPr>
                           <m:chr m:val="̂"/>
                           <m:ctrlPr>
-                            <a:rPr lang="vi-VN" sz="2400" b="1" i="1">
+                            <a:rPr lang="vi-VN" sz="1400" b="1" i="1">
                               <a:solidFill>
                                 <a:schemeClr val="tx1"/>
                               </a:solidFill>
@@ -4998,7 +6447,7 @@
                         </m:accPr>
                         <m:e>
                           <m:r>
-                            <a:rPr lang="vi-VN" sz="2400" b="1" i="1">
+                            <a:rPr lang="vi-VN" sz="1400" b="1" i="1">
                               <a:solidFill>
                                 <a:schemeClr val="tx1"/>
                               </a:solidFill>
@@ -5012,7 +6461,7 @@
                     </m:oMath>
                   </m:oMathPara>
                 </a14:m>
-                <a:endParaRPr lang="vi-VN" sz="2400" b="1" i="1">
+                <a:endParaRPr lang="vi-VN" sz="1400" b="1" i="1">
                   <a:solidFill>
                     <a:schemeClr val="tx1"/>
                   </a:solidFill>
@@ -5040,20 +6489,22 @@
             </p:nvSpPr>
             <p:spPr>
               <a:xfrm>
-                <a:off x="5325031" y="3459559"/>
-                <a:ext cx="720000" cy="720000"/>
+                <a:off x="3958555" y="4099017"/>
+                <a:ext cx="432000" cy="432000"/>
               </a:xfrm>
               <a:prstGeom prst="rect">
                 <a:avLst/>
               </a:prstGeom>
               <a:blipFill>
-                <a:blip r:embed="rId9"/>
+                <a:blip r:embed="rId8"/>
                 <a:stretch>
                   <a:fillRect/>
                 </a:stretch>
               </a:blipFill>
-              <a:ln w="28575">
-                <a:noFill/>
+              <a:ln w="19050">
+                <a:solidFill>
+                  <a:schemeClr val="tx1"/>
+                </a:solidFill>
               </a:ln>
             </p:spPr>
             <p:txBody>
@@ -5085,8 +6536,8 @@
         </p:nvSpPr>
         <p:spPr>
           <a:xfrm>
-            <a:off x="6307030" y="3592286"/>
-            <a:ext cx="589936" cy="503604"/>
+            <a:off x="4438765" y="4109602"/>
+            <a:ext cx="432000" cy="432000"/>
           </a:xfrm>
           <a:prstGeom prst="rect">
             <a:avLst/>
@@ -5143,7 +6594,7 @@
         </p:nvSpPr>
         <p:spPr>
           <a:xfrm rot="17810042">
-            <a:off x="6430049" y="3833688"/>
+            <a:off x="4468509" y="4291182"/>
             <a:ext cx="343896" cy="313646"/>
           </a:xfrm>
           <a:prstGeom prst="arc">
@@ -5201,7 +6652,7 @@
         </p:nvCxnSpPr>
         <p:spPr>
           <a:xfrm flipV="1">
-            <a:off x="6566202" y="3729170"/>
+            <a:off x="4604662" y="4186664"/>
             <a:ext cx="150970" cy="222614"/>
           </a:xfrm>
           <a:prstGeom prst="straightConnector1">
@@ -5245,17 +6696,19 @@
             </p:nvSpPr>
             <p:spPr>
               <a:xfrm>
-                <a:off x="4214639" y="1524458"/>
-                <a:ext cx="720000" cy="720000"/>
+                <a:off x="3408591" y="2490453"/>
+                <a:ext cx="432000" cy="432000"/>
               </a:xfrm>
               <a:prstGeom prst="rect">
                 <a:avLst/>
               </a:prstGeom>
               <a:solidFill>
-                <a:srgbClr val="BB8BFF"/>
+                <a:schemeClr val="bg1"/>
               </a:solidFill>
-              <a:ln w="28575">
-                <a:noFill/>
+              <a:ln w="19050">
+                <a:solidFill>
+                  <a:schemeClr val="tx1"/>
+                </a:solidFill>
               </a:ln>
             </p:spPr>
             <p:style>
@@ -5286,7 +6739,7 @@
                     </m:oMathParaPr>
                     <m:oMath xmlns:m="http://schemas.openxmlformats.org/officeDocument/2006/math">
                       <m:r>
-                        <a:rPr lang="vi-VN" sz="2400" b="1" i="1">
+                        <a:rPr lang="vi-VN" sz="1400" b="1" i="1">
                           <a:solidFill>
                             <a:schemeClr val="tx1"/>
                           </a:solidFill>
@@ -5296,7 +6749,7 @@
                         <m:t> </m:t>
                       </m:r>
                       <m:r>
-                        <a:rPr lang="vi-VN" sz="2400" b="1" i="1">
+                        <a:rPr lang="vi-VN" sz="1400" b="1" i="1">
                           <a:solidFill>
                             <a:schemeClr val="tx1"/>
                           </a:solidFill>
@@ -5308,7 +6761,7 @@
                     </m:oMath>
                   </m:oMathPara>
                 </a14:m>
-                <a:endParaRPr lang="vi-VN" sz="2400" b="1" i="1">
+                <a:endParaRPr lang="vi-VN" sz="1400" b="1" i="1">
                   <a:solidFill>
                     <a:schemeClr val="tx1"/>
                   </a:solidFill>
@@ -5336,20 +6789,22 @@
             </p:nvSpPr>
             <p:spPr>
               <a:xfrm>
-                <a:off x="4214639" y="1524458"/>
-                <a:ext cx="720000" cy="720000"/>
+                <a:off x="3408591" y="2490453"/>
+                <a:ext cx="432000" cy="432000"/>
               </a:xfrm>
               <a:prstGeom prst="rect">
                 <a:avLst/>
               </a:prstGeom>
               <a:blipFill>
-                <a:blip r:embed="rId10"/>
+                <a:blip r:embed="rId9"/>
                 <a:stretch>
                   <a:fillRect/>
                 </a:stretch>
               </a:blipFill>
-              <a:ln w="28575">
-                <a:noFill/>
+              <a:ln w="19050">
+                <a:solidFill>
+                  <a:schemeClr val="tx1"/>
+                </a:solidFill>
               </a:ln>
             </p:spPr>
             <p:txBody>
@@ -5383,14 +6838,14 @@
         </p:nvCxnSpPr>
         <p:spPr>
           <a:xfrm>
-            <a:off x="3101388" y="789018"/>
-            <a:ext cx="0" cy="3612780"/>
+            <a:off x="2511074" y="1871921"/>
+            <a:ext cx="0" cy="2844000"/>
           </a:xfrm>
           <a:prstGeom prst="line">
             <a:avLst/>
           </a:prstGeom>
           <a:ln w="19050">
-            <a:prstDash val="dash"/>
+            <a:prstDash val="sysDot"/>
           </a:ln>
         </p:spPr>
         <p:style>
@@ -5424,14 +6879,14 @@
         </p:nvCxnSpPr>
         <p:spPr>
           <a:xfrm>
-            <a:off x="3942277" y="789018"/>
-            <a:ext cx="0" cy="3612780"/>
+            <a:off x="3351963" y="1871921"/>
+            <a:ext cx="0" cy="2844000"/>
           </a:xfrm>
           <a:prstGeom prst="line">
             <a:avLst/>
           </a:prstGeom>
           <a:ln w="19050">
-            <a:prstDash val="dash"/>
+            <a:prstDash val="sysDot"/>
           </a:ln>
         </p:spPr>
         <p:style>
@@ -5465,8 +6920,8 @@
             </p:nvSpPr>
             <p:spPr>
               <a:xfrm>
-                <a:off x="2836366" y="4433684"/>
-                <a:ext cx="496591" cy="369332"/>
+                <a:off x="2246052" y="4700627"/>
+                <a:ext cx="496591" cy="307777"/>
               </a:xfrm>
               <a:prstGeom prst="rect">
                 <a:avLst/>
@@ -5490,7 +6945,7 @@
                     </m:oMathParaPr>
                     <m:oMath xmlns:m="http://schemas.openxmlformats.org/officeDocument/2006/math">
                       <m:r>
-                        <a:rPr lang="en-US" b="0" i="1" smtClean="0">
+                        <a:rPr lang="en-US" sz="1400" b="0" i="1" smtClean="0">
                           <a:latin typeface="Cambria Math" panose="02040503050406030204" pitchFamily="18" charset="0"/>
                         </a:rPr>
                         <m:t>|</m:t>
@@ -5498,14 +6953,14 @@
                       <m:sSub>
                         <m:sSubPr>
                           <m:ctrlPr>
-                            <a:rPr lang="vi-VN" b="0" i="1" smtClean="0">
+                            <a:rPr lang="vi-VN" sz="1400" b="0" i="1" smtClean="0">
                               <a:latin typeface="Cambria Math" panose="02040503050406030204" pitchFamily="18" charset="0"/>
                             </a:rPr>
                           </m:ctrlPr>
                         </m:sSubPr>
                         <m:e>
                           <m:r>
-                            <a:rPr lang="vi-VN" b="0" i="1" smtClean="0">
+                            <a:rPr lang="vi-VN" sz="1400" b="0" i="1" smtClean="0">
                               <a:latin typeface="Cambria Math" panose="02040503050406030204" pitchFamily="18" charset="0"/>
                             </a:rPr>
                             <m:t>𝜓</m:t>
@@ -5513,7 +6968,7 @@
                         </m:e>
                         <m:sub>
                           <m:r>
-                            <a:rPr lang="vi-VN" b="0" i="1" smtClean="0">
+                            <a:rPr lang="vi-VN" sz="1400" b="0" i="1" smtClean="0">
                               <a:latin typeface="Cambria Math" panose="02040503050406030204" pitchFamily="18" charset="0"/>
                             </a:rPr>
                             <m:t>1</m:t>
@@ -5521,7 +6976,7 @@
                         </m:sub>
                       </m:sSub>
                       <m:r>
-                        <a:rPr lang="en-US" b="0" i="1" smtClean="0">
+                        <a:rPr lang="en-US" sz="1400" b="0" i="1" smtClean="0">
                           <a:latin typeface="Cambria Math" panose="02040503050406030204" pitchFamily="18" charset="0"/>
                         </a:rPr>
                         <m:t>⟩</m:t>
@@ -5529,7 +6984,7 @@
                     </m:oMath>
                   </m:oMathPara>
                 </a14:m>
-                <a:endParaRPr lang="vi-VN">
+                <a:endParaRPr lang="vi-VN" sz="1400">
                   <a:latin typeface="Times New Roman" panose="02020603050405020304" pitchFamily="18" charset="0"/>
                   <a:cs typeface="Times New Roman" panose="02020603050405020304" pitchFamily="18" charset="0"/>
                 </a:endParaRPr>
@@ -5554,16 +7009,16 @@
             </p:nvSpPr>
             <p:spPr>
               <a:xfrm>
-                <a:off x="2836366" y="4433684"/>
-                <a:ext cx="496591" cy="369332"/>
+                <a:off x="2246052" y="4700627"/>
+                <a:ext cx="496591" cy="307777"/>
               </a:xfrm>
               <a:prstGeom prst="rect">
                 <a:avLst/>
               </a:prstGeom>
               <a:blipFill>
-                <a:blip r:embed="rId11"/>
+                <a:blip r:embed="rId10"/>
                 <a:stretch>
-                  <a:fillRect l="-5000" r="-25000" b="-12903"/>
+                  <a:fillRect b="-12000"/>
                 </a:stretch>
               </a:blipFill>
               <a:ln w="28575">
@@ -5601,8 +7056,8 @@
             </p:nvSpPr>
             <p:spPr>
               <a:xfrm>
-                <a:off x="3687360" y="4434042"/>
-                <a:ext cx="496591" cy="369332"/>
+                <a:off x="3097046" y="4700985"/>
+                <a:ext cx="496591" cy="307777"/>
               </a:xfrm>
               <a:prstGeom prst="rect">
                 <a:avLst/>
@@ -5626,7 +7081,7 @@
                     </m:oMathParaPr>
                     <m:oMath xmlns:m="http://schemas.openxmlformats.org/officeDocument/2006/math">
                       <m:r>
-                        <a:rPr lang="en-US" b="0" i="1" smtClean="0">
+                        <a:rPr lang="en-US" sz="1400" b="0" i="1" smtClean="0">
                           <a:latin typeface="Cambria Math" panose="02040503050406030204" pitchFamily="18" charset="0"/>
                         </a:rPr>
                         <m:t>|</m:t>
@@ -5634,14 +7089,14 @@
                       <m:sSub>
                         <m:sSubPr>
                           <m:ctrlPr>
-                            <a:rPr lang="vi-VN" b="0" i="1" smtClean="0">
+                            <a:rPr lang="vi-VN" sz="1400" b="0" i="1" smtClean="0">
                               <a:latin typeface="Cambria Math" panose="02040503050406030204" pitchFamily="18" charset="0"/>
                             </a:rPr>
                           </m:ctrlPr>
                         </m:sSubPr>
                         <m:e>
                           <m:r>
-                            <a:rPr lang="vi-VN" b="0" i="1" smtClean="0">
+                            <a:rPr lang="vi-VN" sz="1400" b="0" i="1" smtClean="0">
                               <a:latin typeface="Cambria Math" panose="02040503050406030204" pitchFamily="18" charset="0"/>
                             </a:rPr>
                             <m:t>𝜓</m:t>
@@ -5649,7 +7104,7 @@
                         </m:e>
                         <m:sub>
                           <m:r>
-                            <a:rPr lang="vi-VN" b="0" i="1" smtClean="0">
+                            <a:rPr lang="vi-VN" sz="1400" b="0" i="1" smtClean="0">
                               <a:latin typeface="Cambria Math" panose="02040503050406030204" pitchFamily="18" charset="0"/>
                             </a:rPr>
                             <m:t>2</m:t>
@@ -5657,7 +7112,7 @@
                         </m:sub>
                       </m:sSub>
                       <m:r>
-                        <a:rPr lang="en-US" b="0" i="1" smtClean="0">
+                        <a:rPr lang="en-US" sz="1400" b="0" i="1" smtClean="0">
                           <a:latin typeface="Cambria Math" panose="02040503050406030204" pitchFamily="18" charset="0"/>
                         </a:rPr>
                         <m:t>⟩</m:t>
@@ -5665,7 +7120,7 @@
                     </m:oMath>
                   </m:oMathPara>
                 </a14:m>
-                <a:endParaRPr lang="vi-VN">
+                <a:endParaRPr lang="vi-VN" sz="1400">
                   <a:latin typeface="Times New Roman" panose="02020603050405020304" pitchFamily="18" charset="0"/>
                   <a:cs typeface="Times New Roman" panose="02020603050405020304" pitchFamily="18" charset="0"/>
                 </a:endParaRPr>
@@ -5690,16 +7145,16 @@
             </p:nvSpPr>
             <p:spPr>
               <a:xfrm>
-                <a:off x="3687360" y="4434042"/>
-                <a:ext cx="496591" cy="369332"/>
+                <a:off x="3097046" y="4700985"/>
+                <a:ext cx="496591" cy="307777"/>
               </a:xfrm>
               <a:prstGeom prst="rect">
                 <a:avLst/>
               </a:prstGeom>
               <a:blipFill>
-                <a:blip r:embed="rId12"/>
+                <a:blip r:embed="rId11"/>
                 <a:stretch>
-                  <a:fillRect l="-5000" r="-25000" b="-12903"/>
+                  <a:fillRect b="-12000"/>
                 </a:stretch>
               </a:blipFill>
               <a:ln w="28575">
@@ -5737,14 +7192,14 @@
         </p:nvCxnSpPr>
         <p:spPr>
           <a:xfrm>
-            <a:off x="5120601" y="789018"/>
-            <a:ext cx="0" cy="3612780"/>
+            <a:off x="3904834" y="1871921"/>
+            <a:ext cx="0" cy="2844000"/>
           </a:xfrm>
           <a:prstGeom prst="line">
             <a:avLst/>
           </a:prstGeom>
           <a:ln w="19050">
-            <a:prstDash val="dash"/>
+            <a:prstDash val="sysDot"/>
           </a:ln>
         </p:spPr>
         <p:style>
@@ -5778,8 +7233,8 @@
             </p:nvSpPr>
             <p:spPr>
               <a:xfrm>
-                <a:off x="4865684" y="4434042"/>
-                <a:ext cx="496591" cy="369332"/>
+                <a:off x="3672218" y="4700985"/>
+                <a:ext cx="496591" cy="307777"/>
               </a:xfrm>
               <a:prstGeom prst="rect">
                 <a:avLst/>
@@ -5803,7 +7258,7 @@
                     </m:oMathParaPr>
                     <m:oMath xmlns:m="http://schemas.openxmlformats.org/officeDocument/2006/math">
                       <m:r>
-                        <a:rPr lang="en-US" b="0" i="1" smtClean="0">
+                        <a:rPr lang="en-US" sz="1400" b="0" i="1" smtClean="0">
                           <a:latin typeface="Cambria Math" panose="02040503050406030204" pitchFamily="18" charset="0"/>
                         </a:rPr>
                         <m:t>|</m:t>
@@ -5811,14 +7266,14 @@
                       <m:sSub>
                         <m:sSubPr>
                           <m:ctrlPr>
-                            <a:rPr lang="vi-VN" b="0" i="1" smtClean="0">
+                            <a:rPr lang="vi-VN" sz="1400" b="0" i="1" smtClean="0">
                               <a:latin typeface="Cambria Math" panose="02040503050406030204" pitchFamily="18" charset="0"/>
                             </a:rPr>
                           </m:ctrlPr>
                         </m:sSubPr>
                         <m:e>
                           <m:r>
-                            <a:rPr lang="vi-VN" b="0" i="1" smtClean="0">
+                            <a:rPr lang="vi-VN" sz="1400" b="0" i="1" smtClean="0">
                               <a:latin typeface="Cambria Math" panose="02040503050406030204" pitchFamily="18" charset="0"/>
                             </a:rPr>
                             <m:t>𝜓</m:t>
@@ -5826,7 +7281,7 @@
                         </m:e>
                         <m:sub>
                           <m:r>
-                            <a:rPr lang="vi-VN" b="0" i="1" smtClean="0">
+                            <a:rPr lang="vi-VN" sz="1400" b="0" i="1" smtClean="0">
                               <a:latin typeface="Cambria Math" panose="02040503050406030204" pitchFamily="18" charset="0"/>
                             </a:rPr>
                             <m:t>3</m:t>
@@ -5834,7 +7289,7 @@
                         </m:sub>
                       </m:sSub>
                       <m:r>
-                        <a:rPr lang="en-US" b="0" i="1" smtClean="0">
+                        <a:rPr lang="en-US" sz="1400" b="0" i="1" smtClean="0">
                           <a:latin typeface="Cambria Math" panose="02040503050406030204" pitchFamily="18" charset="0"/>
                         </a:rPr>
                         <m:t>⟩</m:t>
@@ -5842,7 +7297,7 @@
                     </m:oMath>
                   </m:oMathPara>
                 </a14:m>
-                <a:endParaRPr lang="vi-VN">
+                <a:endParaRPr lang="vi-VN" sz="1400">
                   <a:latin typeface="Times New Roman" panose="02020603050405020304" pitchFamily="18" charset="0"/>
                   <a:cs typeface="Times New Roman" panose="02020603050405020304" pitchFamily="18" charset="0"/>
                 </a:endParaRPr>
@@ -5867,8 +7322,158 @@
             </p:nvSpPr>
             <p:spPr>
               <a:xfrm>
-                <a:off x="4865684" y="4434042"/>
-                <a:ext cx="496591" cy="369332"/>
+                <a:off x="3672218" y="4700985"/>
+                <a:ext cx="496591" cy="307777"/>
+              </a:xfrm>
+              <a:prstGeom prst="rect">
+                <a:avLst/>
+              </a:prstGeom>
+              <a:blipFill>
+                <a:blip r:embed="rId12"/>
+                <a:stretch>
+                  <a:fillRect b="-12000"/>
+                </a:stretch>
+              </a:blipFill>
+              <a:ln w="28575">
+                <a:noFill/>
+              </a:ln>
+            </p:spPr>
+            <p:txBody>
+              <a:bodyPr/>
+              <a:lstStyle/>
+              <a:p>
+                <a:r>
+                  <a:rPr lang="en-VN">
+                    <a:noFill/>
+                  </a:rPr>
+                  <a:t> </a:t>
+                </a:r>
+              </a:p>
+            </p:txBody>
+          </p:sp>
+        </mc:Fallback>
+      </mc:AlternateContent>
+      <p:cxnSp>
+        <p:nvCxnSpPr>
+          <p:cNvPr id="73" name="Elbow Connector 72">
+            <a:extLst>
+              <a:ext uri="{FF2B5EF4-FFF2-40B4-BE49-F238E27FC236}">
+                <a16:creationId xmlns:a16="http://schemas.microsoft.com/office/drawing/2014/main" id="{2B02398F-4CA2-EB50-B447-928973BC1DC6}"/>
+              </a:ext>
+            </a:extLst>
+          </p:cNvPr>
+          <p:cNvCxnSpPr>
+            <a:cxnSpLocks/>
+            <a:stCxn id="5" idx="2"/>
+            <a:endCxn id="33" idx="2"/>
+          </p:cNvCxnSpPr>
+          <p:nvPr/>
+        </p:nvCxnSpPr>
+        <p:spPr>
+          <a:xfrm rot="5400000" flipH="1">
+            <a:off x="5508496" y="843747"/>
+            <a:ext cx="130279" cy="7504821"/>
+          </a:xfrm>
+          <a:prstGeom prst="bentConnector3">
+            <a:avLst>
+              <a:gd name="adj1" fmla="val -386034"/>
+            </a:avLst>
+          </a:prstGeom>
+          <a:ln w="19050">
+            <a:prstDash val="dash"/>
+            <a:tailEnd type="triangle"/>
+          </a:ln>
+        </p:spPr>
+        <p:style>
+          <a:lnRef idx="1">
+            <a:schemeClr val="dk1"/>
+          </a:lnRef>
+          <a:fillRef idx="0">
+            <a:schemeClr val="dk1"/>
+          </a:fillRef>
+          <a:effectRef idx="0">
+            <a:schemeClr val="dk1"/>
+          </a:effectRef>
+          <a:fontRef idx="minor">
+            <a:schemeClr val="tx1"/>
+          </a:fontRef>
+        </p:style>
+      </p:cxnSp>
+      <mc:AlternateContent xmlns:mc="http://schemas.openxmlformats.org/markup-compatibility/2006">
+        <mc:Choice xmlns:a14="http://schemas.microsoft.com/office/drawing/2010/main" Requires="a14">
+          <p:sp>
+            <p:nvSpPr>
+              <p:cNvPr id="76" name="Hộp Văn bản 7">
+                <a:extLst>
+                  <a:ext uri="{FF2B5EF4-FFF2-40B4-BE49-F238E27FC236}">
+                    <a16:creationId xmlns:a16="http://schemas.microsoft.com/office/drawing/2014/main" id="{495A084A-C831-AF18-D8DC-957D0A7D3BA7}"/>
+                  </a:ext>
+                </a:extLst>
+              </p:cNvPr>
+              <p:cNvSpPr txBox="1"/>
+              <p:nvPr/>
+            </p:nvSpPr>
+            <p:spPr>
+              <a:xfrm>
+                <a:off x="8313551" y="4770092"/>
+                <a:ext cx="953494" cy="307777"/>
+              </a:xfrm>
+              <a:prstGeom prst="rect">
+                <a:avLst/>
+              </a:prstGeom>
+              <a:noFill/>
+              <a:ln w="28575">
+                <a:noFill/>
+              </a:ln>
+            </p:spPr>
+            <p:txBody>
+              <a:bodyPr wrap="square" rtlCol="0">
+                <a:spAutoFit/>
+              </a:bodyPr>
+              <a:lstStyle/>
+              <a:p>
+                <a:r>
+                  <a:rPr lang="vi-VN" sz="1400">
+                    <a:latin typeface="Calibri" panose="020F0502020204030204" pitchFamily="34" charset="0"/>
+                    <a:cs typeface="Calibri" panose="020F0502020204030204" pitchFamily="34" charset="0"/>
+                  </a:rPr>
+                  <a:t>Update </a:t>
+                </a:r>
+                <a14:m>
+                  <m:oMath xmlns:m="http://schemas.openxmlformats.org/officeDocument/2006/math">
+                    <m:r>
+                      <a:rPr lang="vi-VN" sz="1400"/>
+                      <m:t>𝜽</m:t>
+                    </m:r>
+                  </m:oMath>
+                </a14:m>
+                <a:endParaRPr lang="vi-VN" sz="1400">
+                  <a:latin typeface="Calibri" panose="020F0502020204030204" pitchFamily="34" charset="0"/>
+                  <a:cs typeface="Calibri" panose="020F0502020204030204" pitchFamily="34" charset="0"/>
+                </a:endParaRPr>
+              </a:p>
+            </p:txBody>
+          </p:sp>
+        </mc:Choice>
+        <mc:Fallback>
+          <p:sp>
+            <p:nvSpPr>
+              <p:cNvPr id="76" name="Hộp Văn bản 7">
+                <a:extLst>
+                  <a:ext uri="{FF2B5EF4-FFF2-40B4-BE49-F238E27FC236}">
+                    <a16:creationId xmlns:a16="http://schemas.microsoft.com/office/drawing/2014/main" id="{495A084A-C831-AF18-D8DC-957D0A7D3BA7}"/>
+                  </a:ext>
+                </a:extLst>
+              </p:cNvPr>
+              <p:cNvSpPr txBox="1">
+                <a:spLocks noRot="1" noChangeAspect="1" noMove="1" noResize="1" noEditPoints="1" noAdjustHandles="1" noChangeArrowheads="1" noChangeShapeType="1" noTextEdit="1"/>
+              </p:cNvSpPr>
+              <p:nvPr/>
+            </p:nvSpPr>
+            <p:spPr>
+              <a:xfrm>
+                <a:off x="8313551" y="4770092"/>
+                <a:ext cx="953494" cy="307777"/>
               </a:xfrm>
               <a:prstGeom prst="rect">
                 <a:avLst/>
@@ -5876,7 +7481,7 @@
               <a:blipFill>
                 <a:blip r:embed="rId13"/>
                 <a:stretch>
-                  <a:fillRect l="-5000" r="-25000" b="-12903"/>
+                  <a:fillRect l="-1316" t="-4000" b="-24000"/>
                 </a:stretch>
               </a:blipFill>
               <a:ln w="28575">
@@ -5902,578 +7507,6 @@
         <mc:Choice xmlns:a14="http://schemas.microsoft.com/office/drawing/2010/main" Requires="a14">
           <p:sp>
             <p:nvSpPr>
-              <p:cNvPr id="68" name="Hộp Văn bản 7">
-                <a:extLst>
-                  <a:ext uri="{FF2B5EF4-FFF2-40B4-BE49-F238E27FC236}">
-                    <a16:creationId xmlns:a16="http://schemas.microsoft.com/office/drawing/2014/main" id="{433E7B63-CB7B-AB40-0233-D289DFECD9EC}"/>
-                  </a:ext>
-                </a:extLst>
-              </p:cNvPr>
-              <p:cNvSpPr txBox="1"/>
-              <p:nvPr/>
-            </p:nvSpPr>
-            <p:spPr>
-              <a:xfrm>
-                <a:off x="6469977" y="4417882"/>
-                <a:ext cx="3038168" cy="424732"/>
-              </a:xfrm>
-              <a:prstGeom prst="rect">
-                <a:avLst/>
-              </a:prstGeom>
-              <a:noFill/>
-              <a:ln w="28575">
-                <a:noFill/>
-              </a:ln>
-            </p:spPr>
-            <p:txBody>
-              <a:bodyPr wrap="square" rtlCol="0">
-                <a:spAutoFit/>
-              </a:bodyPr>
-              <a:lstStyle/>
-              <a:p>
-                <a:pPr/>
-                <a14:m>
-                  <m:oMathPara xmlns:m="http://schemas.openxmlformats.org/officeDocument/2006/math">
-                    <m:oMathParaPr>
-                      <m:jc m:val="centerGroup"/>
-                    </m:oMathParaPr>
-                    <m:oMath xmlns:m="http://schemas.openxmlformats.org/officeDocument/2006/math">
-                      <m:d>
-                        <m:dPr>
-                          <m:begChr m:val="⟨"/>
-                          <m:endChr m:val="⟩"/>
-                          <m:ctrlPr>
-                            <a:rPr lang="vi-VN" b="0" i="1">
-                              <a:latin typeface="Cambria Math" panose="02040503050406030204" pitchFamily="18" charset="0"/>
-                              <a:cs typeface="Times New Roman" panose="02020603050405020304" pitchFamily="18" charset="0"/>
-                            </a:rPr>
-                          </m:ctrlPr>
-                        </m:dPr>
-                        <m:e>
-                          <m:acc>
-                            <m:accPr>
-                              <m:chr m:val="̂"/>
-                              <m:ctrlPr>
-                                <a:rPr lang="vi-VN" b="0" i="1">
-                                  <a:latin typeface="Cambria Math" panose="02040503050406030204" pitchFamily="18" charset="0"/>
-                                  <a:cs typeface="Times New Roman" panose="02020603050405020304" pitchFamily="18" charset="0"/>
-                                </a:rPr>
-                              </m:ctrlPr>
-                            </m:accPr>
-                            <m:e>
-                              <m:r>
-                                <a:rPr lang="vi-VN" b="0" i="1">
-                                  <a:latin typeface="Cambria Math" panose="02040503050406030204" pitchFamily="18" charset="0"/>
-                                  <a:cs typeface="Times New Roman" panose="02020603050405020304" pitchFamily="18" charset="0"/>
-                                </a:rPr>
-                                <m:t>𝐻</m:t>
-                              </m:r>
-                            </m:e>
-                          </m:acc>
-                        </m:e>
-                      </m:d>
-                      <m:r>
-                        <a:rPr lang="vi-VN" b="0" i="1">
-                          <a:latin typeface="Cambria Math" panose="02040503050406030204" pitchFamily="18" charset="0"/>
-                          <a:cs typeface="Times New Roman" panose="02020603050405020304" pitchFamily="18" charset="0"/>
-                        </a:rPr>
-                        <m:t>=⟨</m:t>
-                      </m:r>
-                      <m:sSubSup>
-                        <m:sSubSupPr>
-                          <m:ctrlPr>
-                            <a:rPr lang="vi-VN" b="1" i="1">
-                              <a:latin typeface="Cambria Math" panose="02040503050406030204" pitchFamily="18" charset="0"/>
-                              <a:cs typeface="Times New Roman" panose="02020603050405020304" pitchFamily="18" charset="0"/>
-                            </a:rPr>
-                          </m:ctrlPr>
-                        </m:sSubSupPr>
-                        <m:e>
-                          <m:r>
-                            <a:rPr lang="vi-VN" b="1" i="1">
-                              <a:latin typeface="Cambria Math" panose="02040503050406030204" pitchFamily="18" charset="0"/>
-                              <a:cs typeface="Times New Roman" panose="02020603050405020304" pitchFamily="18" charset="0"/>
-                            </a:rPr>
-                            <m:t>𝟎</m:t>
-                          </m:r>
-                          <m:r>
-                            <a:rPr lang="vi-VN" b="1" i="1">
-                              <a:latin typeface="Cambria Math" panose="02040503050406030204" pitchFamily="18" charset="0"/>
-                              <a:cs typeface="Times New Roman" panose="02020603050405020304" pitchFamily="18" charset="0"/>
-                            </a:rPr>
-                            <m:t>|</m:t>
-                          </m:r>
-                          <m:r>
-                            <a:rPr lang="vi-VN" b="1" i="1">
-                              <a:latin typeface="Cambria Math" panose="02040503050406030204" pitchFamily="18" charset="0"/>
-                              <a:cs typeface="Times New Roman" panose="02020603050405020304" pitchFamily="18" charset="0"/>
-                            </a:rPr>
-                            <m:t>𝑼</m:t>
-                          </m:r>
-                        </m:e>
-                        <m:sub>
-                          <m:acc>
-                            <m:accPr>
-                              <m:chr m:val="̂"/>
-                              <m:ctrlPr>
-                                <a:rPr lang="vi-VN" b="1" i="1">
-                                  <a:latin typeface="Cambria Math" panose="02040503050406030204" pitchFamily="18" charset="0"/>
-                                  <a:cs typeface="Times New Roman" panose="02020603050405020304" pitchFamily="18" charset="0"/>
-                                </a:rPr>
-                              </m:ctrlPr>
-                            </m:accPr>
-                            <m:e>
-                              <m:r>
-                                <a:rPr lang="vi-VN" b="1" i="1">
-                                  <a:latin typeface="Cambria Math" panose="02040503050406030204" pitchFamily="18" charset="0"/>
-                                  <a:cs typeface="Times New Roman" panose="02020603050405020304" pitchFamily="18" charset="0"/>
-                                </a:rPr>
-                                <m:t>𝒙</m:t>
-                              </m:r>
-                            </m:e>
-                          </m:acc>
-                        </m:sub>
-                        <m:sup>
-                          <m:r>
-                            <a:rPr lang="vi-VN" b="1" i="0">
-                              <a:latin typeface="Cambria Math" panose="02040503050406030204" pitchFamily="18" charset="0"/>
-                              <a:ea typeface="Cambria Math" panose="02040503050406030204" pitchFamily="18" charset="0"/>
-                              <a:cs typeface="Times New Roman" panose="02020603050405020304" pitchFamily="18" charset="0"/>
-                            </a:rPr>
-                            <m:t>†</m:t>
-                          </m:r>
-                        </m:sup>
-                      </m:sSubSup>
-                      <m:d>
-                        <m:dPr>
-                          <m:ctrlPr>
-                            <a:rPr lang="vi-VN" b="1" i="1">
-                              <a:latin typeface="Cambria Math" panose="02040503050406030204" pitchFamily="18" charset="0"/>
-                              <a:cs typeface="Times New Roman" panose="02020603050405020304" pitchFamily="18" charset="0"/>
-                            </a:rPr>
-                          </m:ctrlPr>
-                        </m:dPr>
-                        <m:e>
-                          <m:r>
-                            <a:rPr lang="vi-VN" b="1" i="1">
-                              <a:latin typeface="Cambria Math" panose="02040503050406030204" pitchFamily="18" charset="0"/>
-                              <a:cs typeface="Times New Roman" panose="02020603050405020304" pitchFamily="18" charset="0"/>
-                            </a:rPr>
-                            <m:t>𝜽</m:t>
-                          </m:r>
-                        </m:e>
-                      </m:d>
-                      <m:acc>
-                        <m:accPr>
-                          <m:chr m:val="̂"/>
-                          <m:ctrlPr>
-                            <a:rPr lang="vi-VN" b="1" i="1">
-                              <a:latin typeface="Cambria Math" panose="02040503050406030204" pitchFamily="18" charset="0"/>
-                              <a:cs typeface="Times New Roman" panose="02020603050405020304" pitchFamily="18" charset="0"/>
-                            </a:rPr>
-                          </m:ctrlPr>
-                        </m:accPr>
-                        <m:e>
-                          <m:r>
-                            <a:rPr lang="vi-VN" b="1" i="1">
-                              <a:latin typeface="Cambria Math" panose="02040503050406030204" pitchFamily="18" charset="0"/>
-                              <a:cs typeface="Times New Roman" panose="02020603050405020304" pitchFamily="18" charset="0"/>
-                            </a:rPr>
-                            <m:t>𝑯</m:t>
-                          </m:r>
-                        </m:e>
-                      </m:acc>
-                      <m:sSub>
-                        <m:sSubPr>
-                          <m:ctrlPr>
-                            <a:rPr lang="vi-VN" b="1" i="1">
-                              <a:latin typeface="Cambria Math" panose="02040503050406030204" pitchFamily="18" charset="0"/>
-                              <a:cs typeface="Times New Roman" panose="02020603050405020304" pitchFamily="18" charset="0"/>
-                            </a:rPr>
-                          </m:ctrlPr>
-                        </m:sSubPr>
-                        <m:e>
-                          <m:r>
-                            <a:rPr lang="vi-VN" b="1" i="1">
-                              <a:latin typeface="Cambria Math" panose="02040503050406030204" pitchFamily="18" charset="0"/>
-                              <a:cs typeface="Times New Roman" panose="02020603050405020304" pitchFamily="18" charset="0"/>
-                            </a:rPr>
-                            <m:t>𝑼</m:t>
-                          </m:r>
-                        </m:e>
-                        <m:sub>
-                          <m:acc>
-                            <m:accPr>
-                              <m:chr m:val="̂"/>
-                              <m:ctrlPr>
-                                <a:rPr lang="vi-VN" b="1" i="1">
-                                  <a:latin typeface="Cambria Math" panose="02040503050406030204" pitchFamily="18" charset="0"/>
-                                  <a:cs typeface="Times New Roman" panose="02020603050405020304" pitchFamily="18" charset="0"/>
-                                </a:rPr>
-                              </m:ctrlPr>
-                            </m:accPr>
-                            <m:e>
-                              <m:r>
-                                <a:rPr lang="vi-VN" b="1" i="1">
-                                  <a:latin typeface="Cambria Math" panose="02040503050406030204" pitchFamily="18" charset="0"/>
-                                  <a:cs typeface="Times New Roman" panose="02020603050405020304" pitchFamily="18" charset="0"/>
-                                </a:rPr>
-                                <m:t>𝒙</m:t>
-                              </m:r>
-                            </m:e>
-                          </m:acc>
-                        </m:sub>
-                      </m:sSub>
-                      <m:d>
-                        <m:dPr>
-                          <m:ctrlPr>
-                            <a:rPr lang="vi-VN" b="1" i="1">
-                              <a:latin typeface="Cambria Math" panose="02040503050406030204" pitchFamily="18" charset="0"/>
-                              <a:cs typeface="Times New Roman" panose="02020603050405020304" pitchFamily="18" charset="0"/>
-                            </a:rPr>
-                          </m:ctrlPr>
-                        </m:dPr>
-                        <m:e>
-                          <m:r>
-                            <a:rPr lang="vi-VN" b="1" i="1">
-                              <a:latin typeface="Cambria Math" panose="02040503050406030204" pitchFamily="18" charset="0"/>
-                              <a:cs typeface="Times New Roman" panose="02020603050405020304" pitchFamily="18" charset="0"/>
-                            </a:rPr>
-                            <m:t>𝜽</m:t>
-                          </m:r>
-                        </m:e>
-                      </m:d>
-                      <m:r>
-                        <a:rPr lang="vi-VN" b="1" i="1">
-                          <a:latin typeface="Cambria Math" panose="02040503050406030204" pitchFamily="18" charset="0"/>
-                          <a:cs typeface="Times New Roman" panose="02020603050405020304" pitchFamily="18" charset="0"/>
-                        </a:rPr>
-                        <m:t>|</m:t>
-                      </m:r>
-                      <m:r>
-                        <a:rPr lang="vi-VN" b="1" i="1">
-                          <a:latin typeface="Cambria Math" panose="02040503050406030204" pitchFamily="18" charset="0"/>
-                          <a:cs typeface="Times New Roman" panose="02020603050405020304" pitchFamily="18" charset="0"/>
-                        </a:rPr>
-                        <m:t>𝟎</m:t>
-                      </m:r>
-                      <m:r>
-                        <a:rPr lang="vi-VN" b="1" i="1">
-                          <a:latin typeface="Cambria Math" panose="02040503050406030204" pitchFamily="18" charset="0"/>
-                          <a:cs typeface="Times New Roman" panose="02020603050405020304" pitchFamily="18" charset="0"/>
-                        </a:rPr>
-                        <m:t>⟩</m:t>
-                      </m:r>
-                    </m:oMath>
-                  </m:oMathPara>
-                </a14:m>
-                <a:endParaRPr lang="vi-VN" i="1">
-                  <a:latin typeface="Times New Roman" panose="02020603050405020304" pitchFamily="18" charset="0"/>
-                  <a:cs typeface="Times New Roman" panose="02020603050405020304" pitchFamily="18" charset="0"/>
-                </a:endParaRPr>
-              </a:p>
-            </p:txBody>
-          </p:sp>
-        </mc:Choice>
-        <mc:Fallback>
-          <p:sp>
-            <p:nvSpPr>
-              <p:cNvPr id="68" name="Hộp Văn bản 7">
-                <a:extLst>
-                  <a:ext uri="{FF2B5EF4-FFF2-40B4-BE49-F238E27FC236}">
-                    <a16:creationId xmlns:a16="http://schemas.microsoft.com/office/drawing/2014/main" id="{433E7B63-CB7B-AB40-0233-D289DFECD9EC}"/>
-                  </a:ext>
-                </a:extLst>
-              </p:cNvPr>
-              <p:cNvSpPr txBox="1">
-                <a:spLocks noRot="1" noChangeAspect="1" noMove="1" noResize="1" noEditPoints="1" noAdjustHandles="1" noChangeArrowheads="1" noChangeShapeType="1" noTextEdit="1"/>
-              </p:cNvSpPr>
-              <p:nvPr/>
-            </p:nvSpPr>
-            <p:spPr>
-              <a:xfrm>
-                <a:off x="6469977" y="4417882"/>
-                <a:ext cx="3038168" cy="424732"/>
-              </a:xfrm>
-              <a:prstGeom prst="rect">
-                <a:avLst/>
-              </a:prstGeom>
-              <a:blipFill>
-                <a:blip r:embed="rId14"/>
-                <a:stretch>
-                  <a:fillRect b="-5882"/>
-                </a:stretch>
-              </a:blipFill>
-              <a:ln w="28575">
-                <a:noFill/>
-              </a:ln>
-            </p:spPr>
-            <p:txBody>
-              <a:bodyPr/>
-              <a:lstStyle/>
-              <a:p>
-                <a:r>
-                  <a:rPr lang="en-VN">
-                    <a:noFill/>
-                  </a:rPr>
-                  <a:t> </a:t>
-                </a:r>
-              </a:p>
-            </p:txBody>
-          </p:sp>
-        </mc:Fallback>
-      </mc:AlternateContent>
-      <p:cxnSp>
-        <p:nvCxnSpPr>
-          <p:cNvPr id="70" name="Straight Arrow Connector 69">
-            <a:extLst>
-              <a:ext uri="{FF2B5EF4-FFF2-40B4-BE49-F238E27FC236}">
-                <a16:creationId xmlns:a16="http://schemas.microsoft.com/office/drawing/2014/main" id="{8C13B027-C38D-89E4-1D57-BE9992C7DF7C}"/>
-              </a:ext>
-            </a:extLst>
-          </p:cNvPr>
-          <p:cNvCxnSpPr>
-            <a:cxnSpLocks/>
-            <a:stCxn id="8" idx="2"/>
-            <a:endCxn id="68" idx="0"/>
-          </p:cNvCxnSpPr>
-          <p:nvPr/>
-        </p:nvCxnSpPr>
-        <p:spPr>
-          <a:xfrm flipH="1">
-            <a:off x="7989061" y="4083074"/>
-            <a:ext cx="6822" cy="334808"/>
-          </a:xfrm>
-          <a:prstGeom prst="straightConnector1">
-            <a:avLst/>
-          </a:prstGeom>
-          <a:ln w="19050">
-            <a:prstDash val="dash"/>
-            <a:tailEnd type="triangle"/>
-          </a:ln>
-        </p:spPr>
-        <p:style>
-          <a:lnRef idx="1">
-            <a:schemeClr val="dk1"/>
-          </a:lnRef>
-          <a:fillRef idx="0">
-            <a:schemeClr val="dk1"/>
-          </a:fillRef>
-          <a:effectRef idx="0">
-            <a:schemeClr val="dk1"/>
-          </a:effectRef>
-          <a:fontRef idx="minor">
-            <a:schemeClr val="tx1"/>
-          </a:fontRef>
-        </p:style>
-      </p:cxnSp>
-      <p:cxnSp>
-        <p:nvCxnSpPr>
-          <p:cNvPr id="73" name="Elbow Connector 72">
-            <a:extLst>
-              <a:ext uri="{FF2B5EF4-FFF2-40B4-BE49-F238E27FC236}">
-                <a16:creationId xmlns:a16="http://schemas.microsoft.com/office/drawing/2014/main" id="{2B02398F-4CA2-EB50-B447-928973BC1DC6}"/>
-              </a:ext>
-            </a:extLst>
-          </p:cNvPr>
-          <p:cNvCxnSpPr>
-            <a:cxnSpLocks/>
-            <a:stCxn id="5" idx="2"/>
-            <a:endCxn id="33" idx="2"/>
-          </p:cNvCxnSpPr>
-          <p:nvPr/>
-        </p:nvCxnSpPr>
-        <p:spPr>
-          <a:xfrm rot="5400000" flipH="1">
-            <a:off x="4313208" y="1876023"/>
-            <a:ext cx="1390319" cy="5961386"/>
-          </a:xfrm>
-          <a:prstGeom prst="bentConnector3">
-            <a:avLst>
-              <a:gd name="adj1" fmla="val -16442"/>
-            </a:avLst>
-          </a:prstGeom>
-          <a:ln w="19050">
-            <a:prstDash val="dash"/>
-            <a:tailEnd type="triangle"/>
-          </a:ln>
-        </p:spPr>
-        <p:style>
-          <a:lnRef idx="1">
-            <a:schemeClr val="dk1"/>
-          </a:lnRef>
-          <a:fillRef idx="0">
-            <a:schemeClr val="dk1"/>
-          </a:fillRef>
-          <a:effectRef idx="0">
-            <a:schemeClr val="dk1"/>
-          </a:effectRef>
-          <a:fontRef idx="minor">
-            <a:schemeClr val="tx1"/>
-          </a:fontRef>
-        </p:style>
-      </p:cxnSp>
-      <mc:AlternateContent xmlns:mc="http://schemas.openxmlformats.org/markup-compatibility/2006">
-        <mc:Choice xmlns:a14="http://schemas.microsoft.com/office/drawing/2010/main" Requires="a14">
-          <p:sp>
-            <p:nvSpPr>
-              <p:cNvPr id="76" name="Hộp Văn bản 7">
-                <a:extLst>
-                  <a:ext uri="{FF2B5EF4-FFF2-40B4-BE49-F238E27FC236}">
-                    <a16:creationId xmlns:a16="http://schemas.microsoft.com/office/drawing/2014/main" id="{495A084A-C831-AF18-D8DC-957D0A7D3BA7}"/>
-                  </a:ext>
-                </a:extLst>
-              </p:cNvPr>
-              <p:cNvSpPr txBox="1"/>
-              <p:nvPr/>
-            </p:nvSpPr>
-            <p:spPr>
-              <a:xfrm>
-                <a:off x="4521064" y="5280655"/>
-                <a:ext cx="1429221" cy="369332"/>
-              </a:xfrm>
-              <a:prstGeom prst="rect">
-                <a:avLst/>
-              </a:prstGeom>
-              <a:noFill/>
-              <a:ln w="28575">
-                <a:noFill/>
-              </a:ln>
-            </p:spPr>
-            <p:txBody>
-              <a:bodyPr wrap="square" rtlCol="0">
-                <a:spAutoFit/>
-              </a:bodyPr>
-              <a:lstStyle/>
-              <a:p>
-                <a:r>
-                  <a:rPr lang="vi-VN">
-                    <a:latin typeface="Times New Roman" panose="02020603050405020304" pitchFamily="18" charset="0"/>
-                    <a:cs typeface="Times New Roman" panose="02020603050405020304" pitchFamily="18" charset="0"/>
-                  </a:rPr>
-                  <a:t>Update</a:t>
-                </a:r>
-                <a:r>
-                  <a:rPr lang="vi-VN" i="1">
-                    <a:latin typeface="Times New Roman" panose="02020603050405020304" pitchFamily="18" charset="0"/>
-                    <a:cs typeface="Times New Roman" panose="02020603050405020304" pitchFamily="18" charset="0"/>
-                  </a:rPr>
-                  <a:t> </a:t>
-                </a:r>
-                <a14:m>
-                  <m:oMath xmlns:m="http://schemas.openxmlformats.org/officeDocument/2006/math">
-                    <m:r>
-                      <a:rPr lang="vi-VN" b="0" i="1">
-                        <a:latin typeface="Cambria Math" panose="02040503050406030204" pitchFamily="18" charset="0"/>
-                        <a:cs typeface="Times New Roman" panose="02020603050405020304" pitchFamily="18" charset="0"/>
-                      </a:rPr>
-                      <m:t>𝜃</m:t>
-                    </m:r>
-                  </m:oMath>
-                </a14:m>
-                <a:endParaRPr lang="vi-VN" i="1">
-                  <a:latin typeface="Times New Roman" panose="02020603050405020304" pitchFamily="18" charset="0"/>
-                  <a:cs typeface="Times New Roman" panose="02020603050405020304" pitchFamily="18" charset="0"/>
-                </a:endParaRPr>
-              </a:p>
-            </p:txBody>
-          </p:sp>
-        </mc:Choice>
-        <mc:Fallback>
-          <p:sp>
-            <p:nvSpPr>
-              <p:cNvPr id="76" name="Hộp Văn bản 7">
-                <a:extLst>
-                  <a:ext uri="{FF2B5EF4-FFF2-40B4-BE49-F238E27FC236}">
-                    <a16:creationId xmlns:a16="http://schemas.microsoft.com/office/drawing/2014/main" id="{495A084A-C831-AF18-D8DC-957D0A7D3BA7}"/>
-                  </a:ext>
-                </a:extLst>
-              </p:cNvPr>
-              <p:cNvSpPr txBox="1">
-                <a:spLocks noRot="1" noChangeAspect="1" noMove="1" noResize="1" noEditPoints="1" noAdjustHandles="1" noChangeArrowheads="1" noChangeShapeType="1" noTextEdit="1"/>
-              </p:cNvSpPr>
-              <p:nvPr/>
-            </p:nvSpPr>
-            <p:spPr>
-              <a:xfrm>
-                <a:off x="4521064" y="5280655"/>
-                <a:ext cx="1429221" cy="369332"/>
-              </a:xfrm>
-              <a:prstGeom prst="rect">
-                <a:avLst/>
-              </a:prstGeom>
-              <a:blipFill>
-                <a:blip r:embed="rId15"/>
-                <a:stretch>
-                  <a:fillRect l="-4425" t="-6667" b="-23333"/>
-                </a:stretch>
-              </a:blipFill>
-              <a:ln w="28575">
-                <a:noFill/>
-              </a:ln>
-            </p:spPr>
-            <p:txBody>
-              <a:bodyPr/>
-              <a:lstStyle/>
-              <a:p>
-                <a:r>
-                  <a:rPr lang="en-VN">
-                    <a:noFill/>
-                  </a:rPr>
-                  <a:t> </a:t>
-                </a:r>
-              </a:p>
-            </p:txBody>
-          </p:sp>
-        </mc:Fallback>
-      </mc:AlternateContent>
-      <p:cxnSp>
-        <p:nvCxnSpPr>
-          <p:cNvPr id="77" name="Straight Arrow Connector 76">
-            <a:extLst>
-              <a:ext uri="{FF2B5EF4-FFF2-40B4-BE49-F238E27FC236}">
-                <a16:creationId xmlns:a16="http://schemas.microsoft.com/office/drawing/2014/main" id="{EA93B153-EE7F-6135-66C0-7D894680F611}"/>
-              </a:ext>
-            </a:extLst>
-          </p:cNvPr>
-          <p:cNvCxnSpPr>
-            <a:cxnSpLocks/>
-            <a:stCxn id="50" idx="3"/>
-          </p:cNvCxnSpPr>
-          <p:nvPr/>
-        </p:nvCxnSpPr>
-        <p:spPr>
-          <a:xfrm flipV="1">
-            <a:off x="6896966" y="3836962"/>
-            <a:ext cx="411904" cy="7126"/>
-          </a:xfrm>
-          <a:prstGeom prst="straightConnector1">
-            <a:avLst/>
-          </a:prstGeom>
-          <a:ln w="19050">
-            <a:prstDash val="dash"/>
-            <a:tailEnd type="triangle"/>
-          </a:ln>
-        </p:spPr>
-        <p:style>
-          <a:lnRef idx="1">
-            <a:schemeClr val="dk1"/>
-          </a:lnRef>
-          <a:fillRef idx="0">
-            <a:schemeClr val="dk1"/>
-          </a:fillRef>
-          <a:effectRef idx="0">
-            <a:schemeClr val="dk1"/>
-          </a:effectRef>
-          <a:fontRef idx="minor">
-            <a:schemeClr val="tx1"/>
-          </a:fontRef>
-        </p:style>
-      </p:cxnSp>
-      <mc:AlternateContent xmlns:mc="http://schemas.openxmlformats.org/markup-compatibility/2006">
-        <mc:Choice xmlns:a14="http://schemas.microsoft.com/office/drawing/2010/main" Requires="a14">
-          <p:sp>
-            <p:nvSpPr>
               <p:cNvPr id="80" name="Hộp Văn bản 7">
                 <a:extLst>
                   <a:ext uri="{FF2B5EF4-FFF2-40B4-BE49-F238E27FC236}">
@@ -6486,8 +7519,8 @@
             </p:nvSpPr>
             <p:spPr>
               <a:xfrm>
-                <a:off x="1127033" y="2337584"/>
-                <a:ext cx="521769" cy="369332"/>
+                <a:off x="1127714" y="3152446"/>
+                <a:ext cx="521769" cy="307777"/>
               </a:xfrm>
               <a:prstGeom prst="rect">
                 <a:avLst/>
@@ -6511,7 +7544,7 @@
                     </m:oMathParaPr>
                     <m:oMath xmlns:m="http://schemas.openxmlformats.org/officeDocument/2006/math">
                       <m:r>
-                        <a:rPr lang="vi-VN" i="1">
+                        <a:rPr lang="vi-VN" sz="1400" i="1">
                           <a:latin typeface="Cambria Math" panose="02040503050406030204" pitchFamily="18" charset="0"/>
                           <a:cs typeface="Times New Roman" panose="02020603050405020304" pitchFamily="18" charset="0"/>
                         </a:rPr>
@@ -6520,7 +7553,7 @@
                     </m:oMath>
                   </m:oMathPara>
                 </a14:m>
-                <a:endParaRPr lang="vi-VN" i="1">
+                <a:endParaRPr lang="vi-VN" sz="1400" i="1">
                   <a:latin typeface="Times New Roman" panose="02020603050405020304" pitchFamily="18" charset="0"/>
                   <a:cs typeface="Times New Roman" panose="02020603050405020304" pitchFamily="18" charset="0"/>
                 </a:endParaRPr>
@@ -6545,14 +7578,14 @@
             </p:nvSpPr>
             <p:spPr>
               <a:xfrm>
-                <a:off x="1127033" y="2337584"/>
-                <a:ext cx="521769" cy="369332"/>
+                <a:off x="1127714" y="3152446"/>
+                <a:ext cx="521769" cy="307777"/>
               </a:xfrm>
               <a:prstGeom prst="rect">
                 <a:avLst/>
               </a:prstGeom>
               <a:blipFill>
-                <a:blip r:embed="rId16"/>
+                <a:blip r:embed="rId14"/>
                 <a:stretch>
                   <a:fillRect/>
                 </a:stretch>
@@ -6592,8 +7625,8 @@
             </p:nvSpPr>
             <p:spPr>
               <a:xfrm>
-                <a:off x="1101147" y="3316408"/>
-                <a:ext cx="521769" cy="369332"/>
+                <a:off x="1101828" y="3833724"/>
+                <a:ext cx="521769" cy="307777"/>
               </a:xfrm>
               <a:prstGeom prst="rect">
                 <a:avLst/>
@@ -6617,7 +7650,7 @@
                     </m:oMathParaPr>
                     <m:oMath xmlns:m="http://schemas.openxmlformats.org/officeDocument/2006/math">
                       <m:r>
-                        <a:rPr lang="vi-VN" i="1">
+                        <a:rPr lang="vi-VN" sz="1400" i="1">
                           <a:latin typeface="Cambria Math" panose="02040503050406030204" pitchFamily="18" charset="0"/>
                           <a:cs typeface="Times New Roman" panose="02020603050405020304" pitchFamily="18" charset="0"/>
                         </a:rPr>
@@ -6626,7 +7659,7 @@
                     </m:oMath>
                   </m:oMathPara>
                 </a14:m>
-                <a:endParaRPr lang="vi-VN" i="1">
+                <a:endParaRPr lang="vi-VN" sz="1400" i="1">
                   <a:latin typeface="Times New Roman" panose="02020603050405020304" pitchFamily="18" charset="0"/>
                   <a:cs typeface="Times New Roman" panose="02020603050405020304" pitchFamily="18" charset="0"/>
                 </a:endParaRPr>
@@ -6651,14 +7684,14 @@
             </p:nvSpPr>
             <p:spPr>
               <a:xfrm>
-                <a:off x="1101147" y="3316408"/>
-                <a:ext cx="521769" cy="369332"/>
+                <a:off x="1101828" y="3833724"/>
+                <a:ext cx="521769" cy="307777"/>
               </a:xfrm>
               <a:prstGeom prst="rect">
                 <a:avLst/>
               </a:prstGeom>
               <a:blipFill>
-                <a:blip r:embed="rId17"/>
+                <a:blip r:embed="rId15"/>
                 <a:stretch>
                   <a:fillRect/>
                 </a:stretch>
@@ -6682,52 +7715,6 @@
           </p:sp>
         </mc:Fallback>
       </mc:AlternateContent>
-      <p:cxnSp>
-        <p:nvCxnSpPr>
-          <p:cNvPr id="85" name="Elbow Connector 84">
-            <a:extLst>
-              <a:ext uri="{FF2B5EF4-FFF2-40B4-BE49-F238E27FC236}">
-                <a16:creationId xmlns:a16="http://schemas.microsoft.com/office/drawing/2014/main" id="{00574FBF-C842-19D0-45F6-ECA85AAC50C4}"/>
-              </a:ext>
-            </a:extLst>
-          </p:cNvPr>
-          <p:cNvCxnSpPr>
-            <a:cxnSpLocks/>
-            <a:stCxn id="4" idx="3"/>
-            <a:endCxn id="88" idx="1"/>
-          </p:cNvCxnSpPr>
-          <p:nvPr/>
-        </p:nvCxnSpPr>
-        <p:spPr>
-          <a:xfrm>
-            <a:off x="5898043" y="1899042"/>
-            <a:ext cx="1415593" cy="1400616"/>
-          </a:xfrm>
-          <a:prstGeom prst="bentConnector3">
-            <a:avLst>
-              <a:gd name="adj1" fmla="val 50000"/>
-            </a:avLst>
-          </a:prstGeom>
-          <a:ln w="19050">
-            <a:prstDash val="dash"/>
-            <a:tailEnd type="triangle"/>
-          </a:ln>
-        </p:spPr>
-        <p:style>
-          <a:lnRef idx="1">
-            <a:schemeClr val="dk1"/>
-          </a:lnRef>
-          <a:fillRef idx="0">
-            <a:schemeClr val="dk1"/>
-          </a:fillRef>
-          <a:effectRef idx="0">
-            <a:schemeClr val="dk1"/>
-          </a:effectRef>
-          <a:fontRef idx="minor">
-            <a:schemeClr val="tx1"/>
-          </a:fontRef>
-        </p:style>
-      </p:cxnSp>
       <p:sp>
         <p:nvSpPr>
           <p:cNvPr id="88" name="Rectangle 87">
@@ -6742,7 +7729,7 @@
         </p:nvSpPr>
         <p:spPr>
           <a:xfrm>
-            <a:off x="7313636" y="3157760"/>
+            <a:off x="8625545" y="2598326"/>
             <a:ext cx="1333948" cy="283796"/>
           </a:xfrm>
           <a:prstGeom prst="rect">
@@ -6793,8 +7780,8 @@
         </p:nvSpPr>
         <p:spPr>
           <a:xfrm>
-            <a:off x="7078724" y="2721168"/>
-            <a:ext cx="1784119" cy="1592826"/>
+            <a:off x="8347089" y="2161734"/>
+            <a:ext cx="1914597" cy="1311157"/>
           </a:xfrm>
           <a:prstGeom prst="rect">
             <a:avLst/>
@@ -6844,8 +7831,8 @@
         </p:nvSpPr>
         <p:spPr>
           <a:xfrm>
-            <a:off x="7057620" y="2770946"/>
-            <a:ext cx="1784120" cy="307777"/>
+            <a:off x="8369528" y="2211512"/>
+            <a:ext cx="1914597" cy="307777"/>
           </a:xfrm>
           <a:prstGeom prst="rect">
             <a:avLst/>
@@ -6860,7 +7847,7 @@
           <a:p>
             <a:pPr algn="ctr"/>
             <a:r>
-              <a:rPr lang="en-VN" sz="1400">
+              <a:rPr lang="en-VN" sz="1400" b="1">
                 <a:solidFill>
                   <a:schemeClr val="tx1"/>
                 </a:solidFill>
@@ -6887,9 +7874,9 @@
           <p:nvPr/>
         </p:nvCxnSpPr>
         <p:spPr>
-          <a:xfrm flipV="1">
-            <a:off x="8647584" y="3294824"/>
-            <a:ext cx="575438" cy="4834"/>
+          <a:xfrm>
+            <a:off x="9959493" y="2740224"/>
+            <a:ext cx="521960" cy="323"/>
           </a:xfrm>
           <a:prstGeom prst="straightConnector1">
             <a:avLst/>
@@ -6930,8 +7917,8 @@
             </p:nvSpPr>
             <p:spPr>
               <a:xfrm>
-                <a:off x="9223022" y="3110158"/>
-                <a:ext cx="779997" cy="369332"/>
+                <a:off x="10481453" y="2586658"/>
+                <a:ext cx="505398" cy="307777"/>
               </a:xfrm>
               <a:prstGeom prst="rect">
                 <a:avLst/>
@@ -6955,7 +7942,7 @@
                     </m:oMathParaPr>
                     <m:oMath xmlns:m="http://schemas.openxmlformats.org/officeDocument/2006/math">
                       <m:r>
-                        <a:rPr lang="vi-VN" b="0" i="1">
+                        <a:rPr lang="vi-VN" sz="1400" b="0" i="1">
                           <a:latin typeface="Cambria Math" panose="02040503050406030204" pitchFamily="18" charset="0"/>
                           <a:cs typeface="Times New Roman" panose="02020603050405020304" pitchFamily="18" charset="0"/>
                         </a:rPr>
@@ -6965,7 +7952,7 @@
                         <m:accPr>
                           <m:chr m:val="̂"/>
                           <m:ctrlPr>
-                            <a:rPr lang="vi-VN" b="0" i="1">
+                            <a:rPr lang="vi-VN" sz="1400" b="0" i="1">
                               <a:latin typeface="Cambria Math" panose="02040503050406030204" pitchFamily="18" charset="0"/>
                               <a:cs typeface="Times New Roman" panose="02020603050405020304" pitchFamily="18" charset="0"/>
                             </a:rPr>
@@ -6973,7 +7960,7 @@
                         </m:accPr>
                         <m:e>
                           <m:r>
-                            <a:rPr lang="vi-VN" b="0" i="1">
+                            <a:rPr lang="vi-VN" sz="1400" b="0" i="1">
                               <a:latin typeface="Cambria Math" panose="02040503050406030204" pitchFamily="18" charset="0"/>
                               <a:cs typeface="Times New Roman" panose="02020603050405020304" pitchFamily="18" charset="0"/>
                             </a:rPr>
@@ -6982,7 +7969,7 @@
                         </m:e>
                       </m:acc>
                       <m:r>
-                        <a:rPr lang="vi-VN" b="0" i="1">
+                        <a:rPr lang="vi-VN" sz="1400" b="0" i="1">
                           <a:latin typeface="Cambria Math" panose="02040503050406030204" pitchFamily="18" charset="0"/>
                           <a:cs typeface="Times New Roman" panose="02020603050405020304" pitchFamily="18" charset="0"/>
                         </a:rPr>
@@ -6992,7 +7979,7 @@
                         <m:accPr>
                           <m:chr m:val="̂"/>
                           <m:ctrlPr>
-                            <a:rPr lang="vi-VN" b="0" i="1">
+                            <a:rPr lang="vi-VN" sz="1400" b="0" i="1">
                               <a:latin typeface="Cambria Math" panose="02040503050406030204" pitchFamily="18" charset="0"/>
                               <a:cs typeface="Times New Roman" panose="02020603050405020304" pitchFamily="18" charset="0"/>
                             </a:rPr>
@@ -7000,7 +7987,7 @@
                         </m:accPr>
                         <m:e>
                           <m:r>
-                            <a:rPr lang="vi-VN" i="1">
+                            <a:rPr lang="vi-VN" sz="1400" i="1">
                               <a:latin typeface="Cambria Math" panose="02040503050406030204" pitchFamily="18" charset="0"/>
                               <a:cs typeface="Times New Roman" panose="02020603050405020304" pitchFamily="18" charset="0"/>
                             </a:rPr>
@@ -7009,7 +7996,7 @@
                         </m:e>
                       </m:acc>
                       <m:r>
-                        <a:rPr lang="vi-VN" b="0" i="1">
+                        <a:rPr lang="vi-VN" sz="1400" b="0" i="1">
                           <a:latin typeface="Cambria Math" panose="02040503050406030204" pitchFamily="18" charset="0"/>
                           <a:cs typeface="Times New Roman" panose="02020603050405020304" pitchFamily="18" charset="0"/>
                         </a:rPr>
@@ -7018,7 +8005,7 @@
                     </m:oMath>
                   </m:oMathPara>
                 </a14:m>
-                <a:endParaRPr lang="vi-VN" i="1">
+                <a:endParaRPr lang="vi-VN" sz="1400" i="1">
                   <a:latin typeface="Times New Roman" panose="02020603050405020304" pitchFamily="18" charset="0"/>
                   <a:cs typeface="Times New Roman" panose="02020603050405020304" pitchFamily="18" charset="0"/>
                 </a:endParaRPr>
@@ -7043,16 +8030,16 @@
             </p:nvSpPr>
             <p:spPr>
               <a:xfrm>
-                <a:off x="9223022" y="3110158"/>
-                <a:ext cx="779997" cy="369332"/>
+                <a:off x="10481453" y="2586658"/>
+                <a:ext cx="505398" cy="307777"/>
               </a:xfrm>
               <a:prstGeom prst="rect">
                 <a:avLst/>
               </a:prstGeom>
               <a:blipFill>
-                <a:blip r:embed="rId18"/>
+                <a:blip r:embed="rId16"/>
                 <a:stretch>
-                  <a:fillRect b="-12903"/>
+                  <a:fillRect r="-12500" b="-7692"/>
                 </a:stretch>
               </a:blipFill>
               <a:ln w="28575">
@@ -7085,15 +8072,15 @@
           </p:cNvPr>
           <p:cNvCxnSpPr>
             <a:cxnSpLocks/>
-            <a:stCxn id="68" idx="2"/>
+            <a:stCxn id="11" idx="2"/>
             <a:endCxn id="5" idx="0"/>
           </p:cNvCxnSpPr>
           <p:nvPr/>
         </p:nvCxnSpPr>
         <p:spPr>
           <a:xfrm>
-            <a:off x="7989061" y="4842614"/>
-            <a:ext cx="0" cy="217036"/>
+            <a:off x="9321435" y="3849672"/>
+            <a:ext cx="4611" cy="319399"/>
           </a:xfrm>
           <a:prstGeom prst="straightConnector1">
             <a:avLst/>
@@ -7134,8 +8121,8 @@
             </p:nvSpPr>
             <p:spPr>
               <a:xfrm>
-                <a:off x="9469288" y="5121095"/>
-                <a:ext cx="432607" cy="369332"/>
+                <a:off x="10664759" y="4267092"/>
+                <a:ext cx="258564" cy="307777"/>
               </a:xfrm>
               <a:prstGeom prst="rect">
                 <a:avLst/>
@@ -7159,7 +8146,7 @@
                     </m:oMathParaPr>
                     <m:oMath xmlns:m="http://schemas.openxmlformats.org/officeDocument/2006/math">
                       <m:r>
-                        <a:rPr lang="vi-VN" b="1" i="1">
+                        <a:rPr lang="vi-VN" sz="1400" b="1" i="1">
                           <a:latin typeface="Cambria Math" panose="02040503050406030204" pitchFamily="18" charset="0"/>
                           <a:cs typeface="Times New Roman" panose="02020603050405020304" pitchFamily="18" charset="0"/>
                         </a:rPr>
@@ -7168,7 +8155,7 @@
                     </m:oMath>
                   </m:oMathPara>
                 </a14:m>
-                <a:endParaRPr lang="vi-VN" b="1" i="1">
+                <a:endParaRPr lang="vi-VN" sz="1400" b="1" i="1">
                   <a:latin typeface="Times New Roman" panose="02020603050405020304" pitchFamily="18" charset="0"/>
                   <a:cs typeface="Times New Roman" panose="02020603050405020304" pitchFamily="18" charset="0"/>
                 </a:endParaRPr>
@@ -7193,16 +8180,16 @@
             </p:nvSpPr>
             <p:spPr>
               <a:xfrm>
-                <a:off x="9469288" y="5121095"/>
-                <a:ext cx="432607" cy="369332"/>
+                <a:off x="10664759" y="4267092"/>
+                <a:ext cx="258564" cy="307777"/>
               </a:xfrm>
               <a:prstGeom prst="rect">
                 <a:avLst/>
               </a:prstGeom>
               <a:blipFill>
-                <a:blip r:embed="rId19"/>
+                <a:blip r:embed="rId17"/>
                 <a:stretch>
-                  <a:fillRect/>
+                  <a:fillRect r="-4545"/>
                 </a:stretch>
               </a:blipFill>
               <a:ln w="28575">
@@ -7240,8 +8227,8 @@
             </p:nvSpPr>
             <p:spPr>
               <a:xfrm>
-                <a:off x="7469368" y="5167262"/>
-                <a:ext cx="1039383" cy="276999"/>
+                <a:off x="8824095" y="4276683"/>
+                <a:ext cx="1039383" cy="307777"/>
               </a:xfrm>
               <a:prstGeom prst="rect">
                 <a:avLst/>
@@ -7254,23 +8241,36 @@
               </a:bodyPr>
               <a:lstStyle/>
               <a:p>
+                <a:pPr algn="ctr"/>
                 <a:r>
-                  <a:rPr lang="en-VN" sz="1200"/>
-                  <a:t>Achieve </a:t>
+                  <a:rPr lang="en-VN" sz="1400" i="1"/>
+                  <a:t> </a:t>
                 </a:r>
                 <a14:m>
                   <m:oMath xmlns:m="http://schemas.openxmlformats.org/officeDocument/2006/math">
+                    <m:r>
+                      <a:rPr lang="en-VN" sz="1400" i="1">
+                        <a:latin typeface="Cambria Math" panose="02040503050406030204" pitchFamily="18" charset="0"/>
+                      </a:rPr>
+                      <m:t>𝐸</m:t>
+                    </m:r>
+                    <m:r>
+                      <a:rPr lang="vi-VN" sz="1400" b="0" i="1">
+                        <a:latin typeface="Cambria Math" panose="02040503050406030204" pitchFamily="18" charset="0"/>
+                      </a:rPr>
+                      <m:t>=</m:t>
+                    </m:r>
                     <m:sSub>
                       <m:sSubPr>
                         <m:ctrlPr>
-                          <a:rPr lang="en-VN" sz="1200" i="1">
+                          <a:rPr lang="en-VN" sz="1400" i="1">
                             <a:latin typeface="Cambria Math" panose="02040503050406030204" pitchFamily="18" charset="0"/>
                           </a:rPr>
                         </m:ctrlPr>
                       </m:sSubPr>
                       <m:e>
                         <m:r>
-                          <a:rPr lang="en-VN" sz="1200" i="1">
+                          <a:rPr lang="en-VN" sz="1400" i="1">
                             <a:latin typeface="Cambria Math" panose="02040503050406030204" pitchFamily="18" charset="0"/>
                           </a:rPr>
                           <m:t>𝐸</m:t>
@@ -7278,7 +8278,7 @@
                       </m:e>
                       <m:sub>
                         <m:r>
-                          <a:rPr lang="en-VN" sz="1200" i="1">
+                          <a:rPr lang="en-VN" sz="1400" i="1">
                             <a:latin typeface="Cambria Math" panose="02040503050406030204" pitchFamily="18" charset="0"/>
                           </a:rPr>
                           <m:t>0</m:t>
@@ -7288,7 +8288,7 @@
                   </m:oMath>
                 </a14:m>
                 <a:r>
-                  <a:rPr lang="en-VN" sz="1200"/>
+                  <a:rPr lang="en-VN" sz="1400" i="1"/>
                   <a:t>?</a:t>
                 </a:r>
               </a:p>
@@ -7312,16 +8312,16 @@
             </p:nvSpPr>
             <p:spPr>
               <a:xfrm>
-                <a:off x="7469368" y="5167262"/>
-                <a:ext cx="1039383" cy="276999"/>
+                <a:off x="8824095" y="4276683"/>
+                <a:ext cx="1039383" cy="307777"/>
               </a:xfrm>
               <a:prstGeom prst="rect">
                 <a:avLst/>
               </a:prstGeom>
               <a:blipFill>
-                <a:blip r:embed="rId20"/>
+                <a:blip r:embed="rId18"/>
                 <a:stretch>
-                  <a:fillRect t="-4545" b="-13636"/>
+                  <a:fillRect b="-24000"/>
                 </a:stretch>
               </a:blipFill>
             </p:spPr>
@@ -7356,8 +8356,8 @@
             </p:nvSpPr>
             <p:spPr>
               <a:xfrm>
-                <a:off x="7329636" y="3197835"/>
-                <a:ext cx="1306512" cy="186333"/>
+                <a:off x="8641545" y="2638401"/>
+                <a:ext cx="1301895" cy="186333"/>
               </a:xfrm>
               <a:prstGeom prst="rect">
                 <a:avLst/>
@@ -7511,16 +8511,16 @@
             </p:nvSpPr>
             <p:spPr>
               <a:xfrm>
-                <a:off x="7329636" y="3197835"/>
-                <a:ext cx="1306512" cy="186333"/>
+                <a:off x="8641545" y="2638401"/>
+                <a:ext cx="1301895" cy="186333"/>
               </a:xfrm>
               <a:prstGeom prst="rect">
                 <a:avLst/>
               </a:prstGeom>
               <a:blipFill>
-                <a:blip r:embed="rId21"/>
+                <a:blip r:embed="rId19"/>
                 <a:stretch>
-                  <a:fillRect b="-20000"/>
+                  <a:fillRect b="-18750"/>
                 </a:stretch>
               </a:blipFill>
             </p:spPr>
@@ -7553,7 +8553,7 @@
         </p:nvSpPr>
         <p:spPr>
           <a:xfrm>
-            <a:off x="7319704" y="5059650"/>
+            <a:off x="8656689" y="4169071"/>
             <a:ext cx="1338713" cy="492225"/>
           </a:xfrm>
           <a:prstGeom prst="flowChartDecision">
@@ -7602,8 +8602,8 @@
             </p:nvSpPr>
             <p:spPr>
               <a:xfrm>
-                <a:off x="7320971" y="3592286"/>
-                <a:ext cx="1349823" cy="490788"/>
+                <a:off x="8632880" y="3032852"/>
+                <a:ext cx="1349823" cy="311125"/>
               </a:xfrm>
               <a:prstGeom prst="rect">
                 <a:avLst/>
@@ -7637,7 +8637,7 @@
               <a:p>
                 <a:pPr algn="ctr"/>
                 <a:r>
-                  <a:rPr lang="en-VN" sz="1600">
+                  <a:rPr lang="en-VN" sz="1400">
                     <a:solidFill>
                       <a:schemeClr val="tx1"/>
                     </a:solidFill>
@@ -7647,50 +8647,17 @@
                 <a14:m>
                   <m:oMath xmlns:m="http://schemas.openxmlformats.org/officeDocument/2006/math">
                     <m:r>
-                      <a:rPr lang="vi-VN" sz="1600" b="0" i="1">
+                      <a:rPr lang="en-VN" sz="1400" i="1">
                         <a:solidFill>
                           <a:schemeClr val="tx1"/>
                         </a:solidFill>
                         <a:latin typeface="Cambria Math" panose="02040503050406030204" pitchFamily="18" charset="0"/>
                       </a:rPr>
-                      <m:t>⟨</m:t>
-                    </m:r>
-                    <m:acc>
-                      <m:accPr>
-                        <m:chr m:val="̂"/>
-                        <m:ctrlPr>
-                          <a:rPr lang="vi-VN" sz="1600" b="0" i="1">
-                            <a:solidFill>
-                              <a:schemeClr val="tx1"/>
-                            </a:solidFill>
-                            <a:latin typeface="Cambria Math" panose="02040503050406030204" pitchFamily="18" charset="0"/>
-                          </a:rPr>
-                        </m:ctrlPr>
-                      </m:accPr>
-                      <m:e>
-                        <m:r>
-                          <a:rPr lang="vi-VN" sz="1600" i="1">
-                            <a:solidFill>
-                              <a:schemeClr val="tx1"/>
-                            </a:solidFill>
-                            <a:latin typeface="Cambria Math" panose="02040503050406030204" pitchFamily="18" charset="0"/>
-                          </a:rPr>
-                          <m:t>𝐻</m:t>
-                        </m:r>
-                      </m:e>
-                    </m:acc>
-                    <m:r>
-                      <a:rPr lang="vi-VN" sz="1600" b="0" i="1">
-                        <a:solidFill>
-                          <a:schemeClr val="tx1"/>
-                        </a:solidFill>
-                        <a:latin typeface="Cambria Math" panose="02040503050406030204" pitchFamily="18" charset="0"/>
-                      </a:rPr>
-                      <m:t>⟩</m:t>
+                      <m:t>𝐸</m:t>
                     </m:r>
                   </m:oMath>
                 </a14:m>
-                <a:endParaRPr lang="en-VN" sz="1600" i="1">
+                <a:endParaRPr lang="en-VN" sz="1400" i="1">
                   <a:solidFill>
                     <a:schemeClr val="tx1"/>
                   </a:solidFill>
@@ -7716,16 +8683,16 @@
             </p:nvSpPr>
             <p:spPr>
               <a:xfrm>
-                <a:off x="7320971" y="3592286"/>
-                <a:ext cx="1349823" cy="490788"/>
+                <a:off x="8632880" y="3032852"/>
+                <a:ext cx="1349823" cy="311125"/>
               </a:xfrm>
               <a:prstGeom prst="rect">
                 <a:avLst/>
               </a:prstGeom>
               <a:blipFill>
-                <a:blip r:embed="rId22"/>
+                <a:blip r:embed="rId20"/>
                 <a:stretch>
-                  <a:fillRect/>
+                  <a:fillRect b="-19231"/>
                 </a:stretch>
               </a:blipFill>
               <a:ln>
@@ -7766,9 +8733,9 @@
           <p:nvPr/>
         </p:nvCxnSpPr>
         <p:spPr>
-          <a:xfrm flipV="1">
-            <a:off x="8658417" y="5305761"/>
-            <a:ext cx="810871" cy="2"/>
+          <a:xfrm>
+            <a:off x="9995402" y="4415184"/>
+            <a:ext cx="669357" cy="5797"/>
           </a:xfrm>
           <a:prstGeom prst="straightConnector1">
             <a:avLst/>
@@ -7807,7 +8774,7 @@
         </p:nvSpPr>
         <p:spPr>
           <a:xfrm>
-            <a:off x="8740806" y="4997984"/>
+            <a:off x="10023362" y="4107405"/>
             <a:ext cx="687949" cy="307777"/>
           </a:xfrm>
           <a:prstGeom prst="rect">
@@ -7826,15 +8793,11 @@
           <a:p>
             <a:r>
               <a:rPr lang="vi-VN" sz="1400">
-                <a:latin typeface="Times New Roman" panose="02020603050405020304" pitchFamily="18" charset="0"/>
-                <a:cs typeface="Times New Roman" panose="02020603050405020304" pitchFamily="18" charset="0"/>
+                <a:latin typeface="Calibri" panose="020F0502020204030204" pitchFamily="34" charset="0"/>
+                <a:cs typeface="Calibri" panose="020F0502020204030204" pitchFamily="34" charset="0"/>
               </a:rPr>
               <a:t>True</a:t>
             </a:r>
-            <a:endParaRPr lang="vi-VN" sz="1400" i="1">
-              <a:latin typeface="Times New Roman" panose="02020603050405020304" pitchFamily="18" charset="0"/>
-              <a:cs typeface="Times New Roman" panose="02020603050405020304" pitchFamily="18" charset="0"/>
-            </a:endParaRPr>
           </a:p>
         </p:txBody>
       </p:sp>
@@ -7852,7 +8815,7 @@
         </p:nvSpPr>
         <p:spPr>
           <a:xfrm>
-            <a:off x="8057131" y="5619082"/>
+            <a:off x="9327266" y="4656096"/>
             <a:ext cx="687949" cy="307777"/>
           </a:xfrm>
           <a:prstGeom prst="rect">
@@ -7871,15 +8834,11 @@
           <a:p>
             <a:r>
               <a:rPr lang="vi-VN" sz="1400">
-                <a:latin typeface="Times New Roman" panose="02020603050405020304" pitchFamily="18" charset="0"/>
-                <a:cs typeface="Times New Roman" panose="02020603050405020304" pitchFamily="18" charset="0"/>
+                <a:latin typeface="Calibri" panose="020F0502020204030204" pitchFamily="34" charset="0"/>
+                <a:cs typeface="Calibri" panose="020F0502020204030204" pitchFamily="34" charset="0"/>
               </a:rPr>
               <a:t>False</a:t>
             </a:r>
-            <a:endParaRPr lang="vi-VN" sz="1400" i="1">
-              <a:latin typeface="Times New Roman" panose="02020603050405020304" pitchFamily="18" charset="0"/>
-              <a:cs typeface="Times New Roman" panose="02020603050405020304" pitchFamily="18" charset="0"/>
-            </a:endParaRPr>
           </a:p>
         </p:txBody>
       </p:sp>
@@ -7899,8 +8858,8 @@
             </p:nvSpPr>
             <p:spPr>
               <a:xfrm>
-                <a:off x="667537" y="789018"/>
-                <a:ext cx="496591" cy="369332"/>
+                <a:off x="786767" y="2153333"/>
+                <a:ext cx="334497" cy="307777"/>
               </a:xfrm>
               <a:prstGeom prst="rect">
                 <a:avLst/>
@@ -7924,19 +8883,19 @@
                     </m:oMathParaPr>
                     <m:oMath xmlns:m="http://schemas.openxmlformats.org/officeDocument/2006/math">
                       <m:r>
-                        <a:rPr lang="en-US" b="0" i="1" smtClean="0">
+                        <a:rPr lang="en-US" sz="1400" b="0" i="1" smtClean="0">
                           <a:latin typeface="Cambria Math" panose="02040503050406030204" pitchFamily="18" charset="0"/>
                         </a:rPr>
                         <m:t>|</m:t>
                       </m:r>
                       <m:r>
-                        <a:rPr lang="en-US" i="1">
+                        <a:rPr lang="en-US" sz="1400" i="1">
                           <a:latin typeface="Cambria Math" panose="02040503050406030204" pitchFamily="18" charset="0"/>
                         </a:rPr>
                         <m:t>𝑘</m:t>
                       </m:r>
                       <m:r>
-                        <a:rPr lang="en-US" b="0" i="1" smtClean="0">
+                        <a:rPr lang="en-US" sz="1400" b="0" i="1" smtClean="0">
                           <a:latin typeface="Cambria Math" panose="02040503050406030204" pitchFamily="18" charset="0"/>
                         </a:rPr>
                         <m:t>⟩</m:t>
@@ -7944,7 +8903,7 @@
                     </m:oMath>
                   </m:oMathPara>
                 </a14:m>
-                <a:endParaRPr lang="vi-VN">
+                <a:endParaRPr lang="vi-VN" sz="1400">
                   <a:latin typeface="Times New Roman" panose="02020603050405020304" pitchFamily="18" charset="0"/>
                   <a:cs typeface="Times New Roman" panose="02020603050405020304" pitchFamily="18" charset="0"/>
                 </a:endParaRPr>
@@ -7969,16 +8928,16 @@
             </p:nvSpPr>
             <p:spPr>
               <a:xfrm>
-                <a:off x="667537" y="789018"/>
-                <a:ext cx="496591" cy="369332"/>
+                <a:off x="786767" y="2153333"/>
+                <a:ext cx="334497" cy="307777"/>
               </a:xfrm>
               <a:prstGeom prst="rect">
                 <a:avLst/>
               </a:prstGeom>
               <a:blipFill>
-                <a:blip r:embed="rId23"/>
+                <a:blip r:embed="rId21"/>
                 <a:stretch>
-                  <a:fillRect l="-2500" r="-2500" b="-12903"/>
+                  <a:fillRect r="-17857" b="-12000"/>
                 </a:stretch>
               </a:blipFill>
               <a:ln w="28575">
@@ -8018,13 +8977,13 @@
         </p:nvCxnSpPr>
         <p:spPr>
           <a:xfrm flipV="1">
-            <a:off x="1164128" y="968430"/>
-            <a:ext cx="3372700" cy="5254"/>
+            <a:off x="1121264" y="2295522"/>
+            <a:ext cx="2430935" cy="11700"/>
           </a:xfrm>
           <a:prstGeom prst="line">
             <a:avLst/>
           </a:prstGeom>
-          <a:ln w="38100"/>
+          <a:ln w="19050"/>
         </p:spPr>
         <p:style>
           <a:lnRef idx="1">
@@ -8052,19 +9011,20 @@
           </p:cNvPr>
           <p:cNvCxnSpPr>
             <a:cxnSpLocks/>
+            <a:stCxn id="49" idx="4"/>
             <a:endCxn id="34" idx="0"/>
           </p:cNvCxnSpPr>
           <p:nvPr/>
         </p:nvCxnSpPr>
         <p:spPr>
           <a:xfrm>
-            <a:off x="2019590" y="973684"/>
-            <a:ext cx="11551" cy="1533215"/>
+            <a:off x="1831524" y="2372945"/>
+            <a:ext cx="366" cy="892607"/>
           </a:xfrm>
           <a:prstGeom prst="line">
             <a:avLst/>
           </a:prstGeom>
-          <a:ln w="38100"/>
+          <a:ln w="19050"/>
         </p:spPr>
         <p:style>
           <a:lnRef idx="1">
@@ -8095,8 +9055,8 @@
         </p:nvSpPr>
         <p:spPr>
           <a:xfrm>
-            <a:off x="1948970" y="889360"/>
-            <a:ext cx="177359" cy="177359"/>
+            <a:off x="1759524" y="2228945"/>
+            <a:ext cx="144000" cy="144000"/>
           </a:xfrm>
           <a:prstGeom prst="ellipse">
             <a:avLst/>
@@ -8138,19 +9098,20 @@
           </p:cNvPr>
           <p:cNvCxnSpPr>
             <a:cxnSpLocks/>
+            <a:stCxn id="63" idx="4"/>
             <a:endCxn id="32" idx="0"/>
           </p:cNvCxnSpPr>
           <p:nvPr/>
         </p:nvCxnSpPr>
         <p:spPr>
-          <a:xfrm>
-            <a:off x="2646919" y="973684"/>
-            <a:ext cx="0" cy="550774"/>
+          <a:xfrm flipH="1">
+            <a:off x="2229655" y="2363336"/>
+            <a:ext cx="255" cy="138623"/>
           </a:xfrm>
           <a:prstGeom prst="line">
             <a:avLst/>
           </a:prstGeom>
-          <a:ln w="38100"/>
+          <a:ln w="19050"/>
         </p:spPr>
         <p:style>
           <a:lnRef idx="1">
@@ -8181,8 +9142,8 @@
         </p:nvSpPr>
         <p:spPr>
           <a:xfrm>
-            <a:off x="2570114" y="879751"/>
-            <a:ext cx="177359" cy="177359"/>
+            <a:off x="2157910" y="2219336"/>
+            <a:ext cx="144000" cy="144000"/>
           </a:xfrm>
           <a:prstGeom prst="ellipse">
             <a:avLst/>
@@ -8224,18 +9185,20 @@
           </p:cNvPr>
           <p:cNvCxnSpPr>
             <a:cxnSpLocks/>
+            <a:stCxn id="69" idx="4"/>
+            <a:endCxn id="53" idx="0"/>
           </p:cNvCxnSpPr>
           <p:nvPr/>
         </p:nvCxnSpPr>
         <p:spPr>
           <a:xfrm>
-            <a:off x="4613633" y="973683"/>
-            <a:ext cx="0" cy="550774"/>
+            <a:off x="3624199" y="2367522"/>
+            <a:ext cx="392" cy="122931"/>
           </a:xfrm>
           <a:prstGeom prst="line">
             <a:avLst/>
           </a:prstGeom>
-          <a:ln w="38100"/>
+          <a:ln w="19050"/>
         </p:spPr>
         <p:style>
           <a:lnRef idx="1">
@@ -8266,8 +9229,8 @@
         </p:nvSpPr>
         <p:spPr>
           <a:xfrm>
-            <a:off x="4536828" y="879750"/>
-            <a:ext cx="177359" cy="177359"/>
+            <a:off x="3552199" y="2223522"/>
+            <a:ext cx="144000" cy="144000"/>
           </a:xfrm>
           <a:prstGeom prst="ellipse">
             <a:avLst/>
@@ -8312,8 +9275,8 @@
         </p:nvSpPr>
         <p:spPr>
           <a:xfrm>
-            <a:off x="3427943" y="884641"/>
-            <a:ext cx="177359" cy="177359"/>
+            <a:off x="2837629" y="2224226"/>
+            <a:ext cx="144000" cy="144000"/>
           </a:xfrm>
           <a:prstGeom prst="ellipse">
             <a:avLst/>
@@ -8330,6 +9293,2955 @@
           </a:fillRef>
           <a:effectRef idx="0">
             <a:schemeClr val="dk1"/>
+          </a:effectRef>
+          <a:fontRef idx="minor">
+            <a:schemeClr val="lt1"/>
+          </a:fontRef>
+        </p:style>
+        <p:txBody>
+          <a:bodyPr rtlCol="0" anchor="ctr"/>
+          <a:lstStyle/>
+          <a:p>
+            <a:pPr algn="ctr"/>
+            <a:endParaRPr lang="en-VN"/>
+          </a:p>
+        </p:txBody>
+      </p:sp>
+      <p:cxnSp>
+        <p:nvCxnSpPr>
+          <p:cNvPr id="2" name="Elbow Connector 1">
+            <a:extLst>
+              <a:ext uri="{FF2B5EF4-FFF2-40B4-BE49-F238E27FC236}">
+                <a16:creationId xmlns:a16="http://schemas.microsoft.com/office/drawing/2014/main" id="{9A91550D-9841-1B92-6DAC-125FDB96B3FF}"/>
+              </a:ext>
+            </a:extLst>
+          </p:cNvPr>
+          <p:cNvCxnSpPr>
+            <a:cxnSpLocks/>
+            <a:stCxn id="50" idx="3"/>
+            <a:endCxn id="8" idx="1"/>
+          </p:cNvCxnSpPr>
+          <p:nvPr/>
+        </p:nvCxnSpPr>
+        <p:spPr>
+          <a:xfrm flipV="1">
+            <a:off x="4870765" y="3188415"/>
+            <a:ext cx="3762115" cy="1137187"/>
+          </a:xfrm>
+          <a:prstGeom prst="bentConnector3">
+            <a:avLst>
+              <a:gd name="adj1" fmla="val 85243"/>
+            </a:avLst>
+          </a:prstGeom>
+          <a:ln w="19050">
+            <a:prstDash val="dash"/>
+            <a:tailEnd type="triangle"/>
+          </a:ln>
+        </p:spPr>
+        <p:style>
+          <a:lnRef idx="1">
+            <a:schemeClr val="dk1"/>
+          </a:lnRef>
+          <a:fillRef idx="0">
+            <a:schemeClr val="dk1"/>
+          </a:fillRef>
+          <a:effectRef idx="0">
+            <a:schemeClr val="dk1"/>
+          </a:effectRef>
+          <a:fontRef idx="minor">
+            <a:schemeClr val="tx1"/>
+          </a:fontRef>
+        </p:style>
+      </p:cxnSp>
+      <mc:AlternateContent xmlns:mc="http://schemas.openxmlformats.org/markup-compatibility/2006">
+        <mc:Choice xmlns:a14="http://schemas.microsoft.com/office/drawing/2010/main" Requires="a14">
+          <p:sp>
+            <p:nvSpPr>
+              <p:cNvPr id="11" name="Hộp Văn bản 7">
+                <a:extLst>
+                  <a:ext uri="{FF2B5EF4-FFF2-40B4-BE49-F238E27FC236}">
+                    <a16:creationId xmlns:a16="http://schemas.microsoft.com/office/drawing/2014/main" id="{1EB4AE0E-72C7-C852-4EBD-19EA0CB10032}"/>
+                  </a:ext>
+                </a:extLst>
+              </p:cNvPr>
+              <p:cNvSpPr txBox="1"/>
+              <p:nvPr/>
+            </p:nvSpPr>
+            <p:spPr>
+              <a:xfrm>
+                <a:off x="8276760" y="3498807"/>
+                <a:ext cx="2089349" cy="350865"/>
+              </a:xfrm>
+              <a:prstGeom prst="rect">
+                <a:avLst/>
+              </a:prstGeom>
+              <a:noFill/>
+              <a:ln w="28575">
+                <a:noFill/>
+              </a:ln>
+            </p:spPr>
+            <p:txBody>
+              <a:bodyPr wrap="square" rtlCol="0">
+                <a:spAutoFit/>
+              </a:bodyPr>
+              <a:lstStyle/>
+              <a:p>
+                <a:pPr/>
+                <a14:m>
+                  <m:oMathPara xmlns:m="http://schemas.openxmlformats.org/officeDocument/2006/math">
+                    <m:oMathParaPr>
+                      <m:jc m:val="centerGroup"/>
+                    </m:oMathParaPr>
+                    <m:oMath xmlns:m="http://schemas.openxmlformats.org/officeDocument/2006/math">
+                      <m:r>
+                        <a:rPr lang="vi-VN" sz="1400" i="1">
+                          <a:latin typeface="Cambria Math" panose="02040503050406030204" pitchFamily="18" charset="0"/>
+                          <a:cs typeface="Times New Roman" panose="02020603050405020304" pitchFamily="18" charset="0"/>
+                        </a:rPr>
+                        <m:t>𝐸</m:t>
+                      </m:r>
+                      <m:r>
+                        <a:rPr lang="vi-VN" sz="1400" b="0" i="1">
+                          <a:latin typeface="Cambria Math" panose="02040503050406030204" pitchFamily="18" charset="0"/>
+                          <a:cs typeface="Times New Roman" panose="02020603050405020304" pitchFamily="18" charset="0"/>
+                        </a:rPr>
+                        <m:t>=⟨</m:t>
+                      </m:r>
+                      <m:sSubSup>
+                        <m:sSubSupPr>
+                          <m:ctrlPr>
+                            <a:rPr lang="vi-VN" sz="1400" b="1" i="1">
+                              <a:latin typeface="Cambria Math" panose="02040503050406030204" pitchFamily="18" charset="0"/>
+                              <a:cs typeface="Times New Roman" panose="02020603050405020304" pitchFamily="18" charset="0"/>
+                            </a:rPr>
+                          </m:ctrlPr>
+                        </m:sSubSupPr>
+                        <m:e>
+                          <m:r>
+                            <a:rPr lang="vi-VN" sz="1400" b="1" i="1">
+                              <a:latin typeface="Cambria Math" panose="02040503050406030204" pitchFamily="18" charset="0"/>
+                              <a:cs typeface="Times New Roman" panose="02020603050405020304" pitchFamily="18" charset="0"/>
+                            </a:rPr>
+                            <m:t>𝟎</m:t>
+                          </m:r>
+                          <m:r>
+                            <a:rPr lang="vi-VN" sz="1400" b="1" i="1">
+                              <a:latin typeface="Cambria Math" panose="02040503050406030204" pitchFamily="18" charset="0"/>
+                              <a:cs typeface="Times New Roman" panose="02020603050405020304" pitchFamily="18" charset="0"/>
+                            </a:rPr>
+                            <m:t>|</m:t>
+                          </m:r>
+                          <m:r>
+                            <a:rPr lang="vi-VN" sz="1400" b="1" i="1">
+                              <a:latin typeface="Cambria Math" panose="02040503050406030204" pitchFamily="18" charset="0"/>
+                              <a:cs typeface="Times New Roman" panose="02020603050405020304" pitchFamily="18" charset="0"/>
+                            </a:rPr>
+                            <m:t>𝑼</m:t>
+                          </m:r>
+                        </m:e>
+                        <m:sub>
+                          <m:acc>
+                            <m:accPr>
+                              <m:chr m:val="̂"/>
+                              <m:ctrlPr>
+                                <a:rPr lang="vi-VN" sz="1400" b="1" i="1">
+                                  <a:latin typeface="Cambria Math" panose="02040503050406030204" pitchFamily="18" charset="0"/>
+                                  <a:cs typeface="Times New Roman" panose="02020603050405020304" pitchFamily="18" charset="0"/>
+                                </a:rPr>
+                              </m:ctrlPr>
+                            </m:accPr>
+                            <m:e>
+                              <m:r>
+                                <a:rPr lang="vi-VN" sz="1400" b="1" i="1">
+                                  <a:latin typeface="Cambria Math" panose="02040503050406030204" pitchFamily="18" charset="0"/>
+                                  <a:cs typeface="Times New Roman" panose="02020603050405020304" pitchFamily="18" charset="0"/>
+                                </a:rPr>
+                                <m:t>𝒙</m:t>
+                              </m:r>
+                            </m:e>
+                          </m:acc>
+                        </m:sub>
+                        <m:sup>
+                          <m:r>
+                            <a:rPr lang="vi-VN" sz="1400" b="1" i="0">
+                              <a:latin typeface="Cambria Math" panose="02040503050406030204" pitchFamily="18" charset="0"/>
+                              <a:ea typeface="Cambria Math" panose="02040503050406030204" pitchFamily="18" charset="0"/>
+                              <a:cs typeface="Times New Roman" panose="02020603050405020304" pitchFamily="18" charset="0"/>
+                            </a:rPr>
+                            <m:t>†</m:t>
+                          </m:r>
+                        </m:sup>
+                      </m:sSubSup>
+                      <m:d>
+                        <m:dPr>
+                          <m:ctrlPr>
+                            <a:rPr lang="vi-VN" sz="1400" b="1" i="1">
+                              <a:latin typeface="Cambria Math" panose="02040503050406030204" pitchFamily="18" charset="0"/>
+                              <a:cs typeface="Times New Roman" panose="02020603050405020304" pitchFamily="18" charset="0"/>
+                            </a:rPr>
+                          </m:ctrlPr>
+                        </m:dPr>
+                        <m:e>
+                          <m:r>
+                            <a:rPr lang="vi-VN" sz="1400" b="1" i="1">
+                              <a:latin typeface="Cambria Math" panose="02040503050406030204" pitchFamily="18" charset="0"/>
+                              <a:cs typeface="Times New Roman" panose="02020603050405020304" pitchFamily="18" charset="0"/>
+                            </a:rPr>
+                            <m:t>𝜽</m:t>
+                          </m:r>
+                        </m:e>
+                      </m:d>
+                      <m:acc>
+                        <m:accPr>
+                          <m:chr m:val="̂"/>
+                          <m:ctrlPr>
+                            <a:rPr lang="vi-VN" sz="1400" b="1" i="1">
+                              <a:latin typeface="Cambria Math" panose="02040503050406030204" pitchFamily="18" charset="0"/>
+                              <a:cs typeface="Times New Roman" panose="02020603050405020304" pitchFamily="18" charset="0"/>
+                            </a:rPr>
+                          </m:ctrlPr>
+                        </m:accPr>
+                        <m:e>
+                          <m:r>
+                            <a:rPr lang="vi-VN" sz="1400" b="1" i="1">
+                              <a:latin typeface="Cambria Math" panose="02040503050406030204" pitchFamily="18" charset="0"/>
+                              <a:cs typeface="Times New Roman" panose="02020603050405020304" pitchFamily="18" charset="0"/>
+                            </a:rPr>
+                            <m:t>𝑯</m:t>
+                          </m:r>
+                        </m:e>
+                      </m:acc>
+                      <m:sSub>
+                        <m:sSubPr>
+                          <m:ctrlPr>
+                            <a:rPr lang="vi-VN" sz="1400" b="1" i="1">
+                              <a:latin typeface="Cambria Math" panose="02040503050406030204" pitchFamily="18" charset="0"/>
+                              <a:cs typeface="Times New Roman" panose="02020603050405020304" pitchFamily="18" charset="0"/>
+                            </a:rPr>
+                          </m:ctrlPr>
+                        </m:sSubPr>
+                        <m:e>
+                          <m:r>
+                            <a:rPr lang="vi-VN" sz="1400" b="1" i="1">
+                              <a:latin typeface="Cambria Math" panose="02040503050406030204" pitchFamily="18" charset="0"/>
+                              <a:cs typeface="Times New Roman" panose="02020603050405020304" pitchFamily="18" charset="0"/>
+                            </a:rPr>
+                            <m:t>𝑼</m:t>
+                          </m:r>
+                        </m:e>
+                        <m:sub>
+                          <m:acc>
+                            <m:accPr>
+                              <m:chr m:val="̂"/>
+                              <m:ctrlPr>
+                                <a:rPr lang="vi-VN" sz="1400" b="1" i="1">
+                                  <a:latin typeface="Cambria Math" panose="02040503050406030204" pitchFamily="18" charset="0"/>
+                                  <a:cs typeface="Times New Roman" panose="02020603050405020304" pitchFamily="18" charset="0"/>
+                                </a:rPr>
+                              </m:ctrlPr>
+                            </m:accPr>
+                            <m:e>
+                              <m:r>
+                                <a:rPr lang="vi-VN" sz="1400" b="1" i="1">
+                                  <a:latin typeface="Cambria Math" panose="02040503050406030204" pitchFamily="18" charset="0"/>
+                                  <a:cs typeface="Times New Roman" panose="02020603050405020304" pitchFamily="18" charset="0"/>
+                                </a:rPr>
+                                <m:t>𝒙</m:t>
+                              </m:r>
+                            </m:e>
+                          </m:acc>
+                        </m:sub>
+                      </m:sSub>
+                      <m:d>
+                        <m:dPr>
+                          <m:ctrlPr>
+                            <a:rPr lang="vi-VN" sz="1400" b="1" i="1">
+                              <a:latin typeface="Cambria Math" panose="02040503050406030204" pitchFamily="18" charset="0"/>
+                              <a:cs typeface="Times New Roman" panose="02020603050405020304" pitchFamily="18" charset="0"/>
+                            </a:rPr>
+                          </m:ctrlPr>
+                        </m:dPr>
+                        <m:e>
+                          <m:r>
+                            <a:rPr lang="vi-VN" sz="1400" b="1" i="1">
+                              <a:latin typeface="Cambria Math" panose="02040503050406030204" pitchFamily="18" charset="0"/>
+                              <a:cs typeface="Times New Roman" panose="02020603050405020304" pitchFamily="18" charset="0"/>
+                            </a:rPr>
+                            <m:t>𝜽</m:t>
+                          </m:r>
+                        </m:e>
+                      </m:d>
+                      <m:r>
+                        <a:rPr lang="vi-VN" sz="1400" b="1" i="1">
+                          <a:latin typeface="Cambria Math" panose="02040503050406030204" pitchFamily="18" charset="0"/>
+                          <a:cs typeface="Times New Roman" panose="02020603050405020304" pitchFamily="18" charset="0"/>
+                        </a:rPr>
+                        <m:t>|</m:t>
+                      </m:r>
+                      <m:r>
+                        <a:rPr lang="vi-VN" sz="1400" b="1" i="1">
+                          <a:latin typeface="Cambria Math" panose="02040503050406030204" pitchFamily="18" charset="0"/>
+                          <a:cs typeface="Times New Roman" panose="02020603050405020304" pitchFamily="18" charset="0"/>
+                        </a:rPr>
+                        <m:t>𝟎</m:t>
+                      </m:r>
+                      <m:r>
+                        <a:rPr lang="vi-VN" sz="1400" b="1" i="1">
+                          <a:latin typeface="Cambria Math" panose="02040503050406030204" pitchFamily="18" charset="0"/>
+                          <a:cs typeface="Times New Roman" panose="02020603050405020304" pitchFamily="18" charset="0"/>
+                        </a:rPr>
+                        <m:t>⟩</m:t>
+                      </m:r>
+                    </m:oMath>
+                  </m:oMathPara>
+                </a14:m>
+                <a:endParaRPr lang="vi-VN" sz="1400" i="1">
+                  <a:latin typeface="Times New Roman" panose="02020603050405020304" pitchFamily="18" charset="0"/>
+                  <a:cs typeface="Times New Roman" panose="02020603050405020304" pitchFamily="18" charset="0"/>
+                </a:endParaRPr>
+              </a:p>
+            </p:txBody>
+          </p:sp>
+        </mc:Choice>
+        <mc:Fallback>
+          <p:sp>
+            <p:nvSpPr>
+              <p:cNvPr id="11" name="Hộp Văn bản 7">
+                <a:extLst>
+                  <a:ext uri="{FF2B5EF4-FFF2-40B4-BE49-F238E27FC236}">
+                    <a16:creationId xmlns:a16="http://schemas.microsoft.com/office/drawing/2014/main" id="{1EB4AE0E-72C7-C852-4EBD-19EA0CB10032}"/>
+                  </a:ext>
+                </a:extLst>
+              </p:cNvPr>
+              <p:cNvSpPr txBox="1">
+                <a:spLocks noRot="1" noChangeAspect="1" noMove="1" noResize="1" noEditPoints="1" noAdjustHandles="1" noChangeArrowheads="1" noChangeShapeType="1" noTextEdit="1"/>
+              </p:cNvSpPr>
+              <p:nvPr/>
+            </p:nvSpPr>
+            <p:spPr>
+              <a:xfrm>
+                <a:off x="8276760" y="3498807"/>
+                <a:ext cx="2089349" cy="350865"/>
+              </a:xfrm>
+              <a:prstGeom prst="rect">
+                <a:avLst/>
+              </a:prstGeom>
+              <a:blipFill>
+                <a:blip r:embed="rId22"/>
+                <a:stretch>
+                  <a:fillRect b="-3448"/>
+                </a:stretch>
+              </a:blipFill>
+              <a:ln w="28575">
+                <a:noFill/>
+              </a:ln>
+            </p:spPr>
+            <p:txBody>
+              <a:bodyPr/>
+              <a:lstStyle/>
+              <a:p>
+                <a:r>
+                  <a:rPr lang="en-VN">
+                    <a:noFill/>
+                  </a:rPr>
+                  <a:t> </a:t>
+                </a:r>
+              </a:p>
+            </p:txBody>
+          </p:sp>
+        </mc:Fallback>
+      </mc:AlternateContent>
+      <p:cxnSp>
+        <p:nvCxnSpPr>
+          <p:cNvPr id="95" name="Elbow Connector 94">
+            <a:extLst>
+              <a:ext uri="{FF2B5EF4-FFF2-40B4-BE49-F238E27FC236}">
+                <a16:creationId xmlns:a16="http://schemas.microsoft.com/office/drawing/2014/main" id="{819552CE-319D-04D3-4F4C-67130490FE96}"/>
+              </a:ext>
+            </a:extLst>
+          </p:cNvPr>
+          <p:cNvCxnSpPr>
+            <a:cxnSpLocks/>
+            <a:stCxn id="8" idx="3"/>
+            <a:endCxn id="11" idx="3"/>
+          </p:cNvCxnSpPr>
+          <p:nvPr/>
+        </p:nvCxnSpPr>
+        <p:spPr>
+          <a:xfrm>
+            <a:off x="9982703" y="3188415"/>
+            <a:ext cx="383406" cy="485825"/>
+          </a:xfrm>
+          <a:prstGeom prst="bentConnector3">
+            <a:avLst>
+              <a:gd name="adj1" fmla="val 159623"/>
+            </a:avLst>
+          </a:prstGeom>
+          <a:ln w="19050">
+            <a:prstDash val="dash"/>
+            <a:tailEnd type="triangle"/>
+          </a:ln>
+        </p:spPr>
+        <p:style>
+          <a:lnRef idx="1">
+            <a:schemeClr val="dk1"/>
+          </a:lnRef>
+          <a:fillRef idx="0">
+            <a:schemeClr val="dk1"/>
+          </a:fillRef>
+          <a:effectRef idx="0">
+            <a:schemeClr val="dk1"/>
+          </a:effectRef>
+          <a:fontRef idx="minor">
+            <a:schemeClr val="tx1"/>
+          </a:fontRef>
+        </p:style>
+      </p:cxnSp>
+      <p:sp>
+        <p:nvSpPr>
+          <p:cNvPr id="102" name="Rectangle 101">
+            <a:extLst>
+              <a:ext uri="{FF2B5EF4-FFF2-40B4-BE49-F238E27FC236}">
+                <a16:creationId xmlns:a16="http://schemas.microsoft.com/office/drawing/2014/main" id="{E543688D-90C7-F9D3-AA0D-4F77D9464371}"/>
+              </a:ext>
+            </a:extLst>
+          </p:cNvPr>
+          <p:cNvSpPr/>
+          <p:nvPr/>
+        </p:nvSpPr>
+        <p:spPr>
+          <a:xfrm>
+            <a:off x="2567036" y="1871921"/>
+            <a:ext cx="720106" cy="2806951"/>
+          </a:xfrm>
+          <a:prstGeom prst="rect">
+            <a:avLst/>
+          </a:prstGeom>
+          <a:noFill/>
+          <a:ln>
+            <a:solidFill>
+              <a:schemeClr val="tx1"/>
+            </a:solidFill>
+          </a:ln>
+        </p:spPr>
+        <p:style>
+          <a:lnRef idx="2">
+            <a:schemeClr val="accent1">
+              <a:shade val="15000"/>
+            </a:schemeClr>
+          </a:lnRef>
+          <a:fillRef idx="1">
+            <a:schemeClr val="accent1"/>
+          </a:fillRef>
+          <a:effectRef idx="0">
+            <a:schemeClr val="accent1"/>
+          </a:effectRef>
+          <a:fontRef idx="minor">
+            <a:schemeClr val="lt1"/>
+          </a:fontRef>
+        </p:style>
+        <p:txBody>
+          <a:bodyPr rtlCol="0" anchor="ctr"/>
+          <a:lstStyle/>
+          <a:p>
+            <a:pPr algn="ctr"/>
+            <a:endParaRPr lang="en-VN"/>
+          </a:p>
+        </p:txBody>
+      </p:sp>
+      <p:sp>
+        <p:nvSpPr>
+          <p:cNvPr id="147" name="Rectangle 146">
+            <a:extLst>
+              <a:ext uri="{FF2B5EF4-FFF2-40B4-BE49-F238E27FC236}">
+                <a16:creationId xmlns:a16="http://schemas.microsoft.com/office/drawing/2014/main" id="{85C76936-412F-7E8E-A402-78EC2C16268A}"/>
+              </a:ext>
+            </a:extLst>
+          </p:cNvPr>
+          <p:cNvSpPr/>
+          <p:nvPr/>
+        </p:nvSpPr>
+        <p:spPr>
+          <a:xfrm>
+            <a:off x="5311726" y="1909576"/>
+            <a:ext cx="2414361" cy="1989144"/>
+          </a:xfrm>
+          <a:prstGeom prst="rect">
+            <a:avLst/>
+          </a:prstGeom>
+          <a:solidFill>
+            <a:schemeClr val="bg1"/>
+          </a:solidFill>
+          <a:ln>
+            <a:solidFill>
+              <a:schemeClr val="tx1"/>
+            </a:solidFill>
+          </a:ln>
+        </p:spPr>
+        <p:style>
+          <a:lnRef idx="2">
+            <a:schemeClr val="accent1">
+              <a:shade val="15000"/>
+            </a:schemeClr>
+          </a:lnRef>
+          <a:fillRef idx="1">
+            <a:schemeClr val="accent1"/>
+          </a:fillRef>
+          <a:effectRef idx="0">
+            <a:schemeClr val="accent1"/>
+          </a:effectRef>
+          <a:fontRef idx="minor">
+            <a:schemeClr val="lt1"/>
+          </a:fontRef>
+        </p:style>
+        <p:txBody>
+          <a:bodyPr rtlCol="0" anchor="ctr"/>
+          <a:lstStyle/>
+          <a:p>
+            <a:pPr algn="ctr"/>
+            <a:endParaRPr lang="en-VN"/>
+          </a:p>
+        </p:txBody>
+      </p:sp>
+      <p:cxnSp>
+        <p:nvCxnSpPr>
+          <p:cNvPr id="108" name="Đường nối Thẳng 9">
+            <a:extLst>
+              <a:ext uri="{FF2B5EF4-FFF2-40B4-BE49-F238E27FC236}">
+                <a16:creationId xmlns:a16="http://schemas.microsoft.com/office/drawing/2014/main" id="{7E2C5009-3E42-B12C-C3C2-45C386EB22D6}"/>
+              </a:ext>
+            </a:extLst>
+          </p:cNvPr>
+          <p:cNvCxnSpPr>
+            <a:cxnSpLocks/>
+            <a:stCxn id="234" idx="3"/>
+          </p:cNvCxnSpPr>
+          <p:nvPr/>
+        </p:nvCxnSpPr>
+        <p:spPr>
+          <a:xfrm>
+            <a:off x="5955686" y="2224915"/>
+            <a:ext cx="1648479" cy="0"/>
+          </a:xfrm>
+          <a:prstGeom prst="line">
+            <a:avLst/>
+          </a:prstGeom>
+          <a:ln w="19050">
+            <a:solidFill>
+              <a:schemeClr val="tx1"/>
+            </a:solidFill>
+          </a:ln>
+        </p:spPr>
+        <p:style>
+          <a:lnRef idx="1">
+            <a:schemeClr val="dk1"/>
+          </a:lnRef>
+          <a:fillRef idx="0">
+            <a:schemeClr val="dk1"/>
+          </a:fillRef>
+          <a:effectRef idx="0">
+            <a:schemeClr val="dk1"/>
+          </a:effectRef>
+          <a:fontRef idx="minor">
+            <a:schemeClr val="tx1"/>
+          </a:fontRef>
+        </p:style>
+      </p:cxnSp>
+      <p:cxnSp>
+        <p:nvCxnSpPr>
+          <p:cNvPr id="109" name="Đường nối Thẳng 9">
+            <a:extLst>
+              <a:ext uri="{FF2B5EF4-FFF2-40B4-BE49-F238E27FC236}">
+                <a16:creationId xmlns:a16="http://schemas.microsoft.com/office/drawing/2014/main" id="{D2500E03-2C1D-D510-0356-0676283DADCA}"/>
+              </a:ext>
+            </a:extLst>
+          </p:cNvPr>
+          <p:cNvCxnSpPr>
+            <a:cxnSpLocks/>
+          </p:cNvCxnSpPr>
+          <p:nvPr/>
+        </p:nvCxnSpPr>
+        <p:spPr>
+          <a:xfrm>
+            <a:off x="5948165" y="2075460"/>
+            <a:ext cx="1656000" cy="6104"/>
+          </a:xfrm>
+          <a:prstGeom prst="line">
+            <a:avLst/>
+          </a:prstGeom>
+          <a:ln w="19050">
+            <a:solidFill>
+              <a:schemeClr val="tx1"/>
+            </a:solidFill>
+          </a:ln>
+        </p:spPr>
+        <p:style>
+          <a:lnRef idx="1">
+            <a:schemeClr val="dk1"/>
+          </a:lnRef>
+          <a:fillRef idx="0">
+            <a:schemeClr val="dk1"/>
+          </a:fillRef>
+          <a:effectRef idx="0">
+            <a:schemeClr val="dk1"/>
+          </a:effectRef>
+          <a:fontRef idx="minor">
+            <a:schemeClr val="tx1"/>
+          </a:fontRef>
+        </p:style>
+      </p:cxnSp>
+      <p:cxnSp>
+        <p:nvCxnSpPr>
+          <p:cNvPr id="111" name="Đường nối Thẳng 9">
+            <a:extLst>
+              <a:ext uri="{FF2B5EF4-FFF2-40B4-BE49-F238E27FC236}">
+                <a16:creationId xmlns:a16="http://schemas.microsoft.com/office/drawing/2014/main" id="{B8D72A93-8A09-B4F6-32D9-CD88278679FB}"/>
+              </a:ext>
+            </a:extLst>
+          </p:cNvPr>
+          <p:cNvCxnSpPr>
+            <a:cxnSpLocks/>
+          </p:cNvCxnSpPr>
+          <p:nvPr/>
+        </p:nvCxnSpPr>
+        <p:spPr>
+          <a:xfrm>
+            <a:off x="5959588" y="2421472"/>
+            <a:ext cx="1656000" cy="0"/>
+          </a:xfrm>
+          <a:prstGeom prst="line">
+            <a:avLst/>
+          </a:prstGeom>
+          <a:ln w="19050">
+            <a:solidFill>
+              <a:schemeClr val="tx1"/>
+            </a:solidFill>
+          </a:ln>
+        </p:spPr>
+        <p:style>
+          <a:lnRef idx="1">
+            <a:schemeClr val="dk1"/>
+          </a:lnRef>
+          <a:fillRef idx="0">
+            <a:schemeClr val="dk1"/>
+          </a:fillRef>
+          <a:effectRef idx="0">
+            <a:schemeClr val="dk1"/>
+          </a:effectRef>
+          <a:fontRef idx="minor">
+            <a:schemeClr val="tx1"/>
+          </a:fontRef>
+        </p:style>
+      </p:cxnSp>
+      <p:cxnSp>
+        <p:nvCxnSpPr>
+          <p:cNvPr id="112" name="Đường nối Thẳng 9">
+            <a:extLst>
+              <a:ext uri="{FF2B5EF4-FFF2-40B4-BE49-F238E27FC236}">
+                <a16:creationId xmlns:a16="http://schemas.microsoft.com/office/drawing/2014/main" id="{B7095D96-7670-BE59-6230-5B104340D6FF}"/>
+              </a:ext>
+            </a:extLst>
+          </p:cNvPr>
+          <p:cNvCxnSpPr>
+            <a:cxnSpLocks/>
+          </p:cNvCxnSpPr>
+          <p:nvPr/>
+        </p:nvCxnSpPr>
+        <p:spPr>
+          <a:xfrm>
+            <a:off x="5959588" y="2687874"/>
+            <a:ext cx="1656000" cy="0"/>
+          </a:xfrm>
+          <a:prstGeom prst="line">
+            <a:avLst/>
+          </a:prstGeom>
+          <a:ln w="19050">
+            <a:solidFill>
+              <a:schemeClr val="tx1"/>
+            </a:solidFill>
+          </a:ln>
+        </p:spPr>
+        <p:style>
+          <a:lnRef idx="1">
+            <a:schemeClr val="dk1"/>
+          </a:lnRef>
+          <a:fillRef idx="0">
+            <a:schemeClr val="dk1"/>
+          </a:fillRef>
+          <a:effectRef idx="0">
+            <a:schemeClr val="dk1"/>
+          </a:effectRef>
+          <a:fontRef idx="minor">
+            <a:schemeClr val="tx1"/>
+          </a:fontRef>
+        </p:style>
+      </p:cxnSp>
+      <p:cxnSp>
+        <p:nvCxnSpPr>
+          <p:cNvPr id="115" name="Đường nối Thẳng 9">
+            <a:extLst>
+              <a:ext uri="{FF2B5EF4-FFF2-40B4-BE49-F238E27FC236}">
+                <a16:creationId xmlns:a16="http://schemas.microsoft.com/office/drawing/2014/main" id="{DB4A7134-488F-2E21-5F36-0E07E5880D1B}"/>
+              </a:ext>
+            </a:extLst>
+          </p:cNvPr>
+          <p:cNvCxnSpPr>
+            <a:cxnSpLocks/>
+          </p:cNvCxnSpPr>
+          <p:nvPr/>
+        </p:nvCxnSpPr>
+        <p:spPr>
+          <a:xfrm>
+            <a:off x="6189604" y="2058655"/>
+            <a:ext cx="0" cy="1145546"/>
+          </a:xfrm>
+          <a:prstGeom prst="line">
+            <a:avLst/>
+          </a:prstGeom>
+          <a:ln w="19050"/>
+        </p:spPr>
+        <p:style>
+          <a:lnRef idx="1">
+            <a:schemeClr val="dk1"/>
+          </a:lnRef>
+          <a:fillRef idx="0">
+            <a:schemeClr val="dk1"/>
+          </a:fillRef>
+          <a:effectRef idx="0">
+            <a:schemeClr val="dk1"/>
+          </a:effectRef>
+          <a:fontRef idx="minor">
+            <a:schemeClr val="tx1"/>
+          </a:fontRef>
+        </p:style>
+      </p:cxnSp>
+      <p:cxnSp>
+        <p:nvCxnSpPr>
+          <p:cNvPr id="116" name="Đường nối Thẳng 9">
+            <a:extLst>
+              <a:ext uri="{FF2B5EF4-FFF2-40B4-BE49-F238E27FC236}">
+                <a16:creationId xmlns:a16="http://schemas.microsoft.com/office/drawing/2014/main" id="{BB0FD91D-DDFF-97E4-B3FE-097E16C491EE}"/>
+              </a:ext>
+            </a:extLst>
+          </p:cNvPr>
+          <p:cNvCxnSpPr>
+            <a:cxnSpLocks/>
+          </p:cNvCxnSpPr>
+          <p:nvPr/>
+        </p:nvCxnSpPr>
+        <p:spPr>
+          <a:xfrm>
+            <a:off x="6083181" y="2333204"/>
+            <a:ext cx="211519" cy="182334"/>
+          </a:xfrm>
+          <a:prstGeom prst="line">
+            <a:avLst/>
+          </a:prstGeom>
+          <a:ln w="19050"/>
+        </p:spPr>
+        <p:style>
+          <a:lnRef idx="1">
+            <a:schemeClr val="dk1"/>
+          </a:lnRef>
+          <a:fillRef idx="0">
+            <a:schemeClr val="dk1"/>
+          </a:fillRef>
+          <a:effectRef idx="0">
+            <a:schemeClr val="dk1"/>
+          </a:effectRef>
+          <a:fontRef idx="minor">
+            <a:schemeClr val="tx1"/>
+          </a:fontRef>
+        </p:style>
+      </p:cxnSp>
+      <p:cxnSp>
+        <p:nvCxnSpPr>
+          <p:cNvPr id="117" name="Đường nối Thẳng 9">
+            <a:extLst>
+              <a:ext uri="{FF2B5EF4-FFF2-40B4-BE49-F238E27FC236}">
+                <a16:creationId xmlns:a16="http://schemas.microsoft.com/office/drawing/2014/main" id="{66AAB5FA-A93D-EEB2-49F7-4CCDDC84A54B}"/>
+              </a:ext>
+            </a:extLst>
+          </p:cNvPr>
+          <p:cNvCxnSpPr>
+            <a:cxnSpLocks/>
+          </p:cNvCxnSpPr>
+          <p:nvPr/>
+        </p:nvCxnSpPr>
+        <p:spPr>
+          <a:xfrm flipH="1">
+            <a:off x="6082230" y="2340374"/>
+            <a:ext cx="212325" cy="174264"/>
+          </a:xfrm>
+          <a:prstGeom prst="line">
+            <a:avLst/>
+          </a:prstGeom>
+          <a:ln w="19050"/>
+        </p:spPr>
+        <p:style>
+          <a:lnRef idx="1">
+            <a:schemeClr val="dk1"/>
+          </a:lnRef>
+          <a:fillRef idx="0">
+            <a:schemeClr val="dk1"/>
+          </a:fillRef>
+          <a:effectRef idx="0">
+            <a:schemeClr val="dk1"/>
+          </a:effectRef>
+          <a:fontRef idx="minor">
+            <a:schemeClr val="tx1"/>
+          </a:fontRef>
+        </p:style>
+      </p:cxnSp>
+      <p:sp>
+        <p:nvSpPr>
+          <p:cNvPr id="121" name="Oval 120">
+            <a:extLst>
+              <a:ext uri="{FF2B5EF4-FFF2-40B4-BE49-F238E27FC236}">
+                <a16:creationId xmlns:a16="http://schemas.microsoft.com/office/drawing/2014/main" id="{4C7ABF59-4370-73D0-1D4A-98C860305C02}"/>
+              </a:ext>
+            </a:extLst>
+          </p:cNvPr>
+          <p:cNvSpPr/>
+          <p:nvPr/>
+        </p:nvSpPr>
+        <p:spPr>
+          <a:xfrm>
+            <a:off x="6146470" y="2033640"/>
+            <a:ext cx="72000" cy="72000"/>
+          </a:xfrm>
+          <a:prstGeom prst="ellipse">
+            <a:avLst/>
+          </a:prstGeom>
+        </p:spPr>
+        <p:style>
+          <a:lnRef idx="2">
+            <a:schemeClr val="dk1">
+              <a:shade val="15000"/>
+            </a:schemeClr>
+          </a:lnRef>
+          <a:fillRef idx="1">
+            <a:schemeClr val="dk1"/>
+          </a:fillRef>
+          <a:effectRef idx="0">
+            <a:schemeClr val="dk1"/>
+          </a:effectRef>
+          <a:fontRef idx="minor">
+            <a:schemeClr val="lt1"/>
+          </a:fontRef>
+        </p:style>
+        <p:txBody>
+          <a:bodyPr rtlCol="0" anchor="ctr"/>
+          <a:lstStyle/>
+          <a:p>
+            <a:pPr algn="ctr"/>
+            <a:endParaRPr lang="en-VN"/>
+          </a:p>
+        </p:txBody>
+      </p:sp>
+      <p:sp>
+        <p:nvSpPr>
+          <p:cNvPr id="164" name="Oval 163">
+            <a:extLst>
+              <a:ext uri="{FF2B5EF4-FFF2-40B4-BE49-F238E27FC236}">
+                <a16:creationId xmlns:a16="http://schemas.microsoft.com/office/drawing/2014/main" id="{5E8D3F4F-FB0F-6F7B-61DF-F30C430FEB19}"/>
+              </a:ext>
+            </a:extLst>
+          </p:cNvPr>
+          <p:cNvSpPr/>
+          <p:nvPr/>
+        </p:nvSpPr>
+        <p:spPr>
+          <a:xfrm>
+            <a:off x="6150538" y="2181832"/>
+            <a:ext cx="72000" cy="72000"/>
+          </a:xfrm>
+          <a:prstGeom prst="ellipse">
+            <a:avLst/>
+          </a:prstGeom>
+        </p:spPr>
+        <p:style>
+          <a:lnRef idx="2">
+            <a:schemeClr val="dk1">
+              <a:shade val="15000"/>
+            </a:schemeClr>
+          </a:lnRef>
+          <a:fillRef idx="1">
+            <a:schemeClr val="dk1"/>
+          </a:fillRef>
+          <a:effectRef idx="0">
+            <a:schemeClr val="dk1"/>
+          </a:effectRef>
+          <a:fontRef idx="minor">
+            <a:schemeClr val="lt1"/>
+          </a:fontRef>
+        </p:style>
+        <p:txBody>
+          <a:bodyPr rtlCol="0" anchor="ctr"/>
+          <a:lstStyle/>
+          <a:p>
+            <a:pPr algn="ctr"/>
+            <a:endParaRPr lang="en-VN"/>
+          </a:p>
+        </p:txBody>
+      </p:sp>
+      <p:cxnSp>
+        <p:nvCxnSpPr>
+          <p:cNvPr id="165" name="Đường nối Thẳng 9">
+            <a:extLst>
+              <a:ext uri="{FF2B5EF4-FFF2-40B4-BE49-F238E27FC236}">
+                <a16:creationId xmlns:a16="http://schemas.microsoft.com/office/drawing/2014/main" id="{1889B9A7-2A7D-C33D-7E2B-10F94082E10A}"/>
+              </a:ext>
+            </a:extLst>
+          </p:cNvPr>
+          <p:cNvCxnSpPr>
+            <a:cxnSpLocks/>
+          </p:cNvCxnSpPr>
+          <p:nvPr/>
+        </p:nvCxnSpPr>
+        <p:spPr>
+          <a:xfrm>
+            <a:off x="6085949" y="3134000"/>
+            <a:ext cx="211519" cy="182334"/>
+          </a:xfrm>
+          <a:prstGeom prst="line">
+            <a:avLst/>
+          </a:prstGeom>
+          <a:ln w="19050"/>
+        </p:spPr>
+        <p:style>
+          <a:lnRef idx="1">
+            <a:schemeClr val="dk1"/>
+          </a:lnRef>
+          <a:fillRef idx="0">
+            <a:schemeClr val="dk1"/>
+          </a:fillRef>
+          <a:effectRef idx="0">
+            <a:schemeClr val="dk1"/>
+          </a:effectRef>
+          <a:fontRef idx="minor">
+            <a:schemeClr val="tx1"/>
+          </a:fontRef>
+        </p:style>
+      </p:cxnSp>
+      <p:cxnSp>
+        <p:nvCxnSpPr>
+          <p:cNvPr id="166" name="Đường nối Thẳng 9">
+            <a:extLst>
+              <a:ext uri="{FF2B5EF4-FFF2-40B4-BE49-F238E27FC236}">
+                <a16:creationId xmlns:a16="http://schemas.microsoft.com/office/drawing/2014/main" id="{1BA2DE38-ED1C-FBE7-2618-CC20348198C4}"/>
+              </a:ext>
+            </a:extLst>
+          </p:cNvPr>
+          <p:cNvCxnSpPr>
+            <a:cxnSpLocks/>
+          </p:cNvCxnSpPr>
+          <p:nvPr/>
+        </p:nvCxnSpPr>
+        <p:spPr>
+          <a:xfrm flipH="1">
+            <a:off x="6084998" y="3141170"/>
+            <a:ext cx="212325" cy="174264"/>
+          </a:xfrm>
+          <a:prstGeom prst="line">
+            <a:avLst/>
+          </a:prstGeom>
+          <a:ln w="19050"/>
+        </p:spPr>
+        <p:style>
+          <a:lnRef idx="1">
+            <a:schemeClr val="dk1"/>
+          </a:lnRef>
+          <a:fillRef idx="0">
+            <a:schemeClr val="dk1"/>
+          </a:fillRef>
+          <a:effectRef idx="0">
+            <a:schemeClr val="dk1"/>
+          </a:effectRef>
+          <a:fontRef idx="minor">
+            <a:schemeClr val="tx1"/>
+          </a:fontRef>
+        </p:style>
+      </p:cxnSp>
+      <p:cxnSp>
+        <p:nvCxnSpPr>
+          <p:cNvPr id="174" name="Đường nối Thẳng 9">
+            <a:extLst>
+              <a:ext uri="{FF2B5EF4-FFF2-40B4-BE49-F238E27FC236}">
+                <a16:creationId xmlns:a16="http://schemas.microsoft.com/office/drawing/2014/main" id="{16329E80-F877-64A1-F530-3906C07CD16F}"/>
+              </a:ext>
+            </a:extLst>
+          </p:cNvPr>
+          <p:cNvCxnSpPr>
+            <a:cxnSpLocks/>
+          </p:cNvCxnSpPr>
+          <p:nvPr/>
+        </p:nvCxnSpPr>
+        <p:spPr>
+          <a:xfrm>
+            <a:off x="5959588" y="2953261"/>
+            <a:ext cx="1656000" cy="0"/>
+          </a:xfrm>
+          <a:prstGeom prst="line">
+            <a:avLst/>
+          </a:prstGeom>
+          <a:ln w="19050">
+            <a:solidFill>
+              <a:schemeClr val="tx1"/>
+            </a:solidFill>
+          </a:ln>
+        </p:spPr>
+        <p:style>
+          <a:lnRef idx="1">
+            <a:schemeClr val="dk1"/>
+          </a:lnRef>
+          <a:fillRef idx="0">
+            <a:schemeClr val="dk1"/>
+          </a:fillRef>
+          <a:effectRef idx="0">
+            <a:schemeClr val="dk1"/>
+          </a:effectRef>
+          <a:fontRef idx="minor">
+            <a:schemeClr val="tx1"/>
+          </a:fontRef>
+        </p:style>
+      </p:cxnSp>
+      <p:cxnSp>
+        <p:nvCxnSpPr>
+          <p:cNvPr id="175" name="Đường nối Thẳng 9">
+            <a:extLst>
+              <a:ext uri="{FF2B5EF4-FFF2-40B4-BE49-F238E27FC236}">
+                <a16:creationId xmlns:a16="http://schemas.microsoft.com/office/drawing/2014/main" id="{9314367F-0F46-E6F4-F100-56A58C51CEE5}"/>
+              </a:ext>
+            </a:extLst>
+          </p:cNvPr>
+          <p:cNvCxnSpPr>
+            <a:cxnSpLocks/>
+          </p:cNvCxnSpPr>
+          <p:nvPr/>
+        </p:nvCxnSpPr>
+        <p:spPr>
+          <a:xfrm>
+            <a:off x="5959588" y="3227890"/>
+            <a:ext cx="1656000" cy="0"/>
+          </a:xfrm>
+          <a:prstGeom prst="line">
+            <a:avLst/>
+          </a:prstGeom>
+          <a:ln w="19050">
+            <a:solidFill>
+              <a:schemeClr val="tx1"/>
+            </a:solidFill>
+          </a:ln>
+        </p:spPr>
+        <p:style>
+          <a:lnRef idx="1">
+            <a:schemeClr val="dk1"/>
+          </a:lnRef>
+          <a:fillRef idx="0">
+            <a:schemeClr val="dk1"/>
+          </a:fillRef>
+          <a:effectRef idx="0">
+            <a:schemeClr val="dk1"/>
+          </a:effectRef>
+          <a:fontRef idx="minor">
+            <a:schemeClr val="tx1"/>
+          </a:fontRef>
+        </p:style>
+      </p:cxnSp>
+      <p:cxnSp>
+        <p:nvCxnSpPr>
+          <p:cNvPr id="176" name="Đường nối Thẳng 9">
+            <a:extLst>
+              <a:ext uri="{FF2B5EF4-FFF2-40B4-BE49-F238E27FC236}">
+                <a16:creationId xmlns:a16="http://schemas.microsoft.com/office/drawing/2014/main" id="{7F2A671C-AF0E-D56C-F5B8-D96888F0BD8C}"/>
+              </a:ext>
+            </a:extLst>
+          </p:cNvPr>
+          <p:cNvCxnSpPr>
+            <a:cxnSpLocks/>
+          </p:cNvCxnSpPr>
+          <p:nvPr/>
+        </p:nvCxnSpPr>
+        <p:spPr>
+          <a:xfrm>
+            <a:off x="5959588" y="3494292"/>
+            <a:ext cx="1656000" cy="0"/>
+          </a:xfrm>
+          <a:prstGeom prst="line">
+            <a:avLst/>
+          </a:prstGeom>
+          <a:ln w="19050">
+            <a:solidFill>
+              <a:schemeClr val="tx1"/>
+            </a:solidFill>
+          </a:ln>
+        </p:spPr>
+        <p:style>
+          <a:lnRef idx="1">
+            <a:schemeClr val="dk1"/>
+          </a:lnRef>
+          <a:fillRef idx="0">
+            <a:schemeClr val="dk1"/>
+          </a:fillRef>
+          <a:effectRef idx="0">
+            <a:schemeClr val="dk1"/>
+          </a:effectRef>
+          <a:fontRef idx="minor">
+            <a:schemeClr val="tx1"/>
+          </a:fontRef>
+        </p:style>
+      </p:cxnSp>
+      <p:cxnSp>
+        <p:nvCxnSpPr>
+          <p:cNvPr id="177" name="Đường nối Thẳng 9">
+            <a:extLst>
+              <a:ext uri="{FF2B5EF4-FFF2-40B4-BE49-F238E27FC236}">
+                <a16:creationId xmlns:a16="http://schemas.microsoft.com/office/drawing/2014/main" id="{6FED1C55-1CC2-45AF-147A-DA58B3E56010}"/>
+              </a:ext>
+            </a:extLst>
+          </p:cNvPr>
+          <p:cNvCxnSpPr>
+            <a:cxnSpLocks/>
+          </p:cNvCxnSpPr>
+          <p:nvPr/>
+        </p:nvCxnSpPr>
+        <p:spPr>
+          <a:xfrm>
+            <a:off x="5959588" y="3759679"/>
+            <a:ext cx="1656000" cy="0"/>
+          </a:xfrm>
+          <a:prstGeom prst="line">
+            <a:avLst/>
+          </a:prstGeom>
+          <a:ln w="19050">
+            <a:solidFill>
+              <a:schemeClr val="tx1"/>
+            </a:solidFill>
+          </a:ln>
+        </p:spPr>
+        <p:style>
+          <a:lnRef idx="1">
+            <a:schemeClr val="dk1"/>
+          </a:lnRef>
+          <a:fillRef idx="0">
+            <a:schemeClr val="dk1"/>
+          </a:fillRef>
+          <a:effectRef idx="0">
+            <a:schemeClr val="dk1"/>
+          </a:effectRef>
+          <a:fontRef idx="minor">
+            <a:schemeClr val="tx1"/>
+          </a:fontRef>
+        </p:style>
+      </p:cxnSp>
+      <p:cxnSp>
+        <p:nvCxnSpPr>
+          <p:cNvPr id="178" name="Đường nối Thẳng 9">
+            <a:extLst>
+              <a:ext uri="{FF2B5EF4-FFF2-40B4-BE49-F238E27FC236}">
+                <a16:creationId xmlns:a16="http://schemas.microsoft.com/office/drawing/2014/main" id="{A3C6B632-CC86-2EFF-1A6D-3F1400DF0692}"/>
+              </a:ext>
+            </a:extLst>
+          </p:cNvPr>
+          <p:cNvCxnSpPr>
+            <a:cxnSpLocks/>
+          </p:cNvCxnSpPr>
+          <p:nvPr/>
+        </p:nvCxnSpPr>
+        <p:spPr>
+          <a:xfrm>
+            <a:off x="6558134" y="2061425"/>
+            <a:ext cx="0" cy="1432867"/>
+          </a:xfrm>
+          <a:prstGeom prst="line">
+            <a:avLst/>
+          </a:prstGeom>
+          <a:ln w="19050"/>
+        </p:spPr>
+        <p:style>
+          <a:lnRef idx="1">
+            <a:schemeClr val="dk1"/>
+          </a:lnRef>
+          <a:fillRef idx="0">
+            <a:schemeClr val="dk1"/>
+          </a:fillRef>
+          <a:effectRef idx="0">
+            <a:schemeClr val="dk1"/>
+          </a:effectRef>
+          <a:fontRef idx="minor">
+            <a:schemeClr val="tx1"/>
+          </a:fontRef>
+        </p:style>
+      </p:cxnSp>
+      <p:cxnSp>
+        <p:nvCxnSpPr>
+          <p:cNvPr id="179" name="Đường nối Thẳng 9">
+            <a:extLst>
+              <a:ext uri="{FF2B5EF4-FFF2-40B4-BE49-F238E27FC236}">
+                <a16:creationId xmlns:a16="http://schemas.microsoft.com/office/drawing/2014/main" id="{ABDE668F-97DE-7664-46F4-C975A24B2339}"/>
+              </a:ext>
+            </a:extLst>
+          </p:cNvPr>
+          <p:cNvCxnSpPr>
+            <a:cxnSpLocks/>
+          </p:cNvCxnSpPr>
+          <p:nvPr/>
+        </p:nvCxnSpPr>
+        <p:spPr>
+          <a:xfrm>
+            <a:off x="6451711" y="2585358"/>
+            <a:ext cx="211519" cy="182334"/>
+          </a:xfrm>
+          <a:prstGeom prst="line">
+            <a:avLst/>
+          </a:prstGeom>
+          <a:ln w="19050"/>
+        </p:spPr>
+        <p:style>
+          <a:lnRef idx="1">
+            <a:schemeClr val="dk1"/>
+          </a:lnRef>
+          <a:fillRef idx="0">
+            <a:schemeClr val="dk1"/>
+          </a:fillRef>
+          <a:effectRef idx="0">
+            <a:schemeClr val="dk1"/>
+          </a:effectRef>
+          <a:fontRef idx="minor">
+            <a:schemeClr val="tx1"/>
+          </a:fontRef>
+        </p:style>
+      </p:cxnSp>
+      <p:cxnSp>
+        <p:nvCxnSpPr>
+          <p:cNvPr id="180" name="Đường nối Thẳng 9">
+            <a:extLst>
+              <a:ext uri="{FF2B5EF4-FFF2-40B4-BE49-F238E27FC236}">
+                <a16:creationId xmlns:a16="http://schemas.microsoft.com/office/drawing/2014/main" id="{7EFC6331-27E5-8976-B454-2C30C57C06C5}"/>
+              </a:ext>
+            </a:extLst>
+          </p:cNvPr>
+          <p:cNvCxnSpPr>
+            <a:cxnSpLocks/>
+          </p:cNvCxnSpPr>
+          <p:nvPr/>
+        </p:nvCxnSpPr>
+        <p:spPr>
+          <a:xfrm flipH="1">
+            <a:off x="6450760" y="2592528"/>
+            <a:ext cx="212325" cy="174264"/>
+          </a:xfrm>
+          <a:prstGeom prst="line">
+            <a:avLst/>
+          </a:prstGeom>
+          <a:ln w="19050"/>
+        </p:spPr>
+        <p:style>
+          <a:lnRef idx="1">
+            <a:schemeClr val="dk1"/>
+          </a:lnRef>
+          <a:fillRef idx="0">
+            <a:schemeClr val="dk1"/>
+          </a:fillRef>
+          <a:effectRef idx="0">
+            <a:schemeClr val="dk1"/>
+          </a:effectRef>
+          <a:fontRef idx="minor">
+            <a:schemeClr val="tx1"/>
+          </a:fontRef>
+        </p:style>
+      </p:cxnSp>
+      <p:sp>
+        <p:nvSpPr>
+          <p:cNvPr id="181" name="Oval 180">
+            <a:extLst>
+              <a:ext uri="{FF2B5EF4-FFF2-40B4-BE49-F238E27FC236}">
+                <a16:creationId xmlns:a16="http://schemas.microsoft.com/office/drawing/2014/main" id="{D941B54A-F36F-A16C-9932-39CD528AFF43}"/>
+              </a:ext>
+            </a:extLst>
+          </p:cNvPr>
+          <p:cNvSpPr/>
+          <p:nvPr/>
+        </p:nvSpPr>
+        <p:spPr>
+          <a:xfrm>
+            <a:off x="6524208" y="2041122"/>
+            <a:ext cx="72000" cy="72000"/>
+          </a:xfrm>
+          <a:prstGeom prst="ellipse">
+            <a:avLst/>
+          </a:prstGeom>
+        </p:spPr>
+        <p:style>
+          <a:lnRef idx="2">
+            <a:schemeClr val="dk1">
+              <a:shade val="15000"/>
+            </a:schemeClr>
+          </a:lnRef>
+          <a:fillRef idx="1">
+            <a:schemeClr val="dk1"/>
+          </a:fillRef>
+          <a:effectRef idx="0">
+            <a:schemeClr val="dk1"/>
+          </a:effectRef>
+          <a:fontRef idx="minor">
+            <a:schemeClr val="lt1"/>
+          </a:fontRef>
+        </p:style>
+        <p:txBody>
+          <a:bodyPr rtlCol="0" anchor="ctr"/>
+          <a:lstStyle/>
+          <a:p>
+            <a:pPr algn="ctr"/>
+            <a:endParaRPr lang="en-VN"/>
+          </a:p>
+        </p:txBody>
+      </p:sp>
+      <p:sp>
+        <p:nvSpPr>
+          <p:cNvPr id="182" name="Oval 181">
+            <a:extLst>
+              <a:ext uri="{FF2B5EF4-FFF2-40B4-BE49-F238E27FC236}">
+                <a16:creationId xmlns:a16="http://schemas.microsoft.com/office/drawing/2014/main" id="{F77ED64C-D152-A162-3B26-FF3166E2F534}"/>
+              </a:ext>
+            </a:extLst>
+          </p:cNvPr>
+          <p:cNvSpPr/>
+          <p:nvPr/>
+        </p:nvSpPr>
+        <p:spPr>
+          <a:xfrm>
+            <a:off x="6522274" y="2187522"/>
+            <a:ext cx="72000" cy="72000"/>
+          </a:xfrm>
+          <a:prstGeom prst="ellipse">
+            <a:avLst/>
+          </a:prstGeom>
+        </p:spPr>
+        <p:style>
+          <a:lnRef idx="2">
+            <a:schemeClr val="dk1">
+              <a:shade val="15000"/>
+            </a:schemeClr>
+          </a:lnRef>
+          <a:fillRef idx="1">
+            <a:schemeClr val="dk1"/>
+          </a:fillRef>
+          <a:effectRef idx="0">
+            <a:schemeClr val="dk1"/>
+          </a:effectRef>
+          <a:fontRef idx="minor">
+            <a:schemeClr val="lt1"/>
+          </a:fontRef>
+        </p:style>
+        <p:txBody>
+          <a:bodyPr rtlCol="0" anchor="ctr"/>
+          <a:lstStyle/>
+          <a:p>
+            <a:pPr algn="ctr"/>
+            <a:endParaRPr lang="en-VN"/>
+          </a:p>
+        </p:txBody>
+      </p:sp>
+      <p:cxnSp>
+        <p:nvCxnSpPr>
+          <p:cNvPr id="183" name="Đường nối Thẳng 9">
+            <a:extLst>
+              <a:ext uri="{FF2B5EF4-FFF2-40B4-BE49-F238E27FC236}">
+                <a16:creationId xmlns:a16="http://schemas.microsoft.com/office/drawing/2014/main" id="{5E9964CD-C81D-9920-85CB-278BA72E4BCC}"/>
+              </a:ext>
+            </a:extLst>
+          </p:cNvPr>
+          <p:cNvCxnSpPr>
+            <a:cxnSpLocks/>
+          </p:cNvCxnSpPr>
+          <p:nvPr/>
+        </p:nvCxnSpPr>
+        <p:spPr>
+          <a:xfrm>
+            <a:off x="6454479" y="3386154"/>
+            <a:ext cx="211519" cy="182334"/>
+          </a:xfrm>
+          <a:prstGeom prst="line">
+            <a:avLst/>
+          </a:prstGeom>
+          <a:ln w="19050"/>
+        </p:spPr>
+        <p:style>
+          <a:lnRef idx="1">
+            <a:schemeClr val="dk1"/>
+          </a:lnRef>
+          <a:fillRef idx="0">
+            <a:schemeClr val="dk1"/>
+          </a:fillRef>
+          <a:effectRef idx="0">
+            <a:schemeClr val="dk1"/>
+          </a:effectRef>
+          <a:fontRef idx="minor">
+            <a:schemeClr val="tx1"/>
+          </a:fontRef>
+        </p:style>
+      </p:cxnSp>
+      <p:cxnSp>
+        <p:nvCxnSpPr>
+          <p:cNvPr id="184" name="Đường nối Thẳng 9">
+            <a:extLst>
+              <a:ext uri="{FF2B5EF4-FFF2-40B4-BE49-F238E27FC236}">
+                <a16:creationId xmlns:a16="http://schemas.microsoft.com/office/drawing/2014/main" id="{6C79F059-5AA1-DA94-3855-78B32452E79B}"/>
+              </a:ext>
+            </a:extLst>
+          </p:cNvPr>
+          <p:cNvCxnSpPr>
+            <a:cxnSpLocks/>
+          </p:cNvCxnSpPr>
+          <p:nvPr/>
+        </p:nvCxnSpPr>
+        <p:spPr>
+          <a:xfrm flipH="1">
+            <a:off x="6453528" y="3401240"/>
+            <a:ext cx="212325" cy="174264"/>
+          </a:xfrm>
+          <a:prstGeom prst="line">
+            <a:avLst/>
+          </a:prstGeom>
+          <a:ln w="19050"/>
+        </p:spPr>
+        <p:style>
+          <a:lnRef idx="1">
+            <a:schemeClr val="dk1"/>
+          </a:lnRef>
+          <a:fillRef idx="0">
+            <a:schemeClr val="dk1"/>
+          </a:fillRef>
+          <a:effectRef idx="0">
+            <a:schemeClr val="dk1"/>
+          </a:effectRef>
+          <a:fontRef idx="minor">
+            <a:schemeClr val="tx1"/>
+          </a:fontRef>
+        </p:style>
+      </p:cxnSp>
+      <p:sp>
+        <p:nvSpPr>
+          <p:cNvPr id="186" name="TextBox 185">
+            <a:extLst>
+              <a:ext uri="{FF2B5EF4-FFF2-40B4-BE49-F238E27FC236}">
+                <a16:creationId xmlns:a16="http://schemas.microsoft.com/office/drawing/2014/main" id="{4402F902-D3ED-E646-29CA-BA2185091921}"/>
+              </a:ext>
+            </a:extLst>
+          </p:cNvPr>
+          <p:cNvSpPr txBox="1"/>
+          <p:nvPr/>
+        </p:nvSpPr>
+        <p:spPr>
+          <a:xfrm>
+            <a:off x="7270991" y="2569156"/>
+            <a:ext cx="639893" cy="369332"/>
+          </a:xfrm>
+          <a:prstGeom prst="rect">
+            <a:avLst/>
+          </a:prstGeom>
+          <a:noFill/>
+        </p:spPr>
+        <p:txBody>
+          <a:bodyPr wrap="square" rtlCol="0">
+            <a:spAutoFit/>
+          </a:bodyPr>
+          <a:lstStyle/>
+          <a:p>
+            <a:r>
+              <a:rPr lang="en-VN"/>
+              <a:t>…</a:t>
+            </a:r>
+          </a:p>
+        </p:txBody>
+      </p:sp>
+      <p:sp>
+        <p:nvSpPr>
+          <p:cNvPr id="187" name="TextBox 186">
+            <a:extLst>
+              <a:ext uri="{FF2B5EF4-FFF2-40B4-BE49-F238E27FC236}">
+                <a16:creationId xmlns:a16="http://schemas.microsoft.com/office/drawing/2014/main" id="{4B6E97A8-4B88-B58C-8FBB-5AA47414F628}"/>
+              </a:ext>
+            </a:extLst>
+          </p:cNvPr>
+          <p:cNvSpPr txBox="1"/>
+          <p:nvPr/>
+        </p:nvSpPr>
+        <p:spPr>
+          <a:xfrm>
+            <a:off x="7274706" y="3370705"/>
+            <a:ext cx="639893" cy="369332"/>
+          </a:xfrm>
+          <a:prstGeom prst="rect">
+            <a:avLst/>
+          </a:prstGeom>
+          <a:noFill/>
+        </p:spPr>
+        <p:txBody>
+          <a:bodyPr wrap="square" rtlCol="0">
+            <a:spAutoFit/>
+          </a:bodyPr>
+          <a:lstStyle/>
+          <a:p>
+            <a:r>
+              <a:rPr lang="en-VN"/>
+              <a:t>…</a:t>
+            </a:r>
+          </a:p>
+        </p:txBody>
+      </p:sp>
+      <p:cxnSp>
+        <p:nvCxnSpPr>
+          <p:cNvPr id="190" name="Đường nối Thẳng 9">
+            <a:extLst>
+              <a:ext uri="{FF2B5EF4-FFF2-40B4-BE49-F238E27FC236}">
+                <a16:creationId xmlns:a16="http://schemas.microsoft.com/office/drawing/2014/main" id="{BDBD58F9-4F8E-CB44-EBA6-AC5A6E0A849F}"/>
+              </a:ext>
+            </a:extLst>
+          </p:cNvPr>
+          <p:cNvCxnSpPr>
+            <a:cxnSpLocks/>
+          </p:cNvCxnSpPr>
+          <p:nvPr/>
+        </p:nvCxnSpPr>
+        <p:spPr>
+          <a:xfrm>
+            <a:off x="7124715" y="2056370"/>
+            <a:ext cx="0" cy="1692000"/>
+          </a:xfrm>
+          <a:prstGeom prst="line">
+            <a:avLst/>
+          </a:prstGeom>
+          <a:ln w="19050"/>
+        </p:spPr>
+        <p:style>
+          <a:lnRef idx="1">
+            <a:schemeClr val="dk1"/>
+          </a:lnRef>
+          <a:fillRef idx="0">
+            <a:schemeClr val="dk1"/>
+          </a:fillRef>
+          <a:effectRef idx="0">
+            <a:schemeClr val="dk1"/>
+          </a:effectRef>
+          <a:fontRef idx="minor">
+            <a:schemeClr val="tx1"/>
+          </a:fontRef>
+        </p:style>
+      </p:cxnSp>
+      <p:cxnSp>
+        <p:nvCxnSpPr>
+          <p:cNvPr id="191" name="Đường nối Thẳng 9">
+            <a:extLst>
+              <a:ext uri="{FF2B5EF4-FFF2-40B4-BE49-F238E27FC236}">
+                <a16:creationId xmlns:a16="http://schemas.microsoft.com/office/drawing/2014/main" id="{6E7C155C-9450-0436-8EF2-043684442D87}"/>
+              </a:ext>
+            </a:extLst>
+          </p:cNvPr>
+          <p:cNvCxnSpPr>
+            <a:cxnSpLocks/>
+          </p:cNvCxnSpPr>
+          <p:nvPr/>
+        </p:nvCxnSpPr>
+        <p:spPr>
+          <a:xfrm>
+            <a:off x="7018292" y="2854228"/>
+            <a:ext cx="211519" cy="182334"/>
+          </a:xfrm>
+          <a:prstGeom prst="line">
+            <a:avLst/>
+          </a:prstGeom>
+          <a:ln w="19050"/>
+        </p:spPr>
+        <p:style>
+          <a:lnRef idx="1">
+            <a:schemeClr val="dk1"/>
+          </a:lnRef>
+          <a:fillRef idx="0">
+            <a:schemeClr val="dk1"/>
+          </a:fillRef>
+          <a:effectRef idx="0">
+            <a:schemeClr val="dk1"/>
+          </a:effectRef>
+          <a:fontRef idx="minor">
+            <a:schemeClr val="tx1"/>
+          </a:fontRef>
+        </p:style>
+      </p:cxnSp>
+      <p:cxnSp>
+        <p:nvCxnSpPr>
+          <p:cNvPr id="192" name="Đường nối Thẳng 9">
+            <a:extLst>
+              <a:ext uri="{FF2B5EF4-FFF2-40B4-BE49-F238E27FC236}">
+                <a16:creationId xmlns:a16="http://schemas.microsoft.com/office/drawing/2014/main" id="{EEBC897A-8E4F-AD6C-69B8-666A7BF4DE43}"/>
+              </a:ext>
+            </a:extLst>
+          </p:cNvPr>
+          <p:cNvCxnSpPr>
+            <a:cxnSpLocks/>
+          </p:cNvCxnSpPr>
+          <p:nvPr/>
+        </p:nvCxnSpPr>
+        <p:spPr>
+          <a:xfrm flipH="1">
+            <a:off x="7017341" y="2860013"/>
+            <a:ext cx="212325" cy="174264"/>
+          </a:xfrm>
+          <a:prstGeom prst="line">
+            <a:avLst/>
+          </a:prstGeom>
+          <a:ln w="19050"/>
+        </p:spPr>
+        <p:style>
+          <a:lnRef idx="1">
+            <a:schemeClr val="dk1"/>
+          </a:lnRef>
+          <a:fillRef idx="0">
+            <a:schemeClr val="dk1"/>
+          </a:fillRef>
+          <a:effectRef idx="0">
+            <a:schemeClr val="dk1"/>
+          </a:effectRef>
+          <a:fontRef idx="minor">
+            <a:schemeClr val="tx1"/>
+          </a:fontRef>
+        </p:style>
+      </p:cxnSp>
+      <p:sp>
+        <p:nvSpPr>
+          <p:cNvPr id="193" name="Oval 192">
+            <a:extLst>
+              <a:ext uri="{FF2B5EF4-FFF2-40B4-BE49-F238E27FC236}">
+                <a16:creationId xmlns:a16="http://schemas.microsoft.com/office/drawing/2014/main" id="{0BC86DA8-D4A5-C97A-7F4D-E35E8CBB1F26}"/>
+              </a:ext>
+            </a:extLst>
+          </p:cNvPr>
+          <p:cNvSpPr/>
+          <p:nvPr/>
+        </p:nvSpPr>
+        <p:spPr>
+          <a:xfrm>
+            <a:off x="7083785" y="2039893"/>
+            <a:ext cx="72000" cy="72000"/>
+          </a:xfrm>
+          <a:prstGeom prst="ellipse">
+            <a:avLst/>
+          </a:prstGeom>
+        </p:spPr>
+        <p:style>
+          <a:lnRef idx="2">
+            <a:schemeClr val="dk1">
+              <a:shade val="15000"/>
+            </a:schemeClr>
+          </a:lnRef>
+          <a:fillRef idx="1">
+            <a:schemeClr val="dk1"/>
+          </a:fillRef>
+          <a:effectRef idx="0">
+            <a:schemeClr val="dk1"/>
+          </a:effectRef>
+          <a:fontRef idx="minor">
+            <a:schemeClr val="lt1"/>
+          </a:fontRef>
+        </p:style>
+        <p:txBody>
+          <a:bodyPr rtlCol="0" anchor="ctr"/>
+          <a:lstStyle/>
+          <a:p>
+            <a:pPr algn="ctr"/>
+            <a:endParaRPr lang="en-VN"/>
+          </a:p>
+        </p:txBody>
+      </p:sp>
+      <p:sp>
+        <p:nvSpPr>
+          <p:cNvPr id="194" name="Oval 193">
+            <a:extLst>
+              <a:ext uri="{FF2B5EF4-FFF2-40B4-BE49-F238E27FC236}">
+                <a16:creationId xmlns:a16="http://schemas.microsoft.com/office/drawing/2014/main" id="{B00CE973-DDB7-8641-C284-B20C1A34DC6E}"/>
+              </a:ext>
+            </a:extLst>
+          </p:cNvPr>
+          <p:cNvSpPr/>
+          <p:nvPr/>
+        </p:nvSpPr>
+        <p:spPr>
+          <a:xfrm>
+            <a:off x="7083785" y="2183236"/>
+            <a:ext cx="72000" cy="72000"/>
+          </a:xfrm>
+          <a:prstGeom prst="ellipse">
+            <a:avLst/>
+          </a:prstGeom>
+        </p:spPr>
+        <p:style>
+          <a:lnRef idx="2">
+            <a:schemeClr val="dk1">
+              <a:shade val="15000"/>
+            </a:schemeClr>
+          </a:lnRef>
+          <a:fillRef idx="1">
+            <a:schemeClr val="dk1"/>
+          </a:fillRef>
+          <a:effectRef idx="0">
+            <a:schemeClr val="dk1"/>
+          </a:effectRef>
+          <a:fontRef idx="minor">
+            <a:schemeClr val="lt1"/>
+          </a:fontRef>
+        </p:style>
+        <p:txBody>
+          <a:bodyPr rtlCol="0" anchor="ctr"/>
+          <a:lstStyle/>
+          <a:p>
+            <a:pPr algn="ctr"/>
+            <a:endParaRPr lang="en-VN"/>
+          </a:p>
+        </p:txBody>
+      </p:sp>
+      <p:cxnSp>
+        <p:nvCxnSpPr>
+          <p:cNvPr id="195" name="Đường nối Thẳng 9">
+            <a:extLst>
+              <a:ext uri="{FF2B5EF4-FFF2-40B4-BE49-F238E27FC236}">
+                <a16:creationId xmlns:a16="http://schemas.microsoft.com/office/drawing/2014/main" id="{C933542D-7BFF-6DF1-7EFE-991178520619}"/>
+              </a:ext>
+            </a:extLst>
+          </p:cNvPr>
+          <p:cNvCxnSpPr>
+            <a:cxnSpLocks/>
+          </p:cNvCxnSpPr>
+          <p:nvPr/>
+        </p:nvCxnSpPr>
+        <p:spPr>
+          <a:xfrm>
+            <a:off x="7021060" y="3655024"/>
+            <a:ext cx="211519" cy="182334"/>
+          </a:xfrm>
+          <a:prstGeom prst="line">
+            <a:avLst/>
+          </a:prstGeom>
+          <a:ln w="19050"/>
+        </p:spPr>
+        <p:style>
+          <a:lnRef idx="1">
+            <a:schemeClr val="dk1"/>
+          </a:lnRef>
+          <a:fillRef idx="0">
+            <a:schemeClr val="dk1"/>
+          </a:fillRef>
+          <a:effectRef idx="0">
+            <a:schemeClr val="dk1"/>
+          </a:effectRef>
+          <a:fontRef idx="minor">
+            <a:schemeClr val="tx1"/>
+          </a:fontRef>
+        </p:style>
+      </p:cxnSp>
+      <p:cxnSp>
+        <p:nvCxnSpPr>
+          <p:cNvPr id="196" name="Đường nối Thẳng 9">
+            <a:extLst>
+              <a:ext uri="{FF2B5EF4-FFF2-40B4-BE49-F238E27FC236}">
+                <a16:creationId xmlns:a16="http://schemas.microsoft.com/office/drawing/2014/main" id="{A121C7CA-4276-BF72-0218-852519907780}"/>
+              </a:ext>
+            </a:extLst>
+          </p:cNvPr>
+          <p:cNvCxnSpPr>
+            <a:cxnSpLocks/>
+          </p:cNvCxnSpPr>
+          <p:nvPr/>
+        </p:nvCxnSpPr>
+        <p:spPr>
+          <a:xfrm flipH="1">
+            <a:off x="7020109" y="3654278"/>
+            <a:ext cx="212325" cy="174264"/>
+          </a:xfrm>
+          <a:prstGeom prst="line">
+            <a:avLst/>
+          </a:prstGeom>
+          <a:ln w="19050"/>
+        </p:spPr>
+        <p:style>
+          <a:lnRef idx="1">
+            <a:schemeClr val="dk1"/>
+          </a:lnRef>
+          <a:fillRef idx="0">
+            <a:schemeClr val="dk1"/>
+          </a:fillRef>
+          <a:effectRef idx="0">
+            <a:schemeClr val="dk1"/>
+          </a:effectRef>
+          <a:fontRef idx="minor">
+            <a:schemeClr val="tx1"/>
+          </a:fontRef>
+        </p:style>
+      </p:cxnSp>
+      <p:cxnSp>
+        <p:nvCxnSpPr>
+          <p:cNvPr id="207" name="Curved Connector 206">
+            <a:extLst>
+              <a:ext uri="{FF2B5EF4-FFF2-40B4-BE49-F238E27FC236}">
+                <a16:creationId xmlns:a16="http://schemas.microsoft.com/office/drawing/2014/main" id="{0A27230D-5DA6-C39E-B7A5-8D1CF80057FD}"/>
+              </a:ext>
+            </a:extLst>
+          </p:cNvPr>
+          <p:cNvCxnSpPr>
+            <a:cxnSpLocks/>
+            <a:stCxn id="102" idx="0"/>
+            <a:endCxn id="147" idx="0"/>
+          </p:cNvCxnSpPr>
+          <p:nvPr/>
+        </p:nvCxnSpPr>
+        <p:spPr>
+          <a:xfrm rot="16200000" flipH="1">
+            <a:off x="4704170" y="94839"/>
+            <a:ext cx="37655" cy="3591818"/>
+          </a:xfrm>
+          <a:prstGeom prst="curvedConnector3">
+            <a:avLst>
+              <a:gd name="adj1" fmla="val -819578"/>
+            </a:avLst>
+          </a:prstGeom>
+          <a:ln>
+            <a:tailEnd type="triangle"/>
+          </a:ln>
+        </p:spPr>
+        <p:style>
+          <a:lnRef idx="1">
+            <a:schemeClr val="dk1"/>
+          </a:lnRef>
+          <a:fillRef idx="0">
+            <a:schemeClr val="dk1"/>
+          </a:fillRef>
+          <a:effectRef idx="0">
+            <a:schemeClr val="dk1"/>
+          </a:effectRef>
+          <a:fontRef idx="minor">
+            <a:schemeClr val="tx1"/>
+          </a:fontRef>
+        </p:style>
+      </p:cxnSp>
+      <p:sp>
+        <p:nvSpPr>
+          <p:cNvPr id="208" name="TextBox 207">
+            <a:extLst>
+              <a:ext uri="{FF2B5EF4-FFF2-40B4-BE49-F238E27FC236}">
+                <a16:creationId xmlns:a16="http://schemas.microsoft.com/office/drawing/2014/main" id="{009E8A74-5E3A-638C-979D-14B0028756FE}"/>
+              </a:ext>
+            </a:extLst>
+          </p:cNvPr>
+          <p:cNvSpPr txBox="1"/>
+          <p:nvPr/>
+        </p:nvSpPr>
+        <p:spPr>
+          <a:xfrm>
+            <a:off x="2556482" y="5171697"/>
+            <a:ext cx="391974" cy="307777"/>
+          </a:xfrm>
+          <a:prstGeom prst="rect">
+            <a:avLst/>
+          </a:prstGeom>
+          <a:noFill/>
+        </p:spPr>
+        <p:txBody>
+          <a:bodyPr wrap="square" rtlCol="0">
+            <a:spAutoFit/>
+          </a:bodyPr>
+          <a:lstStyle/>
+          <a:p>
+            <a:r>
+              <a:rPr lang="en-VN" sz="1400"/>
+              <a:t>(a)</a:t>
+            </a:r>
+          </a:p>
+        </p:txBody>
+      </p:sp>
+      <p:sp>
+        <p:nvSpPr>
+          <p:cNvPr id="209" name="TextBox 208">
+            <a:extLst>
+              <a:ext uri="{FF2B5EF4-FFF2-40B4-BE49-F238E27FC236}">
+                <a16:creationId xmlns:a16="http://schemas.microsoft.com/office/drawing/2014/main" id="{947EC0CD-D2FB-1986-5F86-80B24FA10DEC}"/>
+              </a:ext>
+            </a:extLst>
+          </p:cNvPr>
+          <p:cNvSpPr txBox="1"/>
+          <p:nvPr/>
+        </p:nvSpPr>
+        <p:spPr>
+          <a:xfrm>
+            <a:off x="6270234" y="5178829"/>
+            <a:ext cx="993834" cy="307777"/>
+          </a:xfrm>
+          <a:prstGeom prst="rect">
+            <a:avLst/>
+          </a:prstGeom>
+          <a:noFill/>
+        </p:spPr>
+        <p:txBody>
+          <a:bodyPr wrap="square" rtlCol="0">
+            <a:spAutoFit/>
+          </a:bodyPr>
+          <a:lstStyle/>
+          <a:p>
+            <a:r>
+              <a:rPr lang="en-VN" sz="1400"/>
+              <a:t>(b)</a:t>
+            </a:r>
+          </a:p>
+        </p:txBody>
+      </p:sp>
+      <p:sp>
+        <p:nvSpPr>
+          <p:cNvPr id="210" name="TextBox 209">
+            <a:extLst>
+              <a:ext uri="{FF2B5EF4-FFF2-40B4-BE49-F238E27FC236}">
+                <a16:creationId xmlns:a16="http://schemas.microsoft.com/office/drawing/2014/main" id="{670368A7-2F29-93D4-8512-CDDB7604707F}"/>
+              </a:ext>
+            </a:extLst>
+          </p:cNvPr>
+          <p:cNvSpPr txBox="1"/>
+          <p:nvPr/>
+        </p:nvSpPr>
+        <p:spPr>
+          <a:xfrm>
+            <a:off x="9356197" y="5171698"/>
+            <a:ext cx="993834" cy="307777"/>
+          </a:xfrm>
+          <a:prstGeom prst="rect">
+            <a:avLst/>
+          </a:prstGeom>
+          <a:noFill/>
+        </p:spPr>
+        <p:txBody>
+          <a:bodyPr wrap="square" rtlCol="0">
+            <a:spAutoFit/>
+          </a:bodyPr>
+          <a:lstStyle/>
+          <a:p>
+            <a:r>
+              <a:rPr lang="en-VN" sz="1400"/>
+              <a:t>(c)</a:t>
+            </a:r>
+          </a:p>
+        </p:txBody>
+      </p:sp>
+      <p:sp>
+        <p:nvSpPr>
+          <p:cNvPr id="215" name="Rectangle 214">
+            <a:extLst>
+              <a:ext uri="{FF2B5EF4-FFF2-40B4-BE49-F238E27FC236}">
+                <a16:creationId xmlns:a16="http://schemas.microsoft.com/office/drawing/2014/main" id="{4D15AD32-F880-93AF-AA56-2F6D32412A1E}"/>
+              </a:ext>
+            </a:extLst>
+          </p:cNvPr>
+          <p:cNvSpPr/>
+          <p:nvPr/>
+        </p:nvSpPr>
+        <p:spPr>
+          <a:xfrm>
+            <a:off x="6029749" y="4061742"/>
+            <a:ext cx="314334" cy="127578"/>
+          </a:xfrm>
+          <a:prstGeom prst="rect">
+            <a:avLst/>
+          </a:prstGeom>
+          <a:solidFill>
+            <a:schemeClr val="bg1"/>
+          </a:solidFill>
+          <a:ln>
+            <a:noFill/>
+          </a:ln>
+        </p:spPr>
+        <p:style>
+          <a:lnRef idx="2">
+            <a:schemeClr val="accent1">
+              <a:shade val="15000"/>
+            </a:schemeClr>
+          </a:lnRef>
+          <a:fillRef idx="1">
+            <a:schemeClr val="accent1"/>
+          </a:fillRef>
+          <a:effectRef idx="0">
+            <a:schemeClr val="accent1"/>
+          </a:effectRef>
+          <a:fontRef idx="minor">
+            <a:schemeClr val="lt1"/>
+          </a:fontRef>
+        </p:style>
+        <p:txBody>
+          <a:bodyPr rtlCol="0" anchor="ctr"/>
+          <a:lstStyle/>
+          <a:p>
+            <a:pPr algn="ctr"/>
+            <a:endParaRPr lang="en-VN"/>
+          </a:p>
+        </p:txBody>
+      </p:sp>
+      <p:cxnSp>
+        <p:nvCxnSpPr>
+          <p:cNvPr id="216" name="Elbow Connector 215">
+            <a:extLst>
+              <a:ext uri="{FF2B5EF4-FFF2-40B4-BE49-F238E27FC236}">
+                <a16:creationId xmlns:a16="http://schemas.microsoft.com/office/drawing/2014/main" id="{9339E600-8107-9C1E-7E0D-C5E1BB21B0AB}"/>
+              </a:ext>
+            </a:extLst>
+          </p:cNvPr>
+          <p:cNvCxnSpPr>
+            <a:cxnSpLocks/>
+            <a:stCxn id="215" idx="3"/>
+            <a:endCxn id="127" idx="1"/>
+          </p:cNvCxnSpPr>
+          <p:nvPr/>
+        </p:nvCxnSpPr>
+        <p:spPr>
+          <a:xfrm flipV="1">
+            <a:off x="6344083" y="2731568"/>
+            <a:ext cx="2297462" cy="1393963"/>
+          </a:xfrm>
+          <a:prstGeom prst="bentConnector3">
+            <a:avLst>
+              <a:gd name="adj1" fmla="val 68905"/>
+            </a:avLst>
+          </a:prstGeom>
+          <a:ln w="19050">
+            <a:prstDash val="dash"/>
+            <a:tailEnd type="triangle"/>
+          </a:ln>
+        </p:spPr>
+        <p:style>
+          <a:lnRef idx="1">
+            <a:schemeClr val="dk1"/>
+          </a:lnRef>
+          <a:fillRef idx="0">
+            <a:schemeClr val="dk1"/>
+          </a:fillRef>
+          <a:effectRef idx="0">
+            <a:schemeClr val="dk1"/>
+          </a:effectRef>
+          <a:fontRef idx="minor">
+            <a:schemeClr val="tx1"/>
+          </a:fontRef>
+        </p:style>
+      </p:cxnSp>
+      <p:cxnSp>
+        <p:nvCxnSpPr>
+          <p:cNvPr id="225" name="Elbow Connector 224">
+            <a:extLst>
+              <a:ext uri="{FF2B5EF4-FFF2-40B4-BE49-F238E27FC236}">
+                <a16:creationId xmlns:a16="http://schemas.microsoft.com/office/drawing/2014/main" id="{0441EF4C-2477-7B5F-271D-9A7DF11E1711}"/>
+              </a:ext>
+            </a:extLst>
+          </p:cNvPr>
+          <p:cNvCxnSpPr>
+            <a:cxnSpLocks/>
+            <a:stCxn id="4" idx="3"/>
+            <a:endCxn id="215" idx="3"/>
+          </p:cNvCxnSpPr>
+          <p:nvPr/>
+        </p:nvCxnSpPr>
+        <p:spPr>
+          <a:xfrm>
+            <a:off x="4862545" y="2707127"/>
+            <a:ext cx="1481538" cy="1418404"/>
+          </a:xfrm>
+          <a:prstGeom prst="bentConnector3">
+            <a:avLst>
+              <a:gd name="adj1" fmla="val 16679"/>
+            </a:avLst>
+          </a:prstGeom>
+          <a:ln w="19050">
+            <a:prstDash val="dash"/>
+          </a:ln>
+        </p:spPr>
+        <p:style>
+          <a:lnRef idx="1">
+            <a:schemeClr val="dk1"/>
+          </a:lnRef>
+          <a:fillRef idx="0">
+            <a:schemeClr val="dk1"/>
+          </a:fillRef>
+          <a:effectRef idx="0">
+            <a:schemeClr val="dk1"/>
+          </a:effectRef>
+          <a:fontRef idx="minor">
+            <a:schemeClr val="tx1"/>
+          </a:fontRef>
+        </p:style>
+      </p:cxnSp>
+      <mc:AlternateContent xmlns:mc="http://schemas.openxmlformats.org/markup-compatibility/2006">
+        <mc:Choice xmlns:a14="http://schemas.microsoft.com/office/drawing/2010/main" Requires="a14">
+          <p:sp>
+            <p:nvSpPr>
+              <p:cNvPr id="233" name="Hộp Văn bản 7">
+                <a:extLst>
+                  <a:ext uri="{FF2B5EF4-FFF2-40B4-BE49-F238E27FC236}">
+                    <a16:creationId xmlns:a16="http://schemas.microsoft.com/office/drawing/2014/main" id="{1D65C588-1019-1CD4-B0C5-F813D84935D1}"/>
+                  </a:ext>
+                </a:extLst>
+              </p:cNvPr>
+              <p:cNvSpPr txBox="1"/>
+              <p:nvPr/>
+            </p:nvSpPr>
+            <p:spPr>
+              <a:xfrm>
+                <a:off x="5648307" y="1937245"/>
+                <a:ext cx="307796" cy="246221"/>
+              </a:xfrm>
+              <a:prstGeom prst="rect">
+                <a:avLst/>
+              </a:prstGeom>
+              <a:noFill/>
+              <a:ln w="28575">
+                <a:noFill/>
+              </a:ln>
+            </p:spPr>
+            <p:txBody>
+              <a:bodyPr wrap="square" rtlCol="0">
+                <a:spAutoFit/>
+              </a:bodyPr>
+              <a:lstStyle/>
+              <a:p>
+                <a:pPr/>
+                <a14:m>
+                  <m:oMathPara xmlns:m="http://schemas.openxmlformats.org/officeDocument/2006/math">
+                    <m:oMathParaPr>
+                      <m:jc m:val="centerGroup"/>
+                    </m:oMathParaPr>
+                    <m:oMath xmlns:m="http://schemas.openxmlformats.org/officeDocument/2006/math">
+                      <m:r>
+                        <a:rPr lang="en-US" sz="1000" b="0" i="1" smtClean="0">
+                          <a:latin typeface="Cambria Math" panose="02040503050406030204" pitchFamily="18" charset="0"/>
+                        </a:rPr>
+                        <m:t>|</m:t>
+                      </m:r>
+                      <m:r>
+                        <a:rPr lang="en-US" sz="1000" i="1">
+                          <a:latin typeface="Cambria Math" panose="02040503050406030204" pitchFamily="18" charset="0"/>
+                        </a:rPr>
+                        <m:t>𝑘</m:t>
+                      </m:r>
+                      <m:r>
+                        <a:rPr lang="en-US" sz="1000" b="0" i="1" smtClean="0">
+                          <a:latin typeface="Cambria Math" panose="02040503050406030204" pitchFamily="18" charset="0"/>
+                        </a:rPr>
+                        <m:t>⟩</m:t>
+                      </m:r>
+                    </m:oMath>
+                  </m:oMathPara>
+                </a14:m>
+                <a:endParaRPr lang="vi-VN" sz="1000">
+                  <a:latin typeface="Times New Roman" panose="02020603050405020304" pitchFamily="18" charset="0"/>
+                  <a:cs typeface="Times New Roman" panose="02020603050405020304" pitchFamily="18" charset="0"/>
+                </a:endParaRPr>
+              </a:p>
+            </p:txBody>
+          </p:sp>
+        </mc:Choice>
+        <mc:Fallback>
+          <p:sp>
+            <p:nvSpPr>
+              <p:cNvPr id="233" name="Hộp Văn bản 7">
+                <a:extLst>
+                  <a:ext uri="{FF2B5EF4-FFF2-40B4-BE49-F238E27FC236}">
+                    <a16:creationId xmlns:a16="http://schemas.microsoft.com/office/drawing/2014/main" id="{1D65C588-1019-1CD4-B0C5-F813D84935D1}"/>
+                  </a:ext>
+                </a:extLst>
+              </p:cNvPr>
+              <p:cNvSpPr txBox="1">
+                <a:spLocks noRot="1" noChangeAspect="1" noMove="1" noResize="1" noEditPoints="1" noAdjustHandles="1" noChangeArrowheads="1" noChangeShapeType="1" noTextEdit="1"/>
+              </p:cNvSpPr>
+              <p:nvPr/>
+            </p:nvSpPr>
+            <p:spPr>
+              <a:xfrm>
+                <a:off x="5648307" y="1937245"/>
+                <a:ext cx="307796" cy="246221"/>
+              </a:xfrm>
+              <a:prstGeom prst="rect">
+                <a:avLst/>
+              </a:prstGeom>
+              <a:blipFill>
+                <a:blip r:embed="rId23"/>
+                <a:stretch>
+                  <a:fillRect r="-4000" b="-5000"/>
+                </a:stretch>
+              </a:blipFill>
+              <a:ln w="28575">
+                <a:noFill/>
+              </a:ln>
+            </p:spPr>
+            <p:txBody>
+              <a:bodyPr/>
+              <a:lstStyle/>
+              <a:p>
+                <a:r>
+                  <a:rPr lang="en-VN">
+                    <a:noFill/>
+                  </a:rPr>
+                  <a:t> </a:t>
+                </a:r>
+              </a:p>
+            </p:txBody>
+          </p:sp>
+        </mc:Fallback>
+      </mc:AlternateContent>
+      <mc:AlternateContent xmlns:mc="http://schemas.openxmlformats.org/markup-compatibility/2006">
+        <mc:Choice xmlns:a14="http://schemas.microsoft.com/office/drawing/2010/main" Requires="a14">
+          <p:sp>
+            <p:nvSpPr>
+              <p:cNvPr id="234" name="Hộp Văn bản 7">
+                <a:extLst>
+                  <a:ext uri="{FF2B5EF4-FFF2-40B4-BE49-F238E27FC236}">
+                    <a16:creationId xmlns:a16="http://schemas.microsoft.com/office/drawing/2014/main" id="{A92AFE88-AF94-E428-128C-361B8C0EC157}"/>
+                  </a:ext>
+                </a:extLst>
+              </p:cNvPr>
+              <p:cNvSpPr txBox="1"/>
+              <p:nvPr/>
+            </p:nvSpPr>
+            <p:spPr>
+              <a:xfrm>
+                <a:off x="5647889" y="2101804"/>
+                <a:ext cx="307797" cy="246221"/>
+              </a:xfrm>
+              <a:prstGeom prst="rect">
+                <a:avLst/>
+              </a:prstGeom>
+              <a:noFill/>
+              <a:ln w="28575">
+                <a:noFill/>
+              </a:ln>
+            </p:spPr>
+            <p:txBody>
+              <a:bodyPr wrap="square" rtlCol="0">
+                <a:spAutoFit/>
+              </a:bodyPr>
+              <a:lstStyle/>
+              <a:p>
+                <a:pPr/>
+                <a14:m>
+                  <m:oMathPara xmlns:m="http://schemas.openxmlformats.org/officeDocument/2006/math">
+                    <m:oMathParaPr>
+                      <m:jc m:val="left"/>
+                    </m:oMathParaPr>
+                    <m:oMath xmlns:m="http://schemas.openxmlformats.org/officeDocument/2006/math">
+                      <m:r>
+                        <a:rPr lang="en-US" sz="1000" b="0" i="1" smtClean="0">
+                          <a:latin typeface="Cambria Math" panose="02040503050406030204" pitchFamily="18" charset="0"/>
+                        </a:rPr>
+                        <m:t>|</m:t>
+                      </m:r>
+                      <m:r>
+                        <a:rPr lang="vi-VN" sz="1000" b="0" i="1" smtClean="0">
+                          <a:latin typeface="Cambria Math" panose="02040503050406030204" pitchFamily="18" charset="0"/>
+                        </a:rPr>
+                        <m:t>0</m:t>
+                      </m:r>
+                      <m:r>
+                        <a:rPr lang="en-US" sz="1000" b="0" i="1" smtClean="0">
+                          <a:latin typeface="Cambria Math" panose="02040503050406030204" pitchFamily="18" charset="0"/>
+                        </a:rPr>
+                        <m:t>⟩</m:t>
+                      </m:r>
+                    </m:oMath>
+                  </m:oMathPara>
+                </a14:m>
+                <a:endParaRPr lang="vi-VN" sz="1000">
+                  <a:latin typeface="Times New Roman" panose="02020603050405020304" pitchFamily="18" charset="0"/>
+                  <a:cs typeface="Times New Roman" panose="02020603050405020304" pitchFamily="18" charset="0"/>
+                </a:endParaRPr>
+              </a:p>
+            </p:txBody>
+          </p:sp>
+        </mc:Choice>
+        <mc:Fallback>
+          <p:sp>
+            <p:nvSpPr>
+              <p:cNvPr id="234" name="Hộp Văn bản 7">
+                <a:extLst>
+                  <a:ext uri="{FF2B5EF4-FFF2-40B4-BE49-F238E27FC236}">
+                    <a16:creationId xmlns:a16="http://schemas.microsoft.com/office/drawing/2014/main" id="{A92AFE88-AF94-E428-128C-361B8C0EC157}"/>
+                  </a:ext>
+                </a:extLst>
+              </p:cNvPr>
+              <p:cNvSpPr txBox="1">
+                <a:spLocks noRot="1" noChangeAspect="1" noMove="1" noResize="1" noEditPoints="1" noAdjustHandles="1" noChangeArrowheads="1" noChangeShapeType="1" noTextEdit="1"/>
+              </p:cNvSpPr>
+              <p:nvPr/>
+            </p:nvSpPr>
+            <p:spPr>
+              <a:xfrm>
+                <a:off x="5647889" y="2101804"/>
+                <a:ext cx="307797" cy="246221"/>
+              </a:xfrm>
+              <a:prstGeom prst="rect">
+                <a:avLst/>
+              </a:prstGeom>
+              <a:blipFill>
+                <a:blip r:embed="rId24"/>
+                <a:stretch>
+                  <a:fillRect b="-5000"/>
+                </a:stretch>
+              </a:blipFill>
+              <a:ln w="28575">
+                <a:noFill/>
+              </a:ln>
+            </p:spPr>
+            <p:txBody>
+              <a:bodyPr/>
+              <a:lstStyle/>
+              <a:p>
+                <a:r>
+                  <a:rPr lang="en-VN">
+                    <a:noFill/>
+                  </a:rPr>
+                  <a:t> </a:t>
+                </a:r>
+              </a:p>
+            </p:txBody>
+          </p:sp>
+        </mc:Fallback>
+      </mc:AlternateContent>
+      <mc:AlternateContent xmlns:mc="http://schemas.openxmlformats.org/markup-compatibility/2006">
+        <mc:Choice xmlns:a14="http://schemas.microsoft.com/office/drawing/2010/main" Requires="a14">
+          <p:sp>
+            <p:nvSpPr>
+              <p:cNvPr id="235" name="Hộp Văn bản 7">
+                <a:extLst>
+                  <a:ext uri="{FF2B5EF4-FFF2-40B4-BE49-F238E27FC236}">
+                    <a16:creationId xmlns:a16="http://schemas.microsoft.com/office/drawing/2014/main" id="{12ECB3AC-6337-4D0B-4A9E-DDDDF1664D99}"/>
+                  </a:ext>
+                </a:extLst>
+              </p:cNvPr>
+              <p:cNvSpPr txBox="1"/>
+              <p:nvPr/>
+            </p:nvSpPr>
+            <p:spPr>
+              <a:xfrm>
+                <a:off x="5248835" y="2573810"/>
+                <a:ext cx="489145" cy="316690"/>
+              </a:xfrm>
+              <a:prstGeom prst="rect">
+                <a:avLst/>
+              </a:prstGeom>
+              <a:noFill/>
+              <a:ln w="28575">
+                <a:noFill/>
+              </a:ln>
+            </p:spPr>
+            <p:txBody>
+              <a:bodyPr wrap="square" rtlCol="0">
+                <a:spAutoFit/>
+              </a:bodyPr>
+              <a:lstStyle/>
+              <a:p>
+                <a:pPr/>
+                <a14:m>
+                  <m:oMathPara xmlns:m="http://schemas.openxmlformats.org/officeDocument/2006/math">
+                    <m:oMathParaPr>
+                      <m:jc m:val="centerGroup"/>
+                    </m:oMathParaPr>
+                    <m:oMath xmlns:m="http://schemas.openxmlformats.org/officeDocument/2006/math">
+                      <m:sSup>
+                        <m:sSupPr>
+                          <m:ctrlPr>
+                            <a:rPr lang="vi-VN" sz="1400" b="0" i="1" smtClean="0">
+                              <a:latin typeface="Cambria Math" panose="02040503050406030204" pitchFamily="18" charset="0"/>
+                            </a:rPr>
+                          </m:ctrlPr>
+                        </m:sSupPr>
+                        <m:e>
+                          <m:d>
+                            <m:dPr>
+                              <m:begChr m:val="|"/>
+                              <m:endChr m:val="⟩"/>
+                              <m:ctrlPr>
+                                <a:rPr lang="en-US" sz="1400" b="0" i="1" smtClean="0">
+                                  <a:latin typeface="Cambria Math" panose="02040503050406030204" pitchFamily="18" charset="0"/>
+                                </a:rPr>
+                              </m:ctrlPr>
+                            </m:dPr>
+                            <m:e>
+                              <m:r>
+                                <a:rPr lang="vi-VN" sz="1400" b="0" i="1" smtClean="0">
+                                  <a:latin typeface="Cambria Math" panose="02040503050406030204" pitchFamily="18" charset="0"/>
+                                </a:rPr>
+                                <m:t>0</m:t>
+                              </m:r>
+                            </m:e>
+                          </m:d>
+                        </m:e>
+                        <m:sup>
+                          <m:r>
+                            <a:rPr lang="vi-VN" sz="1400" b="0" i="1" smtClean="0">
+                              <a:latin typeface="Cambria Math" panose="02040503050406030204" pitchFamily="18" charset="0"/>
+                            </a:rPr>
+                            <m:t>⊗</m:t>
+                          </m:r>
+                          <m:r>
+                            <a:rPr lang="vi-VN" sz="1400" i="1">
+                              <a:latin typeface="Cambria Math" panose="02040503050406030204" pitchFamily="18" charset="0"/>
+                            </a:rPr>
+                            <m:t>𝑛</m:t>
+                          </m:r>
+                        </m:sup>
+                      </m:sSup>
+                    </m:oMath>
+                  </m:oMathPara>
+                </a14:m>
+                <a:endParaRPr lang="vi-VN" sz="1400">
+                  <a:latin typeface="Times New Roman" panose="02020603050405020304" pitchFamily="18" charset="0"/>
+                  <a:cs typeface="Times New Roman" panose="02020603050405020304" pitchFamily="18" charset="0"/>
+                </a:endParaRPr>
+              </a:p>
+            </p:txBody>
+          </p:sp>
+        </mc:Choice>
+        <mc:Fallback>
+          <p:sp>
+            <p:nvSpPr>
+              <p:cNvPr id="235" name="Hộp Văn bản 7">
+                <a:extLst>
+                  <a:ext uri="{FF2B5EF4-FFF2-40B4-BE49-F238E27FC236}">
+                    <a16:creationId xmlns:a16="http://schemas.microsoft.com/office/drawing/2014/main" id="{12ECB3AC-6337-4D0B-4A9E-DDDDF1664D99}"/>
+                  </a:ext>
+                </a:extLst>
+              </p:cNvPr>
+              <p:cNvSpPr txBox="1">
+                <a:spLocks noRot="1" noChangeAspect="1" noMove="1" noResize="1" noEditPoints="1" noAdjustHandles="1" noChangeArrowheads="1" noChangeShapeType="1" noTextEdit="1"/>
+              </p:cNvSpPr>
+              <p:nvPr/>
+            </p:nvSpPr>
+            <p:spPr>
+              <a:xfrm>
+                <a:off x="5248835" y="2573810"/>
+                <a:ext cx="489145" cy="316690"/>
+              </a:xfrm>
+              <a:prstGeom prst="rect">
+                <a:avLst/>
+              </a:prstGeom>
+              <a:blipFill>
+                <a:blip r:embed="rId25"/>
+                <a:stretch>
+                  <a:fillRect r="-12821"/>
+                </a:stretch>
+              </a:blipFill>
+              <a:ln w="28575">
+                <a:noFill/>
+              </a:ln>
+            </p:spPr>
+            <p:txBody>
+              <a:bodyPr/>
+              <a:lstStyle/>
+              <a:p>
+                <a:r>
+                  <a:rPr lang="en-VN">
+                    <a:noFill/>
+                  </a:rPr>
+                  <a:t> </a:t>
+                </a:r>
+              </a:p>
+            </p:txBody>
+          </p:sp>
+        </mc:Fallback>
+      </mc:AlternateContent>
+      <p:sp>
+        <p:nvSpPr>
+          <p:cNvPr id="236" name="Left Brace 235">
+            <a:extLst>
+              <a:ext uri="{FF2B5EF4-FFF2-40B4-BE49-F238E27FC236}">
+                <a16:creationId xmlns:a16="http://schemas.microsoft.com/office/drawing/2014/main" id="{4C81A463-520B-9547-35C2-A7117BD28E40}"/>
+              </a:ext>
+            </a:extLst>
+          </p:cNvPr>
+          <p:cNvSpPr/>
+          <p:nvPr/>
+        </p:nvSpPr>
+        <p:spPr>
+          <a:xfrm>
+            <a:off x="5832002" y="2421472"/>
+            <a:ext cx="103327" cy="525673"/>
+          </a:xfrm>
+          <a:prstGeom prst="leftBrace">
+            <a:avLst>
+              <a:gd name="adj1" fmla="val 36073"/>
+              <a:gd name="adj2" fmla="val 50000"/>
+            </a:avLst>
+          </a:prstGeom>
+          <a:ln w="9525"/>
+        </p:spPr>
+        <p:style>
+          <a:lnRef idx="1">
+            <a:schemeClr val="dk1"/>
+          </a:lnRef>
+          <a:fillRef idx="0">
+            <a:schemeClr val="dk1"/>
+          </a:fillRef>
+          <a:effectRef idx="0">
+            <a:schemeClr val="dk1"/>
+          </a:effectRef>
+          <a:fontRef idx="minor">
+            <a:schemeClr val="tx1"/>
+          </a:fontRef>
+        </p:style>
+        <p:txBody>
+          <a:bodyPr rtlCol="0" anchor="ctr"/>
+          <a:lstStyle/>
+          <a:p>
+            <a:pPr algn="ctr"/>
+            <a:endParaRPr lang="en-VN"/>
+          </a:p>
+        </p:txBody>
+      </p:sp>
+      <mc:AlternateContent xmlns:mc="http://schemas.openxmlformats.org/markup-compatibility/2006">
+        <mc:Choice xmlns:a14="http://schemas.microsoft.com/office/drawing/2010/main" Requires="a14">
+          <p:sp>
+            <p:nvSpPr>
+              <p:cNvPr id="237" name="Hộp Văn bản 7">
+                <a:extLst>
+                  <a:ext uri="{FF2B5EF4-FFF2-40B4-BE49-F238E27FC236}">
+                    <a16:creationId xmlns:a16="http://schemas.microsoft.com/office/drawing/2014/main" id="{2F8C2617-8B85-FB75-4B25-B5E8C3111A6C}"/>
+                  </a:ext>
+                </a:extLst>
+              </p:cNvPr>
+              <p:cNvSpPr txBox="1"/>
+              <p:nvPr/>
+            </p:nvSpPr>
+            <p:spPr>
+              <a:xfrm>
+                <a:off x="5256239" y="3379740"/>
+                <a:ext cx="477063" cy="316690"/>
+              </a:xfrm>
+              <a:prstGeom prst="rect">
+                <a:avLst/>
+              </a:prstGeom>
+              <a:noFill/>
+              <a:ln w="28575">
+                <a:noFill/>
+              </a:ln>
+            </p:spPr>
+            <p:txBody>
+              <a:bodyPr wrap="square" rtlCol="0">
+                <a:spAutoFit/>
+              </a:bodyPr>
+              <a:lstStyle/>
+              <a:p>
+                <a:pPr/>
+                <a14:m>
+                  <m:oMathPara xmlns:m="http://schemas.openxmlformats.org/officeDocument/2006/math">
+                    <m:oMathParaPr>
+                      <m:jc m:val="centerGroup"/>
+                    </m:oMathParaPr>
+                    <m:oMath xmlns:m="http://schemas.openxmlformats.org/officeDocument/2006/math">
+                      <m:sSup>
+                        <m:sSupPr>
+                          <m:ctrlPr>
+                            <a:rPr lang="vi-VN" sz="1400" b="0" i="1" smtClean="0">
+                              <a:latin typeface="Cambria Math" panose="02040503050406030204" pitchFamily="18" charset="0"/>
+                            </a:rPr>
+                          </m:ctrlPr>
+                        </m:sSupPr>
+                        <m:e>
+                          <m:d>
+                            <m:dPr>
+                              <m:begChr m:val="|"/>
+                              <m:endChr m:val="⟩"/>
+                              <m:ctrlPr>
+                                <a:rPr lang="en-US" sz="1400" b="0" i="1" smtClean="0">
+                                  <a:latin typeface="Cambria Math" panose="02040503050406030204" pitchFamily="18" charset="0"/>
+                                </a:rPr>
+                              </m:ctrlPr>
+                            </m:dPr>
+                            <m:e>
+                              <m:r>
+                                <a:rPr lang="vi-VN" sz="1400" b="0" i="1" smtClean="0">
+                                  <a:latin typeface="Cambria Math" panose="02040503050406030204" pitchFamily="18" charset="0"/>
+                                </a:rPr>
+                                <m:t>0</m:t>
+                              </m:r>
+                            </m:e>
+                          </m:d>
+                        </m:e>
+                        <m:sup>
+                          <m:r>
+                            <a:rPr lang="vi-VN" sz="1400" b="0" i="1" smtClean="0">
+                              <a:latin typeface="Cambria Math" panose="02040503050406030204" pitchFamily="18" charset="0"/>
+                            </a:rPr>
+                            <m:t>⊗</m:t>
+                          </m:r>
+                          <m:r>
+                            <a:rPr lang="vi-VN" sz="1400" i="1">
+                              <a:latin typeface="Cambria Math" panose="02040503050406030204" pitchFamily="18" charset="0"/>
+                            </a:rPr>
+                            <m:t>𝑛</m:t>
+                          </m:r>
+                        </m:sup>
+                      </m:sSup>
+                    </m:oMath>
+                  </m:oMathPara>
+                </a14:m>
+                <a:endParaRPr lang="vi-VN" sz="1400">
+                  <a:latin typeface="Times New Roman" panose="02020603050405020304" pitchFamily="18" charset="0"/>
+                  <a:cs typeface="Times New Roman" panose="02020603050405020304" pitchFamily="18" charset="0"/>
+                </a:endParaRPr>
+              </a:p>
+            </p:txBody>
+          </p:sp>
+        </mc:Choice>
+        <mc:Fallback>
+          <p:sp>
+            <p:nvSpPr>
+              <p:cNvPr id="237" name="Hộp Văn bản 7">
+                <a:extLst>
+                  <a:ext uri="{FF2B5EF4-FFF2-40B4-BE49-F238E27FC236}">
+                    <a16:creationId xmlns:a16="http://schemas.microsoft.com/office/drawing/2014/main" id="{2F8C2617-8B85-FB75-4B25-B5E8C3111A6C}"/>
+                  </a:ext>
+                </a:extLst>
+              </p:cNvPr>
+              <p:cNvSpPr txBox="1">
+                <a:spLocks noRot="1" noChangeAspect="1" noMove="1" noResize="1" noEditPoints="1" noAdjustHandles="1" noChangeArrowheads="1" noChangeShapeType="1" noTextEdit="1"/>
+              </p:cNvSpPr>
+              <p:nvPr/>
+            </p:nvSpPr>
+            <p:spPr>
+              <a:xfrm>
+                <a:off x="5256239" y="3379740"/>
+                <a:ext cx="477063" cy="316690"/>
+              </a:xfrm>
+              <a:prstGeom prst="rect">
+                <a:avLst/>
+              </a:prstGeom>
+              <a:blipFill>
+                <a:blip r:embed="rId26"/>
+                <a:stretch>
+                  <a:fillRect r="-15385"/>
+                </a:stretch>
+              </a:blipFill>
+              <a:ln w="28575">
+                <a:noFill/>
+              </a:ln>
+            </p:spPr>
+            <p:txBody>
+              <a:bodyPr/>
+              <a:lstStyle/>
+              <a:p>
+                <a:r>
+                  <a:rPr lang="en-VN">
+                    <a:noFill/>
+                  </a:rPr>
+                  <a:t> </a:t>
+                </a:r>
+              </a:p>
+            </p:txBody>
+          </p:sp>
+        </mc:Fallback>
+      </mc:AlternateContent>
+      <p:sp>
+        <p:nvSpPr>
+          <p:cNvPr id="238" name="Left Brace 237">
+            <a:extLst>
+              <a:ext uri="{FF2B5EF4-FFF2-40B4-BE49-F238E27FC236}">
+                <a16:creationId xmlns:a16="http://schemas.microsoft.com/office/drawing/2014/main" id="{D9ABC9FD-EAA4-364A-873A-44E25D286CCB}"/>
+              </a:ext>
+            </a:extLst>
+          </p:cNvPr>
+          <p:cNvSpPr/>
+          <p:nvPr/>
+        </p:nvSpPr>
+        <p:spPr>
+          <a:xfrm>
+            <a:off x="5827324" y="3227402"/>
+            <a:ext cx="103327" cy="525673"/>
+          </a:xfrm>
+          <a:prstGeom prst="leftBrace">
+            <a:avLst>
+              <a:gd name="adj1" fmla="val 36073"/>
+              <a:gd name="adj2" fmla="val 50000"/>
+            </a:avLst>
+          </a:prstGeom>
+          <a:ln w="9525"/>
+        </p:spPr>
+        <p:style>
+          <a:lnRef idx="1">
+            <a:schemeClr val="dk1"/>
+          </a:lnRef>
+          <a:fillRef idx="0">
+            <a:schemeClr val="dk1"/>
+          </a:fillRef>
+          <a:effectRef idx="0">
+            <a:schemeClr val="dk1"/>
+          </a:effectRef>
+          <a:fontRef idx="minor">
+            <a:schemeClr val="tx1"/>
+          </a:fontRef>
+        </p:style>
+        <p:txBody>
+          <a:bodyPr rtlCol="0" anchor="ctr"/>
+          <a:lstStyle/>
+          <a:p>
+            <a:pPr algn="ctr"/>
+            <a:endParaRPr lang="en-VN"/>
+          </a:p>
+        </p:txBody>
+      </p:sp>
+      <p:sp>
+        <p:nvSpPr>
+          <p:cNvPr id="298" name="Rectangle 297">
+            <a:extLst>
+              <a:ext uri="{FF2B5EF4-FFF2-40B4-BE49-F238E27FC236}">
+                <a16:creationId xmlns:a16="http://schemas.microsoft.com/office/drawing/2014/main" id="{6C8FAC2B-2E46-5591-4716-4797A47A32DF}"/>
+              </a:ext>
+            </a:extLst>
+          </p:cNvPr>
+          <p:cNvSpPr/>
+          <p:nvPr/>
+        </p:nvSpPr>
+        <p:spPr>
+          <a:xfrm>
+            <a:off x="552040" y="1754883"/>
+            <a:ext cx="4436484" cy="3322986"/>
+          </a:xfrm>
+          <a:prstGeom prst="rect">
+            <a:avLst/>
+          </a:prstGeom>
+          <a:noFill/>
+          <a:ln>
+            <a:solidFill>
+              <a:srgbClr val="FF0000"/>
+            </a:solidFill>
+            <a:prstDash val="solid"/>
+          </a:ln>
+        </p:spPr>
+        <p:style>
+          <a:lnRef idx="2">
+            <a:schemeClr val="accent1">
+              <a:shade val="15000"/>
+            </a:schemeClr>
+          </a:lnRef>
+          <a:fillRef idx="1">
+            <a:schemeClr val="accent1"/>
+          </a:fillRef>
+          <a:effectRef idx="0">
+            <a:schemeClr val="accent1"/>
+          </a:effectRef>
+          <a:fontRef idx="minor">
+            <a:schemeClr val="lt1"/>
+          </a:fontRef>
+        </p:style>
+        <p:txBody>
+          <a:bodyPr rtlCol="0" anchor="ctr"/>
+          <a:lstStyle/>
+          <a:p>
+            <a:pPr algn="ctr"/>
+            <a:endParaRPr lang="en-VN"/>
+          </a:p>
+        </p:txBody>
+      </p:sp>
+      <p:cxnSp>
+        <p:nvCxnSpPr>
+          <p:cNvPr id="300" name="Đường nối Thẳng 12">
+            <a:extLst>
+              <a:ext uri="{FF2B5EF4-FFF2-40B4-BE49-F238E27FC236}">
+                <a16:creationId xmlns:a16="http://schemas.microsoft.com/office/drawing/2014/main" id="{568667C6-4694-6543-DAE7-B771D797F01D}"/>
+              </a:ext>
+            </a:extLst>
+          </p:cNvPr>
+          <p:cNvCxnSpPr>
+            <a:cxnSpLocks/>
+          </p:cNvCxnSpPr>
+          <p:nvPr/>
+        </p:nvCxnSpPr>
+        <p:spPr>
+          <a:xfrm flipV="1">
+            <a:off x="1318647" y="4240528"/>
+            <a:ext cx="112219" cy="165306"/>
+          </a:xfrm>
+          <a:prstGeom prst="line">
+            <a:avLst/>
+          </a:prstGeom>
+          <a:ln w="28575"/>
+        </p:spPr>
+        <p:style>
+          <a:lnRef idx="1">
+            <a:schemeClr val="dk1"/>
+          </a:lnRef>
+          <a:fillRef idx="0">
+            <a:schemeClr val="dk1"/>
+          </a:fillRef>
+          <a:effectRef idx="0">
+            <a:schemeClr val="dk1"/>
+          </a:effectRef>
+          <a:fontRef idx="minor">
+            <a:schemeClr val="tx1"/>
+          </a:fontRef>
+        </p:style>
+      </p:cxnSp>
+      <p:sp>
+        <p:nvSpPr>
+          <p:cNvPr id="309" name="Rectangle 308">
+            <a:extLst>
+              <a:ext uri="{FF2B5EF4-FFF2-40B4-BE49-F238E27FC236}">
+                <a16:creationId xmlns:a16="http://schemas.microsoft.com/office/drawing/2014/main" id="{3D12C919-F916-49FE-02B4-D8FB762DC441}"/>
+              </a:ext>
+            </a:extLst>
+          </p:cNvPr>
+          <p:cNvSpPr/>
+          <p:nvPr/>
+        </p:nvSpPr>
+        <p:spPr>
+          <a:xfrm>
+            <a:off x="5225724" y="1747751"/>
+            <a:ext cx="2583932" cy="2211121"/>
+          </a:xfrm>
+          <a:prstGeom prst="rect">
+            <a:avLst/>
+          </a:prstGeom>
+          <a:noFill/>
+          <a:ln>
+            <a:solidFill>
+              <a:srgbClr val="FF0000"/>
+            </a:solidFill>
+            <a:prstDash val="solid"/>
+          </a:ln>
+        </p:spPr>
+        <p:style>
+          <a:lnRef idx="2">
+            <a:schemeClr val="accent1">
+              <a:shade val="15000"/>
+            </a:schemeClr>
+          </a:lnRef>
+          <a:fillRef idx="1">
+            <a:schemeClr val="accent1"/>
+          </a:fillRef>
+          <a:effectRef idx="0">
+            <a:schemeClr val="accent1"/>
+          </a:effectRef>
+          <a:fontRef idx="minor">
+            <a:schemeClr val="lt1"/>
+          </a:fontRef>
+        </p:style>
+        <p:txBody>
+          <a:bodyPr rtlCol="0" anchor="ctr"/>
+          <a:lstStyle/>
+          <a:p>
+            <a:pPr algn="ctr"/>
+            <a:endParaRPr lang="en-VN"/>
+          </a:p>
+        </p:txBody>
+      </p:sp>
+      <p:sp>
+        <p:nvSpPr>
+          <p:cNvPr id="310" name="TextBox 309">
+            <a:extLst>
+              <a:ext uri="{FF2B5EF4-FFF2-40B4-BE49-F238E27FC236}">
+                <a16:creationId xmlns:a16="http://schemas.microsoft.com/office/drawing/2014/main" id="{2F9BC70E-DCA8-AD53-B6BD-10185C6A543D}"/>
+              </a:ext>
+            </a:extLst>
+          </p:cNvPr>
+          <p:cNvSpPr txBox="1"/>
+          <p:nvPr/>
+        </p:nvSpPr>
+        <p:spPr>
+          <a:xfrm rot="5400000">
+            <a:off x="6599440" y="2527147"/>
+            <a:ext cx="639893" cy="369332"/>
+          </a:xfrm>
+          <a:prstGeom prst="rect">
+            <a:avLst/>
+          </a:prstGeom>
+          <a:noFill/>
+        </p:spPr>
+        <p:txBody>
+          <a:bodyPr wrap="square" rtlCol="0">
+            <a:spAutoFit/>
+          </a:bodyPr>
+          <a:lstStyle/>
+          <a:p>
+            <a:r>
+              <a:rPr lang="en-VN"/>
+              <a:t>…</a:t>
+            </a:r>
+          </a:p>
+        </p:txBody>
+      </p:sp>
+      <p:sp>
+        <p:nvSpPr>
+          <p:cNvPr id="311" name="TextBox 310">
+            <a:extLst>
+              <a:ext uri="{FF2B5EF4-FFF2-40B4-BE49-F238E27FC236}">
+                <a16:creationId xmlns:a16="http://schemas.microsoft.com/office/drawing/2014/main" id="{4F51344D-12AD-D511-2B85-723F7D8F3642}"/>
+              </a:ext>
+            </a:extLst>
+          </p:cNvPr>
+          <p:cNvSpPr txBox="1"/>
+          <p:nvPr/>
+        </p:nvSpPr>
+        <p:spPr>
+          <a:xfrm rot="5400000">
+            <a:off x="6591342" y="3341533"/>
+            <a:ext cx="639893" cy="369332"/>
+          </a:xfrm>
+          <a:prstGeom prst="rect">
+            <a:avLst/>
+          </a:prstGeom>
+          <a:noFill/>
+        </p:spPr>
+        <p:txBody>
+          <a:bodyPr wrap="square" rtlCol="0">
+            <a:spAutoFit/>
+          </a:bodyPr>
+          <a:lstStyle/>
+          <a:p>
+            <a:r>
+              <a:rPr lang="en-VN"/>
+              <a:t>…</a:t>
+            </a:r>
+          </a:p>
+        </p:txBody>
+      </p:sp>
+      <p:sp>
+        <p:nvSpPr>
+          <p:cNvPr id="321" name="Rectangle 320">
+            <a:extLst>
+              <a:ext uri="{FF2B5EF4-FFF2-40B4-BE49-F238E27FC236}">
+                <a16:creationId xmlns:a16="http://schemas.microsoft.com/office/drawing/2014/main" id="{7796E91F-FD6F-494C-7FB8-DE26F4D041DF}"/>
+              </a:ext>
+            </a:extLst>
+          </p:cNvPr>
+          <p:cNvSpPr/>
+          <p:nvPr/>
+        </p:nvSpPr>
+        <p:spPr>
+          <a:xfrm>
+            <a:off x="8192194" y="1741786"/>
+            <a:ext cx="2897977" cy="3336083"/>
+          </a:xfrm>
+          <a:prstGeom prst="rect">
+            <a:avLst/>
+          </a:prstGeom>
+          <a:noFill/>
+          <a:ln>
+            <a:solidFill>
+              <a:srgbClr val="FF0000"/>
+            </a:solidFill>
+            <a:prstDash val="solid"/>
+          </a:ln>
+        </p:spPr>
+        <p:style>
+          <a:lnRef idx="2">
+            <a:schemeClr val="accent1">
+              <a:shade val="15000"/>
+            </a:schemeClr>
+          </a:lnRef>
+          <a:fillRef idx="1">
+            <a:schemeClr val="accent1"/>
+          </a:fillRef>
+          <a:effectRef idx="0">
+            <a:schemeClr val="accent1"/>
           </a:effectRef>
           <a:fontRef idx="minor">
             <a:schemeClr val="lt1"/>
@@ -8357,7 +12269,7 @@
 </p:sld>
 </file>
 
-<file path=ppt/slides/slide3.xml><?xml version="1.0" encoding="utf-8"?>
+<file path=ppt/slides/slide4.xml><?xml version="1.0" encoding="utf-8"?>
 <p:sld xmlns:a="http://schemas.openxmlformats.org/drawingml/2006/main" xmlns:r="http://schemas.openxmlformats.org/officeDocument/2006/relationships" xmlns:p="http://schemas.openxmlformats.org/presentationml/2006/main">
   <p:cSld>
     <p:spTree>

--- a/images/Presentation4.pptx
+++ b/images/Presentation4.pptx
@@ -3431,7 +3431,7 @@
           </a:solidFill>
           <a:ln>
             <a:solidFill>
-              <a:schemeClr val="tx1"/>
+              <a:srgbClr val="FF0000"/>
             </a:solidFill>
           </a:ln>
         </p:spPr>
@@ -3481,7 +3481,7 @@
         </p:nvSpPr>
         <p:spPr>
           <a:xfrm>
-            <a:off x="2444554" y="1690050"/>
+            <a:off x="2444554" y="1825133"/>
             <a:ext cx="2274570" cy="1422893"/>
           </a:xfrm>
           <a:prstGeom prst="rect">
@@ -3539,7 +3539,7 @@
         </p:nvSpPr>
         <p:spPr>
           <a:xfrm>
-            <a:off x="2444554" y="1702868"/>
+            <a:off x="2444554" y="1837951"/>
             <a:ext cx="1958340" cy="307777"/>
           </a:xfrm>
           <a:prstGeom prst="rect">
@@ -3578,7 +3578,7 @@
         </p:nvSpPr>
         <p:spPr>
           <a:xfrm>
-            <a:off x="2543137" y="2119545"/>
+            <a:off x="2543137" y="2254628"/>
             <a:ext cx="2057400" cy="933228"/>
           </a:xfrm>
           <a:prstGeom prst="rect">
@@ -3637,7 +3637,7 @@
         </p:nvSpPr>
         <p:spPr>
           <a:xfrm>
-            <a:off x="2638488" y="2466721"/>
+            <a:off x="2638488" y="2601804"/>
             <a:ext cx="1859757" cy="491728"/>
           </a:xfrm>
           <a:prstGeom prst="rect">
@@ -3688,7 +3688,7 @@
                   <a:schemeClr val="tx1"/>
                 </a:solidFill>
               </a:rPr>
-              <a:t>(VQE, QOAO)</a:t>
+              <a:t>(VQE,QOAO)</a:t>
             </a:r>
           </a:p>
         </p:txBody>
@@ -3707,7 +3707,7 @@
         </p:nvSpPr>
         <p:spPr>
           <a:xfrm>
-            <a:off x="2532948" y="2142939"/>
+            <a:off x="2532948" y="2278022"/>
             <a:ext cx="2057400" cy="307777"/>
           </a:xfrm>
           <a:prstGeom prst="rect">
@@ -3723,7 +3723,7 @@
           <a:p>
             <a:r>
               <a:rPr lang="en-VN" sz="1400"/>
-              <a:t>QPO circuit</a:t>
+              <a:t>Quantum circuit (QPO)</a:t>
             </a:r>
           </a:p>
         </p:txBody>
@@ -3911,7 +3911,7 @@
             <p:spPr>
               <a:xfrm>
                 <a:off x="6504742" y="1733176"/>
-                <a:ext cx="1799848" cy="307777"/>
+                <a:ext cx="1548213" cy="307777"/>
               </a:xfrm>
               <a:prstGeom prst="rect">
                 <a:avLst/>
@@ -4016,7 +4016,7 @@
             <p:spPr>
               <a:xfrm>
                 <a:off x="6504742" y="1733176"/>
-                <a:ext cx="1799848" cy="307777"/>
+                <a:ext cx="1548213" cy="307777"/>
               </a:xfrm>
               <a:prstGeom prst="rect">
                 <a:avLst/>
@@ -4024,7 +4024,7 @@
               <a:blipFill>
                 <a:blip r:embed="rId3"/>
                 <a:stretch>
-                  <a:fillRect l="-1408" t="-4000" b="-20000"/>
+                  <a:fillRect l="-1626" t="-4000" b="-20000"/>
                 </a:stretch>
               </a:blipFill>
             </p:spPr>
@@ -4215,7 +4215,7 @@
         <p:spPr>
           <a:xfrm flipV="1">
             <a:off x="6224592" y="2040953"/>
-            <a:ext cx="1180074" cy="314149"/>
+            <a:ext cx="1054257" cy="314149"/>
           </a:xfrm>
           <a:prstGeom prst="curvedConnector2">
             <a:avLst/>
@@ -4284,6 +4284,12 @@
                     </m:oMathParaPr>
                     <m:oMath xmlns:m="http://schemas.openxmlformats.org/officeDocument/2006/math">
                       <m:r>
+                        <a:rPr lang="vi-VN" sz="1200" b="0" i="1">
+                          <a:latin typeface="Cambria Math" panose="02040503050406030204" pitchFamily="18" charset="0"/>
+                        </a:rPr>
+                        <m:t>|</m:t>
+                      </m:r>
+                      <m:r>
                         <m:rPr>
                           <m:sty m:val="p"/>
                         </m:rPr>
@@ -4296,7 +4302,7 @@
                         <a:rPr lang="vi-VN" sz="1200" b="0" i="1">
                           <a:latin typeface="Cambria Math" panose="02040503050406030204" pitchFamily="18" charset="0"/>
                         </a:rPr>
-                        <m:t>=1</m:t>
+                        <m:t>⟩=|1⟩</m:t>
                       </m:r>
                     </m:oMath>
                   </m:oMathPara>
@@ -4396,6 +4402,12 @@
                     </m:oMathParaPr>
                     <m:oMath xmlns:m="http://schemas.openxmlformats.org/officeDocument/2006/math">
                       <m:r>
+                        <a:rPr lang="vi-VN" sz="1200" b="0" i="1">
+                          <a:latin typeface="Cambria Math" panose="02040503050406030204" pitchFamily="18" charset="0"/>
+                        </a:rPr>
+                        <m:t>|</m:t>
+                      </m:r>
+                      <m:r>
                         <m:rPr>
                           <m:sty m:val="p"/>
                         </m:rPr>
@@ -4408,7 +4420,7 @@
                         <a:rPr lang="vi-VN" sz="1200" b="0" i="1">
                           <a:latin typeface="Cambria Math" panose="02040503050406030204" pitchFamily="18" charset="0"/>
                         </a:rPr>
-                        <m:t>=0</m:t>
+                        <m:t>⟩=|0⟩</m:t>
                       </m:r>
                     </m:oMath>
                   </m:oMathPara>
@@ -4469,59 +4481,6 @@
       </mc:AlternateContent>
       <p:sp>
         <p:nvSpPr>
-          <p:cNvPr id="56" name="Rectangle 55">
-            <a:extLst>
-              <a:ext uri="{FF2B5EF4-FFF2-40B4-BE49-F238E27FC236}">
-                <a16:creationId xmlns:a16="http://schemas.microsoft.com/office/drawing/2014/main" id="{9EA83142-CE32-A9E6-C17C-0EF7BC9ADA3B}"/>
-              </a:ext>
-            </a:extLst>
-          </p:cNvPr>
-          <p:cNvSpPr/>
-          <p:nvPr/>
-        </p:nvSpPr>
-        <p:spPr>
-          <a:xfrm>
-            <a:off x="6333871" y="1690050"/>
-            <a:ext cx="2008613" cy="1392115"/>
-          </a:xfrm>
-          <a:prstGeom prst="rect">
-            <a:avLst/>
-          </a:prstGeom>
-          <a:noFill/>
-          <a:ln>
-            <a:solidFill>
-              <a:srgbClr val="FF0000"/>
-            </a:solidFill>
-            <a:prstDash val="solid"/>
-          </a:ln>
-        </p:spPr>
-        <p:style>
-          <a:lnRef idx="2">
-            <a:schemeClr val="accent1">
-              <a:shade val="15000"/>
-            </a:schemeClr>
-          </a:lnRef>
-          <a:fillRef idx="1">
-            <a:schemeClr val="accent1"/>
-          </a:fillRef>
-          <a:effectRef idx="0">
-            <a:schemeClr val="accent1"/>
-          </a:effectRef>
-          <a:fontRef idx="minor">
-            <a:schemeClr val="lt1"/>
-          </a:fontRef>
-        </p:style>
-        <p:txBody>
-          <a:bodyPr rtlCol="0" anchor="ctr"/>
-          <a:lstStyle/>
-          <a:p>
-            <a:pPr algn="ctr"/>
-            <a:endParaRPr lang="en-VN"/>
-          </a:p>
-        </p:txBody>
-      </p:sp>
-      <p:sp>
-        <p:nvSpPr>
           <p:cNvPr id="79" name="TextBox 78">
             <a:extLst>
               <a:ext uri="{FF2B5EF4-FFF2-40B4-BE49-F238E27FC236}">
@@ -4534,7 +4493,7 @@
         </p:nvSpPr>
         <p:spPr>
           <a:xfrm>
-            <a:off x="6355035" y="3149228"/>
+            <a:off x="6292689" y="3149228"/>
             <a:ext cx="2385481" cy="276999"/>
           </a:xfrm>
           <a:prstGeom prst="rect">
@@ -4550,7 +4509,7 @@
           <a:p>
             <a:r>
               <a:rPr lang="en-VN" sz="1200"/>
-              <a:t>Send results for post-processing</a:t>
+              <a:t>Post-processing data</a:t>
             </a:r>
           </a:p>
         </p:txBody>
@@ -4566,19 +4525,19 @@
           </p:cNvPr>
           <p:cNvCxnSpPr>
             <a:cxnSpLocks/>
-            <a:stCxn id="56" idx="3"/>
+            <a:stCxn id="30" idx="3"/>
             <a:endCxn id="6" idx="3"/>
           </p:cNvCxnSpPr>
           <p:nvPr/>
         </p:nvCxnSpPr>
         <p:spPr>
           <a:xfrm flipH="1">
-            <a:off x="6224592" y="2386108"/>
-            <a:ext cx="2117892" cy="1042892"/>
+            <a:off x="6224592" y="2854281"/>
+            <a:ext cx="1986152" cy="574719"/>
           </a:xfrm>
           <a:prstGeom prst="bentConnector3">
             <a:avLst>
-              <a:gd name="adj1" fmla="val -10794"/>
+              <a:gd name="adj1" fmla="val -17788"/>
             </a:avLst>
           </a:prstGeom>
           <a:ln>
@@ -4606,10 +4565,10 @@
       </p:cxnSp>
       <p:sp>
         <p:nvSpPr>
-          <p:cNvPr id="98" name="TextBox 97">
-            <a:extLst>
-              <a:ext uri="{FF2B5EF4-FFF2-40B4-BE49-F238E27FC236}">
-                <a16:creationId xmlns:a16="http://schemas.microsoft.com/office/drawing/2014/main" id="{834B4867-55F0-1DD8-E28C-E331175A6150}"/>
+          <p:cNvPr id="130" name="TextBox 129">
+            <a:extLst>
+              <a:ext uri="{FF2B5EF4-FFF2-40B4-BE49-F238E27FC236}">
+                <a16:creationId xmlns:a16="http://schemas.microsoft.com/office/drawing/2014/main" id="{739C48A2-13FB-F681-EFD0-8C581B0395C9}"/>
               </a:ext>
             </a:extLst>
           </p:cNvPr>
@@ -4618,77 +4577,7 @@
         </p:nvSpPr>
         <p:spPr>
           <a:xfrm>
-            <a:off x="3479202" y="3431712"/>
-            <a:ext cx="1111613" cy="307777"/>
-          </a:xfrm>
-          <a:prstGeom prst="rect">
-            <a:avLst/>
-          </a:prstGeom>
-          <a:noFill/>
-        </p:spPr>
-        <p:txBody>
-          <a:bodyPr wrap="square" rtlCol="0">
-            <a:spAutoFit/>
-          </a:bodyPr>
-          <a:lstStyle/>
-          <a:p>
-            <a:r>
-              <a:rPr lang="en-VN" sz="1400"/>
-              <a:t>(a)</a:t>
-            </a:r>
-          </a:p>
-        </p:txBody>
-      </p:sp>
-      <p:sp>
-        <p:nvSpPr>
-          <p:cNvPr id="99" name="TextBox 98">
-            <a:extLst>
-              <a:ext uri="{FF2B5EF4-FFF2-40B4-BE49-F238E27FC236}">
-                <a16:creationId xmlns:a16="http://schemas.microsoft.com/office/drawing/2014/main" id="{865AE07B-7205-F1BC-2921-2B5DB5874ADF}"/>
-              </a:ext>
-            </a:extLst>
-          </p:cNvPr>
-          <p:cNvSpPr txBox="1"/>
-          <p:nvPr/>
-        </p:nvSpPr>
-        <p:spPr>
-          <a:xfrm>
-            <a:off x="7192977" y="3430819"/>
-            <a:ext cx="1111613" cy="307777"/>
-          </a:xfrm>
-          <a:prstGeom prst="rect">
-            <a:avLst/>
-          </a:prstGeom>
-          <a:noFill/>
-        </p:spPr>
-        <p:txBody>
-          <a:bodyPr wrap="square" rtlCol="0">
-            <a:spAutoFit/>
-          </a:bodyPr>
-          <a:lstStyle/>
-          <a:p>
-            <a:r>
-              <a:rPr lang="en-VN" sz="1400"/>
-              <a:t>(b)</a:t>
-            </a:r>
-          </a:p>
-        </p:txBody>
-      </p:sp>
-      <p:sp>
-        <p:nvSpPr>
-          <p:cNvPr id="130" name="TextBox 129">
-            <a:extLst>
-              <a:ext uri="{FF2B5EF4-FFF2-40B4-BE49-F238E27FC236}">
-                <a16:creationId xmlns:a16="http://schemas.microsoft.com/office/drawing/2014/main" id="{739C48A2-13FB-F681-EFD0-8C581B0395C9}"/>
-              </a:ext>
-            </a:extLst>
-          </p:cNvPr>
-          <p:cNvSpPr txBox="1"/>
-          <p:nvPr/>
-        </p:nvSpPr>
-        <p:spPr>
-          <a:xfrm>
-            <a:off x="3936206" y="3279264"/>
+            <a:off x="3992649" y="3276930"/>
             <a:ext cx="753540" cy="307777"/>
           </a:xfrm>
           <a:prstGeom prst="rect">
@@ -4727,8 +4616,8 @@
         </p:nvCxnSpPr>
         <p:spPr>
           <a:xfrm flipH="1">
-            <a:off x="4689746" y="3429000"/>
-            <a:ext cx="332314" cy="4153"/>
+            <a:off x="4746189" y="3429000"/>
+            <a:ext cx="275871" cy="1819"/>
           </a:xfrm>
           <a:prstGeom prst="straightConnector1">
             <a:avLst/>
@@ -4773,15 +4662,16 @@
         </p:nvCxnSpPr>
         <p:spPr>
           <a:xfrm>
-            <a:off x="4718940" y="2766102"/>
-            <a:ext cx="904386" cy="441932"/>
+            <a:off x="4754938" y="3093532"/>
+            <a:ext cx="868388" cy="114502"/>
           </a:xfrm>
           <a:prstGeom prst="bentConnector2">
             <a:avLst/>
           </a:prstGeom>
           <a:ln>
+            <a:prstDash val="lgDash"/>
             <a:headEnd type="triangle"/>
-            <a:tailEnd type="triangle"/>
+            <a:tailEnd type="none"/>
           </a:ln>
         </p:spPr>
         <p:style>
@@ -4813,8 +4703,8 @@
         </p:nvSpPr>
         <p:spPr>
           <a:xfrm>
-            <a:off x="4841998" y="2500802"/>
-            <a:ext cx="902190" cy="276999"/>
+            <a:off x="4758869" y="2822923"/>
+            <a:ext cx="1471473" cy="276999"/>
           </a:xfrm>
           <a:prstGeom prst="rect">
             <a:avLst/>
@@ -4829,12 +4719,61 @@
           <a:p>
             <a:r>
               <a:rPr lang="en-US" sz="1200"/>
-              <a:t>Collaborate</a:t>
+              <a:t>Pre-processing data</a:t>
             </a:r>
             <a:endParaRPr lang="en-VN" sz="1200"/>
           </a:p>
         </p:txBody>
       </p:sp>
+      <p:cxnSp>
+        <p:nvCxnSpPr>
+          <p:cNvPr id="153" name="Elbow Connector 152">
+            <a:extLst>
+              <a:ext uri="{FF2B5EF4-FFF2-40B4-BE49-F238E27FC236}">
+                <a16:creationId xmlns:a16="http://schemas.microsoft.com/office/drawing/2014/main" id="{2D7E16E0-5DEB-0446-4AA1-A028F92DD0F2}"/>
+              </a:ext>
+            </a:extLst>
+          </p:cNvPr>
+          <p:cNvCxnSpPr>
+            <a:cxnSpLocks/>
+            <a:stCxn id="36" idx="3"/>
+            <a:endCxn id="6" idx="3"/>
+          </p:cNvCxnSpPr>
+          <p:nvPr/>
+        </p:nvCxnSpPr>
+        <p:spPr>
+          <a:xfrm flipH="1">
+            <a:off x="6224592" y="1887065"/>
+            <a:ext cx="1828363" cy="1541935"/>
+          </a:xfrm>
+          <a:prstGeom prst="bentConnector3">
+            <a:avLst>
+              <a:gd name="adj1" fmla="val -27848"/>
+            </a:avLst>
+          </a:prstGeom>
+          <a:ln>
+            <a:solidFill>
+              <a:schemeClr val="tx1"/>
+            </a:solidFill>
+            <a:prstDash val="lgDash"/>
+            <a:tailEnd type="triangle"/>
+          </a:ln>
+        </p:spPr>
+        <p:style>
+          <a:lnRef idx="1">
+            <a:schemeClr val="accent1"/>
+          </a:lnRef>
+          <a:fillRef idx="0">
+            <a:schemeClr val="accent1"/>
+          </a:fillRef>
+          <a:effectRef idx="0">
+            <a:schemeClr val="accent1"/>
+          </a:effectRef>
+          <a:fontRef idx="minor">
+            <a:schemeClr val="tx1"/>
+          </a:fontRef>
+        </p:style>
+      </p:cxnSp>
     </p:spTree>
     <p:extLst>
       <p:ext uri="{BB962C8B-B14F-4D97-AF65-F5344CB8AC3E}">
@@ -5784,7 +5723,7 @@
                 <a14:m>
                   <m:oMath xmlns:m="http://schemas.openxmlformats.org/officeDocument/2006/math">
                     <m:r>
-                      <a:rPr lang="vi-VN" sz="1200" b="1" i="1">
+                      <a:rPr lang="vi-VN" sz="1150" b="1" i="1">
                         <a:solidFill>
                           <a:schemeClr val="tx1"/>
                         </a:solidFill>
@@ -5796,7 +5735,7 @@
                     <m:sSub>
                       <m:sSubPr>
                         <m:ctrlPr>
-                          <a:rPr lang="vi-VN" sz="1200" b="1" i="1">
+                          <a:rPr lang="vi-VN" sz="1150" b="1" i="1">
                             <a:solidFill>
                               <a:schemeClr val="tx1"/>
                             </a:solidFill>
@@ -5807,7 +5746,7 @@
                       </m:sSubPr>
                       <m:e>
                         <m:r>
-                          <a:rPr lang="vi-VN" sz="1200" b="1" i="1">
+                          <a:rPr lang="vi-VN" sz="1150" b="1" i="1">
                             <a:solidFill>
                               <a:schemeClr val="tx1"/>
                             </a:solidFill>
@@ -5822,7 +5761,7 @@
                           <m:accPr>
                             <m:chr m:val="̂"/>
                             <m:ctrlPr>
-                              <a:rPr lang="vi-VN" sz="1200" b="1" i="1">
+                              <a:rPr lang="vi-VN" sz="1150" b="1" i="1">
                                 <a:solidFill>
                                   <a:schemeClr val="tx1"/>
                                 </a:solidFill>
@@ -5833,7 +5772,7 @@
                           </m:accPr>
                           <m:e>
                             <m:r>
-                              <a:rPr lang="vi-VN" sz="1200" b="1" i="1">
+                              <a:rPr lang="vi-VN" sz="1150" b="1" i="1">
                                 <a:solidFill>
                                   <a:schemeClr val="tx1"/>
                                 </a:solidFill>
@@ -5849,7 +5788,7 @@
                     <m:d>
                       <m:dPr>
                         <m:ctrlPr>
-                          <a:rPr lang="vi-VN" sz="1200" b="1" i="1">
+                          <a:rPr lang="vi-VN" sz="1150" b="1" i="1">
                             <a:solidFill>
                               <a:schemeClr val="tx1"/>
                             </a:solidFill>
@@ -5860,7 +5799,7 @@
                       </m:dPr>
                       <m:e>
                         <m:r>
-                          <a:rPr lang="vi-VN" sz="1200" b="1" i="1">
+                          <a:rPr lang="vi-VN" sz="1150" b="1" i="1">
                             <a:solidFill>
                               <a:schemeClr val="tx1"/>
                             </a:solidFill>
@@ -5874,7 +5813,7 @@
                   </m:oMath>
                 </a14:m>
                 <a:r>
-                  <a:rPr lang="vi-VN" sz="1200" b="1" i="1">
+                  <a:rPr lang="vi-VN" sz="1150" b="1" i="1">
                     <a:solidFill>
                       <a:schemeClr val="tx1"/>
                     </a:solidFill>
@@ -5913,7 +5852,7 @@
               <a:blipFill>
                 <a:blip r:embed="rId6"/>
                 <a:stretch>
-                  <a:fillRect l="-13514"/>
+                  <a:fillRect l="-10811"/>
                 </a:stretch>
               </a:blipFill>
               <a:ln w="19050">
@@ -6134,13 +6073,14 @@
           <p:cNvCxnSpPr>
             <a:cxnSpLocks/>
             <a:stCxn id="83" idx="4"/>
+            <a:endCxn id="102" idx="2"/>
           </p:cNvCxnSpPr>
           <p:nvPr/>
         </p:nvCxnSpPr>
         <p:spPr>
           <a:xfrm>
-            <a:off x="2909629" y="2368226"/>
-            <a:ext cx="16680" cy="2238502"/>
+            <a:off x="2908255" y="2332226"/>
+            <a:ext cx="0" cy="2252234"/>
           </a:xfrm>
           <a:prstGeom prst="line">
             <a:avLst/>
@@ -6178,7 +6118,7 @@
         </p:nvCxnSpPr>
         <p:spPr>
           <a:xfrm>
-            <a:off x="2714790" y="3316834"/>
+            <a:off x="2698164" y="3316834"/>
             <a:ext cx="409734" cy="353199"/>
           </a:xfrm>
           <a:prstGeom prst="line">
@@ -6217,7 +6157,7 @@
         </p:nvCxnSpPr>
         <p:spPr>
           <a:xfrm flipH="1">
-            <a:off x="2713839" y="3332968"/>
+            <a:off x="2705526" y="3332968"/>
             <a:ext cx="410685" cy="337065"/>
           </a:xfrm>
           <a:prstGeom prst="line">
@@ -6256,7 +6196,7 @@
         </p:nvCxnSpPr>
         <p:spPr>
           <a:xfrm>
-            <a:off x="2714790" y="4160276"/>
+            <a:off x="2706477" y="4143650"/>
             <a:ext cx="409734" cy="353199"/>
           </a:xfrm>
           <a:prstGeom prst="line">
@@ -6295,7 +6235,7 @@
         </p:nvCxnSpPr>
         <p:spPr>
           <a:xfrm flipH="1">
-            <a:off x="2713839" y="4176410"/>
+            <a:off x="2713839" y="4151471"/>
             <a:ext cx="410685" cy="337065"/>
           </a:xfrm>
           <a:prstGeom prst="line">
@@ -6332,12 +6272,20 @@
         </p:nvSpPr>
         <p:spPr>
           <a:xfrm>
-            <a:off x="2825096" y="2642663"/>
-            <a:ext cx="144000" cy="144000"/>
+            <a:off x="2850035" y="2659289"/>
+            <a:ext cx="108000" cy="108000"/>
           </a:xfrm>
           <a:prstGeom prst="ellipse">
             <a:avLst/>
           </a:prstGeom>
+          <a:solidFill>
+            <a:schemeClr val="bg1"/>
+          </a:solidFill>
+          <a:ln w="28575">
+            <a:solidFill>
+              <a:schemeClr val="tx1"/>
+            </a:solidFill>
+          </a:ln>
         </p:spPr>
         <p:style>
           <a:lnRef idx="2">
@@ -7376,7 +7324,7 @@
           </a:xfrm>
           <a:prstGeom prst="bentConnector3">
             <a:avLst>
-              <a:gd name="adj1" fmla="val -386034"/>
+              <a:gd name="adj1" fmla="val -505672"/>
             </a:avLst>
           </a:prstGeom>
           <a:ln w="19050">
@@ -7415,7 +7363,7 @@
             </p:nvSpPr>
             <p:spPr>
               <a:xfrm>
-                <a:off x="8313551" y="4770092"/>
+                <a:off x="7287344" y="4971319"/>
                 <a:ext cx="953494" cy="307777"/>
               </a:xfrm>
               <a:prstGeom prst="rect">
@@ -7472,7 +7420,7 @@
             </p:nvSpPr>
             <p:spPr>
               <a:xfrm>
-                <a:off x="8313551" y="4770092"/>
+                <a:off x="7287344" y="4971319"/>
                 <a:ext cx="953494" cy="307777"/>
               </a:xfrm>
               <a:prstGeom prst="rect">
@@ -7481,7 +7429,7 @@
               <a:blipFill>
                 <a:blip r:embed="rId13"/>
                 <a:stretch>
-                  <a:fillRect l="-1316" t="-4000" b="-24000"/>
+                  <a:fillRect l="-1316" t="-4000" b="-20000"/>
                 </a:stretch>
               </a:blipFill>
               <a:ln w="28575">
@@ -7625,7 +7573,7 @@
             </p:nvSpPr>
             <p:spPr>
               <a:xfrm>
-                <a:off x="1101828" y="3833724"/>
+                <a:off x="1101828" y="3940883"/>
                 <a:ext cx="521769" cy="307777"/>
               </a:xfrm>
               <a:prstGeom prst="rect">
@@ -7684,7 +7632,7 @@
             </p:nvSpPr>
             <p:spPr>
               <a:xfrm>
-                <a:off x="1101828" y="3833724"/>
+                <a:off x="1101828" y="3940883"/>
                 <a:ext cx="521769" cy="307777"/>
               </a:xfrm>
               <a:prstGeom prst="rect">
@@ -7831,7 +7779,7 @@
         </p:nvSpPr>
         <p:spPr>
           <a:xfrm>
-            <a:off x="8369528" y="2211512"/>
+            <a:off x="8369528" y="2181032"/>
             <a:ext cx="1914597" cy="307777"/>
           </a:xfrm>
           <a:prstGeom prst="rect">
@@ -7847,7 +7795,7 @@
           <a:p>
             <a:pPr algn="ctr"/>
             <a:r>
-              <a:rPr lang="en-VN" sz="1400" b="1">
+              <a:rPr lang="en-VN" sz="1400">
                 <a:solidFill>
                   <a:schemeClr val="tx1"/>
                 </a:solidFill>
@@ -8356,8 +8304,8 @@
             </p:nvSpPr>
             <p:spPr>
               <a:xfrm>
-                <a:off x="8641545" y="2638401"/>
-                <a:ext cx="1301895" cy="186333"/>
+                <a:off x="8735064" y="2607228"/>
+                <a:ext cx="1114536" cy="260905"/>
               </a:xfrm>
               <a:prstGeom prst="rect">
                 <a:avLst/>
@@ -8381,7 +8329,7 @@
                         <m:radPr>
                           <m:degHide m:val="on"/>
                           <m:ctrlPr>
-                            <a:rPr lang="vi-VN" sz="1000" b="0" i="1">
+                            <a:rPr lang="vi-VN" sz="1400" b="0" i="1">
                               <a:latin typeface="Cambria Math" panose="02040503050406030204" pitchFamily="18" charset="0"/>
                             </a:rPr>
                           </m:ctrlPr>
@@ -8389,7 +8337,7 @@
                         <m:deg/>
                         <m:e>
                           <m:r>
-                            <a:rPr lang="vi-VN" sz="1000" i="1">
+                            <a:rPr lang="vi-VN" sz="1400" i="1">
                               <a:latin typeface="Cambria Math" panose="02040503050406030204" pitchFamily="18" charset="0"/>
                             </a:rPr>
                             <m:t>𝑃</m:t>
@@ -8397,90 +8345,46 @@
                           <m:d>
                             <m:dPr>
                               <m:ctrlPr>
-                                <a:rPr lang="vi-VN" sz="1000" b="0" i="1">
+                                <a:rPr lang="vi-VN" sz="1400" b="0" i="1">
                                   <a:latin typeface="Cambria Math" panose="02040503050406030204" pitchFamily="18" charset="0"/>
                                 </a:rPr>
                               </m:ctrlPr>
                             </m:dPr>
                             <m:e>
-                              <m:sSub>
-                                <m:sSubPr>
-                                  <m:ctrlPr>
-                                    <a:rPr lang="vi-VN" sz="1000" b="0" i="1">
-                                      <a:latin typeface="Cambria Math" panose="02040503050406030204" pitchFamily="18" charset="0"/>
-                                    </a:rPr>
-                                  </m:ctrlPr>
-                                </m:sSubPr>
-                                <m:e>
-                                  <m:r>
-                                    <a:rPr lang="vi-VN" sz="1000" i="1">
-                                      <a:latin typeface="Cambria Math" panose="02040503050406030204" pitchFamily="18" charset="0"/>
-                                    </a:rPr>
-                                    <m:t>𝑞</m:t>
-                                  </m:r>
-                                </m:e>
-                                <m:sub>
-                                  <m:r>
-                                    <a:rPr lang="vi-VN" sz="1000" b="0" i="1">
-                                      <a:latin typeface="Cambria Math" panose="02040503050406030204" pitchFamily="18" charset="0"/>
-                                    </a:rPr>
-                                    <m:t>0</m:t>
-                                  </m:r>
-                                </m:sub>
-                              </m:sSub>
                               <m:r>
-                                <a:rPr lang="vi-VN" sz="1000" b="0" i="1">
+                                <a:rPr lang="vi-VN" sz="1400" b="0" i="1">
                                   <a:latin typeface="Cambria Math" panose="02040503050406030204" pitchFamily="18" charset="0"/>
                                 </a:rPr>
-                                <m:t>=0</m:t>
+                                <m:t>0</m:t>
                               </m:r>
                             </m:e>
                           </m:d>
                           <m:r>
-                            <a:rPr lang="vi-VN" sz="1000" b="0" i="1">
+                            <a:rPr lang="vi-VN" sz="1400" b="0" i="1">
                               <a:latin typeface="Cambria Math" panose="02040503050406030204" pitchFamily="18" charset="0"/>
                             </a:rPr>
                             <m:t>−</m:t>
                           </m:r>
+                          <m:r>
+                            <a:rPr lang="vi-VN" sz="1400" i="1">
+                              <a:latin typeface="Cambria Math" panose="02040503050406030204" pitchFamily="18" charset="0"/>
+                            </a:rPr>
+                            <m:t>𝑃</m:t>
+                          </m:r>
                           <m:d>
                             <m:dPr>
                               <m:ctrlPr>
-                                <a:rPr lang="vi-VN" sz="1000" b="0" i="1">
+                                <a:rPr lang="vi-VN" sz="1400" b="0" i="1">
                                   <a:latin typeface="Cambria Math" panose="02040503050406030204" pitchFamily="18" charset="0"/>
                                 </a:rPr>
                               </m:ctrlPr>
                             </m:dPr>
                             <m:e>
-                              <m:sSub>
-                                <m:sSubPr>
-                                  <m:ctrlPr>
-                                    <a:rPr lang="vi-VN" sz="1000" b="0" i="1">
-                                      <a:latin typeface="Cambria Math" panose="02040503050406030204" pitchFamily="18" charset="0"/>
-                                    </a:rPr>
-                                  </m:ctrlPr>
-                                </m:sSubPr>
-                                <m:e>
-                                  <m:r>
-                                    <a:rPr lang="vi-VN" sz="1000" i="1">
-                                      <a:latin typeface="Cambria Math" panose="02040503050406030204" pitchFamily="18" charset="0"/>
-                                    </a:rPr>
-                                    <m:t>𝑞</m:t>
-                                  </m:r>
-                                </m:e>
-                                <m:sub>
-                                  <m:r>
-                                    <a:rPr lang="vi-VN" sz="1000" b="0" i="1">
-                                      <a:latin typeface="Cambria Math" panose="02040503050406030204" pitchFamily="18" charset="0"/>
-                                    </a:rPr>
-                                    <m:t>0</m:t>
-                                  </m:r>
-                                </m:sub>
-                              </m:sSub>
                               <m:r>
-                                <a:rPr lang="vi-VN" sz="1000" b="0" i="1">
+                                <a:rPr lang="vi-VN" sz="1400" b="0" i="1">
                                   <a:latin typeface="Cambria Math" panose="02040503050406030204" pitchFamily="18" charset="0"/>
                                 </a:rPr>
-                                <m:t>=1</m:t>
+                                <m:t>1</m:t>
                               </m:r>
                             </m:e>
                           </m:d>
@@ -8489,7 +8393,7 @@
                     </m:oMath>
                   </m:oMathPara>
                 </a14:m>
-                <a:endParaRPr lang="en-VN" sz="1000" i="1"/>
+                <a:endParaRPr lang="en-VN" sz="1400" i="1"/>
               </a:p>
             </p:txBody>
           </p:sp>
@@ -8511,8 +8415,8 @@
             </p:nvSpPr>
             <p:spPr>
               <a:xfrm>
-                <a:off x="8641545" y="2638401"/>
-                <a:ext cx="1301895" cy="186333"/>
+                <a:off x="8735064" y="2607228"/>
+                <a:ext cx="1114536" cy="260905"/>
               </a:xfrm>
               <a:prstGeom prst="rect">
                 <a:avLst/>
@@ -8520,7 +8424,7 @@
               <a:blipFill>
                 <a:blip r:embed="rId19"/>
                 <a:stretch>
-                  <a:fillRect b="-18750"/>
+                  <a:fillRect b="-9524"/>
                 </a:stretch>
               </a:blipFill>
             </p:spPr>
@@ -8858,7 +8762,7 @@
             </p:nvSpPr>
             <p:spPr>
               <a:xfrm>
-                <a:off x="786767" y="2153333"/>
+                <a:off x="786766" y="2109306"/>
                 <a:ext cx="334497" cy="307777"/>
               </a:xfrm>
               <a:prstGeom prst="rect">
@@ -8928,7 +8832,7 @@
             </p:nvSpPr>
             <p:spPr>
               <a:xfrm>
-                <a:off x="786767" y="2153333"/>
+                <a:off x="786766" y="2109306"/>
                 <a:ext cx="334497" cy="307777"/>
               </a:xfrm>
               <a:prstGeom prst="rect">
@@ -8970,15 +8874,13 @@
           </p:cNvPr>
           <p:cNvCxnSpPr>
             <a:cxnSpLocks/>
-            <a:stCxn id="36" idx="3"/>
-            <a:endCxn id="69" idx="2"/>
           </p:cNvCxnSpPr>
           <p:nvPr/>
         </p:nvCxnSpPr>
         <p:spPr>
-          <a:xfrm flipV="1">
-            <a:off x="1121264" y="2295522"/>
-            <a:ext cx="2430935" cy="11700"/>
+          <a:xfrm>
+            <a:off x="1121263" y="2277825"/>
+            <a:ext cx="2447562" cy="0"/>
           </a:xfrm>
           <a:prstGeom prst="line">
             <a:avLst/>
@@ -9018,8 +8920,8 @@
         </p:nvCxnSpPr>
         <p:spPr>
           <a:xfrm>
-            <a:off x="1831524" y="2372945"/>
-            <a:ext cx="366" cy="892607"/>
+            <a:off x="1830150" y="2336945"/>
+            <a:ext cx="1740" cy="928607"/>
           </a:xfrm>
           <a:prstGeom prst="line">
             <a:avLst/>
@@ -9055,8 +8957,8 @@
         </p:nvSpPr>
         <p:spPr>
           <a:xfrm>
-            <a:off x="1759524" y="2228945"/>
-            <a:ext cx="144000" cy="144000"/>
+            <a:off x="1776150" y="2228945"/>
+            <a:ext cx="108000" cy="108000"/>
           </a:xfrm>
           <a:prstGeom prst="ellipse">
             <a:avLst/>
@@ -9104,9 +9006,9 @@
           <p:nvPr/>
         </p:nvCxnSpPr>
         <p:spPr>
-          <a:xfrm flipH="1">
-            <a:off x="2229655" y="2363336"/>
-            <a:ext cx="255" cy="138623"/>
+          <a:xfrm>
+            <a:off x="2228536" y="2327336"/>
+            <a:ext cx="1119" cy="174623"/>
           </a:xfrm>
           <a:prstGeom prst="line">
             <a:avLst/>
@@ -9142,8 +9044,8 @@
         </p:nvSpPr>
         <p:spPr>
           <a:xfrm>
-            <a:off x="2157910" y="2219336"/>
-            <a:ext cx="144000" cy="144000"/>
+            <a:off x="2174536" y="2219336"/>
+            <a:ext cx="108000" cy="108000"/>
           </a:xfrm>
           <a:prstGeom prst="ellipse">
             <a:avLst/>
@@ -9192,8 +9094,8 @@
         </p:nvCxnSpPr>
         <p:spPr>
           <a:xfrm>
-            <a:off x="3624199" y="2367522"/>
-            <a:ext cx="392" cy="122931"/>
+            <a:off x="3622825" y="2331522"/>
+            <a:ext cx="1766" cy="158931"/>
           </a:xfrm>
           <a:prstGeom prst="line">
             <a:avLst/>
@@ -9229,8 +9131,8 @@
         </p:nvSpPr>
         <p:spPr>
           <a:xfrm>
-            <a:off x="3552199" y="2223522"/>
-            <a:ext cx="144000" cy="144000"/>
+            <a:off x="3568825" y="2223522"/>
+            <a:ext cx="108000" cy="108000"/>
           </a:xfrm>
           <a:prstGeom prst="ellipse">
             <a:avLst/>
@@ -9275,8 +9177,8 @@
         </p:nvSpPr>
         <p:spPr>
           <a:xfrm>
-            <a:off x="2837629" y="2224226"/>
-            <a:ext cx="144000" cy="144000"/>
+            <a:off x="2854255" y="2224226"/>
+            <a:ext cx="108000" cy="108000"/>
           </a:xfrm>
           <a:prstGeom prst="ellipse">
             <a:avLst/>
@@ -9712,7 +9614,7 @@
         <p:spPr>
           <a:xfrm>
             <a:off x="2567036" y="1871921"/>
-            <a:ext cx="720106" cy="2806951"/>
+            <a:ext cx="720106" cy="2712539"/>
           </a:xfrm>
           <a:prstGeom prst="rect">
             <a:avLst/>
@@ -10159,6 +10061,14 @@
           <a:prstGeom prst="ellipse">
             <a:avLst/>
           </a:prstGeom>
+          <a:solidFill>
+            <a:schemeClr val="bg1"/>
+          </a:solidFill>
+          <a:ln>
+            <a:solidFill>
+              <a:schemeClr val="tx1"/>
+            </a:solidFill>
+          </a:ln>
         </p:spPr>
         <p:style>
           <a:lnRef idx="2">
@@ -10618,6 +10528,14 @@
           <a:prstGeom prst="ellipse">
             <a:avLst/>
           </a:prstGeom>
+          <a:solidFill>
+            <a:schemeClr val="bg1"/>
+          </a:solidFill>
+          <a:ln>
+            <a:solidFill>
+              <a:schemeClr val="tx1"/>
+            </a:solidFill>
+          </a:ln>
         </p:spPr>
         <p:style>
           <a:lnRef idx="2">
@@ -10975,6 +10893,14 @@
           <a:prstGeom prst="ellipse">
             <a:avLst/>
           </a:prstGeom>
+          <a:solidFill>
+            <a:schemeClr val="bg1"/>
+          </a:solidFill>
+          <a:ln>
+            <a:solidFill>
+              <a:schemeClr val="tx1"/>
+            </a:solidFill>
+          </a:ln>
         </p:spPr>
         <p:style>
           <a:lnRef idx="2">
@@ -11102,10 +11028,13 @@
           </a:xfrm>
           <a:prstGeom prst="curvedConnector3">
             <a:avLst>
-              <a:gd name="adj1" fmla="val -819578"/>
+              <a:gd name="adj1" fmla="val -607091"/>
             </a:avLst>
           </a:prstGeom>
           <a:ln>
+            <a:solidFill>
+              <a:srgbClr val="FF0000"/>
+            </a:solidFill>
             <a:tailEnd type="triangle"/>
           </a:ln>
         </p:spPr>
@@ -11138,7 +11067,7 @@
         </p:nvSpPr>
         <p:spPr>
           <a:xfrm>
-            <a:off x="2556482" y="5171697"/>
+            <a:off x="2556482" y="5452254"/>
             <a:ext cx="391974" cy="307777"/>
           </a:xfrm>
           <a:prstGeom prst="rect">
@@ -11173,8 +11102,8 @@
         </p:nvSpPr>
         <p:spPr>
           <a:xfrm>
-            <a:off x="6270234" y="5178829"/>
-            <a:ext cx="993834" cy="307777"/>
+            <a:off x="6294554" y="5448995"/>
+            <a:ext cx="440165" cy="307777"/>
           </a:xfrm>
           <a:prstGeom prst="rect">
             <a:avLst/>
@@ -11189,7 +11118,7 @@
           <a:p>
             <a:r>
               <a:rPr lang="en-VN" sz="1400"/>
-              <a:t>(b)</a:t>
+              <a:t> (c)</a:t>
             </a:r>
           </a:p>
         </p:txBody>
@@ -11208,8 +11137,8 @@
         </p:nvSpPr>
         <p:spPr>
           <a:xfrm>
-            <a:off x="9356197" y="5171698"/>
-            <a:ext cx="993834" cy="307777"/>
+            <a:off x="9345806" y="5452255"/>
+            <a:ext cx="587243" cy="307777"/>
           </a:xfrm>
           <a:prstGeom prst="rect">
             <a:avLst/>
@@ -11222,9 +11151,10 @@
           </a:bodyPr>
           <a:lstStyle/>
           <a:p>
+            <a:pPr algn="ctr"/>
             <a:r>
               <a:rPr lang="en-VN" sz="1400"/>
-              <a:t>(c)</a:t>
+              <a:t>(d)</a:t>
             </a:r>
           </a:p>
         </p:txBody>
@@ -11293,18 +11223,18 @@
           <p:cNvCxnSpPr>
             <a:cxnSpLocks/>
             <a:stCxn id="215" idx="3"/>
-            <a:endCxn id="127" idx="1"/>
+            <a:endCxn id="88" idx="1"/>
           </p:cNvCxnSpPr>
           <p:nvPr/>
         </p:nvCxnSpPr>
         <p:spPr>
           <a:xfrm flipV="1">
-            <a:off x="6344083" y="2731568"/>
-            <a:ext cx="2297462" cy="1393963"/>
+            <a:off x="6344083" y="2740224"/>
+            <a:ext cx="2281462" cy="1385307"/>
           </a:xfrm>
           <a:prstGeom prst="bentConnector3">
             <a:avLst>
-              <a:gd name="adj1" fmla="val 68905"/>
+              <a:gd name="adj1" fmla="val 69584"/>
             </a:avLst>
           </a:prstGeom>
           <a:ln w="19050">
@@ -12002,8 +11932,8 @@
         </p:nvSpPr>
         <p:spPr>
           <a:xfrm>
-            <a:off x="552040" y="1754883"/>
-            <a:ext cx="4436484" cy="3322986"/>
+            <a:off x="481036" y="1754882"/>
+            <a:ext cx="4538662" cy="3412797"/>
           </a:xfrm>
           <a:prstGeom prst="rect">
             <a:avLst/>
@@ -12218,7 +12148,7 @@
         <p:spPr>
           <a:xfrm>
             <a:off x="8192194" y="1741786"/>
-            <a:ext cx="2897977" cy="3336083"/>
+            <a:ext cx="2897977" cy="3425893"/>
           </a:xfrm>
           <a:prstGeom prst="rect">
             <a:avLst/>
@@ -12253,6 +12183,387 @@
           <a:p>
             <a:pPr algn="ctr"/>
             <a:endParaRPr lang="en-VN"/>
+          </a:p>
+        </p:txBody>
+      </p:sp>
+      <p:sp>
+        <p:nvSpPr>
+          <p:cNvPr id="324" name="Rectangle 323">
+            <a:extLst>
+              <a:ext uri="{FF2B5EF4-FFF2-40B4-BE49-F238E27FC236}">
+                <a16:creationId xmlns:a16="http://schemas.microsoft.com/office/drawing/2014/main" id="{1C91A8BD-42F8-3E68-DDFC-612919AFFEA6}"/>
+              </a:ext>
+            </a:extLst>
+          </p:cNvPr>
+          <p:cNvSpPr/>
+          <p:nvPr/>
+        </p:nvSpPr>
+        <p:spPr>
+          <a:xfrm>
+            <a:off x="543564" y="4000156"/>
+            <a:ext cx="4389497" cy="1025973"/>
+          </a:xfrm>
+          <a:prstGeom prst="rect">
+            <a:avLst/>
+          </a:prstGeom>
+          <a:noFill/>
+          <a:ln>
+            <a:solidFill>
+              <a:srgbClr val="FF0000"/>
+            </a:solidFill>
+            <a:prstDash val="solid"/>
+          </a:ln>
+        </p:spPr>
+        <p:style>
+          <a:lnRef idx="2">
+            <a:schemeClr val="accent1">
+              <a:shade val="15000"/>
+            </a:schemeClr>
+          </a:lnRef>
+          <a:fillRef idx="1">
+            <a:schemeClr val="accent1"/>
+          </a:fillRef>
+          <a:effectRef idx="0">
+            <a:schemeClr val="accent1"/>
+          </a:effectRef>
+          <a:fontRef idx="minor">
+            <a:schemeClr val="lt1"/>
+          </a:fontRef>
+        </p:style>
+        <p:txBody>
+          <a:bodyPr rtlCol="0" anchor="ctr"/>
+          <a:lstStyle/>
+          <a:p>
+            <a:pPr algn="ctr"/>
+            <a:endParaRPr lang="en-VN"/>
+          </a:p>
+        </p:txBody>
+      </p:sp>
+      <p:sp>
+        <p:nvSpPr>
+          <p:cNvPr id="327" name="TextBox 326">
+            <a:extLst>
+              <a:ext uri="{FF2B5EF4-FFF2-40B4-BE49-F238E27FC236}">
+                <a16:creationId xmlns:a16="http://schemas.microsoft.com/office/drawing/2014/main" id="{60E83A49-8309-48E8-0D68-21B25DD14286}"/>
+              </a:ext>
+            </a:extLst>
+          </p:cNvPr>
+          <p:cNvSpPr txBox="1"/>
+          <p:nvPr/>
+        </p:nvSpPr>
+        <p:spPr>
+          <a:xfrm>
+            <a:off x="3654166" y="5448995"/>
+            <a:ext cx="1284331" cy="307777"/>
+          </a:xfrm>
+          <a:prstGeom prst="rect">
+            <a:avLst/>
+          </a:prstGeom>
+          <a:noFill/>
+        </p:spPr>
+        <p:txBody>
+          <a:bodyPr wrap="square">
+            <a:spAutoFit/>
+          </a:bodyPr>
+          <a:lstStyle/>
+          <a:p>
+            <a:pPr algn="ctr"/>
+            <a:r>
+              <a:rPr lang="en-VN" sz="1400">
+                <a:solidFill>
+                  <a:schemeClr val="tx1"/>
+                </a:solidFill>
+              </a:rPr>
+              <a:t>(b)</a:t>
+            </a:r>
+          </a:p>
+        </p:txBody>
+      </p:sp>
+      <p:cxnSp>
+        <p:nvCxnSpPr>
+          <p:cNvPr id="329" name="Straight Arrow Connector 328">
+            <a:extLst>
+              <a:ext uri="{FF2B5EF4-FFF2-40B4-BE49-F238E27FC236}">
+                <a16:creationId xmlns:a16="http://schemas.microsoft.com/office/drawing/2014/main" id="{40CBD61A-EA52-4FEE-10DD-DF3F69763087}"/>
+              </a:ext>
+            </a:extLst>
+          </p:cNvPr>
+          <p:cNvCxnSpPr>
+            <a:cxnSpLocks/>
+            <a:endCxn id="327" idx="0"/>
+          </p:cNvCxnSpPr>
+          <p:nvPr/>
+        </p:nvCxnSpPr>
+        <p:spPr>
+          <a:xfrm>
+            <a:off x="4296332" y="5026129"/>
+            <a:ext cx="0" cy="422866"/>
+          </a:xfrm>
+          <a:prstGeom prst="straightConnector1">
+            <a:avLst/>
+          </a:prstGeom>
+          <a:ln>
+            <a:solidFill>
+              <a:srgbClr val="FF0000"/>
+            </a:solidFill>
+            <a:tailEnd type="triangle"/>
+          </a:ln>
+        </p:spPr>
+        <p:style>
+          <a:lnRef idx="1">
+            <a:schemeClr val="dk1"/>
+          </a:lnRef>
+          <a:fillRef idx="0">
+            <a:schemeClr val="dk1"/>
+          </a:fillRef>
+          <a:effectRef idx="0">
+            <a:schemeClr val="dk1"/>
+          </a:effectRef>
+          <a:fontRef idx="minor">
+            <a:schemeClr val="tx1"/>
+          </a:fontRef>
+        </p:style>
+      </p:cxnSp>
+      <p:cxnSp>
+        <p:nvCxnSpPr>
+          <p:cNvPr id="333" name="Straight Arrow Connector 332">
+            <a:extLst>
+              <a:ext uri="{FF2B5EF4-FFF2-40B4-BE49-F238E27FC236}">
+                <a16:creationId xmlns:a16="http://schemas.microsoft.com/office/drawing/2014/main" id="{8E1438BA-6A11-BFD8-41DC-87C38878B2A2}"/>
+              </a:ext>
+            </a:extLst>
+          </p:cNvPr>
+          <p:cNvCxnSpPr>
+            <a:cxnSpLocks/>
+            <a:stCxn id="298" idx="2"/>
+            <a:endCxn id="208" idx="0"/>
+          </p:cNvCxnSpPr>
+          <p:nvPr/>
+        </p:nvCxnSpPr>
+        <p:spPr>
+          <a:xfrm>
+            <a:off x="2750367" y="5167679"/>
+            <a:ext cx="2102" cy="284575"/>
+          </a:xfrm>
+          <a:prstGeom prst="straightConnector1">
+            <a:avLst/>
+          </a:prstGeom>
+          <a:ln>
+            <a:solidFill>
+              <a:srgbClr val="FF0000"/>
+            </a:solidFill>
+            <a:tailEnd type="triangle"/>
+          </a:ln>
+        </p:spPr>
+        <p:style>
+          <a:lnRef idx="1">
+            <a:schemeClr val="dk1"/>
+          </a:lnRef>
+          <a:fillRef idx="0">
+            <a:schemeClr val="dk1"/>
+          </a:fillRef>
+          <a:effectRef idx="0">
+            <a:schemeClr val="dk1"/>
+          </a:effectRef>
+          <a:fontRef idx="minor">
+            <a:schemeClr val="tx1"/>
+          </a:fontRef>
+        </p:style>
+      </p:cxnSp>
+      <p:cxnSp>
+        <p:nvCxnSpPr>
+          <p:cNvPr id="334" name="Straight Arrow Connector 333">
+            <a:extLst>
+              <a:ext uri="{FF2B5EF4-FFF2-40B4-BE49-F238E27FC236}">
+                <a16:creationId xmlns:a16="http://schemas.microsoft.com/office/drawing/2014/main" id="{E1665B26-1F58-638B-D785-98799299F86C}"/>
+              </a:ext>
+            </a:extLst>
+          </p:cNvPr>
+          <p:cNvCxnSpPr>
+            <a:cxnSpLocks/>
+            <a:stCxn id="309" idx="2"/>
+            <a:endCxn id="209" idx="0"/>
+          </p:cNvCxnSpPr>
+          <p:nvPr/>
+        </p:nvCxnSpPr>
+        <p:spPr>
+          <a:xfrm flipH="1">
+            <a:off x="6514637" y="3958872"/>
+            <a:ext cx="3053" cy="1490123"/>
+          </a:xfrm>
+          <a:prstGeom prst="straightConnector1">
+            <a:avLst/>
+          </a:prstGeom>
+          <a:ln>
+            <a:solidFill>
+              <a:srgbClr val="FF0000"/>
+            </a:solidFill>
+            <a:tailEnd type="triangle"/>
+          </a:ln>
+        </p:spPr>
+        <p:style>
+          <a:lnRef idx="1">
+            <a:schemeClr val="dk1"/>
+          </a:lnRef>
+          <a:fillRef idx="0">
+            <a:schemeClr val="dk1"/>
+          </a:fillRef>
+          <a:effectRef idx="0">
+            <a:schemeClr val="dk1"/>
+          </a:effectRef>
+          <a:fontRef idx="minor">
+            <a:schemeClr val="tx1"/>
+          </a:fontRef>
+        </p:style>
+      </p:cxnSp>
+      <p:cxnSp>
+        <p:nvCxnSpPr>
+          <p:cNvPr id="339" name="Straight Arrow Connector 338">
+            <a:extLst>
+              <a:ext uri="{FF2B5EF4-FFF2-40B4-BE49-F238E27FC236}">
+                <a16:creationId xmlns:a16="http://schemas.microsoft.com/office/drawing/2014/main" id="{A058FE53-4DA9-0A8D-9F6C-8874ED0786BC}"/>
+              </a:ext>
+            </a:extLst>
+          </p:cNvPr>
+          <p:cNvCxnSpPr>
+            <a:cxnSpLocks/>
+            <a:stCxn id="321" idx="2"/>
+            <a:endCxn id="210" idx="0"/>
+          </p:cNvCxnSpPr>
+          <p:nvPr/>
+        </p:nvCxnSpPr>
+        <p:spPr>
+          <a:xfrm flipH="1">
+            <a:off x="9639428" y="5167679"/>
+            <a:ext cx="1755" cy="284576"/>
+          </a:xfrm>
+          <a:prstGeom prst="straightConnector1">
+            <a:avLst/>
+          </a:prstGeom>
+          <a:ln>
+            <a:solidFill>
+              <a:srgbClr val="FF0000"/>
+            </a:solidFill>
+            <a:tailEnd type="triangle"/>
+          </a:ln>
+        </p:spPr>
+        <p:style>
+          <a:lnRef idx="1">
+            <a:schemeClr val="dk1"/>
+          </a:lnRef>
+          <a:fillRef idx="0">
+            <a:schemeClr val="dk1"/>
+          </a:fillRef>
+          <a:effectRef idx="0">
+            <a:schemeClr val="dk1"/>
+          </a:effectRef>
+          <a:fontRef idx="minor">
+            <a:schemeClr val="tx1"/>
+          </a:fontRef>
+        </p:style>
+      </p:cxnSp>
+      <p:sp>
+        <p:nvSpPr>
+          <p:cNvPr id="355" name="TextBox 354">
+            <a:extLst>
+              <a:ext uri="{FF2B5EF4-FFF2-40B4-BE49-F238E27FC236}">
+                <a16:creationId xmlns:a16="http://schemas.microsoft.com/office/drawing/2014/main" id="{1CE6253C-6FBD-7CF7-44BA-E69CB375EC27}"/>
+              </a:ext>
+            </a:extLst>
+          </p:cNvPr>
+          <p:cNvSpPr txBox="1"/>
+          <p:nvPr/>
+        </p:nvSpPr>
+        <p:spPr>
+          <a:xfrm>
+            <a:off x="592281" y="4700627"/>
+            <a:ext cx="937797" cy="276999"/>
+          </a:xfrm>
+          <a:prstGeom prst="rect">
+            <a:avLst/>
+          </a:prstGeom>
+          <a:noFill/>
+        </p:spPr>
+        <p:txBody>
+          <a:bodyPr wrap="square" rtlCol="0">
+            <a:spAutoFit/>
+          </a:bodyPr>
+          <a:lstStyle/>
+          <a:p>
+            <a:r>
+              <a:rPr lang="en-VN" sz="1200" b="1"/>
+              <a:t>VQE</a:t>
+            </a:r>
+          </a:p>
+        </p:txBody>
+      </p:sp>
+      <p:sp>
+        <p:nvSpPr>
+          <p:cNvPr id="356" name="TextBox 355">
+            <a:extLst>
+              <a:ext uri="{FF2B5EF4-FFF2-40B4-BE49-F238E27FC236}">
+                <a16:creationId xmlns:a16="http://schemas.microsoft.com/office/drawing/2014/main" id="{63E5145F-765F-4BD2-0C8A-330D8025B52C}"/>
+              </a:ext>
+            </a:extLst>
+          </p:cNvPr>
+          <p:cNvSpPr txBox="1"/>
+          <p:nvPr/>
+        </p:nvSpPr>
+        <p:spPr>
+          <a:xfrm>
+            <a:off x="2554203" y="1879796"/>
+            <a:ext cx="937797" cy="276999"/>
+          </a:xfrm>
+          <a:prstGeom prst="rect">
+            <a:avLst/>
+          </a:prstGeom>
+          <a:noFill/>
+        </p:spPr>
+        <p:txBody>
+          <a:bodyPr wrap="square" rtlCol="0">
+            <a:spAutoFit/>
+          </a:bodyPr>
+          <a:lstStyle/>
+          <a:p>
+            <a:r>
+              <a:rPr lang="en-VN" sz="1200" b="1"/>
+              <a:t>MCSWAP</a:t>
+            </a:r>
+          </a:p>
+        </p:txBody>
+      </p:sp>
+      <p:sp>
+        <p:nvSpPr>
+          <p:cNvPr id="357" name="TextBox 356">
+            <a:extLst>
+              <a:ext uri="{FF2B5EF4-FFF2-40B4-BE49-F238E27FC236}">
+                <a16:creationId xmlns:a16="http://schemas.microsoft.com/office/drawing/2014/main" id="{CE9B9D69-7168-EE98-D252-1A8D64E1B0FC}"/>
+              </a:ext>
+            </a:extLst>
+          </p:cNvPr>
+          <p:cNvSpPr txBox="1"/>
+          <p:nvPr/>
+        </p:nvSpPr>
+        <p:spPr>
+          <a:xfrm>
+            <a:off x="492994" y="1767550"/>
+            <a:ext cx="937797" cy="307777"/>
+          </a:xfrm>
+          <a:prstGeom prst="rect">
+            <a:avLst/>
+          </a:prstGeom>
+          <a:noFill/>
+        </p:spPr>
+        <p:txBody>
+          <a:bodyPr wrap="square" rtlCol="0">
+            <a:spAutoFit/>
+          </a:bodyPr>
+          <a:lstStyle/>
+          <a:p>
+            <a:r>
+              <a:rPr lang="en-VN" sz="1400" b="1"/>
+              <a:t>QPO</a:t>
+            </a:r>
           </a:p>
         </p:txBody>
       </p:sp>

--- a/images/Presentation4.pptx
+++ b/images/Presentation4.pptx
@@ -6080,7 +6080,7 @@
         <p:spPr>
           <a:xfrm>
             <a:off x="2908255" y="2332226"/>
-            <a:ext cx="0" cy="2252234"/>
+            <a:ext cx="18834" cy="2368401"/>
           </a:xfrm>
           <a:prstGeom prst="line">
             <a:avLst/>
@@ -9613,8 +9613,8 @@
         </p:nvSpPr>
         <p:spPr>
           <a:xfrm>
-            <a:off x="2567036" y="1871921"/>
-            <a:ext cx="720106" cy="2712539"/>
+            <a:off x="2567036" y="1829897"/>
+            <a:ext cx="720106" cy="2870730"/>
           </a:xfrm>
           <a:prstGeom prst="rect">
             <a:avLst/>
@@ -11023,12 +11023,12 @@
         </p:nvCxnSpPr>
         <p:spPr>
           <a:xfrm rot="16200000" flipH="1">
-            <a:off x="4704170" y="94839"/>
-            <a:ext cx="37655" cy="3591818"/>
+            <a:off x="4683158" y="73827"/>
+            <a:ext cx="79679" cy="3591818"/>
           </a:xfrm>
           <a:prstGeom prst="curvedConnector3">
             <a:avLst>
-              <a:gd name="adj1" fmla="val -607091"/>
+              <a:gd name="adj1" fmla="val -286901"/>
             </a:avLst>
           </a:prstGeom>
           <a:ln>
@@ -12511,13 +12511,15 @@
         </p:nvSpPr>
         <p:spPr>
           <a:xfrm>
-            <a:off x="2554203" y="1879796"/>
-            <a:ext cx="937797" cy="276999"/>
+            <a:off x="2344289" y="1869265"/>
+            <a:ext cx="1130314" cy="276999"/>
           </a:xfrm>
           <a:prstGeom prst="rect">
             <a:avLst/>
           </a:prstGeom>
-          <a:noFill/>
+          <a:solidFill>
+            <a:schemeClr val="bg1"/>
+          </a:solidFill>
         </p:spPr>
         <p:txBody>
           <a:bodyPr wrap="square" rtlCol="0">
@@ -12525,9 +12527,10 @@
           </a:bodyPr>
           <a:lstStyle/>
           <a:p>
+            <a:pPr algn="ctr"/>
             <a:r>
               <a:rPr lang="en-VN" sz="1200" b="1"/>
-              <a:t>MCSWAP</a:t>
+              <a:t>MCSWAP-TEST</a:t>
             </a:r>
           </a:p>
         </p:txBody>
